--- a/11_MaxpidE/MaxPIDE.pptx
+++ b/11_MaxpidE/MaxPIDE.pptx
@@ -17,8 +17,10 @@
     <p:sldId id="265" r:id="rId11"/>
     <p:sldId id="266" r:id="rId12"/>
     <p:sldId id="267" r:id="rId13"/>
-    <p:sldId id="268" r:id="rId14"/>
-    <p:sldId id="269" r:id="rId15"/>
+    <p:sldId id="270" r:id="rId14"/>
+    <p:sldId id="271" r:id="rId15"/>
+    <p:sldId id="268" r:id="rId16"/>
+    <p:sldId id="269" r:id="rId17"/>
   </p:sldIdLst>
   <p:sldSz cx="12192000" cy="6858000"/>
   <p:notesSz cx="6858000" cy="9144000"/>
@@ -117,6 +119,11 @@
       </a:defRPr>
     </a:lvl9pPr>
   </p:defaultTextStyle>
+  <p:extLst>
+    <p:ext uri="{EFAFB233-063F-42B5-8137-9DF3F51BA10A}">
+      <p15:sldGuideLst xmlns:p15="http://schemas.microsoft.com/office/powerpoint/2012/main"/>
+    </p:ext>
+  </p:extLst>
 </p:presentation>
 </file>
 
@@ -162,10 +169,9 @@
           </a:lstStyle>
           <a:p>
             <a:r>
-              <a:rPr lang="fr-FR" smtClean="0"/>
+              <a:rPr lang="fr-FR"/>
               <a:t>Modifiez le style du titre</a:t>
             </a:r>
-            <a:endParaRPr lang="fr-FR"/>
           </a:p>
         </p:txBody>
       </p:sp>
@@ -227,10 +233,9 @@
           </a:lstStyle>
           <a:p>
             <a:r>
-              <a:rPr lang="fr-FR" smtClean="0"/>
+              <a:rPr lang="fr-FR"/>
               <a:t>Modifier le style des sous-titres du masque</a:t>
             </a:r>
-            <a:endParaRPr lang="fr-FR"/>
           </a:p>
         </p:txBody>
       </p:sp>
@@ -251,7 +256,7 @@
           <a:p>
             <a:fld id="{446B8E21-113E-4F0A-8830-E88648DF3139}" type="datetimeFigureOut">
               <a:rPr lang="fr-FR" smtClean="0"/>
-              <a:t>11/03/2024</a:t>
+              <a:t>01/04/2024</a:t>
             </a:fld>
             <a:endParaRPr lang="fr-FR"/>
           </a:p>
@@ -345,10 +350,9 @@
           <a:lstStyle/>
           <a:p>
             <a:r>
-              <a:rPr lang="fr-FR" smtClean="0"/>
+              <a:rPr lang="fr-FR"/>
               <a:t>Modifiez le style du titre</a:t>
             </a:r>
-            <a:endParaRPr lang="fr-FR"/>
           </a:p>
         </p:txBody>
       </p:sp>
@@ -369,38 +373,37 @@
           <a:p>
             <a:pPr lvl="0"/>
             <a:r>
-              <a:rPr lang="fr-FR" smtClean="0"/>
+              <a:rPr lang="fr-FR"/>
               <a:t>Modifier les styles du texte du masque</a:t>
             </a:r>
           </a:p>
           <a:p>
             <a:pPr lvl="1"/>
             <a:r>
-              <a:rPr lang="fr-FR" smtClean="0"/>
+              <a:rPr lang="fr-FR"/>
               <a:t>Deuxième niveau</a:t>
             </a:r>
           </a:p>
           <a:p>
             <a:pPr lvl="2"/>
             <a:r>
-              <a:rPr lang="fr-FR" smtClean="0"/>
+              <a:rPr lang="fr-FR"/>
               <a:t>Troisième niveau</a:t>
             </a:r>
           </a:p>
           <a:p>
             <a:pPr lvl="3"/>
             <a:r>
-              <a:rPr lang="fr-FR" smtClean="0"/>
+              <a:rPr lang="fr-FR"/>
               <a:t>Quatrième niveau</a:t>
             </a:r>
           </a:p>
           <a:p>
             <a:pPr lvl="4"/>
             <a:r>
-              <a:rPr lang="fr-FR" smtClean="0"/>
+              <a:rPr lang="fr-FR"/>
               <a:t>Cinquième niveau</a:t>
             </a:r>
-            <a:endParaRPr lang="fr-FR"/>
           </a:p>
         </p:txBody>
       </p:sp>
@@ -421,7 +424,7 @@
           <a:p>
             <a:fld id="{446B8E21-113E-4F0A-8830-E88648DF3139}" type="datetimeFigureOut">
               <a:rPr lang="fr-FR" smtClean="0"/>
-              <a:t>11/03/2024</a:t>
+              <a:t>01/04/2024</a:t>
             </a:fld>
             <a:endParaRPr lang="fr-FR"/>
           </a:p>
@@ -520,10 +523,9 @@
           <a:lstStyle/>
           <a:p>
             <a:r>
-              <a:rPr lang="fr-FR" smtClean="0"/>
+              <a:rPr lang="fr-FR"/>
               <a:t>Modifiez le style du titre</a:t>
             </a:r>
-            <a:endParaRPr lang="fr-FR"/>
           </a:p>
         </p:txBody>
       </p:sp>
@@ -549,38 +551,37 @@
           <a:p>
             <a:pPr lvl="0"/>
             <a:r>
-              <a:rPr lang="fr-FR" smtClean="0"/>
+              <a:rPr lang="fr-FR"/>
               <a:t>Modifier les styles du texte du masque</a:t>
             </a:r>
           </a:p>
           <a:p>
             <a:pPr lvl="1"/>
             <a:r>
-              <a:rPr lang="fr-FR" smtClean="0"/>
+              <a:rPr lang="fr-FR"/>
               <a:t>Deuxième niveau</a:t>
             </a:r>
           </a:p>
           <a:p>
             <a:pPr lvl="2"/>
             <a:r>
-              <a:rPr lang="fr-FR" smtClean="0"/>
+              <a:rPr lang="fr-FR"/>
               <a:t>Troisième niveau</a:t>
             </a:r>
           </a:p>
           <a:p>
             <a:pPr lvl="3"/>
             <a:r>
-              <a:rPr lang="fr-FR" smtClean="0"/>
+              <a:rPr lang="fr-FR"/>
               <a:t>Quatrième niveau</a:t>
             </a:r>
           </a:p>
           <a:p>
             <a:pPr lvl="4"/>
             <a:r>
-              <a:rPr lang="fr-FR" smtClean="0"/>
+              <a:rPr lang="fr-FR"/>
               <a:t>Cinquième niveau</a:t>
             </a:r>
-            <a:endParaRPr lang="fr-FR"/>
           </a:p>
         </p:txBody>
       </p:sp>
@@ -601,7 +602,7 @@
           <a:p>
             <a:fld id="{446B8E21-113E-4F0A-8830-E88648DF3139}" type="datetimeFigureOut">
               <a:rPr lang="fr-FR" smtClean="0"/>
-              <a:t>11/03/2024</a:t>
+              <a:t>01/04/2024</a:t>
             </a:fld>
             <a:endParaRPr lang="fr-FR"/>
           </a:p>
@@ -695,10 +696,9 @@
           <a:lstStyle/>
           <a:p>
             <a:r>
-              <a:rPr lang="fr-FR" smtClean="0"/>
+              <a:rPr lang="fr-FR"/>
               <a:t>Modifiez le style du titre</a:t>
             </a:r>
-            <a:endParaRPr lang="fr-FR"/>
           </a:p>
         </p:txBody>
       </p:sp>
@@ -719,38 +719,37 @@
           <a:p>
             <a:pPr lvl="0"/>
             <a:r>
-              <a:rPr lang="fr-FR" smtClean="0"/>
+              <a:rPr lang="fr-FR"/>
               <a:t>Modifier les styles du texte du masque</a:t>
             </a:r>
           </a:p>
           <a:p>
             <a:pPr lvl="1"/>
             <a:r>
-              <a:rPr lang="fr-FR" smtClean="0"/>
+              <a:rPr lang="fr-FR"/>
               <a:t>Deuxième niveau</a:t>
             </a:r>
           </a:p>
           <a:p>
             <a:pPr lvl="2"/>
             <a:r>
-              <a:rPr lang="fr-FR" smtClean="0"/>
+              <a:rPr lang="fr-FR"/>
               <a:t>Troisième niveau</a:t>
             </a:r>
           </a:p>
           <a:p>
             <a:pPr lvl="3"/>
             <a:r>
-              <a:rPr lang="fr-FR" smtClean="0"/>
+              <a:rPr lang="fr-FR"/>
               <a:t>Quatrième niveau</a:t>
             </a:r>
           </a:p>
           <a:p>
             <a:pPr lvl="4"/>
             <a:r>
-              <a:rPr lang="fr-FR" smtClean="0"/>
+              <a:rPr lang="fr-FR"/>
               <a:t>Cinquième niveau</a:t>
             </a:r>
-            <a:endParaRPr lang="fr-FR"/>
           </a:p>
         </p:txBody>
       </p:sp>
@@ -771,7 +770,7 @@
           <a:p>
             <a:fld id="{446B8E21-113E-4F0A-8830-E88648DF3139}" type="datetimeFigureOut">
               <a:rPr lang="fr-FR" smtClean="0"/>
-              <a:t>11/03/2024</a:t>
+              <a:t>01/04/2024</a:t>
             </a:fld>
             <a:endParaRPr lang="fr-FR"/>
           </a:p>
@@ -874,10 +873,9 @@
           </a:lstStyle>
           <a:p>
             <a:r>
-              <a:rPr lang="fr-FR" smtClean="0"/>
+              <a:rPr lang="fr-FR"/>
               <a:t>Modifiez le style du titre</a:t>
             </a:r>
-            <a:endParaRPr lang="fr-FR"/>
           </a:p>
         </p:txBody>
       </p:sp>
@@ -994,7 +992,7 @@
           <a:p>
             <a:pPr lvl="0"/>
             <a:r>
-              <a:rPr lang="fr-FR" smtClean="0"/>
+              <a:rPr lang="fr-FR"/>
               <a:t>Modifier les styles du texte du masque</a:t>
             </a:r>
           </a:p>
@@ -1017,7 +1015,7 @@
           <a:p>
             <a:fld id="{446B8E21-113E-4F0A-8830-E88648DF3139}" type="datetimeFigureOut">
               <a:rPr lang="fr-FR" smtClean="0"/>
-              <a:t>11/03/2024</a:t>
+              <a:t>01/04/2024</a:t>
             </a:fld>
             <a:endParaRPr lang="fr-FR"/>
           </a:p>
@@ -1111,10 +1109,9 @@
           <a:lstStyle/>
           <a:p>
             <a:r>
-              <a:rPr lang="fr-FR" smtClean="0"/>
+              <a:rPr lang="fr-FR"/>
               <a:t>Modifiez le style du titre</a:t>
             </a:r>
-            <a:endParaRPr lang="fr-FR"/>
           </a:p>
         </p:txBody>
       </p:sp>
@@ -1140,38 +1137,37 @@
           <a:p>
             <a:pPr lvl="0"/>
             <a:r>
-              <a:rPr lang="fr-FR" smtClean="0"/>
+              <a:rPr lang="fr-FR"/>
               <a:t>Modifier les styles du texte du masque</a:t>
             </a:r>
           </a:p>
           <a:p>
             <a:pPr lvl="1"/>
             <a:r>
-              <a:rPr lang="fr-FR" smtClean="0"/>
+              <a:rPr lang="fr-FR"/>
               <a:t>Deuxième niveau</a:t>
             </a:r>
           </a:p>
           <a:p>
             <a:pPr lvl="2"/>
             <a:r>
-              <a:rPr lang="fr-FR" smtClean="0"/>
+              <a:rPr lang="fr-FR"/>
               <a:t>Troisième niveau</a:t>
             </a:r>
           </a:p>
           <a:p>
             <a:pPr lvl="3"/>
             <a:r>
-              <a:rPr lang="fr-FR" smtClean="0"/>
+              <a:rPr lang="fr-FR"/>
               <a:t>Quatrième niveau</a:t>
             </a:r>
           </a:p>
           <a:p>
             <a:pPr lvl="4"/>
             <a:r>
-              <a:rPr lang="fr-FR" smtClean="0"/>
+              <a:rPr lang="fr-FR"/>
               <a:t>Cinquième niveau</a:t>
             </a:r>
-            <a:endParaRPr lang="fr-FR"/>
           </a:p>
         </p:txBody>
       </p:sp>
@@ -1197,38 +1193,37 @@
           <a:p>
             <a:pPr lvl="0"/>
             <a:r>
-              <a:rPr lang="fr-FR" smtClean="0"/>
+              <a:rPr lang="fr-FR"/>
               <a:t>Modifier les styles du texte du masque</a:t>
             </a:r>
           </a:p>
           <a:p>
             <a:pPr lvl="1"/>
             <a:r>
-              <a:rPr lang="fr-FR" smtClean="0"/>
+              <a:rPr lang="fr-FR"/>
               <a:t>Deuxième niveau</a:t>
             </a:r>
           </a:p>
           <a:p>
             <a:pPr lvl="2"/>
             <a:r>
-              <a:rPr lang="fr-FR" smtClean="0"/>
+              <a:rPr lang="fr-FR"/>
               <a:t>Troisième niveau</a:t>
             </a:r>
           </a:p>
           <a:p>
             <a:pPr lvl="3"/>
             <a:r>
-              <a:rPr lang="fr-FR" smtClean="0"/>
+              <a:rPr lang="fr-FR"/>
               <a:t>Quatrième niveau</a:t>
             </a:r>
           </a:p>
           <a:p>
             <a:pPr lvl="4"/>
             <a:r>
-              <a:rPr lang="fr-FR" smtClean="0"/>
+              <a:rPr lang="fr-FR"/>
               <a:t>Cinquième niveau</a:t>
             </a:r>
-            <a:endParaRPr lang="fr-FR"/>
           </a:p>
         </p:txBody>
       </p:sp>
@@ -1249,7 +1244,7 @@
           <a:p>
             <a:fld id="{446B8E21-113E-4F0A-8830-E88648DF3139}" type="datetimeFigureOut">
               <a:rPr lang="fr-FR" smtClean="0"/>
-              <a:t>11/03/2024</a:t>
+              <a:t>01/04/2024</a:t>
             </a:fld>
             <a:endParaRPr lang="fr-FR"/>
           </a:p>
@@ -1348,10 +1343,9 @@
           <a:lstStyle/>
           <a:p>
             <a:r>
-              <a:rPr lang="fr-FR" smtClean="0"/>
+              <a:rPr lang="fr-FR"/>
               <a:t>Modifiez le style du titre</a:t>
             </a:r>
-            <a:endParaRPr lang="fr-FR"/>
           </a:p>
         </p:txBody>
       </p:sp>
@@ -1414,7 +1408,7 @@
           <a:p>
             <a:pPr lvl="0"/>
             <a:r>
-              <a:rPr lang="fr-FR" smtClean="0"/>
+              <a:rPr lang="fr-FR"/>
               <a:t>Modifier les styles du texte du masque</a:t>
             </a:r>
           </a:p>
@@ -1442,38 +1436,37 @@
           <a:p>
             <a:pPr lvl="0"/>
             <a:r>
-              <a:rPr lang="fr-FR" smtClean="0"/>
+              <a:rPr lang="fr-FR"/>
               <a:t>Modifier les styles du texte du masque</a:t>
             </a:r>
           </a:p>
           <a:p>
             <a:pPr lvl="1"/>
             <a:r>
-              <a:rPr lang="fr-FR" smtClean="0"/>
+              <a:rPr lang="fr-FR"/>
               <a:t>Deuxième niveau</a:t>
             </a:r>
           </a:p>
           <a:p>
             <a:pPr lvl="2"/>
             <a:r>
-              <a:rPr lang="fr-FR" smtClean="0"/>
+              <a:rPr lang="fr-FR"/>
               <a:t>Troisième niveau</a:t>
             </a:r>
           </a:p>
           <a:p>
             <a:pPr lvl="3"/>
             <a:r>
-              <a:rPr lang="fr-FR" smtClean="0"/>
+              <a:rPr lang="fr-FR"/>
               <a:t>Quatrième niveau</a:t>
             </a:r>
           </a:p>
           <a:p>
             <a:pPr lvl="4"/>
             <a:r>
-              <a:rPr lang="fr-FR" smtClean="0"/>
+              <a:rPr lang="fr-FR"/>
               <a:t>Cinquième niveau</a:t>
             </a:r>
-            <a:endParaRPr lang="fr-FR"/>
           </a:p>
         </p:txBody>
       </p:sp>
@@ -1536,7 +1529,7 @@
           <a:p>
             <a:pPr lvl="0"/>
             <a:r>
-              <a:rPr lang="fr-FR" smtClean="0"/>
+              <a:rPr lang="fr-FR"/>
               <a:t>Modifier les styles du texte du masque</a:t>
             </a:r>
           </a:p>
@@ -1564,38 +1557,37 @@
           <a:p>
             <a:pPr lvl="0"/>
             <a:r>
-              <a:rPr lang="fr-FR" smtClean="0"/>
+              <a:rPr lang="fr-FR"/>
               <a:t>Modifier les styles du texte du masque</a:t>
             </a:r>
           </a:p>
           <a:p>
             <a:pPr lvl="1"/>
             <a:r>
-              <a:rPr lang="fr-FR" smtClean="0"/>
+              <a:rPr lang="fr-FR"/>
               <a:t>Deuxième niveau</a:t>
             </a:r>
           </a:p>
           <a:p>
             <a:pPr lvl="2"/>
             <a:r>
-              <a:rPr lang="fr-FR" smtClean="0"/>
+              <a:rPr lang="fr-FR"/>
               <a:t>Troisième niveau</a:t>
             </a:r>
           </a:p>
           <a:p>
             <a:pPr lvl="3"/>
             <a:r>
-              <a:rPr lang="fr-FR" smtClean="0"/>
+              <a:rPr lang="fr-FR"/>
               <a:t>Quatrième niveau</a:t>
             </a:r>
           </a:p>
           <a:p>
             <a:pPr lvl="4"/>
             <a:r>
-              <a:rPr lang="fr-FR" smtClean="0"/>
+              <a:rPr lang="fr-FR"/>
               <a:t>Cinquième niveau</a:t>
             </a:r>
-            <a:endParaRPr lang="fr-FR"/>
           </a:p>
         </p:txBody>
       </p:sp>
@@ -1616,7 +1608,7 @@
           <a:p>
             <a:fld id="{446B8E21-113E-4F0A-8830-E88648DF3139}" type="datetimeFigureOut">
               <a:rPr lang="fr-FR" smtClean="0"/>
-              <a:t>11/03/2024</a:t>
+              <a:t>01/04/2024</a:t>
             </a:fld>
             <a:endParaRPr lang="fr-FR"/>
           </a:p>
@@ -1710,10 +1702,9 @@
           <a:lstStyle/>
           <a:p>
             <a:r>
-              <a:rPr lang="fr-FR" smtClean="0"/>
+              <a:rPr lang="fr-FR"/>
               <a:t>Modifiez le style du titre</a:t>
             </a:r>
-            <a:endParaRPr lang="fr-FR"/>
           </a:p>
         </p:txBody>
       </p:sp>
@@ -1734,7 +1725,7 @@
           <a:p>
             <a:fld id="{446B8E21-113E-4F0A-8830-E88648DF3139}" type="datetimeFigureOut">
               <a:rPr lang="fr-FR" smtClean="0"/>
-              <a:t>11/03/2024</a:t>
+              <a:t>01/04/2024</a:t>
             </a:fld>
             <a:endParaRPr lang="fr-FR"/>
           </a:p>
@@ -1829,7 +1820,7 @@
           <a:p>
             <a:fld id="{446B8E21-113E-4F0A-8830-E88648DF3139}" type="datetimeFigureOut">
               <a:rPr lang="fr-FR" smtClean="0"/>
-              <a:t>11/03/2024</a:t>
+              <a:t>01/04/2024</a:t>
             </a:fld>
             <a:endParaRPr lang="fr-FR"/>
           </a:p>
@@ -1932,10 +1923,9 @@
           </a:lstStyle>
           <a:p>
             <a:r>
-              <a:rPr lang="fr-FR" smtClean="0"/>
+              <a:rPr lang="fr-FR"/>
               <a:t>Modifiez le style du titre</a:t>
             </a:r>
-            <a:endParaRPr lang="fr-FR"/>
           </a:p>
         </p:txBody>
       </p:sp>
@@ -1989,38 +1979,37 @@
           <a:p>
             <a:pPr lvl="0"/>
             <a:r>
-              <a:rPr lang="fr-FR" smtClean="0"/>
+              <a:rPr lang="fr-FR"/>
               <a:t>Modifier les styles du texte du masque</a:t>
             </a:r>
           </a:p>
           <a:p>
             <a:pPr lvl="1"/>
             <a:r>
-              <a:rPr lang="fr-FR" smtClean="0"/>
+              <a:rPr lang="fr-FR"/>
               <a:t>Deuxième niveau</a:t>
             </a:r>
           </a:p>
           <a:p>
             <a:pPr lvl="2"/>
             <a:r>
-              <a:rPr lang="fr-FR" smtClean="0"/>
+              <a:rPr lang="fr-FR"/>
               <a:t>Troisième niveau</a:t>
             </a:r>
           </a:p>
           <a:p>
             <a:pPr lvl="3"/>
             <a:r>
-              <a:rPr lang="fr-FR" smtClean="0"/>
+              <a:rPr lang="fr-FR"/>
               <a:t>Quatrième niveau</a:t>
             </a:r>
           </a:p>
           <a:p>
             <a:pPr lvl="4"/>
             <a:r>
-              <a:rPr lang="fr-FR" smtClean="0"/>
+              <a:rPr lang="fr-FR"/>
               <a:t>Cinquième niveau</a:t>
             </a:r>
-            <a:endParaRPr lang="fr-FR"/>
           </a:p>
         </p:txBody>
       </p:sp>
@@ -2083,7 +2072,7 @@
           <a:p>
             <a:pPr lvl="0"/>
             <a:r>
-              <a:rPr lang="fr-FR" smtClean="0"/>
+              <a:rPr lang="fr-FR"/>
               <a:t>Modifier les styles du texte du masque</a:t>
             </a:r>
           </a:p>
@@ -2106,7 +2095,7 @@
           <a:p>
             <a:fld id="{446B8E21-113E-4F0A-8830-E88648DF3139}" type="datetimeFigureOut">
               <a:rPr lang="fr-FR" smtClean="0"/>
-              <a:t>11/03/2024</a:t>
+              <a:t>01/04/2024</a:t>
             </a:fld>
             <a:endParaRPr lang="fr-FR"/>
           </a:p>
@@ -2209,10 +2198,9 @@
           </a:lstStyle>
           <a:p>
             <a:r>
-              <a:rPr lang="fr-FR" smtClean="0"/>
+              <a:rPr lang="fr-FR"/>
               <a:t>Modifiez le style du titre</a:t>
             </a:r>
-            <a:endParaRPr lang="fr-FR"/>
           </a:p>
         </p:txBody>
       </p:sp>
@@ -2336,7 +2324,7 @@
           <a:p>
             <a:pPr lvl="0"/>
             <a:r>
-              <a:rPr lang="fr-FR" smtClean="0"/>
+              <a:rPr lang="fr-FR"/>
               <a:t>Modifier les styles du texte du masque</a:t>
             </a:r>
           </a:p>
@@ -2359,7 +2347,7 @@
           <a:p>
             <a:fld id="{446B8E21-113E-4F0A-8830-E88648DF3139}" type="datetimeFigureOut">
               <a:rPr lang="fr-FR" smtClean="0"/>
-              <a:t>11/03/2024</a:t>
+              <a:t>01/04/2024</a:t>
             </a:fld>
             <a:endParaRPr lang="fr-FR"/>
           </a:p>
@@ -2468,10 +2456,9 @@
           <a:lstStyle/>
           <a:p>
             <a:r>
-              <a:rPr lang="fr-FR" smtClean="0"/>
+              <a:rPr lang="fr-FR"/>
               <a:t>Modifiez le style du titre</a:t>
             </a:r>
-            <a:endParaRPr lang="fr-FR"/>
           </a:p>
         </p:txBody>
       </p:sp>
@@ -2502,38 +2489,37 @@
           <a:p>
             <a:pPr lvl="0"/>
             <a:r>
-              <a:rPr lang="fr-FR" smtClean="0"/>
+              <a:rPr lang="fr-FR"/>
               <a:t>Modifier les styles du texte du masque</a:t>
             </a:r>
           </a:p>
           <a:p>
             <a:pPr lvl="1"/>
             <a:r>
-              <a:rPr lang="fr-FR" smtClean="0"/>
+              <a:rPr lang="fr-FR"/>
               <a:t>Deuxième niveau</a:t>
             </a:r>
           </a:p>
           <a:p>
             <a:pPr lvl="2"/>
             <a:r>
-              <a:rPr lang="fr-FR" smtClean="0"/>
+              <a:rPr lang="fr-FR"/>
               <a:t>Troisième niveau</a:t>
             </a:r>
           </a:p>
           <a:p>
             <a:pPr lvl="3"/>
             <a:r>
-              <a:rPr lang="fr-FR" smtClean="0"/>
+              <a:rPr lang="fr-FR"/>
               <a:t>Quatrième niveau</a:t>
             </a:r>
           </a:p>
           <a:p>
             <a:pPr lvl="4"/>
             <a:r>
-              <a:rPr lang="fr-FR" smtClean="0"/>
+              <a:rPr lang="fr-FR"/>
               <a:t>Cinquième niveau</a:t>
             </a:r>
-            <a:endParaRPr lang="fr-FR"/>
           </a:p>
         </p:txBody>
       </p:sp>
@@ -2572,7 +2558,7 @@
           <a:p>
             <a:fld id="{446B8E21-113E-4F0A-8830-E88648DF3139}" type="datetimeFigureOut">
               <a:rPr lang="fr-FR" smtClean="0"/>
-              <a:t>11/03/2024</a:t>
+              <a:t>01/04/2024</a:t>
             </a:fld>
             <a:endParaRPr lang="fr-FR"/>
           </a:p>
@@ -3432,6 +3418,5194 @@
           <a:chExt cx="0" cy="0"/>
         </a:xfrm>
       </p:grpSpPr>
+      <mc:AlternateContent xmlns:mc="http://schemas.openxmlformats.org/markup-compatibility/2006">
+        <mc:Choice xmlns:a14="http://schemas.microsoft.com/office/drawing/2010/main" Requires="a14">
+          <p:sp>
+            <p:nvSpPr>
+              <p:cNvPr id="2" name="Titre 1">
+                <a:extLst>
+                  <a:ext uri="{FF2B5EF4-FFF2-40B4-BE49-F238E27FC236}">
+                    <a16:creationId xmlns:a16="http://schemas.microsoft.com/office/drawing/2014/main" id="{35E20114-5797-9734-C79B-6CC4E8C41E67}"/>
+                  </a:ext>
+                </a:extLst>
+              </p:cNvPr>
+              <p:cNvSpPr>
+                <a:spLocks noGrp="1"/>
+              </p:cNvSpPr>
+              <p:nvPr>
+                <p:ph type="title"/>
+              </p:nvPr>
+            </p:nvSpPr>
+            <p:spPr/>
+            <p:txBody>
+              <a:bodyPr/>
+              <a:lstStyle/>
+              <a:p>
+                <a:r>
+                  <a:rPr lang="fr-FR" dirty="0"/>
+                  <a:t>Boucle de courant, temps de boucle </a:t>
+                </a:r>
+                <a14:m>
+                  <m:oMath xmlns:m="http://schemas.openxmlformats.org/officeDocument/2006/math">
+                    <m:r>
+                      <a:rPr lang="fr-FR" b="0" i="1" smtClean="0">
+                        <a:latin typeface="Cambria Math" panose="02040503050406030204" pitchFamily="18" charset="0"/>
+                      </a:rPr>
+                      <m:t>100</m:t>
+                    </m:r>
+                    <m:r>
+                      <a:rPr lang="fr-FR" b="0" i="1" smtClean="0">
+                        <a:latin typeface="Cambria Math" panose="02040503050406030204" pitchFamily="18" charset="0"/>
+                      </a:rPr>
+                      <m:t>𝜇</m:t>
+                    </m:r>
+                    <m:r>
+                      <a:rPr lang="fr-FR" b="0" i="1" smtClean="0">
+                        <a:latin typeface="Cambria Math" panose="02040503050406030204" pitchFamily="18" charset="0"/>
+                      </a:rPr>
+                      <m:t>𝑠</m:t>
+                    </m:r>
+                  </m:oMath>
+                </a14:m>
+                <a:endParaRPr lang="fr-FR" dirty="0"/>
+              </a:p>
+            </p:txBody>
+          </p:sp>
+        </mc:Choice>
+        <mc:Fallback>
+          <p:sp>
+            <p:nvSpPr>
+              <p:cNvPr id="2" name="Titre 1">
+                <a:extLst>
+                  <a:ext uri="{FF2B5EF4-FFF2-40B4-BE49-F238E27FC236}">
+                    <a16:creationId xmlns:a16="http://schemas.microsoft.com/office/drawing/2014/main" id="{35E20114-5797-9734-C79B-6CC4E8C41E67}"/>
+                  </a:ext>
+                </a:extLst>
+              </p:cNvPr>
+              <p:cNvSpPr>
+                <a:spLocks noGrp="1" noRot="1" noChangeAspect="1" noMove="1" noResize="1" noEditPoints="1" noAdjustHandles="1" noChangeArrowheads="1" noChangeShapeType="1" noTextEdit="1"/>
+              </p:cNvSpPr>
+              <p:nvPr>
+                <p:ph type="title"/>
+              </p:nvPr>
+            </p:nvSpPr>
+            <p:spPr>
+              <a:blipFill>
+                <a:blip r:embed="rId2"/>
+                <a:stretch>
+                  <a:fillRect l="-2377"/>
+                </a:stretch>
+              </a:blipFill>
+            </p:spPr>
+            <p:txBody>
+              <a:bodyPr/>
+              <a:lstStyle/>
+              <a:p>
+                <a:r>
+                  <a:rPr lang="fr-FR">
+                    <a:noFill/>
+                  </a:rPr>
+                  <a:t> </a:t>
+                </a:r>
+              </a:p>
+            </p:txBody>
+          </p:sp>
+        </mc:Fallback>
+      </mc:AlternateContent>
+      <mc:AlternateContent xmlns:mc="http://schemas.openxmlformats.org/markup-compatibility/2006">
+        <mc:Choice xmlns:a14="http://schemas.microsoft.com/office/drawing/2010/main" Requires="a14">
+          <p:sp>
+            <p:nvSpPr>
+              <p:cNvPr id="4" name="Rectangle 3">
+                <a:extLst>
+                  <a:ext uri="{FF2B5EF4-FFF2-40B4-BE49-F238E27FC236}">
+                    <a16:creationId xmlns:a16="http://schemas.microsoft.com/office/drawing/2014/main" id="{1A3132DF-2887-7E95-271B-14F5829A5343}"/>
+                  </a:ext>
+                </a:extLst>
+              </p:cNvPr>
+              <p:cNvSpPr/>
+              <p:nvPr/>
+            </p:nvSpPr>
+            <p:spPr>
+              <a:xfrm>
+                <a:off x="3756292" y="1993607"/>
+                <a:ext cx="1620000" cy="540000"/>
+              </a:xfrm>
+              <a:prstGeom prst="rect">
+                <a:avLst/>
+              </a:prstGeom>
+              <a:noFill/>
+              <a:ln w="19050">
+                <a:solidFill>
+                  <a:srgbClr val="002060"/>
+                </a:solidFill>
+              </a:ln>
+            </p:spPr>
+            <p:style>
+              <a:lnRef idx="2">
+                <a:schemeClr val="accent1">
+                  <a:shade val="15000"/>
+                </a:schemeClr>
+              </a:lnRef>
+              <a:fillRef idx="1">
+                <a:schemeClr val="accent1"/>
+              </a:fillRef>
+              <a:effectRef idx="0">
+                <a:schemeClr val="accent1"/>
+              </a:effectRef>
+              <a:fontRef idx="minor">
+                <a:schemeClr val="lt1"/>
+              </a:fontRef>
+            </p:style>
+            <p:txBody>
+              <a:bodyPr rtlCol="0" anchor="ctr"/>
+              <a:lstStyle/>
+              <a:p>
+                <a:pPr algn="ctr"/>
+                <a14:m>
+                  <m:oMathPara xmlns:m="http://schemas.openxmlformats.org/officeDocument/2006/math">
+                    <m:oMathParaPr>
+                      <m:jc m:val="centerGroup"/>
+                    </m:oMathParaPr>
+                    <m:oMath xmlns:m="http://schemas.openxmlformats.org/officeDocument/2006/math">
+                      <m:r>
+                        <a:rPr lang="fr-FR" sz="1200" b="0" i="1" smtClean="0">
+                          <a:solidFill>
+                            <a:schemeClr val="tx1"/>
+                          </a:solidFill>
+                          <a:latin typeface="Cambria Math" panose="02040503050406030204" pitchFamily="18" charset="0"/>
+                        </a:rPr>
+                        <m:t>3,91×</m:t>
+                      </m:r>
+                      <m:sSup>
+                        <m:sSupPr>
+                          <m:ctrlPr>
+                            <a:rPr lang="fr-FR" sz="1200" b="0" i="1" smtClean="0">
+                              <a:solidFill>
+                                <a:schemeClr val="tx1"/>
+                              </a:solidFill>
+                              <a:latin typeface="Cambria Math" panose="02040503050406030204" pitchFamily="18" charset="0"/>
+                            </a:rPr>
+                          </m:ctrlPr>
+                        </m:sSupPr>
+                        <m:e>
+                          <m:r>
+                            <a:rPr lang="fr-FR" sz="1200" b="0" i="1" smtClean="0">
+                              <a:solidFill>
+                                <a:schemeClr val="tx1"/>
+                              </a:solidFill>
+                              <a:latin typeface="Cambria Math" panose="02040503050406030204" pitchFamily="18" charset="0"/>
+                            </a:rPr>
+                            <m:t>10</m:t>
+                          </m:r>
+                        </m:e>
+                        <m:sup>
+                          <m:r>
+                            <a:rPr lang="fr-FR" sz="1200" b="0" i="1" smtClean="0">
+                              <a:solidFill>
+                                <a:schemeClr val="tx1"/>
+                              </a:solidFill>
+                              <a:latin typeface="Cambria Math" panose="02040503050406030204" pitchFamily="18" charset="0"/>
+                            </a:rPr>
+                            <m:t>−3</m:t>
+                          </m:r>
+                        </m:sup>
+                      </m:sSup>
+                      <m:r>
+                        <a:rPr lang="fr-FR" sz="1200" b="0" i="1" smtClean="0">
+                          <a:solidFill>
+                            <a:schemeClr val="tx1"/>
+                          </a:solidFill>
+                          <a:latin typeface="Cambria Math" panose="02040503050406030204" pitchFamily="18" charset="0"/>
+                        </a:rPr>
+                        <m:t>×</m:t>
+                      </m:r>
+                      <m:sSub>
+                        <m:sSubPr>
+                          <m:ctrlPr>
+                            <a:rPr lang="fr-FR" sz="1200" b="0" i="1" smtClean="0">
+                              <a:solidFill>
+                                <a:schemeClr val="tx1"/>
+                              </a:solidFill>
+                              <a:latin typeface="Cambria Math" panose="02040503050406030204" pitchFamily="18" charset="0"/>
+                            </a:rPr>
+                          </m:ctrlPr>
+                        </m:sSubPr>
+                        <m:e>
+                          <m:r>
+                            <a:rPr lang="fr-FR" sz="1200" b="0" i="1" smtClean="0">
+                              <a:solidFill>
+                                <a:schemeClr val="tx1"/>
+                              </a:solidFill>
+                              <a:latin typeface="Cambria Math" panose="02040503050406030204" pitchFamily="18" charset="0"/>
+                            </a:rPr>
+                            <m:t>𝐾</m:t>
+                          </m:r>
+                        </m:e>
+                        <m:sub>
+                          <m:r>
+                            <a:rPr lang="fr-FR" sz="1200" b="0" i="1" smtClean="0">
+                              <a:solidFill>
+                                <a:schemeClr val="tx1"/>
+                              </a:solidFill>
+                              <a:latin typeface="Cambria Math" panose="02040503050406030204" pitchFamily="18" charset="0"/>
+                            </a:rPr>
+                            <m:t>𝑃𝑖</m:t>
+                          </m:r>
+                        </m:sub>
+                      </m:sSub>
+                    </m:oMath>
+                  </m:oMathPara>
+                </a14:m>
+                <a:endParaRPr lang="fr-FR" sz="1200" dirty="0">
+                  <a:solidFill>
+                    <a:schemeClr val="tx1"/>
+                  </a:solidFill>
+                </a:endParaRPr>
+              </a:p>
+            </p:txBody>
+          </p:sp>
+        </mc:Choice>
+        <mc:Fallback>
+          <p:sp>
+            <p:nvSpPr>
+              <p:cNvPr id="4" name="Rectangle 3">
+                <a:extLst>
+                  <a:ext uri="{FF2B5EF4-FFF2-40B4-BE49-F238E27FC236}">
+                    <a16:creationId xmlns:a16="http://schemas.microsoft.com/office/drawing/2014/main" id="{1A3132DF-2887-7E95-271B-14F5829A5343}"/>
+                  </a:ext>
+                </a:extLst>
+              </p:cNvPr>
+              <p:cNvSpPr>
+                <a:spLocks noRot="1" noChangeAspect="1" noMove="1" noResize="1" noEditPoints="1" noAdjustHandles="1" noChangeArrowheads="1" noChangeShapeType="1" noTextEdit="1"/>
+              </p:cNvSpPr>
+              <p:nvPr/>
+            </p:nvSpPr>
+            <p:spPr>
+              <a:xfrm>
+                <a:off x="3756292" y="1993607"/>
+                <a:ext cx="1620000" cy="540000"/>
+              </a:xfrm>
+              <a:prstGeom prst="rect">
+                <a:avLst/>
+              </a:prstGeom>
+              <a:blipFill>
+                <a:blip r:embed="rId3"/>
+                <a:stretch>
+                  <a:fillRect/>
+                </a:stretch>
+              </a:blipFill>
+              <a:ln w="19050">
+                <a:solidFill>
+                  <a:srgbClr val="002060"/>
+                </a:solidFill>
+              </a:ln>
+            </p:spPr>
+            <p:txBody>
+              <a:bodyPr/>
+              <a:lstStyle/>
+              <a:p>
+                <a:r>
+                  <a:rPr lang="fr-FR">
+                    <a:noFill/>
+                  </a:rPr>
+                  <a:t> </a:t>
+                </a:r>
+              </a:p>
+            </p:txBody>
+          </p:sp>
+        </mc:Fallback>
+      </mc:AlternateContent>
+      <p:sp>
+        <p:nvSpPr>
+          <p:cNvPr id="5" name="Organigramme : Jonction de sommaire 4">
+            <a:extLst>
+              <a:ext uri="{FF2B5EF4-FFF2-40B4-BE49-F238E27FC236}">
+                <a16:creationId xmlns:a16="http://schemas.microsoft.com/office/drawing/2014/main" id="{3845C9F1-09B9-7F81-2C41-EFF3803C2396}"/>
+              </a:ext>
+            </a:extLst>
+          </p:cNvPr>
+          <p:cNvSpPr/>
+          <p:nvPr/>
+        </p:nvSpPr>
+        <p:spPr>
+          <a:xfrm>
+            <a:off x="1602828" y="2533607"/>
+            <a:ext cx="361507" cy="361507"/>
+          </a:xfrm>
+          <a:prstGeom prst="flowChartSummingJunction">
+            <a:avLst/>
+          </a:prstGeom>
+          <a:noFill/>
+          <a:ln w="19050">
+            <a:solidFill>
+              <a:srgbClr val="002060"/>
+            </a:solidFill>
+          </a:ln>
+        </p:spPr>
+        <p:style>
+          <a:lnRef idx="2">
+            <a:schemeClr val="accent1">
+              <a:shade val="15000"/>
+            </a:schemeClr>
+          </a:lnRef>
+          <a:fillRef idx="1">
+            <a:schemeClr val="accent1"/>
+          </a:fillRef>
+          <a:effectRef idx="0">
+            <a:schemeClr val="accent1"/>
+          </a:effectRef>
+          <a:fontRef idx="minor">
+            <a:schemeClr val="lt1"/>
+          </a:fontRef>
+        </p:style>
+        <p:txBody>
+          <a:bodyPr rtlCol="0" anchor="ctr"/>
+          <a:lstStyle/>
+          <a:p>
+            <a:pPr algn="ctr"/>
+            <a:endParaRPr lang="fr-FR"/>
+          </a:p>
+        </p:txBody>
+      </p:sp>
+      <p:cxnSp>
+        <p:nvCxnSpPr>
+          <p:cNvPr id="7" name="Connecteur droit avec flèche 6">
+            <a:extLst>
+              <a:ext uri="{FF2B5EF4-FFF2-40B4-BE49-F238E27FC236}">
+                <a16:creationId xmlns:a16="http://schemas.microsoft.com/office/drawing/2014/main" id="{502E1A09-004E-5783-181C-47262A01DCE8}"/>
+              </a:ext>
+            </a:extLst>
+          </p:cNvPr>
+          <p:cNvCxnSpPr/>
+          <p:nvPr/>
+        </p:nvCxnSpPr>
+        <p:spPr>
+          <a:xfrm>
+            <a:off x="882828" y="2714360"/>
+            <a:ext cx="720000" cy="0"/>
+          </a:xfrm>
+          <a:prstGeom prst="straightConnector1">
+            <a:avLst/>
+          </a:prstGeom>
+          <a:noFill/>
+          <a:ln w="19050">
+            <a:solidFill>
+              <a:srgbClr val="002060"/>
+            </a:solidFill>
+            <a:tailEnd type="stealth" w="med" len="lg"/>
+          </a:ln>
+        </p:spPr>
+        <p:style>
+          <a:lnRef idx="2">
+            <a:schemeClr val="accent1">
+              <a:shade val="15000"/>
+            </a:schemeClr>
+          </a:lnRef>
+          <a:fillRef idx="1">
+            <a:schemeClr val="accent1"/>
+          </a:fillRef>
+          <a:effectRef idx="0">
+            <a:schemeClr val="accent1"/>
+          </a:effectRef>
+          <a:fontRef idx="minor">
+            <a:schemeClr val="lt1"/>
+          </a:fontRef>
+        </p:style>
+      </p:cxnSp>
+      <mc:AlternateContent xmlns:mc="http://schemas.openxmlformats.org/markup-compatibility/2006">
+        <mc:Choice xmlns:a14="http://schemas.microsoft.com/office/drawing/2010/main" Requires="a14">
+          <p:sp>
+            <p:nvSpPr>
+              <p:cNvPr id="8" name="ZoneTexte 7">
+                <a:extLst>
+                  <a:ext uri="{FF2B5EF4-FFF2-40B4-BE49-F238E27FC236}">
+                    <a16:creationId xmlns:a16="http://schemas.microsoft.com/office/drawing/2014/main" id="{3373B7E8-46F8-145B-B822-41B6AF7193E4}"/>
+                  </a:ext>
+                </a:extLst>
+              </p:cNvPr>
+              <p:cNvSpPr txBox="1"/>
+              <p:nvPr/>
+            </p:nvSpPr>
+            <p:spPr>
+              <a:xfrm>
+                <a:off x="913990" y="2479367"/>
+                <a:ext cx="280333" cy="199478"/>
+              </a:xfrm>
+              <a:prstGeom prst="rect">
+                <a:avLst/>
+              </a:prstGeom>
+              <a:noFill/>
+            </p:spPr>
+            <p:txBody>
+              <a:bodyPr wrap="none" lIns="0" tIns="0" rIns="0" bIns="0" rtlCol="0">
+                <a:spAutoFit/>
+              </a:bodyPr>
+              <a:lstStyle/>
+              <a:p>
+                <a14:m>
+                  <m:oMathPara xmlns:m="http://schemas.openxmlformats.org/officeDocument/2006/math">
+                    <m:oMathParaPr>
+                      <m:jc m:val="centerGroup"/>
+                    </m:oMathParaPr>
+                    <m:oMath xmlns:m="http://schemas.openxmlformats.org/officeDocument/2006/math">
+                      <m:sSub>
+                        <m:sSubPr>
+                          <m:ctrlPr>
+                            <a:rPr lang="fr-FR" sz="1200" b="0" i="1" smtClean="0">
+                              <a:latin typeface="Cambria Math" panose="02040503050406030204" pitchFamily="18" charset="0"/>
+                            </a:rPr>
+                          </m:ctrlPr>
+                        </m:sSubPr>
+                        <m:e>
+                          <m:r>
+                            <a:rPr lang="fr-FR" sz="1200" b="0" i="1" smtClean="0">
+                              <a:latin typeface="Cambria Math" panose="02040503050406030204" pitchFamily="18" charset="0"/>
+                            </a:rPr>
+                            <m:t>𝑖</m:t>
+                          </m:r>
+                        </m:e>
+                        <m:sub>
+                          <m:r>
+                            <a:rPr lang="fr-FR" sz="1200" b="0" i="1" smtClean="0">
+                              <a:latin typeface="Cambria Math" panose="02040503050406030204" pitchFamily="18" charset="0"/>
+                            </a:rPr>
+                            <m:t>𝑟𝑒𝑓</m:t>
+                          </m:r>
+                        </m:sub>
+                      </m:sSub>
+                    </m:oMath>
+                  </m:oMathPara>
+                </a14:m>
+                <a:endParaRPr lang="fr-FR" sz="1200" dirty="0"/>
+              </a:p>
+            </p:txBody>
+          </p:sp>
+        </mc:Choice>
+        <mc:Fallback>
+          <p:sp>
+            <p:nvSpPr>
+              <p:cNvPr id="8" name="ZoneTexte 7">
+                <a:extLst>
+                  <a:ext uri="{FF2B5EF4-FFF2-40B4-BE49-F238E27FC236}">
+                    <a16:creationId xmlns:a16="http://schemas.microsoft.com/office/drawing/2014/main" id="{3373B7E8-46F8-145B-B822-41B6AF7193E4}"/>
+                  </a:ext>
+                </a:extLst>
+              </p:cNvPr>
+              <p:cNvSpPr txBox="1">
+                <a:spLocks noRot="1" noChangeAspect="1" noMove="1" noResize="1" noEditPoints="1" noAdjustHandles="1" noChangeArrowheads="1" noChangeShapeType="1" noTextEdit="1"/>
+              </p:cNvSpPr>
+              <p:nvPr/>
+            </p:nvSpPr>
+            <p:spPr>
+              <a:xfrm>
+                <a:off x="913990" y="2479367"/>
+                <a:ext cx="280333" cy="199478"/>
+              </a:xfrm>
+              <a:prstGeom prst="rect">
+                <a:avLst/>
+              </a:prstGeom>
+              <a:blipFill>
+                <a:blip r:embed="rId4"/>
+                <a:stretch>
+                  <a:fillRect l="-13043" r="-8696" b="-28125"/>
+                </a:stretch>
+              </a:blipFill>
+            </p:spPr>
+            <p:txBody>
+              <a:bodyPr/>
+              <a:lstStyle/>
+              <a:p>
+                <a:r>
+                  <a:rPr lang="fr-FR">
+                    <a:noFill/>
+                  </a:rPr>
+                  <a:t> </a:t>
+                </a:r>
+              </a:p>
+            </p:txBody>
+          </p:sp>
+        </mc:Fallback>
+      </mc:AlternateContent>
+      <p:cxnSp>
+        <p:nvCxnSpPr>
+          <p:cNvPr id="9" name="Connecteur droit avec flèche 8">
+            <a:extLst>
+              <a:ext uri="{FF2B5EF4-FFF2-40B4-BE49-F238E27FC236}">
+                <a16:creationId xmlns:a16="http://schemas.microsoft.com/office/drawing/2014/main" id="{A67909FE-6F58-6A6E-84AC-A0F7E4085FDA}"/>
+              </a:ext>
+            </a:extLst>
+          </p:cNvPr>
+          <p:cNvCxnSpPr>
+            <a:cxnSpLocks/>
+            <a:endCxn id="4" idx="1"/>
+          </p:cNvCxnSpPr>
+          <p:nvPr/>
+        </p:nvCxnSpPr>
+        <p:spPr>
+          <a:xfrm>
+            <a:off x="2499360" y="2263607"/>
+            <a:ext cx="1256932" cy="0"/>
+          </a:xfrm>
+          <a:prstGeom prst="straightConnector1">
+            <a:avLst/>
+          </a:prstGeom>
+          <a:noFill/>
+          <a:ln w="19050">
+            <a:solidFill>
+              <a:srgbClr val="002060"/>
+            </a:solidFill>
+            <a:tailEnd type="stealth" w="med" len="lg"/>
+          </a:ln>
+        </p:spPr>
+        <p:style>
+          <a:lnRef idx="2">
+            <a:schemeClr val="accent1">
+              <a:shade val="15000"/>
+            </a:schemeClr>
+          </a:lnRef>
+          <a:fillRef idx="1">
+            <a:schemeClr val="accent1"/>
+          </a:fillRef>
+          <a:effectRef idx="0">
+            <a:schemeClr val="accent1"/>
+          </a:effectRef>
+          <a:fontRef idx="minor">
+            <a:schemeClr val="lt1"/>
+          </a:fontRef>
+        </p:style>
+      </p:cxnSp>
+      <mc:AlternateContent xmlns:mc="http://schemas.openxmlformats.org/markup-compatibility/2006">
+        <mc:Choice xmlns:a14="http://schemas.microsoft.com/office/drawing/2010/main" Requires="a14">
+          <p:sp>
+            <p:nvSpPr>
+              <p:cNvPr id="10" name="Rectangle 9">
+                <a:extLst>
+                  <a:ext uri="{FF2B5EF4-FFF2-40B4-BE49-F238E27FC236}">
+                    <a16:creationId xmlns:a16="http://schemas.microsoft.com/office/drawing/2014/main" id="{5CE25679-7727-2D53-D20A-D7D2C4EF2A09}"/>
+                  </a:ext>
+                </a:extLst>
+              </p:cNvPr>
+              <p:cNvSpPr/>
+              <p:nvPr/>
+            </p:nvSpPr>
+            <p:spPr>
+              <a:xfrm>
+                <a:off x="3036626" y="2889000"/>
+                <a:ext cx="1620000" cy="540000"/>
+              </a:xfrm>
+              <a:prstGeom prst="rect">
+                <a:avLst/>
+              </a:prstGeom>
+              <a:noFill/>
+              <a:ln w="19050">
+                <a:solidFill>
+                  <a:srgbClr val="002060"/>
+                </a:solidFill>
+              </a:ln>
+            </p:spPr>
+            <p:style>
+              <a:lnRef idx="2">
+                <a:schemeClr val="accent1">
+                  <a:shade val="15000"/>
+                </a:schemeClr>
+              </a:lnRef>
+              <a:fillRef idx="1">
+                <a:schemeClr val="accent1"/>
+              </a:fillRef>
+              <a:effectRef idx="0">
+                <a:schemeClr val="accent1"/>
+              </a:effectRef>
+              <a:fontRef idx="minor">
+                <a:schemeClr val="lt1"/>
+              </a:fontRef>
+            </p:style>
+            <p:txBody>
+              <a:bodyPr rtlCol="0" anchor="ctr"/>
+              <a:lstStyle/>
+              <a:p>
+                <a:pPr algn="ctr"/>
+                <a14:m>
+                  <m:oMathPara xmlns:m="http://schemas.openxmlformats.org/officeDocument/2006/math">
+                    <m:oMathParaPr>
+                      <m:jc m:val="centerGroup"/>
+                    </m:oMathParaPr>
+                    <m:oMath xmlns:m="http://schemas.openxmlformats.org/officeDocument/2006/math">
+                      <m:r>
+                        <a:rPr lang="fr-FR" sz="1200" b="0" i="1" smtClean="0">
+                          <a:solidFill>
+                            <a:schemeClr val="tx1"/>
+                          </a:solidFill>
+                          <a:latin typeface="Cambria Math" panose="02040503050406030204" pitchFamily="18" charset="0"/>
+                        </a:rPr>
+                        <m:t>39,1×</m:t>
+                      </m:r>
+                      <m:sSub>
+                        <m:sSubPr>
+                          <m:ctrlPr>
+                            <a:rPr lang="fr-FR" sz="1200" b="0" i="1" smtClean="0">
+                              <a:solidFill>
+                                <a:schemeClr val="tx1"/>
+                              </a:solidFill>
+                              <a:latin typeface="Cambria Math" panose="02040503050406030204" pitchFamily="18" charset="0"/>
+                            </a:rPr>
+                          </m:ctrlPr>
+                        </m:sSubPr>
+                        <m:e>
+                          <m:r>
+                            <a:rPr lang="fr-FR" sz="1200" b="0" i="1" smtClean="0">
+                              <a:solidFill>
+                                <a:schemeClr val="tx1"/>
+                              </a:solidFill>
+                              <a:latin typeface="Cambria Math" panose="02040503050406030204" pitchFamily="18" charset="0"/>
+                            </a:rPr>
+                            <m:t>𝐾</m:t>
+                          </m:r>
+                        </m:e>
+                        <m:sub>
+                          <m:r>
+                            <a:rPr lang="fr-FR" sz="1200" b="0" i="1" smtClean="0">
+                              <a:solidFill>
+                                <a:schemeClr val="tx1"/>
+                              </a:solidFill>
+                              <a:latin typeface="Cambria Math" panose="02040503050406030204" pitchFamily="18" charset="0"/>
+                            </a:rPr>
+                            <m:t>𝐼𝑖</m:t>
+                          </m:r>
+                        </m:sub>
+                      </m:sSub>
+                    </m:oMath>
+                  </m:oMathPara>
+                </a14:m>
+                <a:endParaRPr lang="fr-FR" sz="1200" dirty="0">
+                  <a:solidFill>
+                    <a:schemeClr val="tx1"/>
+                  </a:solidFill>
+                </a:endParaRPr>
+              </a:p>
+            </p:txBody>
+          </p:sp>
+        </mc:Choice>
+        <mc:Fallback>
+          <p:sp>
+            <p:nvSpPr>
+              <p:cNvPr id="10" name="Rectangle 9">
+                <a:extLst>
+                  <a:ext uri="{FF2B5EF4-FFF2-40B4-BE49-F238E27FC236}">
+                    <a16:creationId xmlns:a16="http://schemas.microsoft.com/office/drawing/2014/main" id="{5CE25679-7727-2D53-D20A-D7D2C4EF2A09}"/>
+                  </a:ext>
+                </a:extLst>
+              </p:cNvPr>
+              <p:cNvSpPr>
+                <a:spLocks noRot="1" noChangeAspect="1" noMove="1" noResize="1" noEditPoints="1" noAdjustHandles="1" noChangeArrowheads="1" noChangeShapeType="1" noTextEdit="1"/>
+              </p:cNvSpPr>
+              <p:nvPr/>
+            </p:nvSpPr>
+            <p:spPr>
+              <a:xfrm>
+                <a:off x="3036626" y="2889000"/>
+                <a:ext cx="1620000" cy="540000"/>
+              </a:xfrm>
+              <a:prstGeom prst="rect">
+                <a:avLst/>
+              </a:prstGeom>
+              <a:blipFill>
+                <a:blip r:embed="rId5"/>
+                <a:stretch>
+                  <a:fillRect/>
+                </a:stretch>
+              </a:blipFill>
+              <a:ln w="19050">
+                <a:solidFill>
+                  <a:srgbClr val="002060"/>
+                </a:solidFill>
+              </a:ln>
+            </p:spPr>
+            <p:txBody>
+              <a:bodyPr/>
+              <a:lstStyle/>
+              <a:p>
+                <a:r>
+                  <a:rPr lang="fr-FR">
+                    <a:noFill/>
+                  </a:rPr>
+                  <a:t> </a:t>
+                </a:r>
+              </a:p>
+            </p:txBody>
+          </p:sp>
+        </mc:Fallback>
+      </mc:AlternateContent>
+      <mc:AlternateContent xmlns:mc="http://schemas.openxmlformats.org/markup-compatibility/2006">
+        <mc:Choice xmlns:a14="http://schemas.microsoft.com/office/drawing/2010/main" Requires="a14">
+          <p:sp>
+            <p:nvSpPr>
+              <p:cNvPr id="11" name="Rectangle 10">
+                <a:extLst>
+                  <a:ext uri="{FF2B5EF4-FFF2-40B4-BE49-F238E27FC236}">
+                    <a16:creationId xmlns:a16="http://schemas.microsoft.com/office/drawing/2014/main" id="{E2032029-5E0D-25F6-9C95-DBCC9DF77E4F}"/>
+                  </a:ext>
+                </a:extLst>
+              </p:cNvPr>
+              <p:cNvSpPr/>
+              <p:nvPr/>
+            </p:nvSpPr>
+            <p:spPr>
+              <a:xfrm>
+                <a:off x="5379720" y="2889000"/>
+                <a:ext cx="716280" cy="540000"/>
+              </a:xfrm>
+              <a:prstGeom prst="rect">
+                <a:avLst/>
+              </a:prstGeom>
+              <a:noFill/>
+              <a:ln w="19050">
+                <a:solidFill>
+                  <a:srgbClr val="002060"/>
+                </a:solidFill>
+              </a:ln>
+            </p:spPr>
+            <p:style>
+              <a:lnRef idx="2">
+                <a:schemeClr val="accent1">
+                  <a:shade val="15000"/>
+                </a:schemeClr>
+              </a:lnRef>
+              <a:fillRef idx="1">
+                <a:schemeClr val="accent1"/>
+              </a:fillRef>
+              <a:effectRef idx="0">
+                <a:schemeClr val="accent1"/>
+              </a:effectRef>
+              <a:fontRef idx="minor">
+                <a:schemeClr val="lt1"/>
+              </a:fontRef>
+            </p:style>
+            <p:txBody>
+              <a:bodyPr rtlCol="0" anchor="ctr"/>
+              <a:lstStyle/>
+              <a:p>
+                <a:pPr algn="ctr"/>
+                <a14:m>
+                  <m:oMathPara xmlns:m="http://schemas.openxmlformats.org/officeDocument/2006/math">
+                    <m:oMathParaPr>
+                      <m:jc m:val="centerGroup"/>
+                    </m:oMathParaPr>
+                    <m:oMath xmlns:m="http://schemas.openxmlformats.org/officeDocument/2006/math">
+                      <m:f>
+                        <m:fPr>
+                          <m:ctrlPr>
+                            <a:rPr lang="fr-FR" sz="1200" b="0" i="1" smtClean="0">
+                              <a:solidFill>
+                                <a:schemeClr val="tx1"/>
+                              </a:solidFill>
+                              <a:latin typeface="Cambria Math" panose="02040503050406030204" pitchFamily="18" charset="0"/>
+                            </a:rPr>
+                          </m:ctrlPr>
+                        </m:fPr>
+                        <m:num>
+                          <m:r>
+                            <a:rPr lang="fr-FR" sz="1200" b="0" i="1" smtClean="0">
+                              <a:solidFill>
+                                <a:schemeClr val="tx1"/>
+                              </a:solidFill>
+                              <a:latin typeface="Cambria Math" panose="02040503050406030204" pitchFamily="18" charset="0"/>
+                            </a:rPr>
+                            <m:t>1</m:t>
+                          </m:r>
+                        </m:num>
+                        <m:den>
+                          <m:r>
+                            <a:rPr lang="fr-FR" sz="1200" b="0" i="1" smtClean="0">
+                              <a:solidFill>
+                                <a:schemeClr val="tx1"/>
+                              </a:solidFill>
+                              <a:latin typeface="Cambria Math" panose="02040503050406030204" pitchFamily="18" charset="0"/>
+                            </a:rPr>
+                            <m:t>𝑝</m:t>
+                          </m:r>
+                        </m:den>
+                      </m:f>
+                    </m:oMath>
+                  </m:oMathPara>
+                </a14:m>
+                <a:endParaRPr lang="fr-FR" sz="1200" dirty="0">
+                  <a:solidFill>
+                    <a:schemeClr val="tx1"/>
+                  </a:solidFill>
+                </a:endParaRPr>
+              </a:p>
+            </p:txBody>
+          </p:sp>
+        </mc:Choice>
+        <mc:Fallback>
+          <p:sp>
+            <p:nvSpPr>
+              <p:cNvPr id="11" name="Rectangle 10">
+                <a:extLst>
+                  <a:ext uri="{FF2B5EF4-FFF2-40B4-BE49-F238E27FC236}">
+                    <a16:creationId xmlns:a16="http://schemas.microsoft.com/office/drawing/2014/main" id="{E2032029-5E0D-25F6-9C95-DBCC9DF77E4F}"/>
+                  </a:ext>
+                </a:extLst>
+              </p:cNvPr>
+              <p:cNvSpPr>
+                <a:spLocks noRot="1" noChangeAspect="1" noMove="1" noResize="1" noEditPoints="1" noAdjustHandles="1" noChangeArrowheads="1" noChangeShapeType="1" noTextEdit="1"/>
+              </p:cNvSpPr>
+              <p:nvPr/>
+            </p:nvSpPr>
+            <p:spPr>
+              <a:xfrm>
+                <a:off x="5379720" y="2889000"/>
+                <a:ext cx="716280" cy="540000"/>
+              </a:xfrm>
+              <a:prstGeom prst="rect">
+                <a:avLst/>
+              </a:prstGeom>
+              <a:blipFill>
+                <a:blip r:embed="rId6"/>
+                <a:stretch>
+                  <a:fillRect/>
+                </a:stretch>
+              </a:blipFill>
+              <a:ln w="19050">
+                <a:solidFill>
+                  <a:srgbClr val="002060"/>
+                </a:solidFill>
+              </a:ln>
+            </p:spPr>
+            <p:txBody>
+              <a:bodyPr/>
+              <a:lstStyle/>
+              <a:p>
+                <a:r>
+                  <a:rPr lang="fr-FR">
+                    <a:noFill/>
+                  </a:rPr>
+                  <a:t> </a:t>
+                </a:r>
+              </a:p>
+            </p:txBody>
+          </p:sp>
+        </mc:Fallback>
+      </mc:AlternateContent>
+      <p:cxnSp>
+        <p:nvCxnSpPr>
+          <p:cNvPr id="14" name="Connecteur droit avec flèche 13">
+            <a:extLst>
+              <a:ext uri="{FF2B5EF4-FFF2-40B4-BE49-F238E27FC236}">
+                <a16:creationId xmlns:a16="http://schemas.microsoft.com/office/drawing/2014/main" id="{667B905C-96CB-85DD-D61C-E96DEC5974E0}"/>
+              </a:ext>
+            </a:extLst>
+          </p:cNvPr>
+          <p:cNvCxnSpPr>
+            <a:cxnSpLocks/>
+            <a:endCxn id="10" idx="1"/>
+          </p:cNvCxnSpPr>
+          <p:nvPr/>
+        </p:nvCxnSpPr>
+        <p:spPr>
+          <a:xfrm>
+            <a:off x="2499360" y="3159000"/>
+            <a:ext cx="537266" cy="0"/>
+          </a:xfrm>
+          <a:prstGeom prst="straightConnector1">
+            <a:avLst/>
+          </a:prstGeom>
+          <a:noFill/>
+          <a:ln w="19050">
+            <a:solidFill>
+              <a:srgbClr val="002060"/>
+            </a:solidFill>
+            <a:tailEnd type="stealth" w="med" len="lg"/>
+          </a:ln>
+        </p:spPr>
+        <p:style>
+          <a:lnRef idx="2">
+            <a:schemeClr val="accent1">
+              <a:shade val="15000"/>
+            </a:schemeClr>
+          </a:lnRef>
+          <a:fillRef idx="1">
+            <a:schemeClr val="accent1"/>
+          </a:fillRef>
+          <a:effectRef idx="0">
+            <a:schemeClr val="accent1"/>
+          </a:effectRef>
+          <a:fontRef idx="minor">
+            <a:schemeClr val="lt1"/>
+          </a:fontRef>
+        </p:style>
+      </p:cxnSp>
+      <p:cxnSp>
+        <p:nvCxnSpPr>
+          <p:cNvPr id="17" name="Connecteur droit avec flèche 16">
+            <a:extLst>
+              <a:ext uri="{FF2B5EF4-FFF2-40B4-BE49-F238E27FC236}">
+                <a16:creationId xmlns:a16="http://schemas.microsoft.com/office/drawing/2014/main" id="{539C9AFF-9E6E-F7D5-C3F6-3F5FFE094108}"/>
+              </a:ext>
+            </a:extLst>
+          </p:cNvPr>
+          <p:cNvCxnSpPr>
+            <a:cxnSpLocks/>
+            <a:stCxn id="5" idx="6"/>
+          </p:cNvCxnSpPr>
+          <p:nvPr/>
+        </p:nvCxnSpPr>
+        <p:spPr>
+          <a:xfrm flipV="1">
+            <a:off x="1964335" y="2714360"/>
+            <a:ext cx="535025" cy="1"/>
+          </a:xfrm>
+          <a:prstGeom prst="straightConnector1">
+            <a:avLst/>
+          </a:prstGeom>
+          <a:noFill/>
+          <a:ln w="19050">
+            <a:solidFill>
+              <a:srgbClr val="002060"/>
+            </a:solidFill>
+            <a:headEnd type="none" w="med" len="med"/>
+            <a:tailEnd type="none" w="med" len="med"/>
+          </a:ln>
+        </p:spPr>
+        <p:style>
+          <a:lnRef idx="2">
+            <a:schemeClr val="accent1">
+              <a:shade val="15000"/>
+            </a:schemeClr>
+          </a:lnRef>
+          <a:fillRef idx="1">
+            <a:schemeClr val="accent1"/>
+          </a:fillRef>
+          <a:effectRef idx="0">
+            <a:schemeClr val="accent1"/>
+          </a:effectRef>
+          <a:fontRef idx="minor">
+            <a:schemeClr val="lt1"/>
+          </a:fontRef>
+        </p:style>
+      </p:cxnSp>
+      <p:cxnSp>
+        <p:nvCxnSpPr>
+          <p:cNvPr id="20" name="Connecteur droit avec flèche 19">
+            <a:extLst>
+              <a:ext uri="{FF2B5EF4-FFF2-40B4-BE49-F238E27FC236}">
+                <a16:creationId xmlns:a16="http://schemas.microsoft.com/office/drawing/2014/main" id="{4E2431A4-7A58-3621-9FC0-28C2056B6DFC}"/>
+              </a:ext>
+            </a:extLst>
+          </p:cNvPr>
+          <p:cNvCxnSpPr>
+            <a:cxnSpLocks/>
+          </p:cNvCxnSpPr>
+          <p:nvPr/>
+        </p:nvCxnSpPr>
+        <p:spPr>
+          <a:xfrm flipV="1">
+            <a:off x="2499360" y="2263607"/>
+            <a:ext cx="0" cy="895393"/>
+          </a:xfrm>
+          <a:prstGeom prst="straightConnector1">
+            <a:avLst/>
+          </a:prstGeom>
+          <a:noFill/>
+          <a:ln w="19050">
+            <a:solidFill>
+              <a:srgbClr val="002060"/>
+            </a:solidFill>
+            <a:headEnd type="none" w="med" len="med"/>
+            <a:tailEnd type="none" w="med" len="med"/>
+          </a:ln>
+        </p:spPr>
+        <p:style>
+          <a:lnRef idx="2">
+            <a:schemeClr val="accent1">
+              <a:shade val="15000"/>
+            </a:schemeClr>
+          </a:lnRef>
+          <a:fillRef idx="1">
+            <a:schemeClr val="accent1"/>
+          </a:fillRef>
+          <a:effectRef idx="0">
+            <a:schemeClr val="accent1"/>
+          </a:effectRef>
+          <a:fontRef idx="minor">
+            <a:schemeClr val="lt1"/>
+          </a:fontRef>
+        </p:style>
+      </p:cxnSp>
+      <p:sp>
+        <p:nvSpPr>
+          <p:cNvPr id="23" name="Organigramme : Jonction de sommaire 22">
+            <a:extLst>
+              <a:ext uri="{FF2B5EF4-FFF2-40B4-BE49-F238E27FC236}">
+                <a16:creationId xmlns:a16="http://schemas.microsoft.com/office/drawing/2014/main" id="{F8981A96-0C3C-D52D-A875-F257A49968F0}"/>
+              </a:ext>
+            </a:extLst>
+          </p:cNvPr>
+          <p:cNvSpPr/>
+          <p:nvPr/>
+        </p:nvSpPr>
+        <p:spPr>
+          <a:xfrm>
+            <a:off x="6638340" y="2533607"/>
+            <a:ext cx="361507" cy="361507"/>
+          </a:xfrm>
+          <a:prstGeom prst="flowChartSummingJunction">
+            <a:avLst/>
+          </a:prstGeom>
+          <a:noFill/>
+          <a:ln w="19050">
+            <a:solidFill>
+              <a:srgbClr val="002060"/>
+            </a:solidFill>
+          </a:ln>
+        </p:spPr>
+        <p:style>
+          <a:lnRef idx="2">
+            <a:schemeClr val="accent1">
+              <a:shade val="15000"/>
+            </a:schemeClr>
+          </a:lnRef>
+          <a:fillRef idx="1">
+            <a:schemeClr val="accent1"/>
+          </a:fillRef>
+          <a:effectRef idx="0">
+            <a:schemeClr val="accent1"/>
+          </a:effectRef>
+          <a:fontRef idx="minor">
+            <a:schemeClr val="lt1"/>
+          </a:fontRef>
+        </p:style>
+        <p:txBody>
+          <a:bodyPr rtlCol="0" anchor="ctr"/>
+          <a:lstStyle/>
+          <a:p>
+            <a:pPr algn="ctr"/>
+            <a:endParaRPr lang="fr-FR"/>
+          </a:p>
+        </p:txBody>
+      </p:sp>
+      <p:cxnSp>
+        <p:nvCxnSpPr>
+          <p:cNvPr id="24" name="Connecteur droit avec flèche 23">
+            <a:extLst>
+              <a:ext uri="{FF2B5EF4-FFF2-40B4-BE49-F238E27FC236}">
+                <a16:creationId xmlns:a16="http://schemas.microsoft.com/office/drawing/2014/main" id="{F2F202F9-3B06-9D67-16E2-123CEE88EE97}"/>
+              </a:ext>
+            </a:extLst>
+          </p:cNvPr>
+          <p:cNvCxnSpPr>
+            <a:cxnSpLocks/>
+            <a:stCxn id="10" idx="3"/>
+            <a:endCxn id="11" idx="1"/>
+          </p:cNvCxnSpPr>
+          <p:nvPr/>
+        </p:nvCxnSpPr>
+        <p:spPr>
+          <a:xfrm>
+            <a:off x="4656626" y="3159000"/>
+            <a:ext cx="723094" cy="0"/>
+          </a:xfrm>
+          <a:prstGeom prst="straightConnector1">
+            <a:avLst/>
+          </a:prstGeom>
+          <a:noFill/>
+          <a:ln w="19050">
+            <a:solidFill>
+              <a:srgbClr val="002060"/>
+            </a:solidFill>
+            <a:tailEnd type="stealth" w="med" len="lg"/>
+          </a:ln>
+        </p:spPr>
+        <p:style>
+          <a:lnRef idx="2">
+            <a:schemeClr val="accent1">
+              <a:shade val="15000"/>
+            </a:schemeClr>
+          </a:lnRef>
+          <a:fillRef idx="1">
+            <a:schemeClr val="accent1"/>
+          </a:fillRef>
+          <a:effectRef idx="0">
+            <a:schemeClr val="accent1"/>
+          </a:effectRef>
+          <a:fontRef idx="minor">
+            <a:schemeClr val="lt1"/>
+          </a:fontRef>
+        </p:style>
+      </p:cxnSp>
+      <p:cxnSp>
+        <p:nvCxnSpPr>
+          <p:cNvPr id="27" name="Connecteur droit avec flèche 26">
+            <a:extLst>
+              <a:ext uri="{FF2B5EF4-FFF2-40B4-BE49-F238E27FC236}">
+                <a16:creationId xmlns:a16="http://schemas.microsoft.com/office/drawing/2014/main" id="{9BBE4B5D-67E0-DF54-8632-09E6161B4678}"/>
+              </a:ext>
+            </a:extLst>
+          </p:cNvPr>
+          <p:cNvCxnSpPr>
+            <a:cxnSpLocks/>
+          </p:cNvCxnSpPr>
+          <p:nvPr/>
+        </p:nvCxnSpPr>
+        <p:spPr>
+          <a:xfrm flipV="1">
+            <a:off x="6103315" y="3149279"/>
+            <a:ext cx="715778" cy="1"/>
+          </a:xfrm>
+          <a:prstGeom prst="straightConnector1">
+            <a:avLst/>
+          </a:prstGeom>
+          <a:noFill/>
+          <a:ln w="19050">
+            <a:solidFill>
+              <a:srgbClr val="002060"/>
+            </a:solidFill>
+            <a:headEnd type="none" w="med" len="med"/>
+            <a:tailEnd type="none" w="med" len="med"/>
+          </a:ln>
+        </p:spPr>
+        <p:style>
+          <a:lnRef idx="2">
+            <a:schemeClr val="accent1">
+              <a:shade val="15000"/>
+            </a:schemeClr>
+          </a:lnRef>
+          <a:fillRef idx="1">
+            <a:schemeClr val="accent1"/>
+          </a:fillRef>
+          <a:effectRef idx="0">
+            <a:schemeClr val="accent1"/>
+          </a:effectRef>
+          <a:fontRef idx="minor">
+            <a:schemeClr val="lt1"/>
+          </a:fontRef>
+        </p:style>
+      </p:cxnSp>
+      <p:cxnSp>
+        <p:nvCxnSpPr>
+          <p:cNvPr id="28" name="Connecteur droit avec flèche 27">
+            <a:extLst>
+              <a:ext uri="{FF2B5EF4-FFF2-40B4-BE49-F238E27FC236}">
+                <a16:creationId xmlns:a16="http://schemas.microsoft.com/office/drawing/2014/main" id="{B77F4158-6406-519C-3C79-25729CC48CEE}"/>
+              </a:ext>
+            </a:extLst>
+          </p:cNvPr>
+          <p:cNvCxnSpPr>
+            <a:cxnSpLocks/>
+            <a:endCxn id="23" idx="4"/>
+          </p:cNvCxnSpPr>
+          <p:nvPr/>
+        </p:nvCxnSpPr>
+        <p:spPr>
+          <a:xfrm flipV="1">
+            <a:off x="6819094" y="2895114"/>
+            <a:ext cx="0" cy="254165"/>
+          </a:xfrm>
+          <a:prstGeom prst="straightConnector1">
+            <a:avLst/>
+          </a:prstGeom>
+          <a:noFill/>
+          <a:ln w="19050">
+            <a:solidFill>
+              <a:srgbClr val="002060"/>
+            </a:solidFill>
+            <a:tailEnd type="stealth" w="med" len="lg"/>
+          </a:ln>
+        </p:spPr>
+        <p:style>
+          <a:lnRef idx="2">
+            <a:schemeClr val="accent1">
+              <a:shade val="15000"/>
+            </a:schemeClr>
+          </a:lnRef>
+          <a:fillRef idx="1">
+            <a:schemeClr val="accent1"/>
+          </a:fillRef>
+          <a:effectRef idx="0">
+            <a:schemeClr val="accent1"/>
+          </a:effectRef>
+          <a:fontRef idx="minor">
+            <a:schemeClr val="lt1"/>
+          </a:fontRef>
+        </p:style>
+      </p:cxnSp>
+      <mc:AlternateContent xmlns:mc="http://schemas.openxmlformats.org/markup-compatibility/2006">
+        <mc:Choice xmlns:a14="http://schemas.microsoft.com/office/drawing/2010/main" Requires="a14">
+          <p:sp>
+            <p:nvSpPr>
+              <p:cNvPr id="32" name="ZoneTexte 31">
+                <a:extLst>
+                  <a:ext uri="{FF2B5EF4-FFF2-40B4-BE49-F238E27FC236}">
+                    <a16:creationId xmlns:a16="http://schemas.microsoft.com/office/drawing/2014/main" id="{5007EAF1-2FE9-9547-FEFB-F57DAA8D9015}"/>
+                  </a:ext>
+                </a:extLst>
+              </p:cNvPr>
+              <p:cNvSpPr txBox="1"/>
+              <p:nvPr/>
+            </p:nvSpPr>
+            <p:spPr>
+              <a:xfrm>
+                <a:off x="6743752" y="2711303"/>
+                <a:ext cx="150682" cy="184666"/>
+              </a:xfrm>
+              <a:prstGeom prst="rect">
+                <a:avLst/>
+              </a:prstGeom>
+              <a:noFill/>
+            </p:spPr>
+            <p:txBody>
+              <a:bodyPr wrap="none" lIns="0" tIns="0" rIns="0" bIns="0" rtlCol="0">
+                <a:spAutoFit/>
+              </a:bodyPr>
+              <a:lstStyle/>
+              <a:p>
+                <a14:m>
+                  <m:oMathPara xmlns:m="http://schemas.openxmlformats.org/officeDocument/2006/math">
+                    <m:oMathParaPr>
+                      <m:jc m:val="centerGroup"/>
+                    </m:oMathParaPr>
+                    <m:oMath xmlns:m="http://schemas.openxmlformats.org/officeDocument/2006/math">
+                      <m:r>
+                        <a:rPr lang="fr-FR" sz="1200" b="0" i="1" smtClean="0">
+                          <a:latin typeface="Cambria Math" panose="02040503050406030204" pitchFamily="18" charset="0"/>
+                        </a:rPr>
+                        <m:t>+</m:t>
+                      </m:r>
+                    </m:oMath>
+                  </m:oMathPara>
+                </a14:m>
+                <a:endParaRPr lang="fr-FR" sz="1200" dirty="0"/>
+              </a:p>
+            </p:txBody>
+          </p:sp>
+        </mc:Choice>
+        <mc:Fallback>
+          <p:sp>
+            <p:nvSpPr>
+              <p:cNvPr id="32" name="ZoneTexte 31">
+                <a:extLst>
+                  <a:ext uri="{FF2B5EF4-FFF2-40B4-BE49-F238E27FC236}">
+                    <a16:creationId xmlns:a16="http://schemas.microsoft.com/office/drawing/2014/main" id="{5007EAF1-2FE9-9547-FEFB-F57DAA8D9015}"/>
+                  </a:ext>
+                </a:extLst>
+              </p:cNvPr>
+              <p:cNvSpPr txBox="1">
+                <a:spLocks noRot="1" noChangeAspect="1" noMove="1" noResize="1" noEditPoints="1" noAdjustHandles="1" noChangeArrowheads="1" noChangeShapeType="1" noTextEdit="1"/>
+              </p:cNvSpPr>
+              <p:nvPr/>
+            </p:nvSpPr>
+            <p:spPr>
+              <a:xfrm>
+                <a:off x="6743752" y="2711303"/>
+                <a:ext cx="150682" cy="184666"/>
+              </a:xfrm>
+              <a:prstGeom prst="rect">
+                <a:avLst/>
+              </a:prstGeom>
+              <a:blipFill>
+                <a:blip r:embed="rId7"/>
+                <a:stretch>
+                  <a:fillRect l="-20000" r="-24000" b="-6667"/>
+                </a:stretch>
+              </a:blipFill>
+            </p:spPr>
+            <p:txBody>
+              <a:bodyPr/>
+              <a:lstStyle/>
+              <a:p>
+                <a:r>
+                  <a:rPr lang="fr-FR">
+                    <a:noFill/>
+                  </a:rPr>
+                  <a:t> </a:t>
+                </a:r>
+              </a:p>
+            </p:txBody>
+          </p:sp>
+        </mc:Fallback>
+      </mc:AlternateContent>
+      <mc:AlternateContent xmlns:mc="http://schemas.openxmlformats.org/markup-compatibility/2006">
+        <mc:Choice xmlns:a14="http://schemas.microsoft.com/office/drawing/2010/main" Requires="a14">
+          <p:sp>
+            <p:nvSpPr>
+              <p:cNvPr id="33" name="ZoneTexte 32">
+                <a:extLst>
+                  <a:ext uri="{FF2B5EF4-FFF2-40B4-BE49-F238E27FC236}">
+                    <a16:creationId xmlns:a16="http://schemas.microsoft.com/office/drawing/2014/main" id="{00828ACD-32FD-F03E-9D8F-410B9CECE774}"/>
+                  </a:ext>
+                </a:extLst>
+              </p:cNvPr>
+              <p:cNvSpPr txBox="1"/>
+              <p:nvPr/>
+            </p:nvSpPr>
+            <p:spPr>
+              <a:xfrm>
+                <a:off x="6743752" y="2525782"/>
+                <a:ext cx="150682" cy="184666"/>
+              </a:xfrm>
+              <a:prstGeom prst="rect">
+                <a:avLst/>
+              </a:prstGeom>
+              <a:noFill/>
+            </p:spPr>
+            <p:txBody>
+              <a:bodyPr wrap="none" lIns="0" tIns="0" rIns="0" bIns="0" rtlCol="0">
+                <a:spAutoFit/>
+              </a:bodyPr>
+              <a:lstStyle/>
+              <a:p>
+                <a14:m>
+                  <m:oMathPara xmlns:m="http://schemas.openxmlformats.org/officeDocument/2006/math">
+                    <m:oMathParaPr>
+                      <m:jc m:val="centerGroup"/>
+                    </m:oMathParaPr>
+                    <m:oMath xmlns:m="http://schemas.openxmlformats.org/officeDocument/2006/math">
+                      <m:r>
+                        <a:rPr lang="fr-FR" sz="1200" b="0" i="1" smtClean="0">
+                          <a:latin typeface="Cambria Math" panose="02040503050406030204" pitchFamily="18" charset="0"/>
+                        </a:rPr>
+                        <m:t>+</m:t>
+                      </m:r>
+                    </m:oMath>
+                  </m:oMathPara>
+                </a14:m>
+                <a:endParaRPr lang="fr-FR" sz="1200" dirty="0"/>
+              </a:p>
+            </p:txBody>
+          </p:sp>
+        </mc:Choice>
+        <mc:Fallback>
+          <p:sp>
+            <p:nvSpPr>
+              <p:cNvPr id="33" name="ZoneTexte 32">
+                <a:extLst>
+                  <a:ext uri="{FF2B5EF4-FFF2-40B4-BE49-F238E27FC236}">
+                    <a16:creationId xmlns:a16="http://schemas.microsoft.com/office/drawing/2014/main" id="{00828ACD-32FD-F03E-9D8F-410B9CECE774}"/>
+                  </a:ext>
+                </a:extLst>
+              </p:cNvPr>
+              <p:cNvSpPr txBox="1">
+                <a:spLocks noRot="1" noChangeAspect="1" noMove="1" noResize="1" noEditPoints="1" noAdjustHandles="1" noChangeArrowheads="1" noChangeShapeType="1" noTextEdit="1"/>
+              </p:cNvSpPr>
+              <p:nvPr/>
+            </p:nvSpPr>
+            <p:spPr>
+              <a:xfrm>
+                <a:off x="6743752" y="2525782"/>
+                <a:ext cx="150682" cy="184666"/>
+              </a:xfrm>
+              <a:prstGeom prst="rect">
+                <a:avLst/>
+              </a:prstGeom>
+              <a:blipFill>
+                <a:blip r:embed="rId8"/>
+                <a:stretch>
+                  <a:fillRect l="-20000" r="-24000" b="-6452"/>
+                </a:stretch>
+              </a:blipFill>
+            </p:spPr>
+            <p:txBody>
+              <a:bodyPr/>
+              <a:lstStyle/>
+              <a:p>
+                <a:r>
+                  <a:rPr lang="fr-FR">
+                    <a:noFill/>
+                  </a:rPr>
+                  <a:t> </a:t>
+                </a:r>
+              </a:p>
+            </p:txBody>
+          </p:sp>
+        </mc:Fallback>
+      </mc:AlternateContent>
+      <p:cxnSp>
+        <p:nvCxnSpPr>
+          <p:cNvPr id="34" name="Connecteur droit avec flèche 33">
+            <a:extLst>
+              <a:ext uri="{FF2B5EF4-FFF2-40B4-BE49-F238E27FC236}">
+                <a16:creationId xmlns:a16="http://schemas.microsoft.com/office/drawing/2014/main" id="{364EF32D-C148-6E76-C48A-5F1A7D7E1EA4}"/>
+              </a:ext>
+            </a:extLst>
+          </p:cNvPr>
+          <p:cNvCxnSpPr>
+            <a:cxnSpLocks/>
+          </p:cNvCxnSpPr>
+          <p:nvPr/>
+        </p:nvCxnSpPr>
+        <p:spPr>
+          <a:xfrm>
+            <a:off x="6819093" y="2271617"/>
+            <a:ext cx="0" cy="254165"/>
+          </a:xfrm>
+          <a:prstGeom prst="straightConnector1">
+            <a:avLst/>
+          </a:prstGeom>
+          <a:noFill/>
+          <a:ln w="19050">
+            <a:solidFill>
+              <a:srgbClr val="002060"/>
+            </a:solidFill>
+            <a:tailEnd type="stealth" w="med" len="lg"/>
+          </a:ln>
+        </p:spPr>
+        <p:style>
+          <a:lnRef idx="2">
+            <a:schemeClr val="accent1">
+              <a:shade val="15000"/>
+            </a:schemeClr>
+          </a:lnRef>
+          <a:fillRef idx="1">
+            <a:schemeClr val="accent1"/>
+          </a:fillRef>
+          <a:effectRef idx="0">
+            <a:schemeClr val="accent1"/>
+          </a:effectRef>
+          <a:fontRef idx="minor">
+            <a:schemeClr val="lt1"/>
+          </a:fontRef>
+        </p:style>
+      </p:cxnSp>
+      <p:cxnSp>
+        <p:nvCxnSpPr>
+          <p:cNvPr id="35" name="Connecteur droit avec flèche 34">
+            <a:extLst>
+              <a:ext uri="{FF2B5EF4-FFF2-40B4-BE49-F238E27FC236}">
+                <a16:creationId xmlns:a16="http://schemas.microsoft.com/office/drawing/2014/main" id="{2B28FB07-E4A9-0C7B-6B8C-247846CDF7BB}"/>
+              </a:ext>
+            </a:extLst>
+          </p:cNvPr>
+          <p:cNvCxnSpPr>
+            <a:cxnSpLocks/>
+            <a:endCxn id="4" idx="3"/>
+          </p:cNvCxnSpPr>
+          <p:nvPr/>
+        </p:nvCxnSpPr>
+        <p:spPr>
+          <a:xfrm flipH="1">
+            <a:off x="5376292" y="2263607"/>
+            <a:ext cx="1442801" cy="0"/>
+          </a:xfrm>
+          <a:prstGeom prst="straightConnector1">
+            <a:avLst/>
+          </a:prstGeom>
+          <a:noFill/>
+          <a:ln w="19050">
+            <a:solidFill>
+              <a:srgbClr val="002060"/>
+            </a:solidFill>
+            <a:headEnd type="none" w="med" len="med"/>
+            <a:tailEnd type="none" w="med" len="med"/>
+          </a:ln>
+        </p:spPr>
+        <p:style>
+          <a:lnRef idx="2">
+            <a:schemeClr val="accent1">
+              <a:shade val="15000"/>
+            </a:schemeClr>
+          </a:lnRef>
+          <a:fillRef idx="1">
+            <a:schemeClr val="accent1"/>
+          </a:fillRef>
+          <a:effectRef idx="0">
+            <a:schemeClr val="accent1"/>
+          </a:effectRef>
+          <a:fontRef idx="minor">
+            <a:schemeClr val="lt1"/>
+          </a:fontRef>
+        </p:style>
+      </p:cxnSp>
+      <mc:AlternateContent xmlns:mc="http://schemas.openxmlformats.org/markup-compatibility/2006">
+        <mc:Choice xmlns:a14="http://schemas.microsoft.com/office/drawing/2010/main" Requires="a14">
+          <p:sp>
+            <p:nvSpPr>
+              <p:cNvPr id="40" name="ZoneTexte 39">
+                <a:extLst>
+                  <a:ext uri="{FF2B5EF4-FFF2-40B4-BE49-F238E27FC236}">
+                    <a16:creationId xmlns:a16="http://schemas.microsoft.com/office/drawing/2014/main" id="{32EBBA77-4541-DE0F-365D-62EFBF9C29CE}"/>
+                  </a:ext>
+                </a:extLst>
+              </p:cNvPr>
+              <p:cNvSpPr txBox="1"/>
+              <p:nvPr/>
+            </p:nvSpPr>
+            <p:spPr>
+              <a:xfrm>
+                <a:off x="1604173" y="2608605"/>
+                <a:ext cx="150682" cy="184666"/>
+              </a:xfrm>
+              <a:prstGeom prst="rect">
+                <a:avLst/>
+              </a:prstGeom>
+              <a:noFill/>
+            </p:spPr>
+            <p:txBody>
+              <a:bodyPr wrap="none" lIns="0" tIns="0" rIns="0" bIns="0" rtlCol="0">
+                <a:spAutoFit/>
+              </a:bodyPr>
+              <a:lstStyle/>
+              <a:p>
+                <a14:m>
+                  <m:oMathPara xmlns:m="http://schemas.openxmlformats.org/officeDocument/2006/math">
+                    <m:oMathParaPr>
+                      <m:jc m:val="centerGroup"/>
+                    </m:oMathParaPr>
+                    <m:oMath xmlns:m="http://schemas.openxmlformats.org/officeDocument/2006/math">
+                      <m:r>
+                        <a:rPr lang="fr-FR" sz="1200" b="0" i="1" smtClean="0">
+                          <a:latin typeface="Cambria Math" panose="02040503050406030204" pitchFamily="18" charset="0"/>
+                        </a:rPr>
+                        <m:t>+</m:t>
+                      </m:r>
+                    </m:oMath>
+                  </m:oMathPara>
+                </a14:m>
+                <a:endParaRPr lang="fr-FR" sz="1200" dirty="0"/>
+              </a:p>
+            </p:txBody>
+          </p:sp>
+        </mc:Choice>
+        <mc:Fallback>
+          <p:sp>
+            <p:nvSpPr>
+              <p:cNvPr id="40" name="ZoneTexte 39">
+                <a:extLst>
+                  <a:ext uri="{FF2B5EF4-FFF2-40B4-BE49-F238E27FC236}">
+                    <a16:creationId xmlns:a16="http://schemas.microsoft.com/office/drawing/2014/main" id="{32EBBA77-4541-DE0F-365D-62EFBF9C29CE}"/>
+                  </a:ext>
+                </a:extLst>
+              </p:cNvPr>
+              <p:cNvSpPr txBox="1">
+                <a:spLocks noRot="1" noChangeAspect="1" noMove="1" noResize="1" noEditPoints="1" noAdjustHandles="1" noChangeArrowheads="1" noChangeShapeType="1" noTextEdit="1"/>
+              </p:cNvSpPr>
+              <p:nvPr/>
+            </p:nvSpPr>
+            <p:spPr>
+              <a:xfrm>
+                <a:off x="1604173" y="2608605"/>
+                <a:ext cx="150682" cy="184666"/>
+              </a:xfrm>
+              <a:prstGeom prst="rect">
+                <a:avLst/>
+              </a:prstGeom>
+              <a:blipFill>
+                <a:blip r:embed="rId7"/>
+                <a:stretch>
+                  <a:fillRect l="-20000" r="-24000" b="-6667"/>
+                </a:stretch>
+              </a:blipFill>
+            </p:spPr>
+            <p:txBody>
+              <a:bodyPr/>
+              <a:lstStyle/>
+              <a:p>
+                <a:r>
+                  <a:rPr lang="fr-FR">
+                    <a:noFill/>
+                  </a:rPr>
+                  <a:t> </a:t>
+                </a:r>
+              </a:p>
+            </p:txBody>
+          </p:sp>
+        </mc:Fallback>
+      </mc:AlternateContent>
+      <mc:AlternateContent xmlns:mc="http://schemas.openxmlformats.org/markup-compatibility/2006">
+        <mc:Choice xmlns:a14="http://schemas.microsoft.com/office/drawing/2010/main" Requires="a14">
+          <p:sp>
+            <p:nvSpPr>
+              <p:cNvPr id="41" name="ZoneTexte 40">
+                <a:extLst>
+                  <a:ext uri="{FF2B5EF4-FFF2-40B4-BE49-F238E27FC236}">
+                    <a16:creationId xmlns:a16="http://schemas.microsoft.com/office/drawing/2014/main" id="{EBB5AB45-E3AE-84E9-ACCC-AE976CE9BDFD}"/>
+                  </a:ext>
+                </a:extLst>
+              </p:cNvPr>
+              <p:cNvSpPr txBox="1"/>
+              <p:nvPr/>
+            </p:nvSpPr>
+            <p:spPr>
+              <a:xfrm>
+                <a:off x="1706830" y="2720787"/>
+                <a:ext cx="150682" cy="184666"/>
+              </a:xfrm>
+              <a:prstGeom prst="rect">
+                <a:avLst/>
+              </a:prstGeom>
+              <a:noFill/>
+            </p:spPr>
+            <p:txBody>
+              <a:bodyPr wrap="none" lIns="0" tIns="0" rIns="0" bIns="0" rtlCol="0">
+                <a:spAutoFit/>
+              </a:bodyPr>
+              <a:lstStyle/>
+              <a:p>
+                <a14:m>
+                  <m:oMathPara xmlns:m="http://schemas.openxmlformats.org/officeDocument/2006/math">
+                    <m:oMathParaPr>
+                      <m:jc m:val="centerGroup"/>
+                    </m:oMathParaPr>
+                    <m:oMath xmlns:m="http://schemas.openxmlformats.org/officeDocument/2006/math">
+                      <m:r>
+                        <a:rPr lang="fr-FR" sz="1200" b="0" i="1" smtClean="0">
+                          <a:latin typeface="Cambria Math" panose="02040503050406030204" pitchFamily="18" charset="0"/>
+                        </a:rPr>
+                        <m:t>−</m:t>
+                      </m:r>
+                    </m:oMath>
+                  </m:oMathPara>
+                </a14:m>
+                <a:endParaRPr lang="fr-FR" sz="1200" dirty="0"/>
+              </a:p>
+            </p:txBody>
+          </p:sp>
+        </mc:Choice>
+        <mc:Fallback>
+          <p:sp>
+            <p:nvSpPr>
+              <p:cNvPr id="41" name="ZoneTexte 40">
+                <a:extLst>
+                  <a:ext uri="{FF2B5EF4-FFF2-40B4-BE49-F238E27FC236}">
+                    <a16:creationId xmlns:a16="http://schemas.microsoft.com/office/drawing/2014/main" id="{EBB5AB45-E3AE-84E9-ACCC-AE976CE9BDFD}"/>
+                  </a:ext>
+                </a:extLst>
+              </p:cNvPr>
+              <p:cNvSpPr txBox="1">
+                <a:spLocks noRot="1" noChangeAspect="1" noMove="1" noResize="1" noEditPoints="1" noAdjustHandles="1" noChangeArrowheads="1" noChangeShapeType="1" noTextEdit="1"/>
+              </p:cNvSpPr>
+              <p:nvPr/>
+            </p:nvSpPr>
+            <p:spPr>
+              <a:xfrm>
+                <a:off x="1706830" y="2720787"/>
+                <a:ext cx="150682" cy="184666"/>
+              </a:xfrm>
+              <a:prstGeom prst="rect">
+                <a:avLst/>
+              </a:prstGeom>
+              <a:blipFill>
+                <a:blip r:embed="rId9"/>
+                <a:stretch>
+                  <a:fillRect l="-8000" r="-4000"/>
+                </a:stretch>
+              </a:blipFill>
+            </p:spPr>
+            <p:txBody>
+              <a:bodyPr/>
+              <a:lstStyle/>
+              <a:p>
+                <a:r>
+                  <a:rPr lang="fr-FR">
+                    <a:noFill/>
+                  </a:rPr>
+                  <a:t> </a:t>
+                </a:r>
+              </a:p>
+            </p:txBody>
+          </p:sp>
+        </mc:Fallback>
+      </mc:AlternateContent>
+      <p:cxnSp>
+        <p:nvCxnSpPr>
+          <p:cNvPr id="42" name="Connecteur droit avec flèche 41">
+            <a:extLst>
+              <a:ext uri="{FF2B5EF4-FFF2-40B4-BE49-F238E27FC236}">
+                <a16:creationId xmlns:a16="http://schemas.microsoft.com/office/drawing/2014/main" id="{A2395BB9-2769-444F-7692-8FBC94CD3679}"/>
+              </a:ext>
+            </a:extLst>
+          </p:cNvPr>
+          <p:cNvCxnSpPr>
+            <a:cxnSpLocks/>
+          </p:cNvCxnSpPr>
+          <p:nvPr/>
+        </p:nvCxnSpPr>
+        <p:spPr>
+          <a:xfrm>
+            <a:off x="6999847" y="2700938"/>
+            <a:ext cx="628466" cy="0"/>
+          </a:xfrm>
+          <a:prstGeom prst="straightConnector1">
+            <a:avLst/>
+          </a:prstGeom>
+          <a:noFill/>
+          <a:ln w="19050">
+            <a:solidFill>
+              <a:srgbClr val="002060"/>
+            </a:solidFill>
+            <a:tailEnd type="stealth" w="med" len="lg"/>
+          </a:ln>
+        </p:spPr>
+        <p:style>
+          <a:lnRef idx="2">
+            <a:schemeClr val="accent1">
+              <a:shade val="15000"/>
+            </a:schemeClr>
+          </a:lnRef>
+          <a:fillRef idx="1">
+            <a:schemeClr val="accent1"/>
+          </a:fillRef>
+          <a:effectRef idx="0">
+            <a:schemeClr val="accent1"/>
+          </a:effectRef>
+          <a:fontRef idx="minor">
+            <a:schemeClr val="lt1"/>
+          </a:fontRef>
+        </p:style>
+      </p:cxnSp>
+      <p:cxnSp>
+        <p:nvCxnSpPr>
+          <p:cNvPr id="44" name="Connecteur droit avec flèche 43">
+            <a:extLst>
+              <a:ext uri="{FF2B5EF4-FFF2-40B4-BE49-F238E27FC236}">
+                <a16:creationId xmlns:a16="http://schemas.microsoft.com/office/drawing/2014/main" id="{B38947B6-615E-6097-CD75-48C4D9D79DD2}"/>
+              </a:ext>
+            </a:extLst>
+          </p:cNvPr>
+          <p:cNvCxnSpPr>
+            <a:cxnSpLocks/>
+            <a:endCxn id="41" idx="2"/>
+          </p:cNvCxnSpPr>
+          <p:nvPr/>
+        </p:nvCxnSpPr>
+        <p:spPr>
+          <a:xfrm flipV="1">
+            <a:off x="1766862" y="2905453"/>
+            <a:ext cx="0" cy="832580"/>
+          </a:xfrm>
+          <a:prstGeom prst="straightConnector1">
+            <a:avLst/>
+          </a:prstGeom>
+          <a:noFill/>
+          <a:ln w="19050">
+            <a:solidFill>
+              <a:srgbClr val="002060"/>
+            </a:solidFill>
+            <a:tailEnd type="stealth" w="med" len="lg"/>
+          </a:ln>
+        </p:spPr>
+        <p:style>
+          <a:lnRef idx="2">
+            <a:schemeClr val="accent1">
+              <a:shade val="15000"/>
+            </a:schemeClr>
+          </a:lnRef>
+          <a:fillRef idx="1">
+            <a:schemeClr val="accent1"/>
+          </a:fillRef>
+          <a:effectRef idx="0">
+            <a:schemeClr val="accent1"/>
+          </a:effectRef>
+          <a:fontRef idx="minor">
+            <a:schemeClr val="lt1"/>
+          </a:fontRef>
+        </p:style>
+      </p:cxnSp>
+      <p:sp>
+        <p:nvSpPr>
+          <p:cNvPr id="50" name="Rectangle 49">
+            <a:extLst>
+              <a:ext uri="{FF2B5EF4-FFF2-40B4-BE49-F238E27FC236}">
+                <a16:creationId xmlns:a16="http://schemas.microsoft.com/office/drawing/2014/main" id="{69350B9E-8284-1B46-EF37-EA1573066F52}"/>
+              </a:ext>
+            </a:extLst>
+          </p:cNvPr>
+          <p:cNvSpPr/>
+          <p:nvPr/>
+        </p:nvSpPr>
+        <p:spPr>
+          <a:xfrm>
+            <a:off x="7617527" y="2430938"/>
+            <a:ext cx="1016331" cy="540000"/>
+          </a:xfrm>
+          <a:prstGeom prst="rect">
+            <a:avLst/>
+          </a:prstGeom>
+          <a:noFill/>
+          <a:ln w="19050">
+            <a:solidFill>
+              <a:srgbClr val="002060"/>
+            </a:solidFill>
+          </a:ln>
+        </p:spPr>
+        <p:style>
+          <a:lnRef idx="2">
+            <a:schemeClr val="accent1">
+              <a:shade val="15000"/>
+            </a:schemeClr>
+          </a:lnRef>
+          <a:fillRef idx="1">
+            <a:schemeClr val="accent1"/>
+          </a:fillRef>
+          <a:effectRef idx="0">
+            <a:schemeClr val="accent1"/>
+          </a:effectRef>
+          <a:fontRef idx="minor">
+            <a:schemeClr val="lt1"/>
+          </a:fontRef>
+        </p:style>
+        <p:txBody>
+          <a:bodyPr rtlCol="0" anchor="ctr"/>
+          <a:lstStyle/>
+          <a:p>
+            <a:pPr algn="ctr"/>
+            <a:r>
+              <a:rPr lang="fr-FR" sz="1200" dirty="0">
+                <a:solidFill>
+                  <a:schemeClr val="tx1"/>
+                </a:solidFill>
+              </a:rPr>
+              <a:t>Saturation tension</a:t>
+            </a:r>
+          </a:p>
+        </p:txBody>
+      </p:sp>
+      <mc:AlternateContent xmlns:mc="http://schemas.openxmlformats.org/markup-compatibility/2006">
+        <mc:Choice xmlns:a14="http://schemas.microsoft.com/office/drawing/2010/main" Requires="a14">
+          <p:sp>
+            <p:nvSpPr>
+              <p:cNvPr id="51" name="ZoneTexte 50">
+                <a:extLst>
+                  <a:ext uri="{FF2B5EF4-FFF2-40B4-BE49-F238E27FC236}">
+                    <a16:creationId xmlns:a16="http://schemas.microsoft.com/office/drawing/2014/main" id="{DD727F81-601C-8D2A-38CD-0C213FCE97D6}"/>
+                  </a:ext>
+                </a:extLst>
+              </p:cNvPr>
+              <p:cNvSpPr txBox="1"/>
+              <p:nvPr/>
+            </p:nvSpPr>
+            <p:spPr>
+              <a:xfrm>
+                <a:off x="1194323" y="3638294"/>
+                <a:ext cx="508344" cy="184666"/>
+              </a:xfrm>
+              <a:prstGeom prst="rect">
+                <a:avLst/>
+              </a:prstGeom>
+              <a:noFill/>
+            </p:spPr>
+            <p:txBody>
+              <a:bodyPr wrap="none" lIns="0" tIns="0" rIns="0" bIns="0" rtlCol="0">
+                <a:spAutoFit/>
+              </a:bodyPr>
+              <a:lstStyle/>
+              <a:p>
+                <a14:m>
+                  <m:oMathPara xmlns:m="http://schemas.openxmlformats.org/officeDocument/2006/math">
+                    <m:oMathParaPr>
+                      <m:jc m:val="centerGroup"/>
+                    </m:oMathParaPr>
+                    <m:oMath xmlns:m="http://schemas.openxmlformats.org/officeDocument/2006/math">
+                      <m:sSub>
+                        <m:sSubPr>
+                          <m:ctrlPr>
+                            <a:rPr lang="fr-FR" sz="1200" b="0" i="1" smtClean="0">
+                              <a:latin typeface="Cambria Math" panose="02040503050406030204" pitchFamily="18" charset="0"/>
+                            </a:rPr>
+                          </m:ctrlPr>
+                        </m:sSubPr>
+                        <m:e>
+                          <m:r>
+                            <a:rPr lang="fr-FR" sz="1200" b="0" i="1" smtClean="0">
+                              <a:latin typeface="Cambria Math" panose="02040503050406030204" pitchFamily="18" charset="0"/>
+                            </a:rPr>
+                            <m:t>𝑖</m:t>
+                          </m:r>
+                        </m:e>
+                        <m:sub>
+                          <m:r>
+                            <a:rPr lang="fr-FR" sz="1200" b="0" i="1" smtClean="0">
+                              <a:latin typeface="Cambria Math" panose="02040503050406030204" pitchFamily="18" charset="0"/>
+                            </a:rPr>
+                            <m:t>𝑚𝑒𝑠𝑢𝑟𝑒</m:t>
+                          </m:r>
+                        </m:sub>
+                      </m:sSub>
+                    </m:oMath>
+                  </m:oMathPara>
+                </a14:m>
+                <a:endParaRPr lang="fr-FR" sz="1200" dirty="0"/>
+              </a:p>
+            </p:txBody>
+          </p:sp>
+        </mc:Choice>
+        <mc:Fallback>
+          <p:sp>
+            <p:nvSpPr>
+              <p:cNvPr id="51" name="ZoneTexte 50">
+                <a:extLst>
+                  <a:ext uri="{FF2B5EF4-FFF2-40B4-BE49-F238E27FC236}">
+                    <a16:creationId xmlns:a16="http://schemas.microsoft.com/office/drawing/2014/main" id="{DD727F81-601C-8D2A-38CD-0C213FCE97D6}"/>
+                  </a:ext>
+                </a:extLst>
+              </p:cNvPr>
+              <p:cNvSpPr txBox="1">
+                <a:spLocks noRot="1" noChangeAspect="1" noMove="1" noResize="1" noEditPoints="1" noAdjustHandles="1" noChangeArrowheads="1" noChangeShapeType="1" noTextEdit="1"/>
+              </p:cNvSpPr>
+              <p:nvPr/>
+            </p:nvSpPr>
+            <p:spPr>
+              <a:xfrm>
+                <a:off x="1194323" y="3638294"/>
+                <a:ext cx="508344" cy="184666"/>
+              </a:xfrm>
+              <a:prstGeom prst="rect">
+                <a:avLst/>
+              </a:prstGeom>
+              <a:blipFill>
+                <a:blip r:embed="rId10"/>
+                <a:stretch>
+                  <a:fillRect l="-7229" r="-1205" b="-10000"/>
+                </a:stretch>
+              </a:blipFill>
+            </p:spPr>
+            <p:txBody>
+              <a:bodyPr/>
+              <a:lstStyle/>
+              <a:p>
+                <a:r>
+                  <a:rPr lang="fr-FR">
+                    <a:noFill/>
+                  </a:rPr>
+                  <a:t> </a:t>
+                </a:r>
+              </a:p>
+            </p:txBody>
+          </p:sp>
+        </mc:Fallback>
+      </mc:AlternateContent>
+      <p:cxnSp>
+        <p:nvCxnSpPr>
+          <p:cNvPr id="52" name="Connecteur droit avec flèche 51">
+            <a:extLst>
+              <a:ext uri="{FF2B5EF4-FFF2-40B4-BE49-F238E27FC236}">
+                <a16:creationId xmlns:a16="http://schemas.microsoft.com/office/drawing/2014/main" id="{57E5B58C-24BD-818A-B932-7AAB70645D5C}"/>
+              </a:ext>
+            </a:extLst>
+          </p:cNvPr>
+          <p:cNvCxnSpPr>
+            <a:cxnSpLocks/>
+          </p:cNvCxnSpPr>
+          <p:nvPr/>
+        </p:nvCxnSpPr>
+        <p:spPr>
+          <a:xfrm>
+            <a:off x="1772011" y="3729251"/>
+            <a:ext cx="7998478" cy="0"/>
+          </a:xfrm>
+          <a:prstGeom prst="straightConnector1">
+            <a:avLst/>
+          </a:prstGeom>
+          <a:noFill/>
+          <a:ln w="19050">
+            <a:solidFill>
+              <a:srgbClr val="002060"/>
+            </a:solidFill>
+            <a:headEnd type="none" w="med" len="med"/>
+            <a:tailEnd type="none" w="med" len="med"/>
+          </a:ln>
+        </p:spPr>
+        <p:style>
+          <a:lnRef idx="2">
+            <a:schemeClr val="accent1">
+              <a:shade val="15000"/>
+            </a:schemeClr>
+          </a:lnRef>
+          <a:fillRef idx="1">
+            <a:schemeClr val="accent1"/>
+          </a:fillRef>
+          <a:effectRef idx="0">
+            <a:schemeClr val="accent1"/>
+          </a:effectRef>
+          <a:fontRef idx="minor">
+            <a:schemeClr val="lt1"/>
+          </a:fontRef>
+        </p:style>
+      </p:cxnSp>
+      <p:cxnSp>
+        <p:nvCxnSpPr>
+          <p:cNvPr id="54" name="Connecteur droit avec flèche 53">
+            <a:extLst>
+              <a:ext uri="{FF2B5EF4-FFF2-40B4-BE49-F238E27FC236}">
+                <a16:creationId xmlns:a16="http://schemas.microsoft.com/office/drawing/2014/main" id="{EEE101B9-B365-1731-F71E-D722C993F89B}"/>
+              </a:ext>
+            </a:extLst>
+          </p:cNvPr>
+          <p:cNvCxnSpPr>
+            <a:cxnSpLocks/>
+          </p:cNvCxnSpPr>
+          <p:nvPr/>
+        </p:nvCxnSpPr>
+        <p:spPr>
+          <a:xfrm>
+            <a:off x="8633858" y="2720787"/>
+            <a:ext cx="628466" cy="0"/>
+          </a:xfrm>
+          <a:prstGeom prst="straightConnector1">
+            <a:avLst/>
+          </a:prstGeom>
+          <a:noFill/>
+          <a:ln w="19050">
+            <a:solidFill>
+              <a:srgbClr val="002060"/>
+            </a:solidFill>
+            <a:tailEnd type="stealth" w="med" len="lg"/>
+          </a:ln>
+        </p:spPr>
+        <p:style>
+          <a:lnRef idx="2">
+            <a:schemeClr val="accent1">
+              <a:shade val="15000"/>
+            </a:schemeClr>
+          </a:lnRef>
+          <a:fillRef idx="1">
+            <a:schemeClr val="accent1"/>
+          </a:fillRef>
+          <a:effectRef idx="0">
+            <a:schemeClr val="accent1"/>
+          </a:effectRef>
+          <a:fontRef idx="minor">
+            <a:schemeClr val="lt1"/>
+          </a:fontRef>
+        </p:style>
+      </p:cxnSp>
+      <p:sp>
+        <p:nvSpPr>
+          <p:cNvPr id="55" name="Rectangle 54">
+            <a:extLst>
+              <a:ext uri="{FF2B5EF4-FFF2-40B4-BE49-F238E27FC236}">
+                <a16:creationId xmlns:a16="http://schemas.microsoft.com/office/drawing/2014/main" id="{F6D1C172-5162-D9F9-BEC6-D704927282F3}"/>
+              </a:ext>
+            </a:extLst>
+          </p:cNvPr>
+          <p:cNvSpPr/>
+          <p:nvPr/>
+        </p:nvSpPr>
+        <p:spPr>
+          <a:xfrm>
+            <a:off x="9262324" y="2450787"/>
+            <a:ext cx="1016331" cy="540000"/>
+          </a:xfrm>
+          <a:prstGeom prst="rect">
+            <a:avLst/>
+          </a:prstGeom>
+          <a:noFill/>
+          <a:ln w="19050">
+            <a:solidFill>
+              <a:srgbClr val="002060"/>
+            </a:solidFill>
+          </a:ln>
+        </p:spPr>
+        <p:style>
+          <a:lnRef idx="2">
+            <a:schemeClr val="accent1">
+              <a:shade val="15000"/>
+            </a:schemeClr>
+          </a:lnRef>
+          <a:fillRef idx="1">
+            <a:schemeClr val="accent1"/>
+          </a:fillRef>
+          <a:effectRef idx="0">
+            <a:schemeClr val="accent1"/>
+          </a:effectRef>
+          <a:fontRef idx="minor">
+            <a:schemeClr val="lt1"/>
+          </a:fontRef>
+        </p:style>
+        <p:txBody>
+          <a:bodyPr rtlCol="0" anchor="ctr"/>
+          <a:lstStyle/>
+          <a:p>
+            <a:pPr algn="ctr"/>
+            <a:r>
+              <a:rPr lang="fr-FR" sz="1200" dirty="0">
+                <a:solidFill>
+                  <a:schemeClr val="tx1"/>
+                </a:solidFill>
+              </a:rPr>
+              <a:t>Moteur</a:t>
+            </a:r>
+          </a:p>
+        </p:txBody>
+      </p:sp>
+      <p:cxnSp>
+        <p:nvCxnSpPr>
+          <p:cNvPr id="56" name="Connecteur droit avec flèche 55">
+            <a:extLst>
+              <a:ext uri="{FF2B5EF4-FFF2-40B4-BE49-F238E27FC236}">
+                <a16:creationId xmlns:a16="http://schemas.microsoft.com/office/drawing/2014/main" id="{5EA89756-9697-C0A1-F1EA-0A37C75FAC6A}"/>
+              </a:ext>
+            </a:extLst>
+          </p:cNvPr>
+          <p:cNvCxnSpPr>
+            <a:cxnSpLocks/>
+            <a:endCxn id="55" idx="2"/>
+          </p:cNvCxnSpPr>
+          <p:nvPr/>
+        </p:nvCxnSpPr>
+        <p:spPr>
+          <a:xfrm flipV="1">
+            <a:off x="9770490" y="2990787"/>
+            <a:ext cx="0" cy="738464"/>
+          </a:xfrm>
+          <a:prstGeom prst="straightConnector1">
+            <a:avLst/>
+          </a:prstGeom>
+          <a:noFill/>
+          <a:ln w="19050">
+            <a:solidFill>
+              <a:srgbClr val="002060"/>
+            </a:solidFill>
+            <a:headEnd type="none" w="med" len="med"/>
+            <a:tailEnd type="none" w="med" len="med"/>
+          </a:ln>
+        </p:spPr>
+        <p:style>
+          <a:lnRef idx="2">
+            <a:schemeClr val="accent1">
+              <a:shade val="15000"/>
+            </a:schemeClr>
+          </a:lnRef>
+          <a:fillRef idx="1">
+            <a:schemeClr val="accent1"/>
+          </a:fillRef>
+          <a:effectRef idx="0">
+            <a:schemeClr val="accent1"/>
+          </a:effectRef>
+          <a:fontRef idx="minor">
+            <a:schemeClr val="lt1"/>
+          </a:fontRef>
+        </p:style>
+      </p:cxnSp>
+      <p:pic>
+        <p:nvPicPr>
+          <p:cNvPr id="62" name="Image 61">
+            <a:extLst>
+              <a:ext uri="{FF2B5EF4-FFF2-40B4-BE49-F238E27FC236}">
+                <a16:creationId xmlns:a16="http://schemas.microsoft.com/office/drawing/2014/main" id="{657024FF-AA70-211E-30E4-ADE5D04CB2FA}"/>
+              </a:ext>
+            </a:extLst>
+          </p:cNvPr>
+          <p:cNvPicPr>
+            <a:picLocks noChangeAspect="1"/>
+          </p:cNvPicPr>
+          <p:nvPr/>
+        </p:nvPicPr>
+        <p:blipFill>
+          <a:blip r:embed="rId11"/>
+          <a:stretch>
+            <a:fillRect/>
+          </a:stretch>
+        </p:blipFill>
+        <p:spPr>
+          <a:xfrm>
+            <a:off x="2993828" y="4008971"/>
+            <a:ext cx="4048690" cy="3486637"/>
+          </a:xfrm>
+          <a:prstGeom prst="rect">
+            <a:avLst/>
+          </a:prstGeom>
+        </p:spPr>
+      </p:pic>
+      <mc:AlternateContent xmlns:mc="http://schemas.openxmlformats.org/markup-compatibility/2006">
+        <mc:Choice xmlns:a14="http://schemas.microsoft.com/office/drawing/2010/main" Requires="a14">
+          <p:sp>
+            <p:nvSpPr>
+              <p:cNvPr id="63" name="ZoneTexte 62">
+                <a:extLst>
+                  <a:ext uri="{FF2B5EF4-FFF2-40B4-BE49-F238E27FC236}">
+                    <a16:creationId xmlns:a16="http://schemas.microsoft.com/office/drawing/2014/main" id="{B13776F6-D18D-160B-E2F3-3A7923039802}"/>
+                  </a:ext>
+                </a:extLst>
+              </p:cNvPr>
+              <p:cNvSpPr txBox="1"/>
+              <p:nvPr/>
+            </p:nvSpPr>
+            <p:spPr>
+              <a:xfrm>
+                <a:off x="8765232" y="2414747"/>
+                <a:ext cx="320409" cy="199478"/>
+              </a:xfrm>
+              <a:prstGeom prst="rect">
+                <a:avLst/>
+              </a:prstGeom>
+              <a:noFill/>
+            </p:spPr>
+            <p:txBody>
+              <a:bodyPr wrap="none" lIns="0" tIns="0" rIns="0" bIns="0" rtlCol="0">
+                <a:spAutoFit/>
+              </a:bodyPr>
+              <a:lstStyle/>
+              <a:p>
+                <a14:m>
+                  <m:oMathPara xmlns:m="http://schemas.openxmlformats.org/officeDocument/2006/math">
+                    <m:oMathParaPr>
+                      <m:jc m:val="centerGroup"/>
+                    </m:oMathParaPr>
+                    <m:oMath xmlns:m="http://schemas.openxmlformats.org/officeDocument/2006/math">
+                      <m:sSub>
+                        <m:sSubPr>
+                          <m:ctrlPr>
+                            <a:rPr lang="fr-FR" sz="1200" b="0" i="1" smtClean="0">
+                              <a:latin typeface="Cambria Math" panose="02040503050406030204" pitchFamily="18" charset="0"/>
+                            </a:rPr>
+                          </m:ctrlPr>
+                        </m:sSubPr>
+                        <m:e>
+                          <m:r>
+                            <a:rPr lang="fr-FR" sz="1200" b="0" i="1" smtClean="0">
+                              <a:latin typeface="Cambria Math" panose="02040503050406030204" pitchFamily="18" charset="0"/>
+                            </a:rPr>
+                            <m:t>𝑢</m:t>
+                          </m:r>
+                        </m:e>
+                        <m:sub>
+                          <m:r>
+                            <a:rPr lang="fr-FR" sz="1200" b="0" i="1" smtClean="0">
+                              <a:latin typeface="Cambria Math" panose="02040503050406030204" pitchFamily="18" charset="0"/>
+                            </a:rPr>
+                            <m:t>𝑟𝑒𝑓</m:t>
+                          </m:r>
+                        </m:sub>
+                      </m:sSub>
+                    </m:oMath>
+                  </m:oMathPara>
+                </a14:m>
+                <a:endParaRPr lang="fr-FR" sz="1200" dirty="0"/>
+              </a:p>
+            </p:txBody>
+          </p:sp>
+        </mc:Choice>
+        <mc:Fallback>
+          <p:sp>
+            <p:nvSpPr>
+              <p:cNvPr id="63" name="ZoneTexte 62">
+                <a:extLst>
+                  <a:ext uri="{FF2B5EF4-FFF2-40B4-BE49-F238E27FC236}">
+                    <a16:creationId xmlns:a16="http://schemas.microsoft.com/office/drawing/2014/main" id="{B13776F6-D18D-160B-E2F3-3A7923039802}"/>
+                  </a:ext>
+                </a:extLst>
+              </p:cNvPr>
+              <p:cNvSpPr txBox="1">
+                <a:spLocks noRot="1" noChangeAspect="1" noMove="1" noResize="1" noEditPoints="1" noAdjustHandles="1" noChangeArrowheads="1" noChangeShapeType="1" noTextEdit="1"/>
+              </p:cNvSpPr>
+              <p:nvPr/>
+            </p:nvSpPr>
+            <p:spPr>
+              <a:xfrm>
+                <a:off x="8765232" y="2414747"/>
+                <a:ext cx="320409" cy="199478"/>
+              </a:xfrm>
+              <a:prstGeom prst="rect">
+                <a:avLst/>
+              </a:prstGeom>
+              <a:blipFill>
+                <a:blip r:embed="rId12"/>
+                <a:stretch>
+                  <a:fillRect l="-7692" r="-7692" b="-27273"/>
+                </a:stretch>
+              </a:blipFill>
+            </p:spPr>
+            <p:txBody>
+              <a:bodyPr/>
+              <a:lstStyle/>
+              <a:p>
+                <a:r>
+                  <a:rPr lang="fr-FR">
+                    <a:noFill/>
+                  </a:rPr>
+                  <a:t> </a:t>
+                </a:r>
+              </a:p>
+            </p:txBody>
+          </p:sp>
+        </mc:Fallback>
+      </mc:AlternateContent>
+    </p:spTree>
+    <p:extLst>
+      <p:ext uri="{BB962C8B-B14F-4D97-AF65-F5344CB8AC3E}">
+        <p14:creationId xmlns:p14="http://schemas.microsoft.com/office/powerpoint/2010/main" val="4250351159"/>
+      </p:ext>
+    </p:extLst>
+  </p:cSld>
+  <p:clrMapOvr>
+    <a:masterClrMapping/>
+  </p:clrMapOvr>
+</p:sld>
+</file>
+
+<file path=ppt/slides/slide14.xml><?xml version="1.0" encoding="utf-8"?>
+<p:sld xmlns:a="http://schemas.openxmlformats.org/drawingml/2006/main" xmlns:r="http://schemas.openxmlformats.org/officeDocument/2006/relationships" xmlns:p="http://schemas.openxmlformats.org/presentationml/2006/main">
+  <p:cSld>
+    <p:spTree>
+      <p:nvGrpSpPr>
+        <p:cNvPr id="1" name=""/>
+        <p:cNvGrpSpPr/>
+        <p:nvPr/>
+      </p:nvGrpSpPr>
+      <p:grpSpPr>
+        <a:xfrm>
+          <a:off x="0" y="0"/>
+          <a:ext cx="0" cy="0"/>
+          <a:chOff x="0" y="0"/>
+          <a:chExt cx="0" cy="0"/>
+        </a:xfrm>
+      </p:grpSpPr>
+      <mc:AlternateContent xmlns:mc="http://schemas.openxmlformats.org/markup-compatibility/2006">
+        <mc:Choice xmlns:a14="http://schemas.microsoft.com/office/drawing/2010/main" Requires="a14">
+          <p:sp>
+            <p:nvSpPr>
+              <p:cNvPr id="2" name="Titre 1">
+                <a:extLst>
+                  <a:ext uri="{FF2B5EF4-FFF2-40B4-BE49-F238E27FC236}">
+                    <a16:creationId xmlns:a16="http://schemas.microsoft.com/office/drawing/2014/main" id="{35E20114-5797-9734-C79B-6CC4E8C41E67}"/>
+                  </a:ext>
+                </a:extLst>
+              </p:cNvPr>
+              <p:cNvSpPr>
+                <a:spLocks noGrp="1"/>
+              </p:cNvSpPr>
+              <p:nvPr>
+                <p:ph type="title"/>
+              </p:nvPr>
+            </p:nvSpPr>
+            <p:spPr/>
+            <p:txBody>
+              <a:bodyPr/>
+              <a:lstStyle/>
+              <a:p>
+                <a:r>
+                  <a:rPr lang="fr-FR" dirty="0"/>
+                  <a:t>Boucle de position, temps de boucle</a:t>
+                </a:r>
+                <a14:m>
+                  <m:oMath xmlns:m="http://schemas.openxmlformats.org/officeDocument/2006/math">
+                    <m:r>
+                      <a:rPr lang="fr-FR" i="1">
+                        <a:latin typeface="Cambria Math" panose="02040503050406030204" pitchFamily="18" charset="0"/>
+                      </a:rPr>
+                      <m:t>1 </m:t>
+                    </m:r>
+                    <m:r>
+                      <a:rPr lang="fr-FR" i="1">
+                        <a:latin typeface="Cambria Math" panose="02040503050406030204" pitchFamily="18" charset="0"/>
+                      </a:rPr>
+                      <m:t>𝑚𝑠</m:t>
+                    </m:r>
+                    <m:r>
+                      <a:rPr lang="fr-FR" b="0" i="1" smtClean="0">
+                        <a:latin typeface="Cambria Math" panose="02040503050406030204" pitchFamily="18" charset="0"/>
+                      </a:rPr>
+                      <m:t>=</m:t>
+                    </m:r>
+                    <m:r>
+                      <a:rPr lang="fr-FR" i="1">
+                        <a:latin typeface="Cambria Math" panose="02040503050406030204" pitchFamily="18" charset="0"/>
+                      </a:rPr>
+                      <m:t>1</m:t>
+                    </m:r>
+                    <m:r>
+                      <a:rPr lang="fr-FR" b="0" i="1" smtClean="0">
+                        <a:latin typeface="Cambria Math" panose="02040503050406030204" pitchFamily="18" charset="0"/>
+                      </a:rPr>
+                      <m:t>000</m:t>
+                    </m:r>
+                    <m:r>
+                      <a:rPr lang="fr-FR" i="1">
+                        <a:latin typeface="Cambria Math" panose="02040503050406030204" pitchFamily="18" charset="0"/>
+                      </a:rPr>
+                      <m:t> </m:t>
+                    </m:r>
+                    <m:r>
+                      <a:rPr lang="fr-FR" b="0" i="1" smtClean="0">
+                        <a:latin typeface="Cambria Math" panose="02040503050406030204" pitchFamily="18" charset="0"/>
+                      </a:rPr>
+                      <m:t>𝜇</m:t>
+                    </m:r>
+                    <m:r>
+                      <a:rPr lang="fr-FR" i="1">
+                        <a:latin typeface="Cambria Math" panose="02040503050406030204" pitchFamily="18" charset="0"/>
+                      </a:rPr>
+                      <m:t>𝑠</m:t>
+                    </m:r>
+                  </m:oMath>
+                </a14:m>
+                <a:endParaRPr lang="fr-FR" dirty="0"/>
+              </a:p>
+            </p:txBody>
+          </p:sp>
+        </mc:Choice>
+        <mc:Fallback>
+          <p:sp>
+            <p:nvSpPr>
+              <p:cNvPr id="2" name="Titre 1">
+                <a:extLst>
+                  <a:ext uri="{FF2B5EF4-FFF2-40B4-BE49-F238E27FC236}">
+                    <a16:creationId xmlns:a16="http://schemas.microsoft.com/office/drawing/2014/main" id="{35E20114-5797-9734-C79B-6CC4E8C41E67}"/>
+                  </a:ext>
+                </a:extLst>
+              </p:cNvPr>
+              <p:cNvSpPr>
+                <a:spLocks noGrp="1" noRot="1" noChangeAspect="1" noMove="1" noResize="1" noEditPoints="1" noAdjustHandles="1" noChangeArrowheads="1" noChangeShapeType="1" noTextEdit="1"/>
+              </p:cNvSpPr>
+              <p:nvPr>
+                <p:ph type="title"/>
+              </p:nvPr>
+            </p:nvSpPr>
+            <p:spPr>
+              <a:blipFill>
+                <a:blip r:embed="rId2"/>
+                <a:stretch>
+                  <a:fillRect l="-2377" t="-13364"/>
+                </a:stretch>
+              </a:blipFill>
+            </p:spPr>
+            <p:txBody>
+              <a:bodyPr/>
+              <a:lstStyle/>
+              <a:p>
+                <a:r>
+                  <a:rPr lang="fr-FR">
+                    <a:noFill/>
+                  </a:rPr>
+                  <a:t> </a:t>
+                </a:r>
+              </a:p>
+            </p:txBody>
+          </p:sp>
+        </mc:Fallback>
+      </mc:AlternateContent>
+      <mc:AlternateContent xmlns:mc="http://schemas.openxmlformats.org/markup-compatibility/2006">
+        <mc:Choice xmlns:a14="http://schemas.microsoft.com/office/drawing/2010/main" Requires="a14">
+          <p:sp>
+            <p:nvSpPr>
+              <p:cNvPr id="4" name="Rectangle 3">
+                <a:extLst>
+                  <a:ext uri="{FF2B5EF4-FFF2-40B4-BE49-F238E27FC236}">
+                    <a16:creationId xmlns:a16="http://schemas.microsoft.com/office/drawing/2014/main" id="{1A3132DF-2887-7E95-271B-14F5829A5343}"/>
+                  </a:ext>
+                </a:extLst>
+              </p:cNvPr>
+              <p:cNvSpPr/>
+              <p:nvPr/>
+            </p:nvSpPr>
+            <p:spPr>
+              <a:xfrm>
+                <a:off x="3756292" y="1993607"/>
+                <a:ext cx="1620000" cy="540000"/>
+              </a:xfrm>
+              <a:prstGeom prst="rect">
+                <a:avLst/>
+              </a:prstGeom>
+              <a:noFill/>
+              <a:ln w="19050">
+                <a:solidFill>
+                  <a:srgbClr val="002060"/>
+                </a:solidFill>
+              </a:ln>
+            </p:spPr>
+            <p:style>
+              <a:lnRef idx="2">
+                <a:schemeClr val="accent1">
+                  <a:shade val="15000"/>
+                </a:schemeClr>
+              </a:lnRef>
+              <a:fillRef idx="1">
+                <a:schemeClr val="accent1"/>
+              </a:fillRef>
+              <a:effectRef idx="0">
+                <a:schemeClr val="accent1"/>
+              </a:effectRef>
+              <a:fontRef idx="minor">
+                <a:schemeClr val="lt1"/>
+              </a:fontRef>
+            </p:style>
+            <p:txBody>
+              <a:bodyPr rtlCol="0" anchor="ctr"/>
+              <a:lstStyle/>
+              <a:p>
+                <a:pPr algn="ctr"/>
+                <a14:m>
+                  <m:oMathPara xmlns:m="http://schemas.openxmlformats.org/officeDocument/2006/math">
+                    <m:oMathParaPr>
+                      <m:jc m:val="centerGroup"/>
+                    </m:oMathParaPr>
+                    <m:oMath xmlns:m="http://schemas.openxmlformats.org/officeDocument/2006/math">
+                      <m:r>
+                        <a:rPr lang="fr-FR" sz="1200" i="1" smtClean="0">
+                          <a:solidFill>
+                            <a:schemeClr val="tx1"/>
+                          </a:solidFill>
+                          <a:latin typeface="Cambria Math" panose="02040503050406030204" pitchFamily="18" charset="0"/>
+                        </a:rPr>
+                        <m:t>1</m:t>
+                      </m:r>
+                      <m:r>
+                        <a:rPr lang="fr-FR" sz="1200" b="0" i="1" smtClean="0">
+                          <a:solidFill>
+                            <a:schemeClr val="tx1"/>
+                          </a:solidFill>
+                          <a:latin typeface="Cambria Math" panose="02040503050406030204" pitchFamily="18" charset="0"/>
+                        </a:rPr>
+                        <m:t>0</m:t>
+                      </m:r>
+                      <m:r>
+                        <a:rPr lang="fr-FR" sz="1200" b="0" i="1" smtClean="0">
+                          <a:solidFill>
+                            <a:schemeClr val="tx1"/>
+                          </a:solidFill>
+                          <a:latin typeface="Cambria Math" panose="02040503050406030204" pitchFamily="18" charset="0"/>
+                        </a:rPr>
+                        <m:t>×</m:t>
+                      </m:r>
+                      <m:sSup>
+                        <m:sSupPr>
+                          <m:ctrlPr>
+                            <a:rPr lang="fr-FR" sz="1200" b="0" i="1" smtClean="0">
+                              <a:solidFill>
+                                <a:schemeClr val="tx1"/>
+                              </a:solidFill>
+                              <a:latin typeface="Cambria Math" panose="02040503050406030204" pitchFamily="18" charset="0"/>
+                            </a:rPr>
+                          </m:ctrlPr>
+                        </m:sSupPr>
+                        <m:e>
+                          <m:r>
+                            <a:rPr lang="fr-FR" sz="1200" b="0" i="1" smtClean="0">
+                              <a:solidFill>
+                                <a:schemeClr val="tx1"/>
+                              </a:solidFill>
+                              <a:latin typeface="Cambria Math" panose="02040503050406030204" pitchFamily="18" charset="0"/>
+                            </a:rPr>
+                            <m:t>10</m:t>
+                          </m:r>
+                        </m:e>
+                        <m:sup>
+                          <m:r>
+                            <a:rPr lang="fr-FR" sz="1200" b="0" i="1" smtClean="0">
+                              <a:solidFill>
+                                <a:schemeClr val="tx1"/>
+                              </a:solidFill>
+                              <a:latin typeface="Cambria Math" panose="02040503050406030204" pitchFamily="18" charset="0"/>
+                            </a:rPr>
+                            <m:t>−3</m:t>
+                          </m:r>
+                        </m:sup>
+                      </m:sSup>
+                      <m:r>
+                        <a:rPr lang="fr-FR" sz="1200" b="0" i="1" smtClean="0">
+                          <a:solidFill>
+                            <a:schemeClr val="tx1"/>
+                          </a:solidFill>
+                          <a:latin typeface="Cambria Math" panose="02040503050406030204" pitchFamily="18" charset="0"/>
+                        </a:rPr>
+                        <m:t>×</m:t>
+                      </m:r>
+                      <m:sSub>
+                        <m:sSubPr>
+                          <m:ctrlPr>
+                            <a:rPr lang="fr-FR" sz="1200" b="0" i="1" smtClean="0">
+                              <a:solidFill>
+                                <a:schemeClr val="tx1"/>
+                              </a:solidFill>
+                              <a:latin typeface="Cambria Math" panose="02040503050406030204" pitchFamily="18" charset="0"/>
+                            </a:rPr>
+                          </m:ctrlPr>
+                        </m:sSubPr>
+                        <m:e>
+                          <m:r>
+                            <a:rPr lang="fr-FR" sz="1200" b="0" i="1" smtClean="0">
+                              <a:solidFill>
+                                <a:schemeClr val="tx1"/>
+                              </a:solidFill>
+                              <a:latin typeface="Cambria Math" panose="02040503050406030204" pitchFamily="18" charset="0"/>
+                            </a:rPr>
+                            <m:t>𝐾</m:t>
+                          </m:r>
+                        </m:e>
+                        <m:sub>
+                          <m:r>
+                            <a:rPr lang="fr-FR" sz="1200" b="0" i="1" smtClean="0">
+                              <a:solidFill>
+                                <a:schemeClr val="tx1"/>
+                              </a:solidFill>
+                              <a:latin typeface="Cambria Math" panose="02040503050406030204" pitchFamily="18" charset="0"/>
+                            </a:rPr>
+                            <m:t>𝑃𝑝</m:t>
+                          </m:r>
+                        </m:sub>
+                      </m:sSub>
+                    </m:oMath>
+                  </m:oMathPara>
+                </a14:m>
+                <a:endParaRPr lang="fr-FR" sz="1200" dirty="0">
+                  <a:solidFill>
+                    <a:schemeClr val="tx1"/>
+                  </a:solidFill>
+                </a:endParaRPr>
+              </a:p>
+            </p:txBody>
+          </p:sp>
+        </mc:Choice>
+        <mc:Fallback>
+          <p:sp>
+            <p:nvSpPr>
+              <p:cNvPr id="4" name="Rectangle 3">
+                <a:extLst>
+                  <a:ext uri="{FF2B5EF4-FFF2-40B4-BE49-F238E27FC236}">
+                    <a16:creationId xmlns:a16="http://schemas.microsoft.com/office/drawing/2014/main" id="{1A3132DF-2887-7E95-271B-14F5829A5343}"/>
+                  </a:ext>
+                </a:extLst>
+              </p:cNvPr>
+              <p:cNvSpPr>
+                <a:spLocks noRot="1" noChangeAspect="1" noMove="1" noResize="1" noEditPoints="1" noAdjustHandles="1" noChangeArrowheads="1" noChangeShapeType="1" noTextEdit="1"/>
+              </p:cNvSpPr>
+              <p:nvPr/>
+            </p:nvSpPr>
+            <p:spPr>
+              <a:xfrm>
+                <a:off x="3756292" y="1993607"/>
+                <a:ext cx="1620000" cy="540000"/>
+              </a:xfrm>
+              <a:prstGeom prst="rect">
+                <a:avLst/>
+              </a:prstGeom>
+              <a:blipFill>
+                <a:blip r:embed="rId3"/>
+                <a:stretch>
+                  <a:fillRect/>
+                </a:stretch>
+              </a:blipFill>
+              <a:ln w="19050">
+                <a:solidFill>
+                  <a:srgbClr val="002060"/>
+                </a:solidFill>
+              </a:ln>
+            </p:spPr>
+            <p:txBody>
+              <a:bodyPr/>
+              <a:lstStyle/>
+              <a:p>
+                <a:r>
+                  <a:rPr lang="fr-FR">
+                    <a:noFill/>
+                  </a:rPr>
+                  <a:t> </a:t>
+                </a:r>
+              </a:p>
+            </p:txBody>
+          </p:sp>
+        </mc:Fallback>
+      </mc:AlternateContent>
+      <p:sp>
+        <p:nvSpPr>
+          <p:cNvPr id="5" name="Organigramme : Jonction de sommaire 4">
+            <a:extLst>
+              <a:ext uri="{FF2B5EF4-FFF2-40B4-BE49-F238E27FC236}">
+                <a16:creationId xmlns:a16="http://schemas.microsoft.com/office/drawing/2014/main" id="{3845C9F1-09B9-7F81-2C41-EFF3803C2396}"/>
+              </a:ext>
+            </a:extLst>
+          </p:cNvPr>
+          <p:cNvSpPr/>
+          <p:nvPr/>
+        </p:nvSpPr>
+        <p:spPr>
+          <a:xfrm>
+            <a:off x="1602828" y="2533607"/>
+            <a:ext cx="361507" cy="361507"/>
+          </a:xfrm>
+          <a:prstGeom prst="flowChartSummingJunction">
+            <a:avLst/>
+          </a:prstGeom>
+          <a:noFill/>
+          <a:ln w="19050">
+            <a:solidFill>
+              <a:srgbClr val="002060"/>
+            </a:solidFill>
+          </a:ln>
+        </p:spPr>
+        <p:style>
+          <a:lnRef idx="2">
+            <a:schemeClr val="accent1">
+              <a:shade val="15000"/>
+            </a:schemeClr>
+          </a:lnRef>
+          <a:fillRef idx="1">
+            <a:schemeClr val="accent1"/>
+          </a:fillRef>
+          <a:effectRef idx="0">
+            <a:schemeClr val="accent1"/>
+          </a:effectRef>
+          <a:fontRef idx="minor">
+            <a:schemeClr val="lt1"/>
+          </a:fontRef>
+        </p:style>
+        <p:txBody>
+          <a:bodyPr rtlCol="0" anchor="ctr"/>
+          <a:lstStyle/>
+          <a:p>
+            <a:pPr algn="ctr"/>
+            <a:endParaRPr lang="fr-FR"/>
+          </a:p>
+        </p:txBody>
+      </p:sp>
+      <p:cxnSp>
+        <p:nvCxnSpPr>
+          <p:cNvPr id="7" name="Connecteur droit avec flèche 6">
+            <a:extLst>
+              <a:ext uri="{FF2B5EF4-FFF2-40B4-BE49-F238E27FC236}">
+                <a16:creationId xmlns:a16="http://schemas.microsoft.com/office/drawing/2014/main" id="{502E1A09-004E-5783-181C-47262A01DCE8}"/>
+              </a:ext>
+            </a:extLst>
+          </p:cNvPr>
+          <p:cNvCxnSpPr/>
+          <p:nvPr/>
+        </p:nvCxnSpPr>
+        <p:spPr>
+          <a:xfrm>
+            <a:off x="882828" y="2714360"/>
+            <a:ext cx="720000" cy="0"/>
+          </a:xfrm>
+          <a:prstGeom prst="straightConnector1">
+            <a:avLst/>
+          </a:prstGeom>
+          <a:noFill/>
+          <a:ln w="19050">
+            <a:solidFill>
+              <a:srgbClr val="002060"/>
+            </a:solidFill>
+            <a:tailEnd type="stealth" w="med" len="lg"/>
+          </a:ln>
+        </p:spPr>
+        <p:style>
+          <a:lnRef idx="2">
+            <a:schemeClr val="accent1">
+              <a:shade val="15000"/>
+            </a:schemeClr>
+          </a:lnRef>
+          <a:fillRef idx="1">
+            <a:schemeClr val="accent1"/>
+          </a:fillRef>
+          <a:effectRef idx="0">
+            <a:schemeClr val="accent1"/>
+          </a:effectRef>
+          <a:fontRef idx="minor">
+            <a:schemeClr val="lt1"/>
+          </a:fontRef>
+        </p:style>
+      </p:cxnSp>
+      <mc:AlternateContent xmlns:mc="http://schemas.openxmlformats.org/markup-compatibility/2006">
+        <mc:Choice xmlns:a14="http://schemas.microsoft.com/office/drawing/2010/main" Requires="a14">
+          <p:sp>
+            <p:nvSpPr>
+              <p:cNvPr id="8" name="ZoneTexte 7">
+                <a:extLst>
+                  <a:ext uri="{FF2B5EF4-FFF2-40B4-BE49-F238E27FC236}">
+                    <a16:creationId xmlns:a16="http://schemas.microsoft.com/office/drawing/2014/main" id="{3373B7E8-46F8-145B-B822-41B6AF7193E4}"/>
+                  </a:ext>
+                </a:extLst>
+              </p:cNvPr>
+              <p:cNvSpPr txBox="1"/>
+              <p:nvPr/>
+            </p:nvSpPr>
+            <p:spPr>
+              <a:xfrm>
+                <a:off x="913990" y="2479367"/>
+                <a:ext cx="313419" cy="199478"/>
+              </a:xfrm>
+              <a:prstGeom prst="rect">
+                <a:avLst/>
+              </a:prstGeom>
+              <a:noFill/>
+            </p:spPr>
+            <p:txBody>
+              <a:bodyPr wrap="none" lIns="0" tIns="0" rIns="0" bIns="0" rtlCol="0">
+                <a:spAutoFit/>
+              </a:bodyPr>
+              <a:lstStyle/>
+              <a:p>
+                <a14:m>
+                  <m:oMathPara xmlns:m="http://schemas.openxmlformats.org/officeDocument/2006/math">
+                    <m:oMathParaPr>
+                      <m:jc m:val="centerGroup"/>
+                    </m:oMathParaPr>
+                    <m:oMath xmlns:m="http://schemas.openxmlformats.org/officeDocument/2006/math">
+                      <m:sSub>
+                        <m:sSubPr>
+                          <m:ctrlPr>
+                            <a:rPr lang="fr-FR" sz="1200" b="0" i="1" smtClean="0">
+                              <a:latin typeface="Cambria Math" panose="02040503050406030204" pitchFamily="18" charset="0"/>
+                            </a:rPr>
+                          </m:ctrlPr>
+                        </m:sSubPr>
+                        <m:e>
+                          <m:r>
+                            <a:rPr lang="fr-FR" sz="1200" b="0" i="1" smtClean="0">
+                              <a:latin typeface="Cambria Math" panose="02040503050406030204" pitchFamily="18" charset="0"/>
+                            </a:rPr>
+                            <m:t>𝜃</m:t>
+                          </m:r>
+                        </m:e>
+                        <m:sub>
+                          <m:r>
+                            <a:rPr lang="fr-FR" sz="1200" b="0" i="1" smtClean="0">
+                              <a:latin typeface="Cambria Math" panose="02040503050406030204" pitchFamily="18" charset="0"/>
+                            </a:rPr>
+                            <m:t>𝑟𝑒𝑓</m:t>
+                          </m:r>
+                        </m:sub>
+                      </m:sSub>
+                    </m:oMath>
+                  </m:oMathPara>
+                </a14:m>
+                <a:endParaRPr lang="fr-FR" sz="1200" dirty="0"/>
+              </a:p>
+            </p:txBody>
+          </p:sp>
+        </mc:Choice>
+        <mc:Fallback>
+          <p:sp>
+            <p:nvSpPr>
+              <p:cNvPr id="8" name="ZoneTexte 7">
+                <a:extLst>
+                  <a:ext uri="{FF2B5EF4-FFF2-40B4-BE49-F238E27FC236}">
+                    <a16:creationId xmlns:a16="http://schemas.microsoft.com/office/drawing/2014/main" id="{3373B7E8-46F8-145B-B822-41B6AF7193E4}"/>
+                  </a:ext>
+                </a:extLst>
+              </p:cNvPr>
+              <p:cNvSpPr txBox="1">
+                <a:spLocks noRot="1" noChangeAspect="1" noMove="1" noResize="1" noEditPoints="1" noAdjustHandles="1" noChangeArrowheads="1" noChangeShapeType="1" noTextEdit="1"/>
+              </p:cNvSpPr>
+              <p:nvPr/>
+            </p:nvSpPr>
+            <p:spPr>
+              <a:xfrm>
+                <a:off x="913990" y="2479367"/>
+                <a:ext cx="313419" cy="199478"/>
+              </a:xfrm>
+              <a:prstGeom prst="rect">
+                <a:avLst/>
+              </a:prstGeom>
+              <a:blipFill>
+                <a:blip r:embed="rId4"/>
+                <a:stretch>
+                  <a:fillRect l="-11765" r="-7843" b="-28125"/>
+                </a:stretch>
+              </a:blipFill>
+            </p:spPr>
+            <p:txBody>
+              <a:bodyPr/>
+              <a:lstStyle/>
+              <a:p>
+                <a:r>
+                  <a:rPr lang="fr-FR">
+                    <a:noFill/>
+                  </a:rPr>
+                  <a:t> </a:t>
+                </a:r>
+              </a:p>
+            </p:txBody>
+          </p:sp>
+        </mc:Fallback>
+      </mc:AlternateContent>
+      <p:cxnSp>
+        <p:nvCxnSpPr>
+          <p:cNvPr id="9" name="Connecteur droit avec flèche 8">
+            <a:extLst>
+              <a:ext uri="{FF2B5EF4-FFF2-40B4-BE49-F238E27FC236}">
+                <a16:creationId xmlns:a16="http://schemas.microsoft.com/office/drawing/2014/main" id="{A67909FE-6F58-6A6E-84AC-A0F7E4085FDA}"/>
+              </a:ext>
+            </a:extLst>
+          </p:cNvPr>
+          <p:cNvCxnSpPr>
+            <a:cxnSpLocks/>
+            <a:endCxn id="4" idx="1"/>
+          </p:cNvCxnSpPr>
+          <p:nvPr/>
+        </p:nvCxnSpPr>
+        <p:spPr>
+          <a:xfrm>
+            <a:off x="2499360" y="2263607"/>
+            <a:ext cx="1256932" cy="0"/>
+          </a:xfrm>
+          <a:prstGeom prst="straightConnector1">
+            <a:avLst/>
+          </a:prstGeom>
+          <a:noFill/>
+          <a:ln w="19050">
+            <a:solidFill>
+              <a:srgbClr val="002060"/>
+            </a:solidFill>
+            <a:tailEnd type="stealth" w="med" len="lg"/>
+          </a:ln>
+        </p:spPr>
+        <p:style>
+          <a:lnRef idx="2">
+            <a:schemeClr val="accent1">
+              <a:shade val="15000"/>
+            </a:schemeClr>
+          </a:lnRef>
+          <a:fillRef idx="1">
+            <a:schemeClr val="accent1"/>
+          </a:fillRef>
+          <a:effectRef idx="0">
+            <a:schemeClr val="accent1"/>
+          </a:effectRef>
+          <a:fontRef idx="minor">
+            <a:schemeClr val="lt1"/>
+          </a:fontRef>
+        </p:style>
+      </p:cxnSp>
+      <mc:AlternateContent xmlns:mc="http://schemas.openxmlformats.org/markup-compatibility/2006">
+        <mc:Choice xmlns:a14="http://schemas.microsoft.com/office/drawing/2010/main" Requires="a14">
+          <p:sp>
+            <p:nvSpPr>
+              <p:cNvPr id="10" name="Rectangle 9">
+                <a:extLst>
+                  <a:ext uri="{FF2B5EF4-FFF2-40B4-BE49-F238E27FC236}">
+                    <a16:creationId xmlns:a16="http://schemas.microsoft.com/office/drawing/2014/main" id="{5CE25679-7727-2D53-D20A-D7D2C4EF2A09}"/>
+                  </a:ext>
+                </a:extLst>
+              </p:cNvPr>
+              <p:cNvSpPr/>
+              <p:nvPr/>
+            </p:nvSpPr>
+            <p:spPr>
+              <a:xfrm>
+                <a:off x="3036626" y="2889000"/>
+                <a:ext cx="1620000" cy="540000"/>
+              </a:xfrm>
+              <a:prstGeom prst="rect">
+                <a:avLst/>
+              </a:prstGeom>
+              <a:noFill/>
+              <a:ln w="19050">
+                <a:solidFill>
+                  <a:srgbClr val="002060"/>
+                </a:solidFill>
+              </a:ln>
+            </p:spPr>
+            <p:style>
+              <a:lnRef idx="2">
+                <a:schemeClr val="accent1">
+                  <a:shade val="15000"/>
+                </a:schemeClr>
+              </a:lnRef>
+              <a:fillRef idx="1">
+                <a:schemeClr val="accent1"/>
+              </a:fillRef>
+              <a:effectRef idx="0">
+                <a:schemeClr val="accent1"/>
+              </a:effectRef>
+              <a:fontRef idx="minor">
+                <a:schemeClr val="lt1"/>
+              </a:fontRef>
+            </p:style>
+            <p:txBody>
+              <a:bodyPr rtlCol="0" anchor="ctr"/>
+              <a:lstStyle/>
+              <a:p>
+                <a:pPr algn="ctr"/>
+                <a14:m>
+                  <m:oMathPara xmlns:m="http://schemas.openxmlformats.org/officeDocument/2006/math">
+                    <m:oMathParaPr>
+                      <m:jc m:val="centerGroup"/>
+                    </m:oMathParaPr>
+                    <m:oMath xmlns:m="http://schemas.openxmlformats.org/officeDocument/2006/math">
+                      <m:r>
+                        <a:rPr lang="fr-FR" sz="1200" i="1" smtClean="0">
+                          <a:solidFill>
+                            <a:schemeClr val="tx1"/>
+                          </a:solidFill>
+                          <a:latin typeface="Cambria Math" panose="02040503050406030204" pitchFamily="18" charset="0"/>
+                        </a:rPr>
+                        <m:t>7</m:t>
+                      </m:r>
+                      <m:r>
+                        <a:rPr lang="fr-FR" sz="1200" b="0" i="1" smtClean="0">
+                          <a:solidFill>
+                            <a:schemeClr val="tx1"/>
+                          </a:solidFill>
+                          <a:latin typeface="Cambria Math" panose="02040503050406030204" pitchFamily="18" charset="0"/>
+                        </a:rPr>
+                        <m:t>8</m:t>
+                      </m:r>
+                      <m:r>
+                        <a:rPr lang="fr-FR" sz="1200" b="0" i="1" smtClean="0">
+                          <a:solidFill>
+                            <a:schemeClr val="tx1"/>
+                          </a:solidFill>
+                          <a:latin typeface="Cambria Math" panose="02040503050406030204" pitchFamily="18" charset="0"/>
+                        </a:rPr>
+                        <m:t>×</m:t>
+                      </m:r>
+                      <m:sSup>
+                        <m:sSupPr>
+                          <m:ctrlPr>
+                            <a:rPr lang="fr-FR" sz="1200" b="0" i="1" smtClean="0">
+                              <a:solidFill>
+                                <a:schemeClr val="tx1"/>
+                              </a:solidFill>
+                              <a:latin typeface="Cambria Math" panose="02040503050406030204" pitchFamily="18" charset="0"/>
+                            </a:rPr>
+                          </m:ctrlPr>
+                        </m:sSupPr>
+                        <m:e>
+                          <m:r>
+                            <a:rPr lang="fr-FR" sz="1200" b="0" i="1" smtClean="0">
+                              <a:solidFill>
+                                <a:schemeClr val="tx1"/>
+                              </a:solidFill>
+                              <a:latin typeface="Cambria Math" panose="02040503050406030204" pitchFamily="18" charset="0"/>
+                            </a:rPr>
+                            <m:t>10</m:t>
+                          </m:r>
+                        </m:e>
+                        <m:sup>
+                          <m:r>
+                            <a:rPr lang="fr-FR" sz="1200" b="0" i="1" smtClean="0">
+                              <a:solidFill>
+                                <a:schemeClr val="tx1"/>
+                              </a:solidFill>
+                              <a:latin typeface="Cambria Math" panose="02040503050406030204" pitchFamily="18" charset="0"/>
+                            </a:rPr>
+                            <m:t>−3</m:t>
+                          </m:r>
+                        </m:sup>
+                      </m:sSup>
+                      <m:r>
+                        <a:rPr lang="fr-FR" sz="1200" b="0" i="1" smtClean="0">
+                          <a:solidFill>
+                            <a:schemeClr val="tx1"/>
+                          </a:solidFill>
+                          <a:latin typeface="Cambria Math" panose="02040503050406030204" pitchFamily="18" charset="0"/>
+                        </a:rPr>
+                        <m:t>×</m:t>
+                      </m:r>
+                      <m:sSub>
+                        <m:sSubPr>
+                          <m:ctrlPr>
+                            <a:rPr lang="fr-FR" sz="1200" b="0" i="1" smtClean="0">
+                              <a:solidFill>
+                                <a:schemeClr val="tx1"/>
+                              </a:solidFill>
+                              <a:latin typeface="Cambria Math" panose="02040503050406030204" pitchFamily="18" charset="0"/>
+                            </a:rPr>
+                          </m:ctrlPr>
+                        </m:sSubPr>
+                        <m:e>
+                          <m:r>
+                            <a:rPr lang="fr-FR" sz="1200" b="0" i="1" smtClean="0">
+                              <a:solidFill>
+                                <a:schemeClr val="tx1"/>
+                              </a:solidFill>
+                              <a:latin typeface="Cambria Math" panose="02040503050406030204" pitchFamily="18" charset="0"/>
+                            </a:rPr>
+                            <m:t>𝐾</m:t>
+                          </m:r>
+                        </m:e>
+                        <m:sub>
+                          <m:r>
+                            <a:rPr lang="fr-FR" sz="1200" b="0" i="1" smtClean="0">
+                              <a:solidFill>
+                                <a:schemeClr val="tx1"/>
+                              </a:solidFill>
+                              <a:latin typeface="Cambria Math" panose="02040503050406030204" pitchFamily="18" charset="0"/>
+                            </a:rPr>
+                            <m:t>𝐼𝑝</m:t>
+                          </m:r>
+                        </m:sub>
+                      </m:sSub>
+                    </m:oMath>
+                  </m:oMathPara>
+                </a14:m>
+                <a:endParaRPr lang="fr-FR" sz="1200" dirty="0">
+                  <a:solidFill>
+                    <a:schemeClr val="tx1"/>
+                  </a:solidFill>
+                </a:endParaRPr>
+              </a:p>
+            </p:txBody>
+          </p:sp>
+        </mc:Choice>
+        <mc:Fallback>
+          <p:sp>
+            <p:nvSpPr>
+              <p:cNvPr id="10" name="Rectangle 9">
+                <a:extLst>
+                  <a:ext uri="{FF2B5EF4-FFF2-40B4-BE49-F238E27FC236}">
+                    <a16:creationId xmlns:a16="http://schemas.microsoft.com/office/drawing/2014/main" id="{5CE25679-7727-2D53-D20A-D7D2C4EF2A09}"/>
+                  </a:ext>
+                </a:extLst>
+              </p:cNvPr>
+              <p:cNvSpPr>
+                <a:spLocks noRot="1" noChangeAspect="1" noMove="1" noResize="1" noEditPoints="1" noAdjustHandles="1" noChangeArrowheads="1" noChangeShapeType="1" noTextEdit="1"/>
+              </p:cNvSpPr>
+              <p:nvPr/>
+            </p:nvSpPr>
+            <p:spPr>
+              <a:xfrm>
+                <a:off x="3036626" y="2889000"/>
+                <a:ext cx="1620000" cy="540000"/>
+              </a:xfrm>
+              <a:prstGeom prst="rect">
+                <a:avLst/>
+              </a:prstGeom>
+              <a:blipFill>
+                <a:blip r:embed="rId5"/>
+                <a:stretch>
+                  <a:fillRect/>
+                </a:stretch>
+              </a:blipFill>
+              <a:ln w="19050">
+                <a:solidFill>
+                  <a:srgbClr val="002060"/>
+                </a:solidFill>
+              </a:ln>
+            </p:spPr>
+            <p:txBody>
+              <a:bodyPr/>
+              <a:lstStyle/>
+              <a:p>
+                <a:r>
+                  <a:rPr lang="fr-FR">
+                    <a:noFill/>
+                  </a:rPr>
+                  <a:t> </a:t>
+                </a:r>
+              </a:p>
+            </p:txBody>
+          </p:sp>
+        </mc:Fallback>
+      </mc:AlternateContent>
+      <mc:AlternateContent xmlns:mc="http://schemas.openxmlformats.org/markup-compatibility/2006">
+        <mc:Choice xmlns:a14="http://schemas.microsoft.com/office/drawing/2010/main" Requires="a14">
+          <p:sp>
+            <p:nvSpPr>
+              <p:cNvPr id="11" name="Rectangle 10">
+                <a:extLst>
+                  <a:ext uri="{FF2B5EF4-FFF2-40B4-BE49-F238E27FC236}">
+                    <a16:creationId xmlns:a16="http://schemas.microsoft.com/office/drawing/2014/main" id="{E2032029-5E0D-25F6-9C95-DBCC9DF77E4F}"/>
+                  </a:ext>
+                </a:extLst>
+              </p:cNvPr>
+              <p:cNvSpPr/>
+              <p:nvPr/>
+            </p:nvSpPr>
+            <p:spPr>
+              <a:xfrm>
+                <a:off x="5379720" y="2889000"/>
+                <a:ext cx="716280" cy="540000"/>
+              </a:xfrm>
+              <a:prstGeom prst="rect">
+                <a:avLst/>
+              </a:prstGeom>
+              <a:noFill/>
+              <a:ln w="19050">
+                <a:solidFill>
+                  <a:srgbClr val="002060"/>
+                </a:solidFill>
+              </a:ln>
+            </p:spPr>
+            <p:style>
+              <a:lnRef idx="2">
+                <a:schemeClr val="accent1">
+                  <a:shade val="15000"/>
+                </a:schemeClr>
+              </a:lnRef>
+              <a:fillRef idx="1">
+                <a:schemeClr val="accent1"/>
+              </a:fillRef>
+              <a:effectRef idx="0">
+                <a:schemeClr val="accent1"/>
+              </a:effectRef>
+              <a:fontRef idx="minor">
+                <a:schemeClr val="lt1"/>
+              </a:fontRef>
+            </p:style>
+            <p:txBody>
+              <a:bodyPr rtlCol="0" anchor="ctr"/>
+              <a:lstStyle/>
+              <a:p>
+                <a:pPr algn="ctr"/>
+                <a14:m>
+                  <m:oMathPara xmlns:m="http://schemas.openxmlformats.org/officeDocument/2006/math">
+                    <m:oMathParaPr>
+                      <m:jc m:val="centerGroup"/>
+                    </m:oMathParaPr>
+                    <m:oMath xmlns:m="http://schemas.openxmlformats.org/officeDocument/2006/math">
+                      <m:f>
+                        <m:fPr>
+                          <m:ctrlPr>
+                            <a:rPr lang="fr-FR" sz="1200" b="0" i="1" smtClean="0">
+                              <a:solidFill>
+                                <a:schemeClr val="tx1"/>
+                              </a:solidFill>
+                              <a:latin typeface="Cambria Math" panose="02040503050406030204" pitchFamily="18" charset="0"/>
+                            </a:rPr>
+                          </m:ctrlPr>
+                        </m:fPr>
+                        <m:num>
+                          <m:r>
+                            <a:rPr lang="fr-FR" sz="1200" b="0" i="1" smtClean="0">
+                              <a:solidFill>
+                                <a:schemeClr val="tx1"/>
+                              </a:solidFill>
+                              <a:latin typeface="Cambria Math" panose="02040503050406030204" pitchFamily="18" charset="0"/>
+                            </a:rPr>
+                            <m:t>1</m:t>
+                          </m:r>
+                        </m:num>
+                        <m:den>
+                          <m:r>
+                            <a:rPr lang="fr-FR" sz="1200" b="0" i="1" smtClean="0">
+                              <a:solidFill>
+                                <a:schemeClr val="tx1"/>
+                              </a:solidFill>
+                              <a:latin typeface="Cambria Math" panose="02040503050406030204" pitchFamily="18" charset="0"/>
+                            </a:rPr>
+                            <m:t>𝑝</m:t>
+                          </m:r>
+                        </m:den>
+                      </m:f>
+                    </m:oMath>
+                  </m:oMathPara>
+                </a14:m>
+                <a:endParaRPr lang="fr-FR" sz="1200" dirty="0">
+                  <a:solidFill>
+                    <a:schemeClr val="tx1"/>
+                  </a:solidFill>
+                </a:endParaRPr>
+              </a:p>
+            </p:txBody>
+          </p:sp>
+        </mc:Choice>
+        <mc:Fallback>
+          <p:sp>
+            <p:nvSpPr>
+              <p:cNvPr id="11" name="Rectangle 10">
+                <a:extLst>
+                  <a:ext uri="{FF2B5EF4-FFF2-40B4-BE49-F238E27FC236}">
+                    <a16:creationId xmlns:a16="http://schemas.microsoft.com/office/drawing/2014/main" id="{E2032029-5E0D-25F6-9C95-DBCC9DF77E4F}"/>
+                  </a:ext>
+                </a:extLst>
+              </p:cNvPr>
+              <p:cNvSpPr>
+                <a:spLocks noRot="1" noChangeAspect="1" noMove="1" noResize="1" noEditPoints="1" noAdjustHandles="1" noChangeArrowheads="1" noChangeShapeType="1" noTextEdit="1"/>
+              </p:cNvSpPr>
+              <p:nvPr/>
+            </p:nvSpPr>
+            <p:spPr>
+              <a:xfrm>
+                <a:off x="5379720" y="2889000"/>
+                <a:ext cx="716280" cy="540000"/>
+              </a:xfrm>
+              <a:prstGeom prst="rect">
+                <a:avLst/>
+              </a:prstGeom>
+              <a:blipFill>
+                <a:blip r:embed="rId6"/>
+                <a:stretch>
+                  <a:fillRect/>
+                </a:stretch>
+              </a:blipFill>
+              <a:ln w="19050">
+                <a:solidFill>
+                  <a:srgbClr val="002060"/>
+                </a:solidFill>
+              </a:ln>
+            </p:spPr>
+            <p:txBody>
+              <a:bodyPr/>
+              <a:lstStyle/>
+              <a:p>
+                <a:r>
+                  <a:rPr lang="fr-FR">
+                    <a:noFill/>
+                  </a:rPr>
+                  <a:t> </a:t>
+                </a:r>
+              </a:p>
+            </p:txBody>
+          </p:sp>
+        </mc:Fallback>
+      </mc:AlternateContent>
+      <p:cxnSp>
+        <p:nvCxnSpPr>
+          <p:cNvPr id="14" name="Connecteur droit avec flèche 13">
+            <a:extLst>
+              <a:ext uri="{FF2B5EF4-FFF2-40B4-BE49-F238E27FC236}">
+                <a16:creationId xmlns:a16="http://schemas.microsoft.com/office/drawing/2014/main" id="{667B905C-96CB-85DD-D61C-E96DEC5974E0}"/>
+              </a:ext>
+            </a:extLst>
+          </p:cNvPr>
+          <p:cNvCxnSpPr>
+            <a:cxnSpLocks/>
+            <a:endCxn id="10" idx="1"/>
+          </p:cNvCxnSpPr>
+          <p:nvPr/>
+        </p:nvCxnSpPr>
+        <p:spPr>
+          <a:xfrm>
+            <a:off x="2499360" y="3159000"/>
+            <a:ext cx="537266" cy="0"/>
+          </a:xfrm>
+          <a:prstGeom prst="straightConnector1">
+            <a:avLst/>
+          </a:prstGeom>
+          <a:noFill/>
+          <a:ln w="19050">
+            <a:solidFill>
+              <a:srgbClr val="002060"/>
+            </a:solidFill>
+            <a:tailEnd type="stealth" w="med" len="lg"/>
+          </a:ln>
+        </p:spPr>
+        <p:style>
+          <a:lnRef idx="2">
+            <a:schemeClr val="accent1">
+              <a:shade val="15000"/>
+            </a:schemeClr>
+          </a:lnRef>
+          <a:fillRef idx="1">
+            <a:schemeClr val="accent1"/>
+          </a:fillRef>
+          <a:effectRef idx="0">
+            <a:schemeClr val="accent1"/>
+          </a:effectRef>
+          <a:fontRef idx="minor">
+            <a:schemeClr val="lt1"/>
+          </a:fontRef>
+        </p:style>
+      </p:cxnSp>
+      <p:cxnSp>
+        <p:nvCxnSpPr>
+          <p:cNvPr id="17" name="Connecteur droit avec flèche 16">
+            <a:extLst>
+              <a:ext uri="{FF2B5EF4-FFF2-40B4-BE49-F238E27FC236}">
+                <a16:creationId xmlns:a16="http://schemas.microsoft.com/office/drawing/2014/main" id="{539C9AFF-9E6E-F7D5-C3F6-3F5FFE094108}"/>
+              </a:ext>
+            </a:extLst>
+          </p:cNvPr>
+          <p:cNvCxnSpPr>
+            <a:cxnSpLocks/>
+            <a:stCxn id="5" idx="6"/>
+          </p:cNvCxnSpPr>
+          <p:nvPr/>
+        </p:nvCxnSpPr>
+        <p:spPr>
+          <a:xfrm flipV="1">
+            <a:off x="1964335" y="2714360"/>
+            <a:ext cx="535025" cy="1"/>
+          </a:xfrm>
+          <a:prstGeom prst="straightConnector1">
+            <a:avLst/>
+          </a:prstGeom>
+          <a:noFill/>
+          <a:ln w="19050">
+            <a:solidFill>
+              <a:srgbClr val="002060"/>
+            </a:solidFill>
+            <a:headEnd type="none" w="med" len="med"/>
+            <a:tailEnd type="none" w="med" len="med"/>
+          </a:ln>
+        </p:spPr>
+        <p:style>
+          <a:lnRef idx="2">
+            <a:schemeClr val="accent1">
+              <a:shade val="15000"/>
+            </a:schemeClr>
+          </a:lnRef>
+          <a:fillRef idx="1">
+            <a:schemeClr val="accent1"/>
+          </a:fillRef>
+          <a:effectRef idx="0">
+            <a:schemeClr val="accent1"/>
+          </a:effectRef>
+          <a:fontRef idx="minor">
+            <a:schemeClr val="lt1"/>
+          </a:fontRef>
+        </p:style>
+      </p:cxnSp>
+      <p:cxnSp>
+        <p:nvCxnSpPr>
+          <p:cNvPr id="20" name="Connecteur droit avec flèche 19">
+            <a:extLst>
+              <a:ext uri="{FF2B5EF4-FFF2-40B4-BE49-F238E27FC236}">
+                <a16:creationId xmlns:a16="http://schemas.microsoft.com/office/drawing/2014/main" id="{4E2431A4-7A58-3621-9FC0-28C2056B6DFC}"/>
+              </a:ext>
+            </a:extLst>
+          </p:cNvPr>
+          <p:cNvCxnSpPr>
+            <a:cxnSpLocks/>
+          </p:cNvCxnSpPr>
+          <p:nvPr/>
+        </p:nvCxnSpPr>
+        <p:spPr>
+          <a:xfrm flipV="1">
+            <a:off x="2499360" y="2263607"/>
+            <a:ext cx="0" cy="1894460"/>
+          </a:xfrm>
+          <a:prstGeom prst="straightConnector1">
+            <a:avLst/>
+          </a:prstGeom>
+          <a:noFill/>
+          <a:ln w="19050">
+            <a:solidFill>
+              <a:srgbClr val="002060"/>
+            </a:solidFill>
+            <a:headEnd type="none" w="med" len="med"/>
+            <a:tailEnd type="none" w="med" len="med"/>
+          </a:ln>
+        </p:spPr>
+        <p:style>
+          <a:lnRef idx="2">
+            <a:schemeClr val="accent1">
+              <a:shade val="15000"/>
+            </a:schemeClr>
+          </a:lnRef>
+          <a:fillRef idx="1">
+            <a:schemeClr val="accent1"/>
+          </a:fillRef>
+          <a:effectRef idx="0">
+            <a:schemeClr val="accent1"/>
+          </a:effectRef>
+          <a:fontRef idx="minor">
+            <a:schemeClr val="lt1"/>
+          </a:fontRef>
+        </p:style>
+      </p:cxnSp>
+      <p:sp>
+        <p:nvSpPr>
+          <p:cNvPr id="23" name="Organigramme : Jonction de sommaire 22">
+            <a:extLst>
+              <a:ext uri="{FF2B5EF4-FFF2-40B4-BE49-F238E27FC236}">
+                <a16:creationId xmlns:a16="http://schemas.microsoft.com/office/drawing/2014/main" id="{F8981A96-0C3C-D52D-A875-F257A49968F0}"/>
+              </a:ext>
+            </a:extLst>
+          </p:cNvPr>
+          <p:cNvSpPr/>
+          <p:nvPr/>
+        </p:nvSpPr>
+        <p:spPr>
+          <a:xfrm>
+            <a:off x="6638340" y="2533607"/>
+            <a:ext cx="361507" cy="361507"/>
+          </a:xfrm>
+          <a:prstGeom prst="flowChartSummingJunction">
+            <a:avLst/>
+          </a:prstGeom>
+          <a:noFill/>
+          <a:ln w="19050">
+            <a:solidFill>
+              <a:srgbClr val="002060"/>
+            </a:solidFill>
+          </a:ln>
+        </p:spPr>
+        <p:style>
+          <a:lnRef idx="2">
+            <a:schemeClr val="accent1">
+              <a:shade val="15000"/>
+            </a:schemeClr>
+          </a:lnRef>
+          <a:fillRef idx="1">
+            <a:schemeClr val="accent1"/>
+          </a:fillRef>
+          <a:effectRef idx="0">
+            <a:schemeClr val="accent1"/>
+          </a:effectRef>
+          <a:fontRef idx="minor">
+            <a:schemeClr val="lt1"/>
+          </a:fontRef>
+        </p:style>
+        <p:txBody>
+          <a:bodyPr rtlCol="0" anchor="ctr"/>
+          <a:lstStyle/>
+          <a:p>
+            <a:pPr algn="ctr"/>
+            <a:endParaRPr lang="fr-FR"/>
+          </a:p>
+        </p:txBody>
+      </p:sp>
+      <p:cxnSp>
+        <p:nvCxnSpPr>
+          <p:cNvPr id="24" name="Connecteur droit avec flèche 23">
+            <a:extLst>
+              <a:ext uri="{FF2B5EF4-FFF2-40B4-BE49-F238E27FC236}">
+                <a16:creationId xmlns:a16="http://schemas.microsoft.com/office/drawing/2014/main" id="{F2F202F9-3B06-9D67-16E2-123CEE88EE97}"/>
+              </a:ext>
+            </a:extLst>
+          </p:cNvPr>
+          <p:cNvCxnSpPr>
+            <a:cxnSpLocks/>
+            <a:stCxn id="10" idx="3"/>
+            <a:endCxn id="11" idx="1"/>
+          </p:cNvCxnSpPr>
+          <p:nvPr/>
+        </p:nvCxnSpPr>
+        <p:spPr>
+          <a:xfrm>
+            <a:off x="4656626" y="3159000"/>
+            <a:ext cx="723094" cy="0"/>
+          </a:xfrm>
+          <a:prstGeom prst="straightConnector1">
+            <a:avLst/>
+          </a:prstGeom>
+          <a:noFill/>
+          <a:ln w="19050">
+            <a:solidFill>
+              <a:srgbClr val="002060"/>
+            </a:solidFill>
+            <a:tailEnd type="stealth" w="med" len="lg"/>
+          </a:ln>
+        </p:spPr>
+        <p:style>
+          <a:lnRef idx="2">
+            <a:schemeClr val="accent1">
+              <a:shade val="15000"/>
+            </a:schemeClr>
+          </a:lnRef>
+          <a:fillRef idx="1">
+            <a:schemeClr val="accent1"/>
+          </a:fillRef>
+          <a:effectRef idx="0">
+            <a:schemeClr val="accent1"/>
+          </a:effectRef>
+          <a:fontRef idx="minor">
+            <a:schemeClr val="lt1"/>
+          </a:fontRef>
+        </p:style>
+      </p:cxnSp>
+      <p:cxnSp>
+        <p:nvCxnSpPr>
+          <p:cNvPr id="27" name="Connecteur droit avec flèche 26">
+            <a:extLst>
+              <a:ext uri="{FF2B5EF4-FFF2-40B4-BE49-F238E27FC236}">
+                <a16:creationId xmlns:a16="http://schemas.microsoft.com/office/drawing/2014/main" id="{9BBE4B5D-67E0-DF54-8632-09E6161B4678}"/>
+              </a:ext>
+            </a:extLst>
+          </p:cNvPr>
+          <p:cNvCxnSpPr>
+            <a:cxnSpLocks/>
+          </p:cNvCxnSpPr>
+          <p:nvPr/>
+        </p:nvCxnSpPr>
+        <p:spPr>
+          <a:xfrm flipV="1">
+            <a:off x="6103315" y="3149279"/>
+            <a:ext cx="715778" cy="1"/>
+          </a:xfrm>
+          <a:prstGeom prst="straightConnector1">
+            <a:avLst/>
+          </a:prstGeom>
+          <a:noFill/>
+          <a:ln w="19050">
+            <a:solidFill>
+              <a:srgbClr val="002060"/>
+            </a:solidFill>
+            <a:headEnd type="none" w="med" len="med"/>
+            <a:tailEnd type="none" w="med" len="med"/>
+          </a:ln>
+        </p:spPr>
+        <p:style>
+          <a:lnRef idx="2">
+            <a:schemeClr val="accent1">
+              <a:shade val="15000"/>
+            </a:schemeClr>
+          </a:lnRef>
+          <a:fillRef idx="1">
+            <a:schemeClr val="accent1"/>
+          </a:fillRef>
+          <a:effectRef idx="0">
+            <a:schemeClr val="accent1"/>
+          </a:effectRef>
+          <a:fontRef idx="minor">
+            <a:schemeClr val="lt1"/>
+          </a:fontRef>
+        </p:style>
+      </p:cxnSp>
+      <p:cxnSp>
+        <p:nvCxnSpPr>
+          <p:cNvPr id="28" name="Connecteur droit avec flèche 27">
+            <a:extLst>
+              <a:ext uri="{FF2B5EF4-FFF2-40B4-BE49-F238E27FC236}">
+                <a16:creationId xmlns:a16="http://schemas.microsoft.com/office/drawing/2014/main" id="{B77F4158-6406-519C-3C79-25729CC48CEE}"/>
+              </a:ext>
+            </a:extLst>
+          </p:cNvPr>
+          <p:cNvCxnSpPr>
+            <a:cxnSpLocks/>
+            <a:endCxn id="23" idx="4"/>
+          </p:cNvCxnSpPr>
+          <p:nvPr/>
+        </p:nvCxnSpPr>
+        <p:spPr>
+          <a:xfrm flipV="1">
+            <a:off x="6819094" y="2895114"/>
+            <a:ext cx="0" cy="1218108"/>
+          </a:xfrm>
+          <a:prstGeom prst="straightConnector1">
+            <a:avLst/>
+          </a:prstGeom>
+          <a:noFill/>
+          <a:ln w="19050">
+            <a:solidFill>
+              <a:srgbClr val="002060"/>
+            </a:solidFill>
+            <a:tailEnd type="stealth" w="med" len="lg"/>
+          </a:ln>
+        </p:spPr>
+        <p:style>
+          <a:lnRef idx="2">
+            <a:schemeClr val="accent1">
+              <a:shade val="15000"/>
+            </a:schemeClr>
+          </a:lnRef>
+          <a:fillRef idx="1">
+            <a:schemeClr val="accent1"/>
+          </a:fillRef>
+          <a:effectRef idx="0">
+            <a:schemeClr val="accent1"/>
+          </a:effectRef>
+          <a:fontRef idx="minor">
+            <a:schemeClr val="lt1"/>
+          </a:fontRef>
+        </p:style>
+      </p:cxnSp>
+      <mc:AlternateContent xmlns:mc="http://schemas.openxmlformats.org/markup-compatibility/2006">
+        <mc:Choice xmlns:a14="http://schemas.microsoft.com/office/drawing/2010/main" Requires="a14">
+          <p:sp>
+            <p:nvSpPr>
+              <p:cNvPr id="32" name="ZoneTexte 31">
+                <a:extLst>
+                  <a:ext uri="{FF2B5EF4-FFF2-40B4-BE49-F238E27FC236}">
+                    <a16:creationId xmlns:a16="http://schemas.microsoft.com/office/drawing/2014/main" id="{5007EAF1-2FE9-9547-FEFB-F57DAA8D9015}"/>
+                  </a:ext>
+                </a:extLst>
+              </p:cNvPr>
+              <p:cNvSpPr txBox="1"/>
+              <p:nvPr/>
+            </p:nvSpPr>
+            <p:spPr>
+              <a:xfrm>
+                <a:off x="6743752" y="2711303"/>
+                <a:ext cx="150682" cy="184666"/>
+              </a:xfrm>
+              <a:prstGeom prst="rect">
+                <a:avLst/>
+              </a:prstGeom>
+              <a:noFill/>
+            </p:spPr>
+            <p:txBody>
+              <a:bodyPr wrap="none" lIns="0" tIns="0" rIns="0" bIns="0" rtlCol="0">
+                <a:spAutoFit/>
+              </a:bodyPr>
+              <a:lstStyle/>
+              <a:p>
+                <a14:m>
+                  <m:oMathPara xmlns:m="http://schemas.openxmlformats.org/officeDocument/2006/math">
+                    <m:oMathParaPr>
+                      <m:jc m:val="centerGroup"/>
+                    </m:oMathParaPr>
+                    <m:oMath xmlns:m="http://schemas.openxmlformats.org/officeDocument/2006/math">
+                      <m:r>
+                        <a:rPr lang="fr-FR" sz="1200" b="0" i="1" smtClean="0">
+                          <a:latin typeface="Cambria Math" panose="02040503050406030204" pitchFamily="18" charset="0"/>
+                        </a:rPr>
+                        <m:t>+</m:t>
+                      </m:r>
+                    </m:oMath>
+                  </m:oMathPara>
+                </a14:m>
+                <a:endParaRPr lang="fr-FR" sz="1200" dirty="0"/>
+              </a:p>
+            </p:txBody>
+          </p:sp>
+        </mc:Choice>
+        <mc:Fallback>
+          <p:sp>
+            <p:nvSpPr>
+              <p:cNvPr id="32" name="ZoneTexte 31">
+                <a:extLst>
+                  <a:ext uri="{FF2B5EF4-FFF2-40B4-BE49-F238E27FC236}">
+                    <a16:creationId xmlns:a16="http://schemas.microsoft.com/office/drawing/2014/main" id="{5007EAF1-2FE9-9547-FEFB-F57DAA8D9015}"/>
+                  </a:ext>
+                </a:extLst>
+              </p:cNvPr>
+              <p:cNvSpPr txBox="1">
+                <a:spLocks noRot="1" noChangeAspect="1" noMove="1" noResize="1" noEditPoints="1" noAdjustHandles="1" noChangeArrowheads="1" noChangeShapeType="1" noTextEdit="1"/>
+              </p:cNvSpPr>
+              <p:nvPr/>
+            </p:nvSpPr>
+            <p:spPr>
+              <a:xfrm>
+                <a:off x="6743752" y="2711303"/>
+                <a:ext cx="150682" cy="184666"/>
+              </a:xfrm>
+              <a:prstGeom prst="rect">
+                <a:avLst/>
+              </a:prstGeom>
+              <a:blipFill>
+                <a:blip r:embed="rId7"/>
+                <a:stretch>
+                  <a:fillRect l="-20000" r="-24000" b="-6667"/>
+                </a:stretch>
+              </a:blipFill>
+            </p:spPr>
+            <p:txBody>
+              <a:bodyPr/>
+              <a:lstStyle/>
+              <a:p>
+                <a:r>
+                  <a:rPr lang="fr-FR">
+                    <a:noFill/>
+                  </a:rPr>
+                  <a:t> </a:t>
+                </a:r>
+              </a:p>
+            </p:txBody>
+          </p:sp>
+        </mc:Fallback>
+      </mc:AlternateContent>
+      <mc:AlternateContent xmlns:mc="http://schemas.openxmlformats.org/markup-compatibility/2006">
+        <mc:Choice xmlns:a14="http://schemas.microsoft.com/office/drawing/2010/main" Requires="a14">
+          <p:sp>
+            <p:nvSpPr>
+              <p:cNvPr id="33" name="ZoneTexte 32">
+                <a:extLst>
+                  <a:ext uri="{FF2B5EF4-FFF2-40B4-BE49-F238E27FC236}">
+                    <a16:creationId xmlns:a16="http://schemas.microsoft.com/office/drawing/2014/main" id="{00828ACD-32FD-F03E-9D8F-410B9CECE774}"/>
+                  </a:ext>
+                </a:extLst>
+              </p:cNvPr>
+              <p:cNvSpPr txBox="1"/>
+              <p:nvPr/>
+            </p:nvSpPr>
+            <p:spPr>
+              <a:xfrm>
+                <a:off x="6743752" y="2525782"/>
+                <a:ext cx="150682" cy="184666"/>
+              </a:xfrm>
+              <a:prstGeom prst="rect">
+                <a:avLst/>
+              </a:prstGeom>
+              <a:noFill/>
+            </p:spPr>
+            <p:txBody>
+              <a:bodyPr wrap="none" lIns="0" tIns="0" rIns="0" bIns="0" rtlCol="0">
+                <a:spAutoFit/>
+              </a:bodyPr>
+              <a:lstStyle/>
+              <a:p>
+                <a14:m>
+                  <m:oMathPara xmlns:m="http://schemas.openxmlformats.org/officeDocument/2006/math">
+                    <m:oMathParaPr>
+                      <m:jc m:val="centerGroup"/>
+                    </m:oMathParaPr>
+                    <m:oMath xmlns:m="http://schemas.openxmlformats.org/officeDocument/2006/math">
+                      <m:r>
+                        <a:rPr lang="fr-FR" sz="1200" b="0" i="1" smtClean="0">
+                          <a:latin typeface="Cambria Math" panose="02040503050406030204" pitchFamily="18" charset="0"/>
+                        </a:rPr>
+                        <m:t>+</m:t>
+                      </m:r>
+                    </m:oMath>
+                  </m:oMathPara>
+                </a14:m>
+                <a:endParaRPr lang="fr-FR" sz="1200" dirty="0"/>
+              </a:p>
+            </p:txBody>
+          </p:sp>
+        </mc:Choice>
+        <mc:Fallback>
+          <p:sp>
+            <p:nvSpPr>
+              <p:cNvPr id="33" name="ZoneTexte 32">
+                <a:extLst>
+                  <a:ext uri="{FF2B5EF4-FFF2-40B4-BE49-F238E27FC236}">
+                    <a16:creationId xmlns:a16="http://schemas.microsoft.com/office/drawing/2014/main" id="{00828ACD-32FD-F03E-9D8F-410B9CECE774}"/>
+                  </a:ext>
+                </a:extLst>
+              </p:cNvPr>
+              <p:cNvSpPr txBox="1">
+                <a:spLocks noRot="1" noChangeAspect="1" noMove="1" noResize="1" noEditPoints="1" noAdjustHandles="1" noChangeArrowheads="1" noChangeShapeType="1" noTextEdit="1"/>
+              </p:cNvSpPr>
+              <p:nvPr/>
+            </p:nvSpPr>
+            <p:spPr>
+              <a:xfrm>
+                <a:off x="6743752" y="2525782"/>
+                <a:ext cx="150682" cy="184666"/>
+              </a:xfrm>
+              <a:prstGeom prst="rect">
+                <a:avLst/>
+              </a:prstGeom>
+              <a:blipFill>
+                <a:blip r:embed="rId8"/>
+                <a:stretch>
+                  <a:fillRect l="-20000" r="-24000" b="-6452"/>
+                </a:stretch>
+              </a:blipFill>
+            </p:spPr>
+            <p:txBody>
+              <a:bodyPr/>
+              <a:lstStyle/>
+              <a:p>
+                <a:r>
+                  <a:rPr lang="fr-FR">
+                    <a:noFill/>
+                  </a:rPr>
+                  <a:t> </a:t>
+                </a:r>
+              </a:p>
+            </p:txBody>
+          </p:sp>
+        </mc:Fallback>
+      </mc:AlternateContent>
+      <p:cxnSp>
+        <p:nvCxnSpPr>
+          <p:cNvPr id="34" name="Connecteur droit avec flèche 33">
+            <a:extLst>
+              <a:ext uri="{FF2B5EF4-FFF2-40B4-BE49-F238E27FC236}">
+                <a16:creationId xmlns:a16="http://schemas.microsoft.com/office/drawing/2014/main" id="{364EF32D-C148-6E76-C48A-5F1A7D7E1EA4}"/>
+              </a:ext>
+            </a:extLst>
+          </p:cNvPr>
+          <p:cNvCxnSpPr>
+            <a:cxnSpLocks/>
+          </p:cNvCxnSpPr>
+          <p:nvPr/>
+        </p:nvCxnSpPr>
+        <p:spPr>
+          <a:xfrm>
+            <a:off x="6819093" y="2271617"/>
+            <a:ext cx="0" cy="254165"/>
+          </a:xfrm>
+          <a:prstGeom prst="straightConnector1">
+            <a:avLst/>
+          </a:prstGeom>
+          <a:noFill/>
+          <a:ln w="19050">
+            <a:solidFill>
+              <a:srgbClr val="002060"/>
+            </a:solidFill>
+            <a:tailEnd type="stealth" w="med" len="lg"/>
+          </a:ln>
+        </p:spPr>
+        <p:style>
+          <a:lnRef idx="2">
+            <a:schemeClr val="accent1">
+              <a:shade val="15000"/>
+            </a:schemeClr>
+          </a:lnRef>
+          <a:fillRef idx="1">
+            <a:schemeClr val="accent1"/>
+          </a:fillRef>
+          <a:effectRef idx="0">
+            <a:schemeClr val="accent1"/>
+          </a:effectRef>
+          <a:fontRef idx="minor">
+            <a:schemeClr val="lt1"/>
+          </a:fontRef>
+        </p:style>
+      </p:cxnSp>
+      <p:cxnSp>
+        <p:nvCxnSpPr>
+          <p:cNvPr id="35" name="Connecteur droit avec flèche 34">
+            <a:extLst>
+              <a:ext uri="{FF2B5EF4-FFF2-40B4-BE49-F238E27FC236}">
+                <a16:creationId xmlns:a16="http://schemas.microsoft.com/office/drawing/2014/main" id="{2B28FB07-E4A9-0C7B-6B8C-247846CDF7BB}"/>
+              </a:ext>
+            </a:extLst>
+          </p:cNvPr>
+          <p:cNvCxnSpPr>
+            <a:cxnSpLocks/>
+            <a:endCxn id="4" idx="3"/>
+          </p:cNvCxnSpPr>
+          <p:nvPr/>
+        </p:nvCxnSpPr>
+        <p:spPr>
+          <a:xfrm flipH="1">
+            <a:off x="5376292" y="2263607"/>
+            <a:ext cx="1442801" cy="0"/>
+          </a:xfrm>
+          <a:prstGeom prst="straightConnector1">
+            <a:avLst/>
+          </a:prstGeom>
+          <a:noFill/>
+          <a:ln w="19050">
+            <a:solidFill>
+              <a:srgbClr val="002060"/>
+            </a:solidFill>
+            <a:headEnd type="none" w="med" len="med"/>
+            <a:tailEnd type="none" w="med" len="med"/>
+          </a:ln>
+        </p:spPr>
+        <p:style>
+          <a:lnRef idx="2">
+            <a:schemeClr val="accent1">
+              <a:shade val="15000"/>
+            </a:schemeClr>
+          </a:lnRef>
+          <a:fillRef idx="1">
+            <a:schemeClr val="accent1"/>
+          </a:fillRef>
+          <a:effectRef idx="0">
+            <a:schemeClr val="accent1"/>
+          </a:effectRef>
+          <a:fontRef idx="minor">
+            <a:schemeClr val="lt1"/>
+          </a:fontRef>
+        </p:style>
+      </p:cxnSp>
+      <mc:AlternateContent xmlns:mc="http://schemas.openxmlformats.org/markup-compatibility/2006">
+        <mc:Choice xmlns:a14="http://schemas.microsoft.com/office/drawing/2010/main" Requires="a14">
+          <p:sp>
+            <p:nvSpPr>
+              <p:cNvPr id="40" name="ZoneTexte 39">
+                <a:extLst>
+                  <a:ext uri="{FF2B5EF4-FFF2-40B4-BE49-F238E27FC236}">
+                    <a16:creationId xmlns:a16="http://schemas.microsoft.com/office/drawing/2014/main" id="{32EBBA77-4541-DE0F-365D-62EFBF9C29CE}"/>
+                  </a:ext>
+                </a:extLst>
+              </p:cNvPr>
+              <p:cNvSpPr txBox="1"/>
+              <p:nvPr/>
+            </p:nvSpPr>
+            <p:spPr>
+              <a:xfrm>
+                <a:off x="1604173" y="2608605"/>
+                <a:ext cx="150682" cy="184666"/>
+              </a:xfrm>
+              <a:prstGeom prst="rect">
+                <a:avLst/>
+              </a:prstGeom>
+              <a:noFill/>
+            </p:spPr>
+            <p:txBody>
+              <a:bodyPr wrap="none" lIns="0" tIns="0" rIns="0" bIns="0" rtlCol="0">
+                <a:spAutoFit/>
+              </a:bodyPr>
+              <a:lstStyle/>
+              <a:p>
+                <a14:m>
+                  <m:oMathPara xmlns:m="http://schemas.openxmlformats.org/officeDocument/2006/math">
+                    <m:oMathParaPr>
+                      <m:jc m:val="centerGroup"/>
+                    </m:oMathParaPr>
+                    <m:oMath xmlns:m="http://schemas.openxmlformats.org/officeDocument/2006/math">
+                      <m:r>
+                        <a:rPr lang="fr-FR" sz="1200" b="0" i="1" smtClean="0">
+                          <a:latin typeface="Cambria Math" panose="02040503050406030204" pitchFamily="18" charset="0"/>
+                        </a:rPr>
+                        <m:t>+</m:t>
+                      </m:r>
+                    </m:oMath>
+                  </m:oMathPara>
+                </a14:m>
+                <a:endParaRPr lang="fr-FR" sz="1200" dirty="0"/>
+              </a:p>
+            </p:txBody>
+          </p:sp>
+        </mc:Choice>
+        <mc:Fallback>
+          <p:sp>
+            <p:nvSpPr>
+              <p:cNvPr id="40" name="ZoneTexte 39">
+                <a:extLst>
+                  <a:ext uri="{FF2B5EF4-FFF2-40B4-BE49-F238E27FC236}">
+                    <a16:creationId xmlns:a16="http://schemas.microsoft.com/office/drawing/2014/main" id="{32EBBA77-4541-DE0F-365D-62EFBF9C29CE}"/>
+                  </a:ext>
+                </a:extLst>
+              </p:cNvPr>
+              <p:cNvSpPr txBox="1">
+                <a:spLocks noRot="1" noChangeAspect="1" noMove="1" noResize="1" noEditPoints="1" noAdjustHandles="1" noChangeArrowheads="1" noChangeShapeType="1" noTextEdit="1"/>
+              </p:cNvSpPr>
+              <p:nvPr/>
+            </p:nvSpPr>
+            <p:spPr>
+              <a:xfrm>
+                <a:off x="1604173" y="2608605"/>
+                <a:ext cx="150682" cy="184666"/>
+              </a:xfrm>
+              <a:prstGeom prst="rect">
+                <a:avLst/>
+              </a:prstGeom>
+              <a:blipFill>
+                <a:blip r:embed="rId7"/>
+                <a:stretch>
+                  <a:fillRect l="-20000" r="-24000" b="-6667"/>
+                </a:stretch>
+              </a:blipFill>
+            </p:spPr>
+            <p:txBody>
+              <a:bodyPr/>
+              <a:lstStyle/>
+              <a:p>
+                <a:r>
+                  <a:rPr lang="fr-FR">
+                    <a:noFill/>
+                  </a:rPr>
+                  <a:t> </a:t>
+                </a:r>
+              </a:p>
+            </p:txBody>
+          </p:sp>
+        </mc:Fallback>
+      </mc:AlternateContent>
+      <mc:AlternateContent xmlns:mc="http://schemas.openxmlformats.org/markup-compatibility/2006">
+        <mc:Choice xmlns:a14="http://schemas.microsoft.com/office/drawing/2010/main" Requires="a14">
+          <p:sp>
+            <p:nvSpPr>
+              <p:cNvPr id="41" name="ZoneTexte 40">
+                <a:extLst>
+                  <a:ext uri="{FF2B5EF4-FFF2-40B4-BE49-F238E27FC236}">
+                    <a16:creationId xmlns:a16="http://schemas.microsoft.com/office/drawing/2014/main" id="{EBB5AB45-E3AE-84E9-ACCC-AE976CE9BDFD}"/>
+                  </a:ext>
+                </a:extLst>
+              </p:cNvPr>
+              <p:cNvSpPr txBox="1"/>
+              <p:nvPr/>
+            </p:nvSpPr>
+            <p:spPr>
+              <a:xfrm>
+                <a:off x="1706830" y="2720787"/>
+                <a:ext cx="150682" cy="184666"/>
+              </a:xfrm>
+              <a:prstGeom prst="rect">
+                <a:avLst/>
+              </a:prstGeom>
+              <a:noFill/>
+            </p:spPr>
+            <p:txBody>
+              <a:bodyPr wrap="none" lIns="0" tIns="0" rIns="0" bIns="0" rtlCol="0">
+                <a:spAutoFit/>
+              </a:bodyPr>
+              <a:lstStyle/>
+              <a:p>
+                <a14:m>
+                  <m:oMathPara xmlns:m="http://schemas.openxmlformats.org/officeDocument/2006/math">
+                    <m:oMathParaPr>
+                      <m:jc m:val="centerGroup"/>
+                    </m:oMathParaPr>
+                    <m:oMath xmlns:m="http://schemas.openxmlformats.org/officeDocument/2006/math">
+                      <m:r>
+                        <a:rPr lang="fr-FR" sz="1200" b="0" i="1" smtClean="0">
+                          <a:latin typeface="Cambria Math" panose="02040503050406030204" pitchFamily="18" charset="0"/>
+                        </a:rPr>
+                        <m:t>−</m:t>
+                      </m:r>
+                    </m:oMath>
+                  </m:oMathPara>
+                </a14:m>
+                <a:endParaRPr lang="fr-FR" sz="1200" dirty="0"/>
+              </a:p>
+            </p:txBody>
+          </p:sp>
+        </mc:Choice>
+        <mc:Fallback>
+          <p:sp>
+            <p:nvSpPr>
+              <p:cNvPr id="41" name="ZoneTexte 40">
+                <a:extLst>
+                  <a:ext uri="{FF2B5EF4-FFF2-40B4-BE49-F238E27FC236}">
+                    <a16:creationId xmlns:a16="http://schemas.microsoft.com/office/drawing/2014/main" id="{EBB5AB45-E3AE-84E9-ACCC-AE976CE9BDFD}"/>
+                  </a:ext>
+                </a:extLst>
+              </p:cNvPr>
+              <p:cNvSpPr txBox="1">
+                <a:spLocks noRot="1" noChangeAspect="1" noMove="1" noResize="1" noEditPoints="1" noAdjustHandles="1" noChangeArrowheads="1" noChangeShapeType="1" noTextEdit="1"/>
+              </p:cNvSpPr>
+              <p:nvPr/>
+            </p:nvSpPr>
+            <p:spPr>
+              <a:xfrm>
+                <a:off x="1706830" y="2720787"/>
+                <a:ext cx="150682" cy="184666"/>
+              </a:xfrm>
+              <a:prstGeom prst="rect">
+                <a:avLst/>
+              </a:prstGeom>
+              <a:blipFill>
+                <a:blip r:embed="rId9"/>
+                <a:stretch>
+                  <a:fillRect l="-8000" r="-4000"/>
+                </a:stretch>
+              </a:blipFill>
+            </p:spPr>
+            <p:txBody>
+              <a:bodyPr/>
+              <a:lstStyle/>
+              <a:p>
+                <a:r>
+                  <a:rPr lang="fr-FR">
+                    <a:noFill/>
+                  </a:rPr>
+                  <a:t> </a:t>
+                </a:r>
+              </a:p>
+            </p:txBody>
+          </p:sp>
+        </mc:Fallback>
+      </mc:AlternateContent>
+      <p:cxnSp>
+        <p:nvCxnSpPr>
+          <p:cNvPr id="42" name="Connecteur droit avec flèche 41">
+            <a:extLst>
+              <a:ext uri="{FF2B5EF4-FFF2-40B4-BE49-F238E27FC236}">
+                <a16:creationId xmlns:a16="http://schemas.microsoft.com/office/drawing/2014/main" id="{A2395BB9-2769-444F-7692-8FBC94CD3679}"/>
+              </a:ext>
+            </a:extLst>
+          </p:cNvPr>
+          <p:cNvCxnSpPr>
+            <a:cxnSpLocks/>
+          </p:cNvCxnSpPr>
+          <p:nvPr/>
+        </p:nvCxnSpPr>
+        <p:spPr>
+          <a:xfrm>
+            <a:off x="6999847" y="2700938"/>
+            <a:ext cx="628466" cy="0"/>
+          </a:xfrm>
+          <a:prstGeom prst="straightConnector1">
+            <a:avLst/>
+          </a:prstGeom>
+          <a:noFill/>
+          <a:ln w="19050">
+            <a:solidFill>
+              <a:srgbClr val="002060"/>
+            </a:solidFill>
+            <a:tailEnd type="stealth" w="med" len="lg"/>
+          </a:ln>
+        </p:spPr>
+        <p:style>
+          <a:lnRef idx="2">
+            <a:schemeClr val="accent1">
+              <a:shade val="15000"/>
+            </a:schemeClr>
+          </a:lnRef>
+          <a:fillRef idx="1">
+            <a:schemeClr val="accent1"/>
+          </a:fillRef>
+          <a:effectRef idx="0">
+            <a:schemeClr val="accent1"/>
+          </a:effectRef>
+          <a:fontRef idx="minor">
+            <a:schemeClr val="lt1"/>
+          </a:fontRef>
+        </p:style>
+      </p:cxnSp>
+      <p:cxnSp>
+        <p:nvCxnSpPr>
+          <p:cNvPr id="44" name="Connecteur droit avec flèche 43">
+            <a:extLst>
+              <a:ext uri="{FF2B5EF4-FFF2-40B4-BE49-F238E27FC236}">
+                <a16:creationId xmlns:a16="http://schemas.microsoft.com/office/drawing/2014/main" id="{B38947B6-615E-6097-CD75-48C4D9D79DD2}"/>
+              </a:ext>
+            </a:extLst>
+          </p:cNvPr>
+          <p:cNvCxnSpPr>
+            <a:cxnSpLocks/>
+            <a:endCxn id="41" idx="2"/>
+          </p:cNvCxnSpPr>
+          <p:nvPr/>
+        </p:nvCxnSpPr>
+        <p:spPr>
+          <a:xfrm flipV="1">
+            <a:off x="1766862" y="2905453"/>
+            <a:ext cx="0" cy="832580"/>
+          </a:xfrm>
+          <a:prstGeom prst="straightConnector1">
+            <a:avLst/>
+          </a:prstGeom>
+          <a:noFill/>
+          <a:ln w="19050">
+            <a:solidFill>
+              <a:srgbClr val="002060"/>
+            </a:solidFill>
+            <a:tailEnd type="stealth" w="med" len="lg"/>
+          </a:ln>
+        </p:spPr>
+        <p:style>
+          <a:lnRef idx="2">
+            <a:schemeClr val="accent1">
+              <a:shade val="15000"/>
+            </a:schemeClr>
+          </a:lnRef>
+          <a:fillRef idx="1">
+            <a:schemeClr val="accent1"/>
+          </a:fillRef>
+          <a:effectRef idx="0">
+            <a:schemeClr val="accent1"/>
+          </a:effectRef>
+          <a:fontRef idx="minor">
+            <a:schemeClr val="lt1"/>
+          </a:fontRef>
+        </p:style>
+      </p:cxnSp>
+      <p:sp>
+        <p:nvSpPr>
+          <p:cNvPr id="50" name="Rectangle 49">
+            <a:extLst>
+              <a:ext uri="{FF2B5EF4-FFF2-40B4-BE49-F238E27FC236}">
+                <a16:creationId xmlns:a16="http://schemas.microsoft.com/office/drawing/2014/main" id="{69350B9E-8284-1B46-EF37-EA1573066F52}"/>
+              </a:ext>
+            </a:extLst>
+          </p:cNvPr>
+          <p:cNvSpPr/>
+          <p:nvPr/>
+        </p:nvSpPr>
+        <p:spPr>
+          <a:xfrm>
+            <a:off x="7617527" y="2430938"/>
+            <a:ext cx="1016331" cy="540000"/>
+          </a:xfrm>
+          <a:prstGeom prst="rect">
+            <a:avLst/>
+          </a:prstGeom>
+          <a:noFill/>
+          <a:ln w="19050">
+            <a:solidFill>
+              <a:srgbClr val="002060"/>
+            </a:solidFill>
+          </a:ln>
+        </p:spPr>
+        <p:style>
+          <a:lnRef idx="2">
+            <a:schemeClr val="accent1">
+              <a:shade val="15000"/>
+            </a:schemeClr>
+          </a:lnRef>
+          <a:fillRef idx="1">
+            <a:schemeClr val="accent1"/>
+          </a:fillRef>
+          <a:effectRef idx="0">
+            <a:schemeClr val="accent1"/>
+          </a:effectRef>
+          <a:fontRef idx="minor">
+            <a:schemeClr val="lt1"/>
+          </a:fontRef>
+        </p:style>
+        <p:txBody>
+          <a:bodyPr rtlCol="0" anchor="ctr"/>
+          <a:lstStyle/>
+          <a:p>
+            <a:pPr algn="ctr"/>
+            <a:r>
+              <a:rPr lang="fr-FR" sz="1200" dirty="0">
+                <a:solidFill>
+                  <a:schemeClr val="tx1"/>
+                </a:solidFill>
+              </a:rPr>
+              <a:t>Saturation courant</a:t>
+            </a:r>
+          </a:p>
+        </p:txBody>
+      </p:sp>
+      <mc:AlternateContent xmlns:mc="http://schemas.openxmlformats.org/markup-compatibility/2006">
+        <mc:Choice xmlns:a14="http://schemas.microsoft.com/office/drawing/2010/main" Requires="a14">
+          <p:sp>
+            <p:nvSpPr>
+              <p:cNvPr id="51" name="ZoneTexte 50">
+                <a:extLst>
+                  <a:ext uri="{FF2B5EF4-FFF2-40B4-BE49-F238E27FC236}">
+                    <a16:creationId xmlns:a16="http://schemas.microsoft.com/office/drawing/2014/main" id="{DD727F81-601C-8D2A-38CD-0C213FCE97D6}"/>
+                  </a:ext>
+                </a:extLst>
+              </p:cNvPr>
+              <p:cNvSpPr txBox="1"/>
+              <p:nvPr/>
+            </p:nvSpPr>
+            <p:spPr>
+              <a:xfrm>
+                <a:off x="1194323" y="3638294"/>
+                <a:ext cx="537775" cy="184666"/>
+              </a:xfrm>
+              <a:prstGeom prst="rect">
+                <a:avLst/>
+              </a:prstGeom>
+              <a:noFill/>
+            </p:spPr>
+            <p:txBody>
+              <a:bodyPr wrap="none" lIns="0" tIns="0" rIns="0" bIns="0" rtlCol="0">
+                <a:spAutoFit/>
+              </a:bodyPr>
+              <a:lstStyle/>
+              <a:p>
+                <a14:m>
+                  <m:oMathPara xmlns:m="http://schemas.openxmlformats.org/officeDocument/2006/math">
+                    <m:oMathParaPr>
+                      <m:jc m:val="centerGroup"/>
+                    </m:oMathParaPr>
+                    <m:oMath xmlns:m="http://schemas.openxmlformats.org/officeDocument/2006/math">
+                      <m:sSub>
+                        <m:sSubPr>
+                          <m:ctrlPr>
+                            <a:rPr lang="fr-FR" sz="1200" b="0" i="1" smtClean="0">
+                              <a:latin typeface="Cambria Math" panose="02040503050406030204" pitchFamily="18" charset="0"/>
+                            </a:rPr>
+                          </m:ctrlPr>
+                        </m:sSubPr>
+                        <m:e>
+                          <m:r>
+                            <a:rPr lang="fr-FR" sz="1200" b="0" i="1" smtClean="0">
+                              <a:latin typeface="Cambria Math" panose="02040503050406030204" pitchFamily="18" charset="0"/>
+                            </a:rPr>
+                            <m:t>𝜃</m:t>
+                          </m:r>
+                        </m:e>
+                        <m:sub>
+                          <m:r>
+                            <a:rPr lang="fr-FR" sz="1200" b="0" i="1" smtClean="0">
+                              <a:latin typeface="Cambria Math" panose="02040503050406030204" pitchFamily="18" charset="0"/>
+                            </a:rPr>
+                            <m:t>𝑚𝑒𝑠𝑢𝑟𝑒</m:t>
+                          </m:r>
+                        </m:sub>
+                      </m:sSub>
+                    </m:oMath>
+                  </m:oMathPara>
+                </a14:m>
+                <a:endParaRPr lang="fr-FR" sz="1200" dirty="0"/>
+              </a:p>
+            </p:txBody>
+          </p:sp>
+        </mc:Choice>
+        <mc:Fallback>
+          <p:sp>
+            <p:nvSpPr>
+              <p:cNvPr id="51" name="ZoneTexte 50">
+                <a:extLst>
+                  <a:ext uri="{FF2B5EF4-FFF2-40B4-BE49-F238E27FC236}">
+                    <a16:creationId xmlns:a16="http://schemas.microsoft.com/office/drawing/2014/main" id="{DD727F81-601C-8D2A-38CD-0C213FCE97D6}"/>
+                  </a:ext>
+                </a:extLst>
+              </p:cNvPr>
+              <p:cNvSpPr txBox="1">
+                <a:spLocks noRot="1" noChangeAspect="1" noMove="1" noResize="1" noEditPoints="1" noAdjustHandles="1" noChangeArrowheads="1" noChangeShapeType="1" noTextEdit="1"/>
+              </p:cNvSpPr>
+              <p:nvPr/>
+            </p:nvSpPr>
+            <p:spPr>
+              <a:xfrm>
+                <a:off x="1194323" y="3638294"/>
+                <a:ext cx="537775" cy="184666"/>
+              </a:xfrm>
+              <a:prstGeom prst="rect">
+                <a:avLst/>
+              </a:prstGeom>
+              <a:blipFill>
+                <a:blip r:embed="rId10"/>
+                <a:stretch>
+                  <a:fillRect l="-6818" r="-1136" b="-10000"/>
+                </a:stretch>
+              </a:blipFill>
+            </p:spPr>
+            <p:txBody>
+              <a:bodyPr/>
+              <a:lstStyle/>
+              <a:p>
+                <a:r>
+                  <a:rPr lang="fr-FR">
+                    <a:noFill/>
+                  </a:rPr>
+                  <a:t> </a:t>
+                </a:r>
+              </a:p>
+            </p:txBody>
+          </p:sp>
+        </mc:Fallback>
+      </mc:AlternateContent>
+      <p:cxnSp>
+        <p:nvCxnSpPr>
+          <p:cNvPr id="54" name="Connecteur droit avec flèche 53">
+            <a:extLst>
+              <a:ext uri="{FF2B5EF4-FFF2-40B4-BE49-F238E27FC236}">
+                <a16:creationId xmlns:a16="http://schemas.microsoft.com/office/drawing/2014/main" id="{EEE101B9-B365-1731-F71E-D722C993F89B}"/>
+              </a:ext>
+            </a:extLst>
+          </p:cNvPr>
+          <p:cNvCxnSpPr>
+            <a:cxnSpLocks/>
+          </p:cNvCxnSpPr>
+          <p:nvPr/>
+        </p:nvCxnSpPr>
+        <p:spPr>
+          <a:xfrm>
+            <a:off x="8633858" y="2720787"/>
+            <a:ext cx="628466" cy="0"/>
+          </a:xfrm>
+          <a:prstGeom prst="straightConnector1">
+            <a:avLst/>
+          </a:prstGeom>
+          <a:noFill/>
+          <a:ln w="19050">
+            <a:solidFill>
+              <a:srgbClr val="002060"/>
+            </a:solidFill>
+            <a:tailEnd type="stealth" w="med" len="lg"/>
+          </a:ln>
+        </p:spPr>
+        <p:style>
+          <a:lnRef idx="2">
+            <a:schemeClr val="accent1">
+              <a:shade val="15000"/>
+            </a:schemeClr>
+          </a:lnRef>
+          <a:fillRef idx="1">
+            <a:schemeClr val="accent1"/>
+          </a:fillRef>
+          <a:effectRef idx="0">
+            <a:schemeClr val="accent1"/>
+          </a:effectRef>
+          <a:fontRef idx="minor">
+            <a:schemeClr val="lt1"/>
+          </a:fontRef>
+        </p:style>
+      </p:cxnSp>
+      <p:pic>
+        <p:nvPicPr>
+          <p:cNvPr id="62" name="Image 61">
+            <a:extLst>
+              <a:ext uri="{FF2B5EF4-FFF2-40B4-BE49-F238E27FC236}">
+                <a16:creationId xmlns:a16="http://schemas.microsoft.com/office/drawing/2014/main" id="{657024FF-AA70-211E-30E4-ADE5D04CB2FA}"/>
+              </a:ext>
+            </a:extLst>
+          </p:cNvPr>
+          <p:cNvPicPr>
+            <a:picLocks noChangeAspect="1"/>
+          </p:cNvPicPr>
+          <p:nvPr/>
+        </p:nvPicPr>
+        <p:blipFill>
+          <a:blip r:embed="rId11"/>
+          <a:stretch>
+            <a:fillRect/>
+          </a:stretch>
+        </p:blipFill>
+        <p:spPr>
+          <a:xfrm>
+            <a:off x="8125692" y="4332023"/>
+            <a:ext cx="2773752" cy="2388690"/>
+          </a:xfrm>
+          <a:prstGeom prst="rect">
+            <a:avLst/>
+          </a:prstGeom>
+        </p:spPr>
+      </p:pic>
+      <mc:AlternateContent xmlns:mc="http://schemas.openxmlformats.org/markup-compatibility/2006">
+        <mc:Choice xmlns:a14="http://schemas.microsoft.com/office/drawing/2010/main" Requires="a14">
+          <p:sp>
+            <p:nvSpPr>
+              <p:cNvPr id="12" name="Rectangle 11">
+                <a:extLst>
+                  <a:ext uri="{FF2B5EF4-FFF2-40B4-BE49-F238E27FC236}">
+                    <a16:creationId xmlns:a16="http://schemas.microsoft.com/office/drawing/2014/main" id="{003C80C0-DB73-0085-044F-9B9B2B9285E4}"/>
+                  </a:ext>
+                </a:extLst>
+              </p:cNvPr>
+              <p:cNvSpPr/>
+              <p:nvPr/>
+            </p:nvSpPr>
+            <p:spPr>
+              <a:xfrm>
+                <a:off x="3036625" y="3620576"/>
+                <a:ext cx="2339665" cy="985292"/>
+              </a:xfrm>
+              <a:prstGeom prst="rect">
+                <a:avLst/>
+              </a:prstGeom>
+              <a:noFill/>
+              <a:ln w="19050">
+                <a:solidFill>
+                  <a:srgbClr val="002060"/>
+                </a:solidFill>
+              </a:ln>
+            </p:spPr>
+            <p:style>
+              <a:lnRef idx="2">
+                <a:schemeClr val="accent1">
+                  <a:shade val="15000"/>
+                </a:schemeClr>
+              </a:lnRef>
+              <a:fillRef idx="1">
+                <a:schemeClr val="accent1"/>
+              </a:fillRef>
+              <a:effectRef idx="0">
+                <a:schemeClr val="accent1"/>
+              </a:effectRef>
+              <a:fontRef idx="minor">
+                <a:schemeClr val="lt1"/>
+              </a:fontRef>
+            </p:style>
+            <p:txBody>
+              <a:bodyPr rtlCol="0" anchor="ctr"/>
+              <a:lstStyle/>
+              <a:p>
+                <a:pPr algn="ctr"/>
+                <a14:m>
+                  <m:oMathPara xmlns:m="http://schemas.openxmlformats.org/officeDocument/2006/math">
+                    <m:oMathParaPr>
+                      <m:jc m:val="centerGroup"/>
+                    </m:oMathParaPr>
+                    <m:oMath xmlns:m="http://schemas.openxmlformats.org/officeDocument/2006/math">
+                      <m:f>
+                        <m:fPr>
+                          <m:ctrlPr>
+                            <a:rPr lang="fr-FR" sz="1200" i="1" smtClean="0">
+                              <a:solidFill>
+                                <a:schemeClr val="tx1"/>
+                              </a:solidFill>
+                              <a:latin typeface="Cambria Math" panose="02040503050406030204" pitchFamily="18" charset="0"/>
+                            </a:rPr>
+                          </m:ctrlPr>
+                        </m:fPr>
+                        <m:num>
+                          <m:r>
+                            <a:rPr lang="fr-FR" sz="1200" i="1">
+                              <a:solidFill>
+                                <a:schemeClr val="tx1"/>
+                              </a:solidFill>
+                              <a:latin typeface="Cambria Math" panose="02040503050406030204" pitchFamily="18" charset="0"/>
+                            </a:rPr>
+                            <m:t>80×</m:t>
+                          </m:r>
+                          <m:sSup>
+                            <m:sSupPr>
+                              <m:ctrlPr>
+                                <a:rPr lang="fr-FR" sz="1200" i="1">
+                                  <a:solidFill>
+                                    <a:schemeClr val="tx1"/>
+                                  </a:solidFill>
+                                  <a:latin typeface="Cambria Math" panose="02040503050406030204" pitchFamily="18" charset="0"/>
+                                </a:rPr>
+                              </m:ctrlPr>
+                            </m:sSupPr>
+                            <m:e>
+                              <m:r>
+                                <a:rPr lang="fr-FR" sz="1200" i="1">
+                                  <a:solidFill>
+                                    <a:schemeClr val="tx1"/>
+                                  </a:solidFill>
+                                  <a:latin typeface="Cambria Math" panose="02040503050406030204" pitchFamily="18" charset="0"/>
+                                </a:rPr>
+                                <m:t>10</m:t>
+                              </m:r>
+                            </m:e>
+                            <m:sup>
+                              <m:r>
+                                <a:rPr lang="fr-FR" sz="1200" i="1">
+                                  <a:solidFill>
+                                    <a:schemeClr val="tx1"/>
+                                  </a:solidFill>
+                                  <a:latin typeface="Cambria Math" panose="02040503050406030204" pitchFamily="18" charset="0"/>
+                                </a:rPr>
+                                <m:t>−6</m:t>
+                              </m:r>
+                            </m:sup>
+                          </m:sSup>
+                          <m:r>
+                            <a:rPr lang="fr-FR" sz="1200" i="1">
+                              <a:solidFill>
+                                <a:schemeClr val="tx1"/>
+                              </a:solidFill>
+                              <a:latin typeface="Cambria Math" panose="02040503050406030204" pitchFamily="18" charset="0"/>
+                            </a:rPr>
+                            <m:t>×</m:t>
+                          </m:r>
+                          <m:sSub>
+                            <m:sSubPr>
+                              <m:ctrlPr>
+                                <a:rPr lang="fr-FR" sz="1200" i="1">
+                                  <a:solidFill>
+                                    <a:schemeClr val="tx1"/>
+                                  </a:solidFill>
+                                  <a:latin typeface="Cambria Math" panose="02040503050406030204" pitchFamily="18" charset="0"/>
+                                </a:rPr>
+                              </m:ctrlPr>
+                            </m:sSubPr>
+                            <m:e>
+                              <m:r>
+                                <a:rPr lang="fr-FR" sz="1200" i="1">
+                                  <a:solidFill>
+                                    <a:schemeClr val="tx1"/>
+                                  </a:solidFill>
+                                  <a:latin typeface="Cambria Math" panose="02040503050406030204" pitchFamily="18" charset="0"/>
+                                </a:rPr>
+                                <m:t>𝐾</m:t>
+                              </m:r>
+                            </m:e>
+                            <m:sub>
+                              <m:r>
+                                <a:rPr lang="fr-FR" sz="1200" i="1">
+                                  <a:solidFill>
+                                    <a:schemeClr val="tx1"/>
+                                  </a:solidFill>
+                                  <a:latin typeface="Cambria Math" panose="02040503050406030204" pitchFamily="18" charset="0"/>
+                                </a:rPr>
+                                <m:t>𝐷𝑝</m:t>
+                              </m:r>
+                            </m:sub>
+                          </m:sSub>
+                          <m:r>
+                            <a:rPr lang="fr-FR" sz="1200" i="1">
+                              <a:solidFill>
+                                <a:schemeClr val="tx1"/>
+                              </a:solidFill>
+                              <a:latin typeface="Cambria Math" panose="02040503050406030204" pitchFamily="18" charset="0"/>
+                            </a:rPr>
+                            <m:t>×</m:t>
+                          </m:r>
+                          <m:r>
+                            <a:rPr lang="fr-FR" sz="1200" i="1">
+                              <a:solidFill>
+                                <a:schemeClr val="tx1"/>
+                              </a:solidFill>
+                              <a:latin typeface="Cambria Math" panose="02040503050406030204" pitchFamily="18" charset="0"/>
+                            </a:rPr>
+                            <m:t>𝑝</m:t>
+                          </m:r>
+                        </m:num>
+                        <m:den>
+                          <m:r>
+                            <a:rPr lang="fr-FR" sz="1200" b="0" i="1" smtClean="0">
+                              <a:solidFill>
+                                <a:schemeClr val="tx1"/>
+                              </a:solidFill>
+                              <a:latin typeface="Cambria Math" panose="02040503050406030204" pitchFamily="18" charset="0"/>
+                            </a:rPr>
+                            <m:t>1+</m:t>
+                          </m:r>
+                          <m:f>
+                            <m:fPr>
+                              <m:ctrlPr>
+                                <a:rPr lang="fr-FR" sz="1200" b="0" i="1" smtClean="0">
+                                  <a:solidFill>
+                                    <a:schemeClr val="tx1"/>
+                                  </a:solidFill>
+                                  <a:latin typeface="Cambria Math" panose="02040503050406030204" pitchFamily="18" charset="0"/>
+                                </a:rPr>
+                              </m:ctrlPr>
+                            </m:fPr>
+                            <m:num>
+                              <m:r>
+                                <a:rPr lang="fr-FR" sz="1200" i="1">
+                                  <a:solidFill>
+                                    <a:schemeClr val="tx1"/>
+                                  </a:solidFill>
+                                  <a:latin typeface="Cambria Math" panose="02040503050406030204" pitchFamily="18" charset="0"/>
+                                </a:rPr>
+                                <m:t>80×</m:t>
+                              </m:r>
+                              <m:sSup>
+                                <m:sSupPr>
+                                  <m:ctrlPr>
+                                    <a:rPr lang="fr-FR" sz="1200" i="1">
+                                      <a:solidFill>
+                                        <a:schemeClr val="tx1"/>
+                                      </a:solidFill>
+                                      <a:latin typeface="Cambria Math" panose="02040503050406030204" pitchFamily="18" charset="0"/>
+                                    </a:rPr>
+                                  </m:ctrlPr>
+                                </m:sSupPr>
+                                <m:e>
+                                  <m:r>
+                                    <a:rPr lang="fr-FR" sz="1200" i="1">
+                                      <a:solidFill>
+                                        <a:schemeClr val="tx1"/>
+                                      </a:solidFill>
+                                      <a:latin typeface="Cambria Math" panose="02040503050406030204" pitchFamily="18" charset="0"/>
+                                    </a:rPr>
+                                    <m:t>10</m:t>
+                                  </m:r>
+                                </m:e>
+                                <m:sup>
+                                  <m:r>
+                                    <a:rPr lang="fr-FR" sz="1200" i="1">
+                                      <a:solidFill>
+                                        <a:schemeClr val="tx1"/>
+                                      </a:solidFill>
+                                      <a:latin typeface="Cambria Math" panose="02040503050406030204" pitchFamily="18" charset="0"/>
+                                    </a:rPr>
+                                    <m:t>−6</m:t>
+                                  </m:r>
+                                </m:sup>
+                              </m:sSup>
+                              <m:r>
+                                <a:rPr lang="fr-FR" sz="1200" i="1">
+                                  <a:solidFill>
+                                    <a:schemeClr val="tx1"/>
+                                  </a:solidFill>
+                                  <a:latin typeface="Cambria Math" panose="02040503050406030204" pitchFamily="18" charset="0"/>
+                                </a:rPr>
+                                <m:t>×</m:t>
+                              </m:r>
+                              <m:sSub>
+                                <m:sSubPr>
+                                  <m:ctrlPr>
+                                    <a:rPr lang="fr-FR" sz="1200" i="1">
+                                      <a:solidFill>
+                                        <a:schemeClr val="tx1"/>
+                                      </a:solidFill>
+                                      <a:latin typeface="Cambria Math" panose="02040503050406030204" pitchFamily="18" charset="0"/>
+                                    </a:rPr>
+                                  </m:ctrlPr>
+                                </m:sSubPr>
+                                <m:e>
+                                  <m:r>
+                                    <a:rPr lang="fr-FR" sz="1200" i="1">
+                                      <a:solidFill>
+                                        <a:schemeClr val="tx1"/>
+                                      </a:solidFill>
+                                      <a:latin typeface="Cambria Math" panose="02040503050406030204" pitchFamily="18" charset="0"/>
+                                    </a:rPr>
+                                    <m:t>𝐾</m:t>
+                                  </m:r>
+                                </m:e>
+                                <m:sub>
+                                  <m:r>
+                                    <a:rPr lang="fr-FR" sz="1200" i="1">
+                                      <a:solidFill>
+                                        <a:schemeClr val="tx1"/>
+                                      </a:solidFill>
+                                      <a:latin typeface="Cambria Math" panose="02040503050406030204" pitchFamily="18" charset="0"/>
+                                    </a:rPr>
+                                    <m:t>𝐷𝑝</m:t>
+                                  </m:r>
+                                </m:sub>
+                              </m:sSub>
+                              <m:r>
+                                <a:rPr lang="fr-FR" sz="1200" i="1">
+                                  <a:solidFill>
+                                    <a:schemeClr val="tx1"/>
+                                  </a:solidFill>
+                                  <a:latin typeface="Cambria Math" panose="02040503050406030204" pitchFamily="18" charset="0"/>
+                                </a:rPr>
+                                <m:t>×</m:t>
+                              </m:r>
+                              <m:r>
+                                <a:rPr lang="fr-FR" sz="1200" i="1">
+                                  <a:solidFill>
+                                    <a:schemeClr val="tx1"/>
+                                  </a:solidFill>
+                                  <a:latin typeface="Cambria Math" panose="02040503050406030204" pitchFamily="18" charset="0"/>
+                                </a:rPr>
+                                <m:t>𝑝</m:t>
+                              </m:r>
+                            </m:num>
+                            <m:den>
+                              <m:r>
+                                <a:rPr lang="fr-FR" sz="1200" b="0" i="1" smtClean="0">
+                                  <a:solidFill>
+                                    <a:schemeClr val="tx1"/>
+                                  </a:solidFill>
+                                  <a:latin typeface="Cambria Math" panose="02040503050406030204" pitchFamily="18" charset="0"/>
+                                </a:rPr>
+                                <m:t>16×</m:t>
+                              </m:r>
+                              <m:r>
+                                <a:rPr lang="fr-FR" sz="1200" i="1">
+                                  <a:solidFill>
+                                    <a:schemeClr val="tx1"/>
+                                  </a:solidFill>
+                                  <a:latin typeface="Cambria Math" panose="02040503050406030204" pitchFamily="18" charset="0"/>
+                                </a:rPr>
+                                <m:t>10×</m:t>
+                              </m:r>
+                              <m:sSup>
+                                <m:sSupPr>
+                                  <m:ctrlPr>
+                                    <a:rPr lang="fr-FR" sz="1200" i="1">
+                                      <a:solidFill>
+                                        <a:schemeClr val="tx1"/>
+                                      </a:solidFill>
+                                      <a:latin typeface="Cambria Math" panose="02040503050406030204" pitchFamily="18" charset="0"/>
+                                    </a:rPr>
+                                  </m:ctrlPr>
+                                </m:sSupPr>
+                                <m:e>
+                                  <m:r>
+                                    <a:rPr lang="fr-FR" sz="1200" i="1">
+                                      <a:solidFill>
+                                        <a:schemeClr val="tx1"/>
+                                      </a:solidFill>
+                                      <a:latin typeface="Cambria Math" panose="02040503050406030204" pitchFamily="18" charset="0"/>
+                                    </a:rPr>
+                                    <m:t>10</m:t>
+                                  </m:r>
+                                </m:e>
+                                <m:sup>
+                                  <m:r>
+                                    <a:rPr lang="fr-FR" sz="1200" i="1">
+                                      <a:solidFill>
+                                        <a:schemeClr val="tx1"/>
+                                      </a:solidFill>
+                                      <a:latin typeface="Cambria Math" panose="02040503050406030204" pitchFamily="18" charset="0"/>
+                                    </a:rPr>
+                                    <m:t>−3</m:t>
+                                  </m:r>
+                                </m:sup>
+                              </m:sSup>
+                              <m:r>
+                                <a:rPr lang="fr-FR" sz="1200" i="1">
+                                  <a:solidFill>
+                                    <a:schemeClr val="tx1"/>
+                                  </a:solidFill>
+                                  <a:latin typeface="Cambria Math" panose="02040503050406030204" pitchFamily="18" charset="0"/>
+                                </a:rPr>
+                                <m:t>×</m:t>
+                              </m:r>
+                              <m:sSub>
+                                <m:sSubPr>
+                                  <m:ctrlPr>
+                                    <a:rPr lang="fr-FR" sz="1200" i="1">
+                                      <a:solidFill>
+                                        <a:schemeClr val="tx1"/>
+                                      </a:solidFill>
+                                      <a:latin typeface="Cambria Math" panose="02040503050406030204" pitchFamily="18" charset="0"/>
+                                    </a:rPr>
+                                  </m:ctrlPr>
+                                </m:sSubPr>
+                                <m:e>
+                                  <m:r>
+                                    <a:rPr lang="fr-FR" sz="1200" i="1">
+                                      <a:solidFill>
+                                        <a:schemeClr val="tx1"/>
+                                      </a:solidFill>
+                                      <a:latin typeface="Cambria Math" panose="02040503050406030204" pitchFamily="18" charset="0"/>
+                                    </a:rPr>
+                                    <m:t>𝐾</m:t>
+                                  </m:r>
+                                </m:e>
+                                <m:sub>
+                                  <m:r>
+                                    <a:rPr lang="fr-FR" sz="1200" i="1">
+                                      <a:solidFill>
+                                        <a:schemeClr val="tx1"/>
+                                      </a:solidFill>
+                                      <a:latin typeface="Cambria Math" panose="02040503050406030204" pitchFamily="18" charset="0"/>
+                                    </a:rPr>
+                                    <m:t>𝑃𝑝</m:t>
+                                  </m:r>
+                                </m:sub>
+                              </m:sSub>
+                              <m:r>
+                                <m:rPr>
+                                  <m:nor/>
+                                </m:rPr>
+                                <a:rPr lang="fr-FR" sz="1200" dirty="0">
+                                  <a:solidFill>
+                                    <a:schemeClr val="tx1"/>
+                                  </a:solidFill>
+                                </a:rPr>
+                                <m:t> </m:t>
+                              </m:r>
+                            </m:den>
+                          </m:f>
+                        </m:den>
+                      </m:f>
+                    </m:oMath>
+                  </m:oMathPara>
+                </a14:m>
+                <a:endParaRPr lang="fr-FR" sz="1200" dirty="0">
+                  <a:solidFill>
+                    <a:schemeClr val="tx1"/>
+                  </a:solidFill>
+                </a:endParaRPr>
+              </a:p>
+            </p:txBody>
+          </p:sp>
+        </mc:Choice>
+        <mc:Fallback>
+          <p:sp>
+            <p:nvSpPr>
+              <p:cNvPr id="12" name="Rectangle 11">
+                <a:extLst>
+                  <a:ext uri="{FF2B5EF4-FFF2-40B4-BE49-F238E27FC236}">
+                    <a16:creationId xmlns:a16="http://schemas.microsoft.com/office/drawing/2014/main" id="{003C80C0-DB73-0085-044F-9B9B2B9285E4}"/>
+                  </a:ext>
+                </a:extLst>
+              </p:cNvPr>
+              <p:cNvSpPr>
+                <a:spLocks noRot="1" noChangeAspect="1" noMove="1" noResize="1" noEditPoints="1" noAdjustHandles="1" noChangeArrowheads="1" noChangeShapeType="1" noTextEdit="1"/>
+              </p:cNvSpPr>
+              <p:nvPr/>
+            </p:nvSpPr>
+            <p:spPr>
+              <a:xfrm>
+                <a:off x="3036625" y="3620576"/>
+                <a:ext cx="2339665" cy="985292"/>
+              </a:xfrm>
+              <a:prstGeom prst="rect">
+                <a:avLst/>
+              </a:prstGeom>
+              <a:blipFill>
+                <a:blip r:embed="rId12"/>
+                <a:stretch>
+                  <a:fillRect/>
+                </a:stretch>
+              </a:blipFill>
+              <a:ln w="19050">
+                <a:solidFill>
+                  <a:srgbClr val="002060"/>
+                </a:solidFill>
+              </a:ln>
+            </p:spPr>
+            <p:txBody>
+              <a:bodyPr/>
+              <a:lstStyle/>
+              <a:p>
+                <a:r>
+                  <a:rPr lang="fr-FR">
+                    <a:noFill/>
+                  </a:rPr>
+                  <a:t> </a:t>
+                </a:r>
+              </a:p>
+            </p:txBody>
+          </p:sp>
+        </mc:Fallback>
+      </mc:AlternateContent>
+      <p:cxnSp>
+        <p:nvCxnSpPr>
+          <p:cNvPr id="15" name="Connecteur droit avec flèche 14">
+            <a:extLst>
+              <a:ext uri="{FF2B5EF4-FFF2-40B4-BE49-F238E27FC236}">
+                <a16:creationId xmlns:a16="http://schemas.microsoft.com/office/drawing/2014/main" id="{1A648CAC-D255-307E-05E9-4059F1C87D35}"/>
+              </a:ext>
+            </a:extLst>
+          </p:cNvPr>
+          <p:cNvCxnSpPr>
+            <a:cxnSpLocks/>
+          </p:cNvCxnSpPr>
+          <p:nvPr/>
+        </p:nvCxnSpPr>
+        <p:spPr>
+          <a:xfrm>
+            <a:off x="2499360" y="4158067"/>
+            <a:ext cx="537266" cy="0"/>
+          </a:xfrm>
+          <a:prstGeom prst="straightConnector1">
+            <a:avLst/>
+          </a:prstGeom>
+          <a:noFill/>
+          <a:ln w="19050">
+            <a:solidFill>
+              <a:srgbClr val="002060"/>
+            </a:solidFill>
+            <a:tailEnd type="stealth" w="med" len="lg"/>
+          </a:ln>
+        </p:spPr>
+        <p:style>
+          <a:lnRef idx="2">
+            <a:schemeClr val="accent1">
+              <a:shade val="15000"/>
+            </a:schemeClr>
+          </a:lnRef>
+          <a:fillRef idx="1">
+            <a:schemeClr val="accent1"/>
+          </a:fillRef>
+          <a:effectRef idx="0">
+            <a:schemeClr val="accent1"/>
+          </a:effectRef>
+          <a:fontRef idx="minor">
+            <a:schemeClr val="lt1"/>
+          </a:fontRef>
+        </p:style>
+      </p:cxnSp>
+      <p:cxnSp>
+        <p:nvCxnSpPr>
+          <p:cNvPr id="19" name="Connecteur droit avec flèche 18">
+            <a:extLst>
+              <a:ext uri="{FF2B5EF4-FFF2-40B4-BE49-F238E27FC236}">
+                <a16:creationId xmlns:a16="http://schemas.microsoft.com/office/drawing/2014/main" id="{39C146A9-3547-B5C3-4742-9822D4677681}"/>
+              </a:ext>
+            </a:extLst>
+          </p:cNvPr>
+          <p:cNvCxnSpPr>
+            <a:cxnSpLocks/>
+            <a:stCxn id="12" idx="3"/>
+          </p:cNvCxnSpPr>
+          <p:nvPr/>
+        </p:nvCxnSpPr>
+        <p:spPr>
+          <a:xfrm>
+            <a:off x="5376290" y="4113222"/>
+            <a:ext cx="1439422" cy="0"/>
+          </a:xfrm>
+          <a:prstGeom prst="straightConnector1">
+            <a:avLst/>
+          </a:prstGeom>
+          <a:noFill/>
+          <a:ln w="19050">
+            <a:solidFill>
+              <a:srgbClr val="002060"/>
+            </a:solidFill>
+            <a:headEnd type="none" w="med" len="med"/>
+            <a:tailEnd type="none" w="med" len="med"/>
+          </a:ln>
+        </p:spPr>
+        <p:style>
+          <a:lnRef idx="2">
+            <a:schemeClr val="accent1">
+              <a:shade val="15000"/>
+            </a:schemeClr>
+          </a:lnRef>
+          <a:fillRef idx="1">
+            <a:schemeClr val="accent1"/>
+          </a:fillRef>
+          <a:effectRef idx="0">
+            <a:schemeClr val="accent1"/>
+          </a:effectRef>
+          <a:fontRef idx="minor">
+            <a:schemeClr val="lt1"/>
+          </a:fontRef>
+        </p:style>
+      </p:cxnSp>
+      <mc:AlternateContent xmlns:mc="http://schemas.openxmlformats.org/markup-compatibility/2006">
+        <mc:Choice xmlns:a14="http://schemas.microsoft.com/office/drawing/2010/main" Requires="a14">
+          <p:sp>
+            <p:nvSpPr>
+              <p:cNvPr id="30" name="ZoneTexte 29">
+                <a:extLst>
+                  <a:ext uri="{FF2B5EF4-FFF2-40B4-BE49-F238E27FC236}">
+                    <a16:creationId xmlns:a16="http://schemas.microsoft.com/office/drawing/2014/main" id="{3373B7E8-46F8-145B-B822-41B6AF7193E4}"/>
+                  </a:ext>
+                </a:extLst>
+              </p:cNvPr>
+              <p:cNvSpPr txBox="1"/>
+              <p:nvPr/>
+            </p:nvSpPr>
+            <p:spPr>
+              <a:xfrm>
+                <a:off x="8701228" y="2479367"/>
+                <a:ext cx="280333" cy="199478"/>
+              </a:xfrm>
+              <a:prstGeom prst="rect">
+                <a:avLst/>
+              </a:prstGeom>
+              <a:noFill/>
+            </p:spPr>
+            <p:txBody>
+              <a:bodyPr wrap="none" lIns="0" tIns="0" rIns="0" bIns="0" rtlCol="0">
+                <a:spAutoFit/>
+              </a:bodyPr>
+              <a:lstStyle/>
+              <a:p>
+                <a14:m>
+                  <m:oMathPara xmlns:m="http://schemas.openxmlformats.org/officeDocument/2006/math">
+                    <m:oMathParaPr>
+                      <m:jc m:val="centerGroup"/>
+                    </m:oMathParaPr>
+                    <m:oMath xmlns:m="http://schemas.openxmlformats.org/officeDocument/2006/math">
+                      <m:sSub>
+                        <m:sSubPr>
+                          <m:ctrlPr>
+                            <a:rPr lang="fr-FR" sz="1200" b="0" i="1" smtClean="0">
+                              <a:latin typeface="Cambria Math" panose="02040503050406030204" pitchFamily="18" charset="0"/>
+                            </a:rPr>
+                          </m:ctrlPr>
+                        </m:sSubPr>
+                        <m:e>
+                          <m:r>
+                            <a:rPr lang="fr-FR" sz="1200" b="0" i="1" smtClean="0">
+                              <a:latin typeface="Cambria Math" panose="02040503050406030204" pitchFamily="18" charset="0"/>
+                            </a:rPr>
+                            <m:t>𝑖</m:t>
+                          </m:r>
+                        </m:e>
+                        <m:sub>
+                          <m:r>
+                            <a:rPr lang="fr-FR" sz="1200" b="0" i="1" smtClean="0">
+                              <a:latin typeface="Cambria Math" panose="02040503050406030204" pitchFamily="18" charset="0"/>
+                            </a:rPr>
+                            <m:t>𝑟𝑒𝑓</m:t>
+                          </m:r>
+                        </m:sub>
+                      </m:sSub>
+                    </m:oMath>
+                  </m:oMathPara>
+                </a14:m>
+                <a:endParaRPr lang="fr-FR" sz="1200" dirty="0"/>
+              </a:p>
+            </p:txBody>
+          </p:sp>
+        </mc:Choice>
+        <mc:Fallback>
+          <p:sp>
+            <p:nvSpPr>
+              <p:cNvPr id="30" name="ZoneTexte 29">
+                <a:extLst>
+                  <a:ext uri="{FF2B5EF4-FFF2-40B4-BE49-F238E27FC236}">
+                    <a16:creationId xmlns:a16="http://schemas.microsoft.com/office/drawing/2014/main" id="{3373B7E8-46F8-145B-B822-41B6AF7193E4}"/>
+                  </a:ext>
+                </a:extLst>
+              </p:cNvPr>
+              <p:cNvSpPr txBox="1">
+                <a:spLocks noRot="1" noChangeAspect="1" noMove="1" noResize="1" noEditPoints="1" noAdjustHandles="1" noChangeArrowheads="1" noChangeShapeType="1" noTextEdit="1"/>
+              </p:cNvSpPr>
+              <p:nvPr/>
+            </p:nvSpPr>
+            <p:spPr>
+              <a:xfrm>
+                <a:off x="8701228" y="2479367"/>
+                <a:ext cx="280333" cy="199478"/>
+              </a:xfrm>
+              <a:prstGeom prst="rect">
+                <a:avLst/>
+              </a:prstGeom>
+              <a:blipFill>
+                <a:blip r:embed="rId13"/>
+                <a:stretch>
+                  <a:fillRect l="-10870" r="-10870" b="-28125"/>
+                </a:stretch>
+              </a:blipFill>
+            </p:spPr>
+            <p:txBody>
+              <a:bodyPr/>
+              <a:lstStyle/>
+              <a:p>
+                <a:r>
+                  <a:rPr lang="fr-FR">
+                    <a:noFill/>
+                  </a:rPr>
+                  <a:t> </a:t>
+                </a:r>
+              </a:p>
+            </p:txBody>
+          </p:sp>
+        </mc:Fallback>
+      </mc:AlternateContent>
+    </p:spTree>
+    <p:extLst>
+      <p:ext uri="{BB962C8B-B14F-4D97-AF65-F5344CB8AC3E}">
+        <p14:creationId xmlns:p14="http://schemas.microsoft.com/office/powerpoint/2010/main" val="1163131719"/>
+      </p:ext>
+    </p:extLst>
+  </p:cSld>
+  <p:clrMapOvr>
+    <a:masterClrMapping/>
+  </p:clrMapOvr>
+</p:sld>
+</file>
+
+<file path=ppt/slides/slide15.xml><?xml version="1.0" encoding="utf-8"?>
+<p:sld xmlns:a="http://schemas.openxmlformats.org/drawingml/2006/main" xmlns:r="http://schemas.openxmlformats.org/officeDocument/2006/relationships" xmlns:p="http://schemas.openxmlformats.org/presentationml/2006/main">
+  <p:cSld>
+    <p:spTree>
+      <p:nvGrpSpPr>
+        <p:cNvPr id="1" name=""/>
+        <p:cNvGrpSpPr/>
+        <p:nvPr/>
+      </p:nvGrpSpPr>
+      <p:grpSpPr>
+        <a:xfrm>
+          <a:off x="0" y="0"/>
+          <a:ext cx="0" cy="0"/>
+          <a:chOff x="0" y="0"/>
+          <a:chExt cx="0" cy="0"/>
+        </a:xfrm>
+      </p:grpSpPr>
       <p:sp>
         <p:nvSpPr>
           <p:cNvPr id="2" name="Titre 1"/>
@@ -3507,7 +8681,7 @@
 </p:sld>
 </file>
 
-<file path=ppt/slides/slide14.xml><?xml version="1.0" encoding="utf-8"?>
+<file path=ppt/slides/slide16.xml><?xml version="1.0" encoding="utf-8"?>
 <p:sld xmlns:a="http://schemas.openxmlformats.org/drawingml/2006/main" xmlns:r="http://schemas.openxmlformats.org/officeDocument/2006/relationships" xmlns:p="http://schemas.openxmlformats.org/presentationml/2006/main">
   <p:cSld>
     <p:spTree>

--- a/11_MaxpidE/MaxPIDE.pptx
+++ b/11_MaxpidE/MaxPIDE.pptx
@@ -256,7 +256,7 @@
           <a:p>
             <a:fld id="{446B8E21-113E-4F0A-8830-E88648DF3139}" type="datetimeFigureOut">
               <a:rPr lang="fr-FR" smtClean="0"/>
-              <a:t>01/04/2024</a:t>
+              <a:t>02/04/2024</a:t>
             </a:fld>
             <a:endParaRPr lang="fr-FR"/>
           </a:p>
@@ -424,7 +424,7 @@
           <a:p>
             <a:fld id="{446B8E21-113E-4F0A-8830-E88648DF3139}" type="datetimeFigureOut">
               <a:rPr lang="fr-FR" smtClean="0"/>
-              <a:t>01/04/2024</a:t>
+              <a:t>02/04/2024</a:t>
             </a:fld>
             <a:endParaRPr lang="fr-FR"/>
           </a:p>
@@ -602,7 +602,7 @@
           <a:p>
             <a:fld id="{446B8E21-113E-4F0A-8830-E88648DF3139}" type="datetimeFigureOut">
               <a:rPr lang="fr-FR" smtClean="0"/>
-              <a:t>01/04/2024</a:t>
+              <a:t>02/04/2024</a:t>
             </a:fld>
             <a:endParaRPr lang="fr-FR"/>
           </a:p>
@@ -770,7 +770,7 @@
           <a:p>
             <a:fld id="{446B8E21-113E-4F0A-8830-E88648DF3139}" type="datetimeFigureOut">
               <a:rPr lang="fr-FR" smtClean="0"/>
-              <a:t>01/04/2024</a:t>
+              <a:t>02/04/2024</a:t>
             </a:fld>
             <a:endParaRPr lang="fr-FR"/>
           </a:p>
@@ -1015,7 +1015,7 @@
           <a:p>
             <a:fld id="{446B8E21-113E-4F0A-8830-E88648DF3139}" type="datetimeFigureOut">
               <a:rPr lang="fr-FR" smtClean="0"/>
-              <a:t>01/04/2024</a:t>
+              <a:t>02/04/2024</a:t>
             </a:fld>
             <a:endParaRPr lang="fr-FR"/>
           </a:p>
@@ -1244,7 +1244,7 @@
           <a:p>
             <a:fld id="{446B8E21-113E-4F0A-8830-E88648DF3139}" type="datetimeFigureOut">
               <a:rPr lang="fr-FR" smtClean="0"/>
-              <a:t>01/04/2024</a:t>
+              <a:t>02/04/2024</a:t>
             </a:fld>
             <a:endParaRPr lang="fr-FR"/>
           </a:p>
@@ -1608,7 +1608,7 @@
           <a:p>
             <a:fld id="{446B8E21-113E-4F0A-8830-E88648DF3139}" type="datetimeFigureOut">
               <a:rPr lang="fr-FR" smtClean="0"/>
-              <a:t>01/04/2024</a:t>
+              <a:t>02/04/2024</a:t>
             </a:fld>
             <a:endParaRPr lang="fr-FR"/>
           </a:p>
@@ -1725,7 +1725,7 @@
           <a:p>
             <a:fld id="{446B8E21-113E-4F0A-8830-E88648DF3139}" type="datetimeFigureOut">
               <a:rPr lang="fr-FR" smtClean="0"/>
-              <a:t>01/04/2024</a:t>
+              <a:t>02/04/2024</a:t>
             </a:fld>
             <a:endParaRPr lang="fr-FR"/>
           </a:p>
@@ -1820,7 +1820,7 @@
           <a:p>
             <a:fld id="{446B8E21-113E-4F0A-8830-E88648DF3139}" type="datetimeFigureOut">
               <a:rPr lang="fr-FR" smtClean="0"/>
-              <a:t>01/04/2024</a:t>
+              <a:t>02/04/2024</a:t>
             </a:fld>
             <a:endParaRPr lang="fr-FR"/>
           </a:p>
@@ -2095,7 +2095,7 @@
           <a:p>
             <a:fld id="{446B8E21-113E-4F0A-8830-E88648DF3139}" type="datetimeFigureOut">
               <a:rPr lang="fr-FR" smtClean="0"/>
-              <a:t>01/04/2024</a:t>
+              <a:t>02/04/2024</a:t>
             </a:fld>
             <a:endParaRPr lang="fr-FR"/>
           </a:p>
@@ -2347,7 +2347,7 @@
           <a:p>
             <a:fld id="{446B8E21-113E-4F0A-8830-E88648DF3139}" type="datetimeFigureOut">
               <a:rPr lang="fr-FR" smtClean="0"/>
-              <a:t>01/04/2024</a:t>
+              <a:t>02/04/2024</a:t>
             </a:fld>
             <a:endParaRPr lang="fr-FR"/>
           </a:p>
@@ -2558,7 +2558,7 @@
           <a:p>
             <a:fld id="{446B8E21-113E-4F0A-8830-E88648DF3139}" type="datetimeFigureOut">
               <a:rPr lang="fr-FR" smtClean="0"/>
-              <a:t>01/04/2024</a:t>
+              <a:t>02/04/2024</a:t>
             </a:fld>
             <a:endParaRPr lang="fr-FR"/>
           </a:p>
@@ -3307,7 +3307,7 @@
         </p:blipFill>
         <p:spPr>
           <a:xfrm>
-            <a:off x="5018742" y="4548318"/>
+            <a:off x="7102724" y="4930496"/>
             <a:ext cx="5887272" cy="2753109"/>
           </a:xfrm>
           <a:prstGeom prst="rect">
@@ -3418,8 +3418,8 @@
           <a:chExt cx="0" cy="0"/>
         </a:xfrm>
       </p:grpSpPr>
-      <mc:AlternateContent xmlns:mc="http://schemas.openxmlformats.org/markup-compatibility/2006">
-        <mc:Choice xmlns:a14="http://schemas.microsoft.com/office/drawing/2010/main" Requires="a14">
+      <mc:AlternateContent xmlns:mc="http://schemas.openxmlformats.org/markup-compatibility/2006" xmlns:a14="http://schemas.microsoft.com/office/drawing/2010/main">
+        <mc:Choice Requires="a14">
           <p:sp>
             <p:nvSpPr>
               <p:cNvPr id="2" name="Titre 1">
@@ -3472,7 +3472,7 @@
             </p:txBody>
           </p:sp>
         </mc:Choice>
-        <mc:Fallback>
+        <mc:Fallback xmlns="">
           <p:sp>
             <p:nvSpPr>
               <p:cNvPr id="2" name="Titre 1">
@@ -3512,8 +3512,8 @@
           </p:sp>
         </mc:Fallback>
       </mc:AlternateContent>
-      <mc:AlternateContent xmlns:mc="http://schemas.openxmlformats.org/markup-compatibility/2006">
-        <mc:Choice xmlns:a14="http://schemas.microsoft.com/office/drawing/2010/main" Requires="a14">
+      <mc:AlternateContent xmlns:mc="http://schemas.openxmlformats.org/markup-compatibility/2006" xmlns:a14="http://schemas.microsoft.com/office/drawing/2010/main">
+        <mc:Choice Requires="a14">
           <p:sp>
             <p:nvSpPr>
               <p:cNvPr id="4" name="Rectangle 3">
@@ -3666,7 +3666,7 @@
             </p:txBody>
           </p:sp>
         </mc:Choice>
-        <mc:Fallback>
+        <mc:Fallback xmlns="">
           <p:sp>
             <p:nvSpPr>
               <p:cNvPr id="4" name="Rectangle 3">
@@ -3813,8 +3813,8 @@
           </a:fontRef>
         </p:style>
       </p:cxnSp>
-      <mc:AlternateContent xmlns:mc="http://schemas.openxmlformats.org/markup-compatibility/2006">
-        <mc:Choice xmlns:a14="http://schemas.microsoft.com/office/drawing/2010/main" Requires="a14">
+      <mc:AlternateContent xmlns:mc="http://schemas.openxmlformats.org/markup-compatibility/2006" xmlns:a14="http://schemas.microsoft.com/office/drawing/2010/main">
+        <mc:Choice Requires="a14">
           <p:sp>
             <p:nvSpPr>
               <p:cNvPr id="8" name="ZoneTexte 7">
@@ -3843,6 +3843,7 @@
               </a:bodyPr>
               <a:lstStyle/>
               <a:p>
+                <a:pPr/>
                 <a14:m>
                   <m:oMathPara xmlns:m="http://schemas.openxmlformats.org/officeDocument/2006/math">
                     <m:oMathParaPr>
@@ -3882,7 +3883,7 @@
             </p:txBody>
           </p:sp>
         </mc:Choice>
-        <mc:Fallback>
+        <mc:Fallback xmlns="">
           <p:sp>
             <p:nvSpPr>
               <p:cNvPr id="8" name="ZoneTexte 7">
@@ -3975,8 +3976,8 @@
           </a:fontRef>
         </p:style>
       </p:cxnSp>
-      <mc:AlternateContent xmlns:mc="http://schemas.openxmlformats.org/markup-compatibility/2006">
-        <mc:Choice xmlns:a14="http://schemas.microsoft.com/office/drawing/2010/main" Requires="a14">
+      <mc:AlternateContent xmlns:mc="http://schemas.openxmlformats.org/markup-compatibility/2006" xmlns:a14="http://schemas.microsoft.com/office/drawing/2010/main">
+        <mc:Choice Requires="a14">
           <p:sp>
             <p:nvSpPr>
               <p:cNvPr id="10" name="Rectangle 9">
@@ -4086,7 +4087,7 @@
             </p:txBody>
           </p:sp>
         </mc:Choice>
-        <mc:Fallback>
+        <mc:Fallback xmlns="">
           <p:sp>
             <p:nvSpPr>
               <p:cNvPr id="10" name="Rectangle 9">
@@ -4136,8 +4137,8 @@
           </p:sp>
         </mc:Fallback>
       </mc:AlternateContent>
-      <mc:AlternateContent xmlns:mc="http://schemas.openxmlformats.org/markup-compatibility/2006">
-        <mc:Choice xmlns:a14="http://schemas.microsoft.com/office/drawing/2010/main" Requires="a14">
+      <mc:AlternateContent xmlns:mc="http://schemas.openxmlformats.org/markup-compatibility/2006" xmlns:a14="http://schemas.microsoft.com/office/drawing/2010/main">
+        <mc:Choice Requires="a14">
           <p:sp>
             <p:nvSpPr>
               <p:cNvPr id="11" name="Rectangle 10">
@@ -4238,7 +4239,7 @@
             </p:txBody>
           </p:sp>
         </mc:Choice>
-        <mc:Fallback>
+        <mc:Fallback xmlns="">
           <p:sp>
             <p:nvSpPr>
               <p:cNvPr id="11" name="Rectangle 10">
@@ -4630,8 +4631,8 @@
           </a:fontRef>
         </p:style>
       </p:cxnSp>
-      <mc:AlternateContent xmlns:mc="http://schemas.openxmlformats.org/markup-compatibility/2006">
-        <mc:Choice xmlns:a14="http://schemas.microsoft.com/office/drawing/2010/main" Requires="a14">
+      <mc:AlternateContent xmlns:mc="http://schemas.openxmlformats.org/markup-compatibility/2006" xmlns:a14="http://schemas.microsoft.com/office/drawing/2010/main">
+        <mc:Choice Requires="a14">
           <p:sp>
             <p:nvSpPr>
               <p:cNvPr id="32" name="ZoneTexte 31">
@@ -4660,6 +4661,7 @@
               </a:bodyPr>
               <a:lstStyle/>
               <a:p>
+                <a:pPr/>
                 <a14:m>
                   <m:oMathPara xmlns:m="http://schemas.openxmlformats.org/officeDocument/2006/math">
                     <m:oMathParaPr>
@@ -4680,7 +4682,7 @@
             </p:txBody>
           </p:sp>
         </mc:Choice>
-        <mc:Fallback>
+        <mc:Fallback xmlns="">
           <p:sp>
             <p:nvSpPr>
               <p:cNvPr id="32" name="ZoneTexte 31">
@@ -4725,8 +4727,8 @@
           </p:sp>
         </mc:Fallback>
       </mc:AlternateContent>
-      <mc:AlternateContent xmlns:mc="http://schemas.openxmlformats.org/markup-compatibility/2006">
-        <mc:Choice xmlns:a14="http://schemas.microsoft.com/office/drawing/2010/main" Requires="a14">
+      <mc:AlternateContent xmlns:mc="http://schemas.openxmlformats.org/markup-compatibility/2006" xmlns:a14="http://schemas.microsoft.com/office/drawing/2010/main">
+        <mc:Choice Requires="a14">
           <p:sp>
             <p:nvSpPr>
               <p:cNvPr id="33" name="ZoneTexte 32">
@@ -4755,6 +4757,7 @@
               </a:bodyPr>
               <a:lstStyle/>
               <a:p>
+                <a:pPr/>
                 <a14:m>
                   <m:oMathPara xmlns:m="http://schemas.openxmlformats.org/officeDocument/2006/math">
                     <m:oMathParaPr>
@@ -4775,7 +4778,7 @@
             </p:txBody>
           </p:sp>
         </mc:Choice>
-        <mc:Fallback>
+        <mc:Fallback xmlns="">
           <p:sp>
             <p:nvSpPr>
               <p:cNvPr id="33" name="ZoneTexte 32">
@@ -4916,8 +4919,8 @@
           </a:fontRef>
         </p:style>
       </p:cxnSp>
-      <mc:AlternateContent xmlns:mc="http://schemas.openxmlformats.org/markup-compatibility/2006">
-        <mc:Choice xmlns:a14="http://schemas.microsoft.com/office/drawing/2010/main" Requires="a14">
+      <mc:AlternateContent xmlns:mc="http://schemas.openxmlformats.org/markup-compatibility/2006" xmlns:a14="http://schemas.microsoft.com/office/drawing/2010/main">
+        <mc:Choice Requires="a14">
           <p:sp>
             <p:nvSpPr>
               <p:cNvPr id="40" name="ZoneTexte 39">
@@ -4946,6 +4949,7 @@
               </a:bodyPr>
               <a:lstStyle/>
               <a:p>
+                <a:pPr/>
                 <a14:m>
                   <m:oMathPara xmlns:m="http://schemas.openxmlformats.org/officeDocument/2006/math">
                     <m:oMathParaPr>
@@ -4966,7 +4970,7 @@
             </p:txBody>
           </p:sp>
         </mc:Choice>
-        <mc:Fallback>
+        <mc:Fallback xmlns="">
           <p:sp>
             <p:nvSpPr>
               <p:cNvPr id="40" name="ZoneTexte 39">
@@ -5011,8 +5015,8 @@
           </p:sp>
         </mc:Fallback>
       </mc:AlternateContent>
-      <mc:AlternateContent xmlns:mc="http://schemas.openxmlformats.org/markup-compatibility/2006">
-        <mc:Choice xmlns:a14="http://schemas.microsoft.com/office/drawing/2010/main" Requires="a14">
+      <mc:AlternateContent xmlns:mc="http://schemas.openxmlformats.org/markup-compatibility/2006" xmlns:a14="http://schemas.microsoft.com/office/drawing/2010/main">
+        <mc:Choice Requires="a14">
           <p:sp>
             <p:nvSpPr>
               <p:cNvPr id="41" name="ZoneTexte 40">
@@ -5041,6 +5045,7 @@
               </a:bodyPr>
               <a:lstStyle/>
               <a:p>
+                <a:pPr/>
                 <a14:m>
                   <m:oMathPara xmlns:m="http://schemas.openxmlformats.org/officeDocument/2006/math">
                     <m:oMathParaPr>
@@ -5061,7 +5066,7 @@
             </p:txBody>
           </p:sp>
         </mc:Choice>
-        <mc:Fallback>
+        <mc:Fallback xmlns="">
           <p:sp>
             <p:nvSpPr>
               <p:cNvPr id="41" name="ZoneTexte 40">
@@ -5260,8 +5265,8 @@
           </a:p>
         </p:txBody>
       </p:sp>
-      <mc:AlternateContent xmlns:mc="http://schemas.openxmlformats.org/markup-compatibility/2006">
-        <mc:Choice xmlns:a14="http://schemas.microsoft.com/office/drawing/2010/main" Requires="a14">
+      <mc:AlternateContent xmlns:mc="http://schemas.openxmlformats.org/markup-compatibility/2006" xmlns:a14="http://schemas.microsoft.com/office/drawing/2010/main">
+        <mc:Choice Requires="a14">
           <p:sp>
             <p:nvSpPr>
               <p:cNvPr id="51" name="ZoneTexte 50">
@@ -5290,6 +5295,7 @@
               </a:bodyPr>
               <a:lstStyle/>
               <a:p>
+                <a:pPr/>
                 <a14:m>
                   <m:oMathPara xmlns:m="http://schemas.openxmlformats.org/officeDocument/2006/math">
                     <m:oMathParaPr>
@@ -5329,7 +5335,7 @@
             </p:txBody>
           </p:sp>
         </mc:Choice>
-        <mc:Fallback>
+        <mc:Fallback xmlns="">
           <p:sp>
             <p:nvSpPr>
               <p:cNvPr id="51" name="ZoneTexte 50">
@@ -5607,8 +5613,8 @@
           </a:prstGeom>
         </p:spPr>
       </p:pic>
-      <mc:AlternateContent xmlns:mc="http://schemas.openxmlformats.org/markup-compatibility/2006">
-        <mc:Choice xmlns:a14="http://schemas.microsoft.com/office/drawing/2010/main" Requires="a14">
+      <mc:AlternateContent xmlns:mc="http://schemas.openxmlformats.org/markup-compatibility/2006" xmlns:a14="http://schemas.microsoft.com/office/drawing/2010/main">
+        <mc:Choice Requires="a14">
           <p:sp>
             <p:nvSpPr>
               <p:cNvPr id="63" name="ZoneTexte 62">
@@ -5637,6 +5643,7 @@
               </a:bodyPr>
               <a:lstStyle/>
               <a:p>
+                <a:pPr/>
                 <a14:m>
                   <m:oMathPara xmlns:m="http://schemas.openxmlformats.org/officeDocument/2006/math">
                     <m:oMathParaPr>
@@ -5676,7 +5683,7 @@
             </p:txBody>
           </p:sp>
         </mc:Choice>
-        <mc:Fallback>
+        <mc:Fallback xmlns="">
           <p:sp>
             <p:nvSpPr>
               <p:cNvPr id="63" name="ZoneTexte 62">
@@ -5751,8 +5758,8 @@
           <a:chExt cx="0" cy="0"/>
         </a:xfrm>
       </p:grpSpPr>
-      <mc:AlternateContent xmlns:mc="http://schemas.openxmlformats.org/markup-compatibility/2006">
-        <mc:Choice xmlns:a14="http://schemas.microsoft.com/office/drawing/2010/main" Requires="a14">
+      <mc:AlternateContent xmlns:mc="http://schemas.openxmlformats.org/markup-compatibility/2006" xmlns:a14="http://schemas.microsoft.com/office/drawing/2010/main">
+        <mc:Choice Requires="a14">
           <p:sp>
             <p:nvSpPr>
               <p:cNvPr id="2" name="Titre 1">
@@ -5835,7 +5842,7 @@
             </p:txBody>
           </p:sp>
         </mc:Choice>
-        <mc:Fallback>
+        <mc:Fallback xmlns="">
           <p:sp>
             <p:nvSpPr>
               <p:cNvPr id="2" name="Titre 1">
@@ -5875,8 +5882,8 @@
           </p:sp>
         </mc:Fallback>
       </mc:AlternateContent>
-      <mc:AlternateContent xmlns:mc="http://schemas.openxmlformats.org/markup-compatibility/2006">
-        <mc:Choice xmlns:a14="http://schemas.microsoft.com/office/drawing/2010/main" Requires="a14">
+      <mc:AlternateContent xmlns:mc="http://schemas.openxmlformats.org/markup-compatibility/2006" xmlns:a14="http://schemas.microsoft.com/office/drawing/2010/main">
+        <mc:Choice Requires="a14">
           <p:sp>
             <p:nvSpPr>
               <p:cNvPr id="4" name="Rectangle 3">
@@ -5947,16 +5954,7 @@
                           </a:solidFill>
                           <a:latin typeface="Cambria Math" panose="02040503050406030204" pitchFamily="18" charset="0"/>
                         </a:rPr>
-                        <m:t>0</m:t>
-                      </m:r>
-                      <m:r>
-                        <a:rPr lang="fr-FR" sz="1200" b="0" i="1" smtClean="0">
-                          <a:solidFill>
-                            <a:schemeClr val="tx1"/>
-                          </a:solidFill>
-                          <a:latin typeface="Cambria Math" panose="02040503050406030204" pitchFamily="18" charset="0"/>
-                        </a:rPr>
-                        <m:t>×</m:t>
+                        <m:t>0×</m:t>
                       </m:r>
                       <m:sSup>
                         <m:sSupPr>
@@ -6047,7 +6045,7 @@
             </p:txBody>
           </p:sp>
         </mc:Choice>
-        <mc:Fallback>
+        <mc:Fallback xmlns="">
           <p:sp>
             <p:nvSpPr>
               <p:cNvPr id="4" name="Rectangle 3">
@@ -6194,8 +6192,8 @@
           </a:fontRef>
         </p:style>
       </p:cxnSp>
-      <mc:AlternateContent xmlns:mc="http://schemas.openxmlformats.org/markup-compatibility/2006">
-        <mc:Choice xmlns:a14="http://schemas.microsoft.com/office/drawing/2010/main" Requires="a14">
+      <mc:AlternateContent xmlns:mc="http://schemas.openxmlformats.org/markup-compatibility/2006" xmlns:a14="http://schemas.microsoft.com/office/drawing/2010/main">
+        <mc:Choice Requires="a14">
           <p:sp>
             <p:nvSpPr>
               <p:cNvPr id="8" name="ZoneTexte 7">
@@ -6224,6 +6222,7 @@
               </a:bodyPr>
               <a:lstStyle/>
               <a:p>
+                <a:pPr/>
                 <a14:m>
                   <m:oMathPara xmlns:m="http://schemas.openxmlformats.org/officeDocument/2006/math">
                     <m:oMathParaPr>
@@ -6263,7 +6262,7 @@
             </p:txBody>
           </p:sp>
         </mc:Choice>
-        <mc:Fallback>
+        <mc:Fallback xmlns="">
           <p:sp>
             <p:nvSpPr>
               <p:cNvPr id="8" name="ZoneTexte 7">
@@ -6356,8 +6355,8 @@
           </a:fontRef>
         </p:style>
       </p:cxnSp>
-      <mc:AlternateContent xmlns:mc="http://schemas.openxmlformats.org/markup-compatibility/2006">
-        <mc:Choice xmlns:a14="http://schemas.microsoft.com/office/drawing/2010/main" Requires="a14">
+      <mc:AlternateContent xmlns:mc="http://schemas.openxmlformats.org/markup-compatibility/2006" xmlns:a14="http://schemas.microsoft.com/office/drawing/2010/main">
+        <mc:Choice Requires="a14">
           <p:sp>
             <p:nvSpPr>
               <p:cNvPr id="10" name="Rectangle 9">
@@ -6428,16 +6427,7 @@
                           </a:solidFill>
                           <a:latin typeface="Cambria Math" panose="02040503050406030204" pitchFamily="18" charset="0"/>
                         </a:rPr>
-                        <m:t>8</m:t>
-                      </m:r>
-                      <m:r>
-                        <a:rPr lang="fr-FR" sz="1200" b="0" i="1" smtClean="0">
-                          <a:solidFill>
-                            <a:schemeClr val="tx1"/>
-                          </a:solidFill>
-                          <a:latin typeface="Cambria Math" panose="02040503050406030204" pitchFamily="18" charset="0"/>
-                        </a:rPr>
-                        <m:t>×</m:t>
+                        <m:t>8×</m:t>
                       </m:r>
                       <m:sSup>
                         <m:sSupPr>
@@ -6528,7 +6518,7 @@
             </p:txBody>
           </p:sp>
         </mc:Choice>
-        <mc:Fallback>
+        <mc:Fallback xmlns="">
           <p:sp>
             <p:nvSpPr>
               <p:cNvPr id="10" name="Rectangle 9">
@@ -6578,8 +6568,8 @@
           </p:sp>
         </mc:Fallback>
       </mc:AlternateContent>
-      <mc:AlternateContent xmlns:mc="http://schemas.openxmlformats.org/markup-compatibility/2006">
-        <mc:Choice xmlns:a14="http://schemas.microsoft.com/office/drawing/2010/main" Requires="a14">
+      <mc:AlternateContent xmlns:mc="http://schemas.openxmlformats.org/markup-compatibility/2006" xmlns:a14="http://schemas.microsoft.com/office/drawing/2010/main">
+        <mc:Choice Requires="a14">
           <p:sp>
             <p:nvSpPr>
               <p:cNvPr id="11" name="Rectangle 10">
@@ -6680,7 +6670,7 @@
             </p:txBody>
           </p:sp>
         </mc:Choice>
-        <mc:Fallback>
+        <mc:Fallback xmlns="">
           <p:sp>
             <p:nvSpPr>
               <p:cNvPr id="11" name="Rectangle 10">
@@ -7072,8 +7062,8 @@
           </a:fontRef>
         </p:style>
       </p:cxnSp>
-      <mc:AlternateContent xmlns:mc="http://schemas.openxmlformats.org/markup-compatibility/2006">
-        <mc:Choice xmlns:a14="http://schemas.microsoft.com/office/drawing/2010/main" Requires="a14">
+      <mc:AlternateContent xmlns:mc="http://schemas.openxmlformats.org/markup-compatibility/2006" xmlns:a14="http://schemas.microsoft.com/office/drawing/2010/main">
+        <mc:Choice Requires="a14">
           <p:sp>
             <p:nvSpPr>
               <p:cNvPr id="32" name="ZoneTexte 31">
@@ -7102,6 +7092,7 @@
               </a:bodyPr>
               <a:lstStyle/>
               <a:p>
+                <a:pPr/>
                 <a14:m>
                   <m:oMathPara xmlns:m="http://schemas.openxmlformats.org/officeDocument/2006/math">
                     <m:oMathParaPr>
@@ -7122,7 +7113,7 @@
             </p:txBody>
           </p:sp>
         </mc:Choice>
-        <mc:Fallback>
+        <mc:Fallback xmlns="">
           <p:sp>
             <p:nvSpPr>
               <p:cNvPr id="32" name="ZoneTexte 31">
@@ -7167,8 +7158,8 @@
           </p:sp>
         </mc:Fallback>
       </mc:AlternateContent>
-      <mc:AlternateContent xmlns:mc="http://schemas.openxmlformats.org/markup-compatibility/2006">
-        <mc:Choice xmlns:a14="http://schemas.microsoft.com/office/drawing/2010/main" Requires="a14">
+      <mc:AlternateContent xmlns:mc="http://schemas.openxmlformats.org/markup-compatibility/2006" xmlns:a14="http://schemas.microsoft.com/office/drawing/2010/main">
+        <mc:Choice Requires="a14">
           <p:sp>
             <p:nvSpPr>
               <p:cNvPr id="33" name="ZoneTexte 32">
@@ -7197,6 +7188,7 @@
               </a:bodyPr>
               <a:lstStyle/>
               <a:p>
+                <a:pPr/>
                 <a14:m>
                   <m:oMathPara xmlns:m="http://schemas.openxmlformats.org/officeDocument/2006/math">
                     <m:oMathParaPr>
@@ -7217,7 +7209,7 @@
             </p:txBody>
           </p:sp>
         </mc:Choice>
-        <mc:Fallback>
+        <mc:Fallback xmlns="">
           <p:sp>
             <p:nvSpPr>
               <p:cNvPr id="33" name="ZoneTexte 32">
@@ -7358,8 +7350,8 @@
           </a:fontRef>
         </p:style>
       </p:cxnSp>
-      <mc:AlternateContent xmlns:mc="http://schemas.openxmlformats.org/markup-compatibility/2006">
-        <mc:Choice xmlns:a14="http://schemas.microsoft.com/office/drawing/2010/main" Requires="a14">
+      <mc:AlternateContent xmlns:mc="http://schemas.openxmlformats.org/markup-compatibility/2006" xmlns:a14="http://schemas.microsoft.com/office/drawing/2010/main">
+        <mc:Choice Requires="a14">
           <p:sp>
             <p:nvSpPr>
               <p:cNvPr id="40" name="ZoneTexte 39">
@@ -7388,6 +7380,7 @@
               </a:bodyPr>
               <a:lstStyle/>
               <a:p>
+                <a:pPr/>
                 <a14:m>
                   <m:oMathPara xmlns:m="http://schemas.openxmlformats.org/officeDocument/2006/math">
                     <m:oMathParaPr>
@@ -7408,7 +7401,7 @@
             </p:txBody>
           </p:sp>
         </mc:Choice>
-        <mc:Fallback>
+        <mc:Fallback xmlns="">
           <p:sp>
             <p:nvSpPr>
               <p:cNvPr id="40" name="ZoneTexte 39">
@@ -7453,8 +7446,8 @@
           </p:sp>
         </mc:Fallback>
       </mc:AlternateContent>
-      <mc:AlternateContent xmlns:mc="http://schemas.openxmlformats.org/markup-compatibility/2006">
-        <mc:Choice xmlns:a14="http://schemas.microsoft.com/office/drawing/2010/main" Requires="a14">
+      <mc:AlternateContent xmlns:mc="http://schemas.openxmlformats.org/markup-compatibility/2006" xmlns:a14="http://schemas.microsoft.com/office/drawing/2010/main">
+        <mc:Choice Requires="a14">
           <p:sp>
             <p:nvSpPr>
               <p:cNvPr id="41" name="ZoneTexte 40">
@@ -7483,6 +7476,7 @@
               </a:bodyPr>
               <a:lstStyle/>
               <a:p>
+                <a:pPr/>
                 <a14:m>
                   <m:oMathPara xmlns:m="http://schemas.openxmlformats.org/officeDocument/2006/math">
                     <m:oMathParaPr>
@@ -7503,7 +7497,7 @@
             </p:txBody>
           </p:sp>
         </mc:Choice>
-        <mc:Fallback>
+        <mc:Fallback xmlns="">
           <p:sp>
             <p:nvSpPr>
               <p:cNvPr id="41" name="ZoneTexte 40">
@@ -7702,8 +7696,8 @@
           </a:p>
         </p:txBody>
       </p:sp>
-      <mc:AlternateContent xmlns:mc="http://schemas.openxmlformats.org/markup-compatibility/2006">
-        <mc:Choice xmlns:a14="http://schemas.microsoft.com/office/drawing/2010/main" Requires="a14">
+      <mc:AlternateContent xmlns:mc="http://schemas.openxmlformats.org/markup-compatibility/2006" xmlns:a14="http://schemas.microsoft.com/office/drawing/2010/main">
+        <mc:Choice Requires="a14">
           <p:sp>
             <p:nvSpPr>
               <p:cNvPr id="51" name="ZoneTexte 50">
@@ -7732,6 +7726,7 @@
               </a:bodyPr>
               <a:lstStyle/>
               <a:p>
+                <a:pPr/>
                 <a14:m>
                   <m:oMathPara xmlns:m="http://schemas.openxmlformats.org/officeDocument/2006/math">
                     <m:oMathParaPr>
@@ -7771,7 +7766,7 @@
             </p:txBody>
           </p:sp>
         </mc:Choice>
-        <mc:Fallback>
+        <mc:Fallback xmlns="">
           <p:sp>
             <p:nvSpPr>
               <p:cNvPr id="51" name="ZoneTexte 50">
@@ -7893,8 +7888,8 @@
           </a:prstGeom>
         </p:spPr>
       </p:pic>
-      <mc:AlternateContent xmlns:mc="http://schemas.openxmlformats.org/markup-compatibility/2006">
-        <mc:Choice xmlns:a14="http://schemas.microsoft.com/office/drawing/2010/main" Requires="a14">
+      <mc:AlternateContent xmlns:mc="http://schemas.openxmlformats.org/markup-compatibility/2006" xmlns:a14="http://schemas.microsoft.com/office/drawing/2010/main">
+        <mc:Choice Requires="a14">
           <p:sp>
             <p:nvSpPr>
               <p:cNvPr id="12" name="Rectangle 11">
@@ -8316,7 +8311,7 @@
             </p:txBody>
           </p:sp>
         </mc:Choice>
-        <mc:Fallback>
+        <mc:Fallback xmlns="">
           <p:sp>
             <p:nvSpPr>
               <p:cNvPr id="12" name="Rectangle 11">
@@ -8462,8 +8457,8 @@
           </a:fontRef>
         </p:style>
       </p:cxnSp>
-      <mc:AlternateContent xmlns:mc="http://schemas.openxmlformats.org/markup-compatibility/2006">
-        <mc:Choice xmlns:a14="http://schemas.microsoft.com/office/drawing/2010/main" Requires="a14">
+      <mc:AlternateContent xmlns:mc="http://schemas.openxmlformats.org/markup-compatibility/2006" xmlns:a14="http://schemas.microsoft.com/office/drawing/2010/main">
+        <mc:Choice Requires="a14">
           <p:sp>
             <p:nvSpPr>
               <p:cNvPr id="30" name="ZoneTexte 29">
@@ -8492,6 +8487,7 @@
               </a:bodyPr>
               <a:lstStyle/>
               <a:p>
+                <a:pPr/>
                 <a14:m>
                   <m:oMathPara xmlns:m="http://schemas.openxmlformats.org/officeDocument/2006/math">
                     <m:oMathParaPr>
@@ -8531,7 +8527,7 @@
             </p:txBody>
           </p:sp>
         </mc:Choice>
-        <mc:Fallback>
+        <mc:Fallback xmlns="">
           <p:sp>
             <p:nvSpPr>
               <p:cNvPr id="30" name="ZoneTexte 29">

--- a/11_MaxpidE/MaxPIDE.pptx
+++ b/11_MaxpidE/MaxPIDE.pptx
@@ -256,7 +256,7 @@
           <a:p>
             <a:fld id="{446B8E21-113E-4F0A-8830-E88648DF3139}" type="datetimeFigureOut">
               <a:rPr lang="fr-FR" smtClean="0"/>
-              <a:t>02/04/2024</a:t>
+              <a:t>04/04/2024</a:t>
             </a:fld>
             <a:endParaRPr lang="fr-FR"/>
           </a:p>
@@ -424,7 +424,7 @@
           <a:p>
             <a:fld id="{446B8E21-113E-4F0A-8830-E88648DF3139}" type="datetimeFigureOut">
               <a:rPr lang="fr-FR" smtClean="0"/>
-              <a:t>02/04/2024</a:t>
+              <a:t>04/04/2024</a:t>
             </a:fld>
             <a:endParaRPr lang="fr-FR"/>
           </a:p>
@@ -602,7 +602,7 @@
           <a:p>
             <a:fld id="{446B8E21-113E-4F0A-8830-E88648DF3139}" type="datetimeFigureOut">
               <a:rPr lang="fr-FR" smtClean="0"/>
-              <a:t>02/04/2024</a:t>
+              <a:t>04/04/2024</a:t>
             </a:fld>
             <a:endParaRPr lang="fr-FR"/>
           </a:p>
@@ -770,7 +770,7 @@
           <a:p>
             <a:fld id="{446B8E21-113E-4F0A-8830-E88648DF3139}" type="datetimeFigureOut">
               <a:rPr lang="fr-FR" smtClean="0"/>
-              <a:t>02/04/2024</a:t>
+              <a:t>04/04/2024</a:t>
             </a:fld>
             <a:endParaRPr lang="fr-FR"/>
           </a:p>
@@ -1015,7 +1015,7 @@
           <a:p>
             <a:fld id="{446B8E21-113E-4F0A-8830-E88648DF3139}" type="datetimeFigureOut">
               <a:rPr lang="fr-FR" smtClean="0"/>
-              <a:t>02/04/2024</a:t>
+              <a:t>04/04/2024</a:t>
             </a:fld>
             <a:endParaRPr lang="fr-FR"/>
           </a:p>
@@ -1244,7 +1244,7 @@
           <a:p>
             <a:fld id="{446B8E21-113E-4F0A-8830-E88648DF3139}" type="datetimeFigureOut">
               <a:rPr lang="fr-FR" smtClean="0"/>
-              <a:t>02/04/2024</a:t>
+              <a:t>04/04/2024</a:t>
             </a:fld>
             <a:endParaRPr lang="fr-FR"/>
           </a:p>
@@ -1608,7 +1608,7 @@
           <a:p>
             <a:fld id="{446B8E21-113E-4F0A-8830-E88648DF3139}" type="datetimeFigureOut">
               <a:rPr lang="fr-FR" smtClean="0"/>
-              <a:t>02/04/2024</a:t>
+              <a:t>04/04/2024</a:t>
             </a:fld>
             <a:endParaRPr lang="fr-FR"/>
           </a:p>
@@ -1725,7 +1725,7 @@
           <a:p>
             <a:fld id="{446B8E21-113E-4F0A-8830-E88648DF3139}" type="datetimeFigureOut">
               <a:rPr lang="fr-FR" smtClean="0"/>
-              <a:t>02/04/2024</a:t>
+              <a:t>04/04/2024</a:t>
             </a:fld>
             <a:endParaRPr lang="fr-FR"/>
           </a:p>
@@ -1820,7 +1820,7 @@
           <a:p>
             <a:fld id="{446B8E21-113E-4F0A-8830-E88648DF3139}" type="datetimeFigureOut">
               <a:rPr lang="fr-FR" smtClean="0"/>
-              <a:t>02/04/2024</a:t>
+              <a:t>04/04/2024</a:t>
             </a:fld>
             <a:endParaRPr lang="fr-FR"/>
           </a:p>
@@ -2095,7 +2095,7 @@
           <a:p>
             <a:fld id="{446B8E21-113E-4F0A-8830-E88648DF3139}" type="datetimeFigureOut">
               <a:rPr lang="fr-FR" smtClean="0"/>
-              <a:t>02/04/2024</a:t>
+              <a:t>04/04/2024</a:t>
             </a:fld>
             <a:endParaRPr lang="fr-FR"/>
           </a:p>
@@ -2347,7 +2347,7 @@
           <a:p>
             <a:fld id="{446B8E21-113E-4F0A-8830-E88648DF3139}" type="datetimeFigureOut">
               <a:rPr lang="fr-FR" smtClean="0"/>
-              <a:t>02/04/2024</a:t>
+              <a:t>04/04/2024</a:t>
             </a:fld>
             <a:endParaRPr lang="fr-FR"/>
           </a:p>
@@ -2558,7 +2558,7 @@
           <a:p>
             <a:fld id="{446B8E21-113E-4F0A-8830-E88648DF3139}" type="datetimeFigureOut">
               <a:rPr lang="fr-FR" smtClean="0"/>
-              <a:t>02/04/2024</a:t>
+              <a:t>04/04/2024</a:t>
             </a:fld>
             <a:endParaRPr lang="fr-FR"/>
           </a:p>
@@ -3211,7 +3211,7 @@
         </p:blipFill>
         <p:spPr>
           <a:xfrm>
-            <a:off x="218255" y="926339"/>
+            <a:off x="218255" y="290317"/>
             <a:ext cx="5877745" cy="2800741"/>
           </a:xfrm>
           <a:prstGeom prst="rect">
@@ -3235,7 +3235,7 @@
         </p:blipFill>
         <p:spPr>
           <a:xfrm>
-            <a:off x="1927813" y="2426463"/>
+            <a:off x="481785" y="2979844"/>
             <a:ext cx="5906324" cy="2781688"/>
           </a:xfrm>
           <a:prstGeom prst="rect">
@@ -3259,7 +3259,7 @@
         </p:blipFill>
         <p:spPr>
           <a:xfrm>
-            <a:off x="2828102" y="3152711"/>
+            <a:off x="6283748" y="519376"/>
             <a:ext cx="5896798" cy="2791215"/>
           </a:xfrm>
           <a:prstGeom prst="rect">
@@ -3283,7 +3283,7 @@
         </p:blipFill>
         <p:spPr>
           <a:xfrm>
-            <a:off x="3766496" y="3993275"/>
+            <a:off x="6611864" y="3197612"/>
             <a:ext cx="5858693" cy="2676899"/>
           </a:xfrm>
           <a:prstGeom prst="rect">
@@ -3307,7 +3307,7 @@
         </p:blipFill>
         <p:spPr>
           <a:xfrm>
-            <a:off x="7102724" y="4930496"/>
+            <a:off x="4274464" y="5674133"/>
             <a:ext cx="5887272" cy="2753109"/>
           </a:xfrm>
           <a:prstGeom prst="rect">

--- a/11_MaxpidE/MaxPIDE.pptx
+++ b/11_MaxpidE/MaxPIDE.pptx
@@ -9,18 +9,19 @@
     <p:sldId id="257" r:id="rId3"/>
     <p:sldId id="258" r:id="rId4"/>
     <p:sldId id="259" r:id="rId5"/>
-    <p:sldId id="260" r:id="rId6"/>
-    <p:sldId id="261" r:id="rId7"/>
-    <p:sldId id="262" r:id="rId8"/>
-    <p:sldId id="263" r:id="rId9"/>
-    <p:sldId id="264" r:id="rId10"/>
-    <p:sldId id="265" r:id="rId11"/>
-    <p:sldId id="266" r:id="rId12"/>
-    <p:sldId id="267" r:id="rId13"/>
-    <p:sldId id="270" r:id="rId14"/>
-    <p:sldId id="271" r:id="rId15"/>
-    <p:sldId id="268" r:id="rId16"/>
-    <p:sldId id="269" r:id="rId17"/>
+    <p:sldId id="272" r:id="rId6"/>
+    <p:sldId id="260" r:id="rId7"/>
+    <p:sldId id="261" r:id="rId8"/>
+    <p:sldId id="262" r:id="rId9"/>
+    <p:sldId id="263" r:id="rId10"/>
+    <p:sldId id="264" r:id="rId11"/>
+    <p:sldId id="265" r:id="rId12"/>
+    <p:sldId id="266" r:id="rId13"/>
+    <p:sldId id="267" r:id="rId14"/>
+    <p:sldId id="270" r:id="rId15"/>
+    <p:sldId id="271" r:id="rId16"/>
+    <p:sldId id="268" r:id="rId17"/>
+    <p:sldId id="269" r:id="rId18"/>
   </p:sldIdLst>
   <p:sldSz cx="12192000" cy="6858000"/>
   <p:notesSz cx="6858000" cy="9144000"/>
@@ -256,7 +257,7 @@
           <a:p>
             <a:fld id="{446B8E21-113E-4F0A-8830-E88648DF3139}" type="datetimeFigureOut">
               <a:rPr lang="fr-FR" smtClean="0"/>
-              <a:t>04/04/2024</a:t>
+              <a:t>08/05/2024</a:t>
             </a:fld>
             <a:endParaRPr lang="fr-FR"/>
           </a:p>
@@ -424,7 +425,7 @@
           <a:p>
             <a:fld id="{446B8E21-113E-4F0A-8830-E88648DF3139}" type="datetimeFigureOut">
               <a:rPr lang="fr-FR" smtClean="0"/>
-              <a:t>04/04/2024</a:t>
+              <a:t>08/05/2024</a:t>
             </a:fld>
             <a:endParaRPr lang="fr-FR"/>
           </a:p>
@@ -602,7 +603,7 @@
           <a:p>
             <a:fld id="{446B8E21-113E-4F0A-8830-E88648DF3139}" type="datetimeFigureOut">
               <a:rPr lang="fr-FR" smtClean="0"/>
-              <a:t>04/04/2024</a:t>
+              <a:t>08/05/2024</a:t>
             </a:fld>
             <a:endParaRPr lang="fr-FR"/>
           </a:p>
@@ -770,7 +771,7 @@
           <a:p>
             <a:fld id="{446B8E21-113E-4F0A-8830-E88648DF3139}" type="datetimeFigureOut">
               <a:rPr lang="fr-FR" smtClean="0"/>
-              <a:t>04/04/2024</a:t>
+              <a:t>08/05/2024</a:t>
             </a:fld>
             <a:endParaRPr lang="fr-FR"/>
           </a:p>
@@ -1015,7 +1016,7 @@
           <a:p>
             <a:fld id="{446B8E21-113E-4F0A-8830-E88648DF3139}" type="datetimeFigureOut">
               <a:rPr lang="fr-FR" smtClean="0"/>
-              <a:t>04/04/2024</a:t>
+              <a:t>08/05/2024</a:t>
             </a:fld>
             <a:endParaRPr lang="fr-FR"/>
           </a:p>
@@ -1244,7 +1245,7 @@
           <a:p>
             <a:fld id="{446B8E21-113E-4F0A-8830-E88648DF3139}" type="datetimeFigureOut">
               <a:rPr lang="fr-FR" smtClean="0"/>
-              <a:t>04/04/2024</a:t>
+              <a:t>08/05/2024</a:t>
             </a:fld>
             <a:endParaRPr lang="fr-FR"/>
           </a:p>
@@ -1608,7 +1609,7 @@
           <a:p>
             <a:fld id="{446B8E21-113E-4F0A-8830-E88648DF3139}" type="datetimeFigureOut">
               <a:rPr lang="fr-FR" smtClean="0"/>
-              <a:t>04/04/2024</a:t>
+              <a:t>08/05/2024</a:t>
             </a:fld>
             <a:endParaRPr lang="fr-FR"/>
           </a:p>
@@ -1725,7 +1726,7 @@
           <a:p>
             <a:fld id="{446B8E21-113E-4F0A-8830-E88648DF3139}" type="datetimeFigureOut">
               <a:rPr lang="fr-FR" smtClean="0"/>
-              <a:t>04/04/2024</a:t>
+              <a:t>08/05/2024</a:t>
             </a:fld>
             <a:endParaRPr lang="fr-FR"/>
           </a:p>
@@ -1820,7 +1821,7 @@
           <a:p>
             <a:fld id="{446B8E21-113E-4F0A-8830-E88648DF3139}" type="datetimeFigureOut">
               <a:rPr lang="fr-FR" smtClean="0"/>
-              <a:t>04/04/2024</a:t>
+              <a:t>08/05/2024</a:t>
             </a:fld>
             <a:endParaRPr lang="fr-FR"/>
           </a:p>
@@ -2095,7 +2096,7 @@
           <a:p>
             <a:fld id="{446B8E21-113E-4F0A-8830-E88648DF3139}" type="datetimeFigureOut">
               <a:rPr lang="fr-FR" smtClean="0"/>
-              <a:t>04/04/2024</a:t>
+              <a:t>08/05/2024</a:t>
             </a:fld>
             <a:endParaRPr lang="fr-FR"/>
           </a:p>
@@ -2347,7 +2348,7 @@
           <a:p>
             <a:fld id="{446B8E21-113E-4F0A-8830-E88648DF3139}" type="datetimeFigureOut">
               <a:rPr lang="fr-FR" smtClean="0"/>
-              <a:t>04/04/2024</a:t>
+              <a:t>08/05/2024</a:t>
             </a:fld>
             <a:endParaRPr lang="fr-FR"/>
           </a:p>
@@ -2558,7 +2559,7 @@
           <a:p>
             <a:fld id="{446B8E21-113E-4F0A-8830-E88648DF3139}" type="datetimeFigureOut">
               <a:rPr lang="fr-FR" smtClean="0"/>
-              <a:t>04/04/2024</a:t>
+              <a:t>08/05/2024</a:t>
             </a:fld>
             <a:endParaRPr lang="fr-FR"/>
           </a:p>
@@ -3050,6 +3051,98 @@
           </a:p>
         </p:txBody>
       </p:sp>
+      <p:sp>
+        <p:nvSpPr>
+          <p:cNvPr id="3" name="Espace réservé du contenu 2"/>
+          <p:cNvSpPr>
+            <a:spLocks noGrp="1"/>
+          </p:cNvSpPr>
+          <p:nvPr>
+            <p:ph idx="1"/>
+          </p:nvPr>
+        </p:nvSpPr>
+        <p:spPr/>
+        <p:txBody>
+          <a:bodyPr/>
+          <a:lstStyle/>
+          <a:p>
+            <a:endParaRPr lang="fr-FR"/>
+          </a:p>
+        </p:txBody>
+      </p:sp>
+      <p:pic>
+        <p:nvPicPr>
+          <p:cNvPr id="4" name="Image 3"/>
+          <p:cNvPicPr>
+            <a:picLocks noChangeAspect="1"/>
+          </p:cNvPicPr>
+          <p:nvPr/>
+        </p:nvPicPr>
+        <p:blipFill>
+          <a:blip r:embed="rId2"/>
+          <a:stretch>
+            <a:fillRect/>
+          </a:stretch>
+        </p:blipFill>
+        <p:spPr>
+          <a:xfrm>
+            <a:off x="1318546" y="-248163"/>
+            <a:ext cx="9554908" cy="7354326"/>
+          </a:xfrm>
+          <a:prstGeom prst="rect">
+            <a:avLst/>
+          </a:prstGeom>
+        </p:spPr>
+      </p:pic>
+    </p:spTree>
+    <p:extLst>
+      <p:ext uri="{BB962C8B-B14F-4D97-AF65-F5344CB8AC3E}">
+        <p14:creationId xmlns:p14="http://schemas.microsoft.com/office/powerpoint/2010/main" val="1313361834"/>
+      </p:ext>
+    </p:extLst>
+  </p:cSld>
+  <p:clrMapOvr>
+    <a:masterClrMapping/>
+  </p:clrMapOvr>
+</p:sld>
+</file>
+
+<file path=ppt/slides/slide11.xml><?xml version="1.0" encoding="utf-8"?>
+<p:sld xmlns:a="http://schemas.openxmlformats.org/drawingml/2006/main" xmlns:r="http://schemas.openxmlformats.org/officeDocument/2006/relationships" xmlns:p="http://schemas.openxmlformats.org/presentationml/2006/main">
+  <p:cSld>
+    <p:spTree>
+      <p:nvGrpSpPr>
+        <p:cNvPr id="1" name=""/>
+        <p:cNvGrpSpPr/>
+        <p:nvPr/>
+      </p:nvGrpSpPr>
+      <p:grpSpPr>
+        <a:xfrm>
+          <a:off x="0" y="0"/>
+          <a:ext cx="0" cy="0"/>
+          <a:chOff x="0" y="0"/>
+          <a:chExt cx="0" cy="0"/>
+        </a:xfrm>
+      </p:grpSpPr>
+      <p:sp>
+        <p:nvSpPr>
+          <p:cNvPr id="2" name="Titre 1"/>
+          <p:cNvSpPr>
+            <a:spLocks noGrp="1"/>
+          </p:cNvSpPr>
+          <p:nvPr>
+            <p:ph type="title"/>
+          </p:nvPr>
+        </p:nvSpPr>
+        <p:spPr/>
+        <p:txBody>
+          <a:bodyPr/>
+          <a:lstStyle/>
+          <a:p>
+            <a:endParaRPr lang="fr-FR"/>
+          </a:p>
+        </p:txBody>
+      </p:sp>
       <p:pic>
         <p:nvPicPr>
           <p:cNvPr id="4" name="Image 3"/>
@@ -3159,7 +3252,7 @@
 </p:sld>
 </file>
 
-<file path=ppt/slides/slide11.xml><?xml version="1.0" encoding="utf-8"?>
+<file path=ppt/slides/slide12.xml><?xml version="1.0" encoding="utf-8"?>
 <p:sld xmlns:a="http://schemas.openxmlformats.org/drawingml/2006/main" xmlns:r="http://schemas.openxmlformats.org/officeDocument/2006/relationships" xmlns:p="http://schemas.openxmlformats.org/presentationml/2006/main">
   <p:cSld>
     <p:spTree>
@@ -3328,7 +3421,7 @@
 </p:sld>
 </file>
 
-<file path=ppt/slides/slide12.xml><?xml version="1.0" encoding="utf-8"?>
+<file path=ppt/slides/slide13.xml><?xml version="1.0" encoding="utf-8"?>
 <p:sld xmlns:a="http://schemas.openxmlformats.org/drawingml/2006/main" xmlns:r="http://schemas.openxmlformats.org/officeDocument/2006/relationships" xmlns:p="http://schemas.openxmlformats.org/presentationml/2006/main">
   <p:cSld>
     <p:spTree>
@@ -3401,7 +3494,7 @@
 </p:sld>
 </file>
 
-<file path=ppt/slides/slide13.xml><?xml version="1.0" encoding="utf-8"?>
+<file path=ppt/slides/slide14.xml><?xml version="1.0" encoding="utf-8"?>
 <p:sld xmlns:a="http://schemas.openxmlformats.org/drawingml/2006/main" xmlns:r="http://schemas.openxmlformats.org/officeDocument/2006/relationships" xmlns:p="http://schemas.openxmlformats.org/presentationml/2006/main">
   <p:cSld>
     <p:spTree>
@@ -5741,7 +5834,7 @@
 </p:sld>
 </file>
 
-<file path=ppt/slides/slide14.xml><?xml version="1.0" encoding="utf-8"?>
+<file path=ppt/slides/slide15.xml><?xml version="1.0" encoding="utf-8"?>
 <p:sld xmlns:a="http://schemas.openxmlformats.org/drawingml/2006/main" xmlns:r="http://schemas.openxmlformats.org/officeDocument/2006/relationships" xmlns:p="http://schemas.openxmlformats.org/presentationml/2006/main">
   <p:cSld>
     <p:spTree>
@@ -8585,7 +8678,7 @@
 </p:sld>
 </file>
 
-<file path=ppt/slides/slide15.xml><?xml version="1.0" encoding="utf-8"?>
+<file path=ppt/slides/slide16.xml><?xml version="1.0" encoding="utf-8"?>
 <p:sld xmlns:a="http://schemas.openxmlformats.org/drawingml/2006/main" xmlns:r="http://schemas.openxmlformats.org/officeDocument/2006/relationships" xmlns:p="http://schemas.openxmlformats.org/presentationml/2006/main">
   <p:cSld>
     <p:spTree>
@@ -8677,7 +8770,7 @@
 </p:sld>
 </file>
 
-<file path=ppt/slides/slide16.xml><?xml version="1.0" encoding="utf-8"?>
+<file path=ppt/slides/slide17.xml><?xml version="1.0" encoding="utf-8"?>
 <p:sld xmlns:a="http://schemas.openxmlformats.org/drawingml/2006/main" xmlns:r="http://schemas.openxmlformats.org/officeDocument/2006/relationships" xmlns:p="http://schemas.openxmlformats.org/presentationml/2006/main">
   <p:cSld>
     <p:spTree>
@@ -9079,6 +9172,295 @@
           <a:chExt cx="0" cy="0"/>
         </a:xfrm>
       </p:grpSpPr>
+      <p:pic>
+        <p:nvPicPr>
+          <p:cNvPr id="4" name="Image 3"/>
+          <p:cNvPicPr>
+            <a:picLocks noChangeAspect="1"/>
+          </p:cNvPicPr>
+          <p:nvPr/>
+        </p:nvPicPr>
+        <p:blipFill>
+          <a:blip r:embed="rId2"/>
+          <a:stretch>
+            <a:fillRect/>
+          </a:stretch>
+        </p:blipFill>
+        <p:spPr>
+          <a:xfrm>
+            <a:off x="2675823" y="2124384"/>
+            <a:ext cx="6185836" cy="4733616"/>
+          </a:xfrm>
+          <a:prstGeom prst="rect">
+            <a:avLst/>
+          </a:prstGeom>
+        </p:spPr>
+      </p:pic>
+      <p:sp>
+        <p:nvSpPr>
+          <p:cNvPr id="3" name="Rectangle 2">
+            <a:extLst>
+              <a:ext uri="{FF2B5EF4-FFF2-40B4-BE49-F238E27FC236}">
+                <a16:creationId xmlns:a16="http://schemas.microsoft.com/office/drawing/2014/main" id="{CAD9E680-DD10-0D53-7EF0-69132C583748}"/>
+              </a:ext>
+            </a:extLst>
+          </p:cNvPr>
+          <p:cNvSpPr/>
+          <p:nvPr/>
+        </p:nvSpPr>
+        <p:spPr>
+          <a:xfrm>
+            <a:off x="3297623" y="2931192"/>
+            <a:ext cx="4566217" cy="264396"/>
+          </a:xfrm>
+          <a:prstGeom prst="rect">
+            <a:avLst/>
+          </a:prstGeom>
+          <a:noFill/>
+          <a:ln w="28575">
+            <a:solidFill>
+              <a:srgbClr val="FF0000"/>
+            </a:solidFill>
+          </a:ln>
+        </p:spPr>
+        <p:style>
+          <a:lnRef idx="2">
+            <a:schemeClr val="accent1">
+              <a:shade val="15000"/>
+            </a:schemeClr>
+          </a:lnRef>
+          <a:fillRef idx="1">
+            <a:schemeClr val="accent1"/>
+          </a:fillRef>
+          <a:effectRef idx="0">
+            <a:schemeClr val="accent1"/>
+          </a:effectRef>
+          <a:fontRef idx="minor">
+            <a:schemeClr val="lt1"/>
+          </a:fontRef>
+        </p:style>
+        <p:txBody>
+          <a:bodyPr rtlCol="0" anchor="ctr"/>
+          <a:lstStyle/>
+          <a:p>
+            <a:pPr algn="ctr"/>
+            <a:endParaRPr lang="fr-FR"/>
+          </a:p>
+        </p:txBody>
+      </p:sp>
+      <p:sp>
+        <p:nvSpPr>
+          <p:cNvPr id="5" name="Ellipse 4">
+            <a:extLst>
+              <a:ext uri="{FF2B5EF4-FFF2-40B4-BE49-F238E27FC236}">
+                <a16:creationId xmlns:a16="http://schemas.microsoft.com/office/drawing/2014/main" id="{22EAA47E-34A5-91B5-3435-C430914F8AD6}"/>
+              </a:ext>
+            </a:extLst>
+          </p:cNvPr>
+          <p:cNvSpPr/>
+          <p:nvPr/>
+        </p:nvSpPr>
+        <p:spPr>
+          <a:xfrm>
+            <a:off x="5021345" y="2532692"/>
+            <a:ext cx="360000" cy="360000"/>
+          </a:xfrm>
+          <a:prstGeom prst="ellipse">
+            <a:avLst/>
+          </a:prstGeom>
+          <a:solidFill>
+            <a:schemeClr val="bg1"/>
+          </a:solidFill>
+          <a:ln w="28575">
+            <a:solidFill>
+              <a:srgbClr val="FF0000"/>
+            </a:solidFill>
+          </a:ln>
+        </p:spPr>
+        <p:style>
+          <a:lnRef idx="2">
+            <a:schemeClr val="accent1">
+              <a:shade val="15000"/>
+            </a:schemeClr>
+          </a:lnRef>
+          <a:fillRef idx="1">
+            <a:schemeClr val="accent1"/>
+          </a:fillRef>
+          <a:effectRef idx="0">
+            <a:schemeClr val="accent1"/>
+          </a:effectRef>
+          <a:fontRef idx="minor">
+            <a:schemeClr val="lt1"/>
+          </a:fontRef>
+        </p:style>
+        <p:txBody>
+          <a:bodyPr rtlCol="0" anchor="ctr"/>
+          <a:lstStyle/>
+          <a:p>
+            <a:pPr algn="ctr"/>
+            <a:r>
+              <a:rPr lang="fr-FR" b="1" dirty="0">
+                <a:solidFill>
+                  <a:srgbClr val="FF0000"/>
+                </a:solidFill>
+              </a:rPr>
+              <a:t>1</a:t>
+            </a:r>
+          </a:p>
+        </p:txBody>
+      </p:sp>
+      <p:sp>
+        <p:nvSpPr>
+          <p:cNvPr id="6" name="Ellipse 5">
+            <a:extLst>
+              <a:ext uri="{FF2B5EF4-FFF2-40B4-BE49-F238E27FC236}">
+                <a16:creationId xmlns:a16="http://schemas.microsoft.com/office/drawing/2014/main" id="{E10E2E4F-49D6-7F6E-A225-6A566A4CFBAA}"/>
+              </a:ext>
+            </a:extLst>
+          </p:cNvPr>
+          <p:cNvSpPr/>
+          <p:nvPr/>
+        </p:nvSpPr>
+        <p:spPr>
+          <a:xfrm>
+            <a:off x="6396196" y="2532692"/>
+            <a:ext cx="360000" cy="360000"/>
+          </a:xfrm>
+          <a:prstGeom prst="ellipse">
+            <a:avLst/>
+          </a:prstGeom>
+          <a:solidFill>
+            <a:schemeClr val="bg1"/>
+          </a:solidFill>
+          <a:ln w="28575">
+            <a:solidFill>
+              <a:srgbClr val="FF0000"/>
+            </a:solidFill>
+          </a:ln>
+        </p:spPr>
+        <p:style>
+          <a:lnRef idx="2">
+            <a:schemeClr val="accent1">
+              <a:shade val="15000"/>
+            </a:schemeClr>
+          </a:lnRef>
+          <a:fillRef idx="1">
+            <a:schemeClr val="accent1"/>
+          </a:fillRef>
+          <a:effectRef idx="0">
+            <a:schemeClr val="accent1"/>
+          </a:effectRef>
+          <a:fontRef idx="minor">
+            <a:schemeClr val="lt1"/>
+          </a:fontRef>
+        </p:style>
+        <p:txBody>
+          <a:bodyPr rtlCol="0" anchor="ctr"/>
+          <a:lstStyle/>
+          <a:p>
+            <a:pPr algn="ctr"/>
+            <a:r>
+              <a:rPr lang="fr-FR" b="1" dirty="0">
+                <a:solidFill>
+                  <a:srgbClr val="FF0000"/>
+                </a:solidFill>
+              </a:rPr>
+              <a:t>2</a:t>
+            </a:r>
+          </a:p>
+        </p:txBody>
+      </p:sp>
+      <p:sp>
+        <p:nvSpPr>
+          <p:cNvPr id="7" name="Ellipse 6">
+            <a:extLst>
+              <a:ext uri="{FF2B5EF4-FFF2-40B4-BE49-F238E27FC236}">
+                <a16:creationId xmlns:a16="http://schemas.microsoft.com/office/drawing/2014/main" id="{EAF51C26-F7D4-B1C4-1513-B91DF1CF8E69}"/>
+              </a:ext>
+            </a:extLst>
+          </p:cNvPr>
+          <p:cNvSpPr/>
+          <p:nvPr/>
+        </p:nvSpPr>
+        <p:spPr>
+          <a:xfrm>
+            <a:off x="7268927" y="2532692"/>
+            <a:ext cx="360000" cy="360000"/>
+          </a:xfrm>
+          <a:prstGeom prst="ellipse">
+            <a:avLst/>
+          </a:prstGeom>
+          <a:solidFill>
+            <a:schemeClr val="bg1"/>
+          </a:solidFill>
+          <a:ln w="28575">
+            <a:solidFill>
+              <a:srgbClr val="FF0000"/>
+            </a:solidFill>
+          </a:ln>
+        </p:spPr>
+        <p:style>
+          <a:lnRef idx="2">
+            <a:schemeClr val="accent1">
+              <a:shade val="15000"/>
+            </a:schemeClr>
+          </a:lnRef>
+          <a:fillRef idx="1">
+            <a:schemeClr val="accent1"/>
+          </a:fillRef>
+          <a:effectRef idx="0">
+            <a:schemeClr val="accent1"/>
+          </a:effectRef>
+          <a:fontRef idx="minor">
+            <a:schemeClr val="lt1"/>
+          </a:fontRef>
+        </p:style>
+        <p:txBody>
+          <a:bodyPr rtlCol="0" anchor="ctr"/>
+          <a:lstStyle/>
+          <a:p>
+            <a:pPr algn="ctr"/>
+            <a:r>
+              <a:rPr lang="fr-FR" b="1" dirty="0">
+                <a:solidFill>
+                  <a:srgbClr val="FF0000"/>
+                </a:solidFill>
+              </a:rPr>
+              <a:t>2</a:t>
+            </a:r>
+          </a:p>
+        </p:txBody>
+      </p:sp>
+    </p:spTree>
+    <p:extLst>
+      <p:ext uri="{BB962C8B-B14F-4D97-AF65-F5344CB8AC3E}">
+        <p14:creationId xmlns:p14="http://schemas.microsoft.com/office/powerpoint/2010/main" val="1512510481"/>
+      </p:ext>
+    </p:extLst>
+  </p:cSld>
+  <p:clrMapOvr>
+    <a:masterClrMapping/>
+  </p:clrMapOvr>
+</p:sld>
+</file>
+
+<file path=ppt/slides/slide6.xml><?xml version="1.0" encoding="utf-8"?>
+<p:sld xmlns:a="http://schemas.openxmlformats.org/drawingml/2006/main" xmlns:r="http://schemas.openxmlformats.org/officeDocument/2006/relationships" xmlns:p="http://schemas.openxmlformats.org/presentationml/2006/main">
+  <p:cSld>
+    <p:spTree>
+      <p:nvGrpSpPr>
+        <p:cNvPr id="1" name=""/>
+        <p:cNvGrpSpPr/>
+        <p:nvPr/>
+      </p:nvGrpSpPr>
+      <p:grpSpPr>
+        <a:xfrm>
+          <a:off x="0" y="0"/>
+          <a:ext cx="0" cy="0"/>
+          <a:chOff x="0" y="0"/>
+          <a:chExt cx="0" cy="0"/>
+        </a:xfrm>
+      </p:grpSpPr>
       <p:sp>
         <p:nvSpPr>
           <p:cNvPr id="2" name="Titre 1"/>
@@ -9135,7 +9517,7 @@
 </p:sld>
 </file>
 
-<file path=ppt/slides/slide6.xml><?xml version="1.0" encoding="utf-8"?>
+<file path=ppt/slides/slide7.xml><?xml version="1.0" encoding="utf-8"?>
 <p:sld xmlns:a="http://schemas.openxmlformats.org/drawingml/2006/main" xmlns:r="http://schemas.openxmlformats.org/officeDocument/2006/relationships" xmlns:p="http://schemas.openxmlformats.org/presentationml/2006/main">
   <p:cSld>
     <p:spTree>
@@ -9210,7 +9592,303 @@
 </p:sld>
 </file>
 
-<file path=ppt/slides/slide7.xml><?xml version="1.0" encoding="utf-8"?>
+<file path=ppt/slides/slide8.xml><?xml version="1.0" encoding="utf-8"?>
+<p:sld xmlns:a="http://schemas.openxmlformats.org/drawingml/2006/main" xmlns:r="http://schemas.openxmlformats.org/officeDocument/2006/relationships" xmlns:p="http://schemas.openxmlformats.org/presentationml/2006/main">
+  <p:cSld>
+    <p:spTree>
+      <p:nvGrpSpPr>
+        <p:cNvPr id="1" name=""/>
+        <p:cNvGrpSpPr/>
+        <p:nvPr/>
+      </p:nvGrpSpPr>
+      <p:grpSpPr>
+        <a:xfrm>
+          <a:off x="0" y="0"/>
+          <a:ext cx="0" cy="0"/>
+          <a:chOff x="0" y="0"/>
+          <a:chExt cx="0" cy="0"/>
+        </a:xfrm>
+      </p:grpSpPr>
+      <p:pic>
+        <p:nvPicPr>
+          <p:cNvPr id="4" name="Image 3"/>
+          <p:cNvPicPr>
+            <a:picLocks noChangeAspect="1"/>
+          </p:cNvPicPr>
+          <p:nvPr/>
+        </p:nvPicPr>
+        <p:blipFill>
+          <a:blip r:embed="rId2"/>
+          <a:stretch>
+            <a:fillRect/>
+          </a:stretch>
+        </p:blipFill>
+        <p:spPr>
+          <a:xfrm>
+            <a:off x="1354609" y="1095153"/>
+            <a:ext cx="6750116" cy="5167424"/>
+          </a:xfrm>
+          <a:prstGeom prst="rect">
+            <a:avLst/>
+          </a:prstGeom>
+        </p:spPr>
+      </p:pic>
+      <p:sp>
+        <p:nvSpPr>
+          <p:cNvPr id="3" name="Rectangle 2">
+            <a:extLst>
+              <a:ext uri="{FF2B5EF4-FFF2-40B4-BE49-F238E27FC236}">
+                <a16:creationId xmlns:a16="http://schemas.microsoft.com/office/drawing/2014/main" id="{92F4D1D6-B606-2CA2-EBE2-487111FC8E8A}"/>
+              </a:ext>
+            </a:extLst>
+          </p:cNvPr>
+          <p:cNvSpPr/>
+          <p:nvPr/>
+        </p:nvSpPr>
+        <p:spPr>
+          <a:xfrm>
+            <a:off x="6273209" y="1616149"/>
+            <a:ext cx="318977" cy="329609"/>
+          </a:xfrm>
+          <a:prstGeom prst="rect">
+            <a:avLst/>
+          </a:prstGeom>
+          <a:noFill/>
+          <a:ln w="28575">
+            <a:solidFill>
+              <a:srgbClr val="FF0000"/>
+            </a:solidFill>
+          </a:ln>
+        </p:spPr>
+        <p:style>
+          <a:lnRef idx="2">
+            <a:schemeClr val="accent1">
+              <a:shade val="15000"/>
+            </a:schemeClr>
+          </a:lnRef>
+          <a:fillRef idx="1">
+            <a:schemeClr val="accent1"/>
+          </a:fillRef>
+          <a:effectRef idx="0">
+            <a:schemeClr val="accent1"/>
+          </a:effectRef>
+          <a:fontRef idx="minor">
+            <a:schemeClr val="lt1"/>
+          </a:fontRef>
+        </p:style>
+        <p:txBody>
+          <a:bodyPr rtlCol="0" anchor="ctr"/>
+          <a:lstStyle/>
+          <a:p>
+            <a:pPr algn="ctr"/>
+            <a:endParaRPr lang="fr-FR"/>
+          </a:p>
+        </p:txBody>
+      </p:sp>
+      <p:sp>
+        <p:nvSpPr>
+          <p:cNvPr id="5" name="Rectangle 4">
+            <a:extLst>
+              <a:ext uri="{FF2B5EF4-FFF2-40B4-BE49-F238E27FC236}">
+                <a16:creationId xmlns:a16="http://schemas.microsoft.com/office/drawing/2014/main" id="{59560365-ED9D-C595-2D8F-C0D753E53F99}"/>
+              </a:ext>
+            </a:extLst>
+          </p:cNvPr>
+          <p:cNvSpPr/>
+          <p:nvPr/>
+        </p:nvSpPr>
+        <p:spPr>
+          <a:xfrm>
+            <a:off x="1449572" y="2661684"/>
+            <a:ext cx="4015563" cy="1729563"/>
+          </a:xfrm>
+          <a:prstGeom prst="rect">
+            <a:avLst/>
+          </a:prstGeom>
+          <a:noFill/>
+          <a:ln w="28575">
+            <a:solidFill>
+              <a:srgbClr val="FF0000"/>
+            </a:solidFill>
+          </a:ln>
+        </p:spPr>
+        <p:style>
+          <a:lnRef idx="2">
+            <a:schemeClr val="accent1">
+              <a:shade val="15000"/>
+            </a:schemeClr>
+          </a:lnRef>
+          <a:fillRef idx="1">
+            <a:schemeClr val="accent1"/>
+          </a:fillRef>
+          <a:effectRef idx="0">
+            <a:schemeClr val="accent1"/>
+          </a:effectRef>
+          <a:fontRef idx="minor">
+            <a:schemeClr val="lt1"/>
+          </a:fontRef>
+        </p:style>
+        <p:txBody>
+          <a:bodyPr rtlCol="0" anchor="ctr"/>
+          <a:lstStyle/>
+          <a:p>
+            <a:pPr algn="ctr"/>
+            <a:endParaRPr lang="fr-FR"/>
+          </a:p>
+        </p:txBody>
+      </p:sp>
+      <p:cxnSp>
+        <p:nvCxnSpPr>
+          <p:cNvPr id="7" name="Connecteur droit 6">
+            <a:extLst>
+              <a:ext uri="{FF2B5EF4-FFF2-40B4-BE49-F238E27FC236}">
+                <a16:creationId xmlns:a16="http://schemas.microsoft.com/office/drawing/2014/main" id="{3E781E12-CCB4-0120-9E56-39B7C6D57496}"/>
+              </a:ext>
+            </a:extLst>
+          </p:cNvPr>
+          <p:cNvCxnSpPr>
+            <a:cxnSpLocks/>
+          </p:cNvCxnSpPr>
+          <p:nvPr/>
+        </p:nvCxnSpPr>
+        <p:spPr>
+          <a:xfrm flipV="1">
+            <a:off x="1449572" y="1616149"/>
+            <a:ext cx="4823637" cy="1041991"/>
+          </a:xfrm>
+          <a:prstGeom prst="line">
+            <a:avLst/>
+          </a:prstGeom>
+          <a:noFill/>
+          <a:ln w="28575">
+            <a:solidFill>
+              <a:srgbClr val="FF0000"/>
+            </a:solidFill>
+          </a:ln>
+        </p:spPr>
+        <p:style>
+          <a:lnRef idx="2">
+            <a:schemeClr val="accent1">
+              <a:shade val="15000"/>
+            </a:schemeClr>
+          </a:lnRef>
+          <a:fillRef idx="1">
+            <a:schemeClr val="accent1"/>
+          </a:fillRef>
+          <a:effectRef idx="0">
+            <a:schemeClr val="accent1"/>
+          </a:effectRef>
+          <a:fontRef idx="minor">
+            <a:schemeClr val="lt1"/>
+          </a:fontRef>
+        </p:style>
+      </p:cxnSp>
+      <p:cxnSp>
+        <p:nvCxnSpPr>
+          <p:cNvPr id="8" name="Connecteur droit 7">
+            <a:extLst>
+              <a:ext uri="{FF2B5EF4-FFF2-40B4-BE49-F238E27FC236}">
+                <a16:creationId xmlns:a16="http://schemas.microsoft.com/office/drawing/2014/main" id="{ACC7AEC0-DADB-37CB-976B-490FB53ED659}"/>
+              </a:ext>
+            </a:extLst>
+          </p:cNvPr>
+          <p:cNvCxnSpPr>
+            <a:cxnSpLocks/>
+          </p:cNvCxnSpPr>
+          <p:nvPr/>
+        </p:nvCxnSpPr>
+        <p:spPr>
+          <a:xfrm flipV="1">
+            <a:off x="4880344" y="1945758"/>
+            <a:ext cx="1392865" cy="712382"/>
+          </a:xfrm>
+          <a:prstGeom prst="line">
+            <a:avLst/>
+          </a:prstGeom>
+          <a:noFill/>
+          <a:ln w="28575">
+            <a:solidFill>
+              <a:srgbClr val="FF0000"/>
+            </a:solidFill>
+          </a:ln>
+        </p:spPr>
+        <p:style>
+          <a:lnRef idx="2">
+            <a:schemeClr val="accent1">
+              <a:shade val="15000"/>
+            </a:schemeClr>
+          </a:lnRef>
+          <a:fillRef idx="1">
+            <a:schemeClr val="accent1"/>
+          </a:fillRef>
+          <a:effectRef idx="0">
+            <a:schemeClr val="accent1"/>
+          </a:effectRef>
+          <a:fontRef idx="minor">
+            <a:schemeClr val="lt1"/>
+          </a:fontRef>
+        </p:style>
+      </p:cxnSp>
+      <p:cxnSp>
+        <p:nvCxnSpPr>
+          <p:cNvPr id="12" name="Connecteur droit 11">
+            <a:extLst>
+              <a:ext uri="{FF2B5EF4-FFF2-40B4-BE49-F238E27FC236}">
+                <a16:creationId xmlns:a16="http://schemas.microsoft.com/office/drawing/2014/main" id="{ECF5EADC-B572-A9F8-6D66-B76B8C74B875}"/>
+              </a:ext>
+            </a:extLst>
+          </p:cNvPr>
+          <p:cNvCxnSpPr>
+            <a:cxnSpLocks/>
+          </p:cNvCxnSpPr>
+          <p:nvPr/>
+        </p:nvCxnSpPr>
+        <p:spPr>
+          <a:xfrm flipV="1">
+            <a:off x="5465135" y="1942214"/>
+            <a:ext cx="1127051" cy="2449033"/>
+          </a:xfrm>
+          <a:prstGeom prst="line">
+            <a:avLst/>
+          </a:prstGeom>
+          <a:noFill/>
+          <a:ln w="28575">
+            <a:solidFill>
+              <a:srgbClr val="FF0000"/>
+            </a:solidFill>
+          </a:ln>
+        </p:spPr>
+        <p:style>
+          <a:lnRef idx="2">
+            <a:schemeClr val="accent1">
+              <a:shade val="15000"/>
+            </a:schemeClr>
+          </a:lnRef>
+          <a:fillRef idx="1">
+            <a:schemeClr val="accent1"/>
+          </a:fillRef>
+          <a:effectRef idx="0">
+            <a:schemeClr val="accent1"/>
+          </a:effectRef>
+          <a:fontRef idx="minor">
+            <a:schemeClr val="lt1"/>
+          </a:fontRef>
+        </p:style>
+      </p:cxnSp>
+    </p:spTree>
+    <p:extLst>
+      <p:ext uri="{BB962C8B-B14F-4D97-AF65-F5344CB8AC3E}">
+        <p14:creationId xmlns:p14="http://schemas.microsoft.com/office/powerpoint/2010/main" val="2183214917"/>
+      </p:ext>
+    </p:extLst>
+  </p:cSld>
+  <p:clrMapOvr>
+    <a:masterClrMapping/>
+  </p:clrMapOvr>
+</p:sld>
+</file>
+
+<file path=ppt/slides/slide9.xml><?xml version="1.0" encoding="utf-8"?>
 <p:sld xmlns:a="http://schemas.openxmlformats.org/drawingml/2006/main" xmlns:r="http://schemas.openxmlformats.org/officeDocument/2006/relationships" xmlns:p="http://schemas.openxmlformats.org/presentationml/2006/main">
   <p:cSld>
     <p:spTree>
@@ -9248,79 +9926,6 @@
       </p:sp>
       <p:pic>
         <p:nvPicPr>
-          <p:cNvPr id="4" name="Image 3"/>
-          <p:cNvPicPr>
-            <a:picLocks noChangeAspect="1"/>
-          </p:cNvPicPr>
-          <p:nvPr/>
-        </p:nvPicPr>
-        <p:blipFill>
-          <a:blip r:embed="rId2"/>
-          <a:stretch>
-            <a:fillRect/>
-          </a:stretch>
-        </p:blipFill>
-        <p:spPr>
-          <a:xfrm>
-            <a:off x="1342361" y="-210058"/>
-            <a:ext cx="9507277" cy="7278116"/>
-          </a:xfrm>
-          <a:prstGeom prst="rect">
-            <a:avLst/>
-          </a:prstGeom>
-        </p:spPr>
-      </p:pic>
-    </p:spTree>
-    <p:extLst>
-      <p:ext uri="{BB962C8B-B14F-4D97-AF65-F5344CB8AC3E}">
-        <p14:creationId xmlns:p14="http://schemas.microsoft.com/office/powerpoint/2010/main" val="2183214917"/>
-      </p:ext>
-    </p:extLst>
-  </p:cSld>
-  <p:clrMapOvr>
-    <a:masterClrMapping/>
-  </p:clrMapOvr>
-</p:sld>
-</file>
-
-<file path=ppt/slides/slide8.xml><?xml version="1.0" encoding="utf-8"?>
-<p:sld xmlns:a="http://schemas.openxmlformats.org/drawingml/2006/main" xmlns:r="http://schemas.openxmlformats.org/officeDocument/2006/relationships" xmlns:p="http://schemas.openxmlformats.org/presentationml/2006/main">
-  <p:cSld>
-    <p:spTree>
-      <p:nvGrpSpPr>
-        <p:cNvPr id="1" name=""/>
-        <p:cNvGrpSpPr/>
-        <p:nvPr/>
-      </p:nvGrpSpPr>
-      <p:grpSpPr>
-        <a:xfrm>
-          <a:off x="0" y="0"/>
-          <a:ext cx="0" cy="0"/>
-          <a:chOff x="0" y="0"/>
-          <a:chExt cx="0" cy="0"/>
-        </a:xfrm>
-      </p:grpSpPr>
-      <p:sp>
-        <p:nvSpPr>
-          <p:cNvPr id="2" name="Titre 1"/>
-          <p:cNvSpPr>
-            <a:spLocks noGrp="1"/>
-          </p:cNvSpPr>
-          <p:nvPr>
-            <p:ph type="title"/>
-          </p:nvPr>
-        </p:nvSpPr>
-        <p:spPr/>
-        <p:txBody>
-          <a:bodyPr/>
-          <a:lstStyle/>
-          <a:p>
-            <a:endParaRPr lang="fr-FR"/>
-          </a:p>
-        </p:txBody>
-      </p:sp>
-      <p:pic>
-        <p:nvPicPr>
           <p:cNvPr id="4" name="Espace réservé du contenu 3"/>
           <p:cNvPicPr>
             <a:picLocks noGrp="1" noChangeAspect="1"/>
@@ -9337,7 +9942,7 @@
         </p:blipFill>
         <p:spPr>
           <a:xfrm>
-            <a:off x="3820405" y="1825625"/>
+            <a:off x="2184110" y="1943607"/>
             <a:ext cx="4551190" cy="4351338"/>
           </a:xfrm>
           <a:prstGeom prst="rect">
@@ -9409,7 +10014,7 @@
         </p:blipFill>
         <p:spPr>
           <a:xfrm>
-            <a:off x="5343420" y="2795499"/>
+            <a:off x="569290" y="2987211"/>
             <a:ext cx="1505160" cy="1267002"/>
           </a:xfrm>
           <a:prstGeom prst="rect">
@@ -9421,98 +10026,6 @@
     <p:extLst>
       <p:ext uri="{BB962C8B-B14F-4D97-AF65-F5344CB8AC3E}">
         <p14:creationId xmlns:p14="http://schemas.microsoft.com/office/powerpoint/2010/main" val="859190109"/>
-      </p:ext>
-    </p:extLst>
-  </p:cSld>
-  <p:clrMapOvr>
-    <a:masterClrMapping/>
-  </p:clrMapOvr>
-</p:sld>
-</file>
-
-<file path=ppt/slides/slide9.xml><?xml version="1.0" encoding="utf-8"?>
-<p:sld xmlns:a="http://schemas.openxmlformats.org/drawingml/2006/main" xmlns:r="http://schemas.openxmlformats.org/officeDocument/2006/relationships" xmlns:p="http://schemas.openxmlformats.org/presentationml/2006/main">
-  <p:cSld>
-    <p:spTree>
-      <p:nvGrpSpPr>
-        <p:cNvPr id="1" name=""/>
-        <p:cNvGrpSpPr/>
-        <p:nvPr/>
-      </p:nvGrpSpPr>
-      <p:grpSpPr>
-        <a:xfrm>
-          <a:off x="0" y="0"/>
-          <a:ext cx="0" cy="0"/>
-          <a:chOff x="0" y="0"/>
-          <a:chExt cx="0" cy="0"/>
-        </a:xfrm>
-      </p:grpSpPr>
-      <p:sp>
-        <p:nvSpPr>
-          <p:cNvPr id="2" name="Titre 1"/>
-          <p:cNvSpPr>
-            <a:spLocks noGrp="1"/>
-          </p:cNvSpPr>
-          <p:nvPr>
-            <p:ph type="title"/>
-          </p:nvPr>
-        </p:nvSpPr>
-        <p:spPr/>
-        <p:txBody>
-          <a:bodyPr/>
-          <a:lstStyle/>
-          <a:p>
-            <a:endParaRPr lang="fr-FR"/>
-          </a:p>
-        </p:txBody>
-      </p:sp>
-      <p:sp>
-        <p:nvSpPr>
-          <p:cNvPr id="3" name="Espace réservé du contenu 2"/>
-          <p:cNvSpPr>
-            <a:spLocks noGrp="1"/>
-          </p:cNvSpPr>
-          <p:nvPr>
-            <p:ph idx="1"/>
-          </p:nvPr>
-        </p:nvSpPr>
-        <p:spPr/>
-        <p:txBody>
-          <a:bodyPr/>
-          <a:lstStyle/>
-          <a:p>
-            <a:endParaRPr lang="fr-FR"/>
-          </a:p>
-        </p:txBody>
-      </p:sp>
-      <p:pic>
-        <p:nvPicPr>
-          <p:cNvPr id="4" name="Image 3"/>
-          <p:cNvPicPr>
-            <a:picLocks noChangeAspect="1"/>
-          </p:cNvPicPr>
-          <p:nvPr/>
-        </p:nvPicPr>
-        <p:blipFill>
-          <a:blip r:embed="rId2"/>
-          <a:stretch>
-            <a:fillRect/>
-          </a:stretch>
-        </p:blipFill>
-        <p:spPr>
-          <a:xfrm>
-            <a:off x="1318546" y="-248163"/>
-            <a:ext cx="9554908" cy="7354326"/>
-          </a:xfrm>
-          <a:prstGeom prst="rect">
-            <a:avLst/>
-          </a:prstGeom>
-        </p:spPr>
-      </p:pic>
-    </p:spTree>
-    <p:extLst>
-      <p:ext uri="{BB962C8B-B14F-4D97-AF65-F5344CB8AC3E}">
-        <p14:creationId xmlns:p14="http://schemas.microsoft.com/office/powerpoint/2010/main" val="1313361834"/>
       </p:ext>
     </p:extLst>
   </p:cSld>

--- a/11_MaxpidE/MaxPIDE.pptx
+++ b/11_MaxpidE/MaxPIDE.pptx
@@ -7,21 +7,23 @@
   <p:sldIdLst>
     <p:sldId id="256" r:id="rId2"/>
     <p:sldId id="257" r:id="rId3"/>
-    <p:sldId id="258" r:id="rId4"/>
-    <p:sldId id="259" r:id="rId5"/>
-    <p:sldId id="272" r:id="rId6"/>
-    <p:sldId id="260" r:id="rId7"/>
-    <p:sldId id="261" r:id="rId8"/>
-    <p:sldId id="262" r:id="rId9"/>
-    <p:sldId id="263" r:id="rId10"/>
-    <p:sldId id="264" r:id="rId11"/>
-    <p:sldId id="265" r:id="rId12"/>
-    <p:sldId id="266" r:id="rId13"/>
-    <p:sldId id="267" r:id="rId14"/>
-    <p:sldId id="270" r:id="rId15"/>
-    <p:sldId id="271" r:id="rId16"/>
-    <p:sldId id="268" r:id="rId17"/>
-    <p:sldId id="269" r:id="rId18"/>
+    <p:sldId id="259" r:id="rId4"/>
+    <p:sldId id="263" r:id="rId5"/>
+    <p:sldId id="273" r:id="rId6"/>
+    <p:sldId id="258" r:id="rId7"/>
+    <p:sldId id="272" r:id="rId8"/>
+    <p:sldId id="260" r:id="rId9"/>
+    <p:sldId id="261" r:id="rId10"/>
+    <p:sldId id="262" r:id="rId11"/>
+    <p:sldId id="274" r:id="rId12"/>
+    <p:sldId id="264" r:id="rId13"/>
+    <p:sldId id="265" r:id="rId14"/>
+    <p:sldId id="266" r:id="rId15"/>
+    <p:sldId id="267" r:id="rId16"/>
+    <p:sldId id="270" r:id="rId17"/>
+    <p:sldId id="271" r:id="rId18"/>
+    <p:sldId id="268" r:id="rId19"/>
+    <p:sldId id="269" r:id="rId20"/>
   </p:sldIdLst>
   <p:sldSz cx="12192000" cy="6858000"/>
   <p:notesSz cx="6858000" cy="9144000"/>
@@ -257,7 +259,7 @@
           <a:p>
             <a:fld id="{446B8E21-113E-4F0A-8830-E88648DF3139}" type="datetimeFigureOut">
               <a:rPr lang="fr-FR" smtClean="0"/>
-              <a:t>08/05/2024</a:t>
+              <a:t>09/05/2024</a:t>
             </a:fld>
             <a:endParaRPr lang="fr-FR"/>
           </a:p>
@@ -425,7 +427,7 @@
           <a:p>
             <a:fld id="{446B8E21-113E-4F0A-8830-E88648DF3139}" type="datetimeFigureOut">
               <a:rPr lang="fr-FR" smtClean="0"/>
-              <a:t>08/05/2024</a:t>
+              <a:t>09/05/2024</a:t>
             </a:fld>
             <a:endParaRPr lang="fr-FR"/>
           </a:p>
@@ -603,7 +605,7 @@
           <a:p>
             <a:fld id="{446B8E21-113E-4F0A-8830-E88648DF3139}" type="datetimeFigureOut">
               <a:rPr lang="fr-FR" smtClean="0"/>
-              <a:t>08/05/2024</a:t>
+              <a:t>09/05/2024</a:t>
             </a:fld>
             <a:endParaRPr lang="fr-FR"/>
           </a:p>
@@ -771,7 +773,7 @@
           <a:p>
             <a:fld id="{446B8E21-113E-4F0A-8830-E88648DF3139}" type="datetimeFigureOut">
               <a:rPr lang="fr-FR" smtClean="0"/>
-              <a:t>08/05/2024</a:t>
+              <a:t>09/05/2024</a:t>
             </a:fld>
             <a:endParaRPr lang="fr-FR"/>
           </a:p>
@@ -1016,7 +1018,7 @@
           <a:p>
             <a:fld id="{446B8E21-113E-4F0A-8830-E88648DF3139}" type="datetimeFigureOut">
               <a:rPr lang="fr-FR" smtClean="0"/>
-              <a:t>08/05/2024</a:t>
+              <a:t>09/05/2024</a:t>
             </a:fld>
             <a:endParaRPr lang="fr-FR"/>
           </a:p>
@@ -1245,7 +1247,7 @@
           <a:p>
             <a:fld id="{446B8E21-113E-4F0A-8830-E88648DF3139}" type="datetimeFigureOut">
               <a:rPr lang="fr-FR" smtClean="0"/>
-              <a:t>08/05/2024</a:t>
+              <a:t>09/05/2024</a:t>
             </a:fld>
             <a:endParaRPr lang="fr-FR"/>
           </a:p>
@@ -1609,7 +1611,7 @@
           <a:p>
             <a:fld id="{446B8E21-113E-4F0A-8830-E88648DF3139}" type="datetimeFigureOut">
               <a:rPr lang="fr-FR" smtClean="0"/>
-              <a:t>08/05/2024</a:t>
+              <a:t>09/05/2024</a:t>
             </a:fld>
             <a:endParaRPr lang="fr-FR"/>
           </a:p>
@@ -1726,7 +1728,7 @@
           <a:p>
             <a:fld id="{446B8E21-113E-4F0A-8830-E88648DF3139}" type="datetimeFigureOut">
               <a:rPr lang="fr-FR" smtClean="0"/>
-              <a:t>08/05/2024</a:t>
+              <a:t>09/05/2024</a:t>
             </a:fld>
             <a:endParaRPr lang="fr-FR"/>
           </a:p>
@@ -1821,7 +1823,7 @@
           <a:p>
             <a:fld id="{446B8E21-113E-4F0A-8830-E88648DF3139}" type="datetimeFigureOut">
               <a:rPr lang="fr-FR" smtClean="0"/>
-              <a:t>08/05/2024</a:t>
+              <a:t>09/05/2024</a:t>
             </a:fld>
             <a:endParaRPr lang="fr-FR"/>
           </a:p>
@@ -2096,7 +2098,7 @@
           <a:p>
             <a:fld id="{446B8E21-113E-4F0A-8830-E88648DF3139}" type="datetimeFigureOut">
               <a:rPr lang="fr-FR" smtClean="0"/>
-              <a:t>08/05/2024</a:t>
+              <a:t>09/05/2024</a:t>
             </a:fld>
             <a:endParaRPr lang="fr-FR"/>
           </a:p>
@@ -2348,7 +2350,7 @@
           <a:p>
             <a:fld id="{446B8E21-113E-4F0A-8830-E88648DF3139}" type="datetimeFigureOut">
               <a:rPr lang="fr-FR" smtClean="0"/>
-              <a:t>08/05/2024</a:t>
+              <a:t>09/05/2024</a:t>
             </a:fld>
             <a:endParaRPr lang="fr-FR"/>
           </a:p>
@@ -2559,7 +2561,7 @@
           <a:p>
             <a:fld id="{446B8E21-113E-4F0A-8830-E88648DF3139}" type="datetimeFigureOut">
               <a:rPr lang="fr-FR" smtClean="0"/>
-              <a:t>08/05/2024</a:t>
+              <a:t>09/05/2024</a:t>
             </a:fld>
             <a:endParaRPr lang="fr-FR"/>
           </a:p>
@@ -3032,44 +3034,6 @@
           <a:chExt cx="0" cy="0"/>
         </a:xfrm>
       </p:grpSpPr>
-      <p:sp>
-        <p:nvSpPr>
-          <p:cNvPr id="2" name="Titre 1"/>
-          <p:cNvSpPr>
-            <a:spLocks noGrp="1"/>
-          </p:cNvSpPr>
-          <p:nvPr>
-            <p:ph type="title"/>
-          </p:nvPr>
-        </p:nvSpPr>
-        <p:spPr/>
-        <p:txBody>
-          <a:bodyPr/>
-          <a:lstStyle/>
-          <a:p>
-            <a:endParaRPr lang="fr-FR"/>
-          </a:p>
-        </p:txBody>
-      </p:sp>
-      <p:sp>
-        <p:nvSpPr>
-          <p:cNvPr id="3" name="Espace réservé du contenu 2"/>
-          <p:cNvSpPr>
-            <a:spLocks noGrp="1"/>
-          </p:cNvSpPr>
-          <p:nvPr>
-            <p:ph idx="1"/>
-          </p:nvPr>
-        </p:nvSpPr>
-        <p:spPr/>
-        <p:txBody>
-          <a:bodyPr/>
-          <a:lstStyle/>
-          <a:p>
-            <a:endParaRPr lang="fr-FR"/>
-          </a:p>
-        </p:txBody>
-      </p:sp>
       <p:pic>
         <p:nvPicPr>
           <p:cNvPr id="4" name="Image 3"/>
@@ -3086,18 +3050,260 @@
         </p:blipFill>
         <p:spPr>
           <a:xfrm>
-            <a:off x="1318546" y="-248163"/>
-            <a:ext cx="9554908" cy="7354326"/>
+            <a:off x="1354609" y="1095153"/>
+            <a:ext cx="6750116" cy="5167424"/>
           </a:xfrm>
           <a:prstGeom prst="rect">
             <a:avLst/>
           </a:prstGeom>
         </p:spPr>
       </p:pic>
+      <p:sp>
+        <p:nvSpPr>
+          <p:cNvPr id="3" name="Rectangle 2">
+            <a:extLst>
+              <a:ext uri="{FF2B5EF4-FFF2-40B4-BE49-F238E27FC236}">
+                <a16:creationId xmlns:a16="http://schemas.microsoft.com/office/drawing/2014/main" id="{92F4D1D6-B606-2CA2-EBE2-487111FC8E8A}"/>
+              </a:ext>
+            </a:extLst>
+          </p:cNvPr>
+          <p:cNvSpPr/>
+          <p:nvPr/>
+        </p:nvSpPr>
+        <p:spPr>
+          <a:xfrm>
+            <a:off x="6273209" y="1616149"/>
+            <a:ext cx="318977" cy="329609"/>
+          </a:xfrm>
+          <a:prstGeom prst="rect">
+            <a:avLst/>
+          </a:prstGeom>
+          <a:noFill/>
+          <a:ln w="28575">
+            <a:solidFill>
+              <a:srgbClr val="FF0000"/>
+            </a:solidFill>
+          </a:ln>
+        </p:spPr>
+        <p:style>
+          <a:lnRef idx="2">
+            <a:schemeClr val="accent1">
+              <a:shade val="15000"/>
+            </a:schemeClr>
+          </a:lnRef>
+          <a:fillRef idx="1">
+            <a:schemeClr val="accent1"/>
+          </a:fillRef>
+          <a:effectRef idx="0">
+            <a:schemeClr val="accent1"/>
+          </a:effectRef>
+          <a:fontRef idx="minor">
+            <a:schemeClr val="lt1"/>
+          </a:fontRef>
+        </p:style>
+        <p:txBody>
+          <a:bodyPr rtlCol="0" anchor="ctr"/>
+          <a:lstStyle/>
+          <a:p>
+            <a:pPr algn="ctr"/>
+            <a:endParaRPr lang="fr-FR"/>
+          </a:p>
+        </p:txBody>
+      </p:sp>
+      <p:sp>
+        <p:nvSpPr>
+          <p:cNvPr id="5" name="Rectangle 4">
+            <a:extLst>
+              <a:ext uri="{FF2B5EF4-FFF2-40B4-BE49-F238E27FC236}">
+                <a16:creationId xmlns:a16="http://schemas.microsoft.com/office/drawing/2014/main" id="{59560365-ED9D-C595-2D8F-C0D753E53F99}"/>
+              </a:ext>
+            </a:extLst>
+          </p:cNvPr>
+          <p:cNvSpPr/>
+          <p:nvPr/>
+        </p:nvSpPr>
+        <p:spPr>
+          <a:xfrm>
+            <a:off x="1449572" y="2661684"/>
+            <a:ext cx="4015563" cy="1729563"/>
+          </a:xfrm>
+          <a:prstGeom prst="rect">
+            <a:avLst/>
+          </a:prstGeom>
+          <a:noFill/>
+          <a:ln w="28575">
+            <a:solidFill>
+              <a:srgbClr val="FF0000"/>
+            </a:solidFill>
+          </a:ln>
+        </p:spPr>
+        <p:style>
+          <a:lnRef idx="2">
+            <a:schemeClr val="accent1">
+              <a:shade val="15000"/>
+            </a:schemeClr>
+          </a:lnRef>
+          <a:fillRef idx="1">
+            <a:schemeClr val="accent1"/>
+          </a:fillRef>
+          <a:effectRef idx="0">
+            <a:schemeClr val="accent1"/>
+          </a:effectRef>
+          <a:fontRef idx="minor">
+            <a:schemeClr val="lt1"/>
+          </a:fontRef>
+        </p:style>
+        <p:txBody>
+          <a:bodyPr rtlCol="0" anchor="ctr"/>
+          <a:lstStyle/>
+          <a:p>
+            <a:pPr algn="ctr"/>
+            <a:endParaRPr lang="fr-FR"/>
+          </a:p>
+        </p:txBody>
+      </p:sp>
+      <p:cxnSp>
+        <p:nvCxnSpPr>
+          <p:cNvPr id="7" name="Connecteur droit 6">
+            <a:extLst>
+              <a:ext uri="{FF2B5EF4-FFF2-40B4-BE49-F238E27FC236}">
+                <a16:creationId xmlns:a16="http://schemas.microsoft.com/office/drawing/2014/main" id="{3E781E12-CCB4-0120-9E56-39B7C6D57496}"/>
+              </a:ext>
+            </a:extLst>
+          </p:cNvPr>
+          <p:cNvCxnSpPr>
+            <a:cxnSpLocks/>
+          </p:cNvCxnSpPr>
+          <p:nvPr/>
+        </p:nvCxnSpPr>
+        <p:spPr>
+          <a:xfrm flipV="1">
+            <a:off x="1449572" y="1616149"/>
+            <a:ext cx="4823637" cy="1041991"/>
+          </a:xfrm>
+          <a:prstGeom prst="line">
+            <a:avLst/>
+          </a:prstGeom>
+          <a:noFill/>
+          <a:ln w="28575">
+            <a:solidFill>
+              <a:srgbClr val="FF0000"/>
+            </a:solidFill>
+          </a:ln>
+        </p:spPr>
+        <p:style>
+          <a:lnRef idx="2">
+            <a:schemeClr val="accent1">
+              <a:shade val="15000"/>
+            </a:schemeClr>
+          </a:lnRef>
+          <a:fillRef idx="1">
+            <a:schemeClr val="accent1"/>
+          </a:fillRef>
+          <a:effectRef idx="0">
+            <a:schemeClr val="accent1"/>
+          </a:effectRef>
+          <a:fontRef idx="minor">
+            <a:schemeClr val="lt1"/>
+          </a:fontRef>
+        </p:style>
+      </p:cxnSp>
+      <p:cxnSp>
+        <p:nvCxnSpPr>
+          <p:cNvPr id="8" name="Connecteur droit 7">
+            <a:extLst>
+              <a:ext uri="{FF2B5EF4-FFF2-40B4-BE49-F238E27FC236}">
+                <a16:creationId xmlns:a16="http://schemas.microsoft.com/office/drawing/2014/main" id="{ACC7AEC0-DADB-37CB-976B-490FB53ED659}"/>
+              </a:ext>
+            </a:extLst>
+          </p:cNvPr>
+          <p:cNvCxnSpPr>
+            <a:cxnSpLocks/>
+          </p:cNvCxnSpPr>
+          <p:nvPr/>
+        </p:nvCxnSpPr>
+        <p:spPr>
+          <a:xfrm flipV="1">
+            <a:off x="4880344" y="1945758"/>
+            <a:ext cx="1392865" cy="712382"/>
+          </a:xfrm>
+          <a:prstGeom prst="line">
+            <a:avLst/>
+          </a:prstGeom>
+          <a:noFill/>
+          <a:ln w="28575">
+            <a:solidFill>
+              <a:srgbClr val="FF0000"/>
+            </a:solidFill>
+          </a:ln>
+        </p:spPr>
+        <p:style>
+          <a:lnRef idx="2">
+            <a:schemeClr val="accent1">
+              <a:shade val="15000"/>
+            </a:schemeClr>
+          </a:lnRef>
+          <a:fillRef idx="1">
+            <a:schemeClr val="accent1"/>
+          </a:fillRef>
+          <a:effectRef idx="0">
+            <a:schemeClr val="accent1"/>
+          </a:effectRef>
+          <a:fontRef idx="minor">
+            <a:schemeClr val="lt1"/>
+          </a:fontRef>
+        </p:style>
+      </p:cxnSp>
+      <p:cxnSp>
+        <p:nvCxnSpPr>
+          <p:cNvPr id="12" name="Connecteur droit 11">
+            <a:extLst>
+              <a:ext uri="{FF2B5EF4-FFF2-40B4-BE49-F238E27FC236}">
+                <a16:creationId xmlns:a16="http://schemas.microsoft.com/office/drawing/2014/main" id="{ECF5EADC-B572-A9F8-6D66-B76B8C74B875}"/>
+              </a:ext>
+            </a:extLst>
+          </p:cNvPr>
+          <p:cNvCxnSpPr>
+            <a:cxnSpLocks/>
+          </p:cNvCxnSpPr>
+          <p:nvPr/>
+        </p:nvCxnSpPr>
+        <p:spPr>
+          <a:xfrm flipV="1">
+            <a:off x="5465135" y="1942214"/>
+            <a:ext cx="1127051" cy="2449033"/>
+          </a:xfrm>
+          <a:prstGeom prst="line">
+            <a:avLst/>
+          </a:prstGeom>
+          <a:noFill/>
+          <a:ln w="28575">
+            <a:solidFill>
+              <a:srgbClr val="FF0000"/>
+            </a:solidFill>
+          </a:ln>
+        </p:spPr>
+        <p:style>
+          <a:lnRef idx="2">
+            <a:schemeClr val="accent1">
+              <a:shade val="15000"/>
+            </a:schemeClr>
+          </a:lnRef>
+          <a:fillRef idx="1">
+            <a:schemeClr val="accent1"/>
+          </a:fillRef>
+          <a:effectRef idx="0">
+            <a:schemeClr val="accent1"/>
+          </a:effectRef>
+          <a:fontRef idx="minor">
+            <a:schemeClr val="lt1"/>
+          </a:fontRef>
+        </p:style>
+      </p:cxnSp>
     </p:spTree>
     <p:extLst>
       <p:ext uri="{BB962C8B-B14F-4D97-AF65-F5344CB8AC3E}">
-        <p14:creationId xmlns:p14="http://schemas.microsoft.com/office/powerpoint/2010/main" val="1313361834"/>
+        <p14:creationId xmlns:p14="http://schemas.microsoft.com/office/powerpoint/2010/main" val="2183214917"/>
       </p:ext>
     </p:extLst>
   </p:cSld>
@@ -3145,11 +3351,13 @@
       </p:sp>
       <p:pic>
         <p:nvPicPr>
-          <p:cNvPr id="4" name="Image 3"/>
+          <p:cNvPr id="4" name="Espace réservé du contenu 3"/>
           <p:cNvPicPr>
-            <a:picLocks noChangeAspect="1"/>
+            <a:picLocks noGrp="1" noChangeAspect="1"/>
           </p:cNvPicPr>
-          <p:nvPr/>
+          <p:nvPr>
+            <p:ph idx="1"/>
+          </p:nvPr>
         </p:nvPicPr>
         <p:blipFill>
           <a:blip r:embed="rId2"/>
@@ -3159,8 +3367,8 @@
         </p:blipFill>
         <p:spPr>
           <a:xfrm>
-            <a:off x="559458" y="1811269"/>
-            <a:ext cx="5210902" cy="2534004"/>
+            <a:off x="2184110" y="1943607"/>
+            <a:ext cx="4551190" cy="4351338"/>
           </a:xfrm>
           <a:prstGeom prst="rect">
             <a:avLst/>
@@ -3183,8 +3391,8 @@
         </p:blipFill>
         <p:spPr>
           <a:xfrm>
-            <a:off x="6533477" y="365125"/>
-            <a:ext cx="4820323" cy="3057952"/>
+            <a:off x="8600691" y="1943607"/>
+            <a:ext cx="2753109" cy="2057687"/>
           </a:xfrm>
           <a:prstGeom prst="rect">
             <a:avLst/>
@@ -3207,8 +3415,8 @@
         </p:blipFill>
         <p:spPr>
           <a:xfrm>
-            <a:off x="6369407" y="2474458"/>
-            <a:ext cx="4839375" cy="3086531"/>
+            <a:off x="8734059" y="4254213"/>
+            <a:ext cx="2486372" cy="1495634"/>
           </a:xfrm>
           <a:prstGeom prst="rect">
             <a:avLst/>
@@ -3231,8 +3439,8 @@
         </p:blipFill>
         <p:spPr>
           <a:xfrm>
-            <a:off x="6736190" y="4115367"/>
-            <a:ext cx="4782217" cy="3086531"/>
+            <a:off x="569290" y="2987211"/>
+            <a:ext cx="1505160" cy="1267002"/>
           </a:xfrm>
           <a:prstGeom prst="rect">
             <a:avLst/>
@@ -3242,7 +3450,7 @@
     </p:spTree>
     <p:extLst>
       <p:ext uri="{BB962C8B-B14F-4D97-AF65-F5344CB8AC3E}">
-        <p14:creationId xmlns:p14="http://schemas.microsoft.com/office/powerpoint/2010/main" val="2784382801"/>
+        <p14:creationId xmlns:p14="http://schemas.microsoft.com/office/powerpoint/2010/main" val="1109150789"/>
       </p:ext>
     </p:extLst>
   </p:cSld>
@@ -3288,6 +3496,25 @@
           </a:p>
         </p:txBody>
       </p:sp>
+      <p:sp>
+        <p:nvSpPr>
+          <p:cNvPr id="3" name="Espace réservé du contenu 2"/>
+          <p:cNvSpPr>
+            <a:spLocks noGrp="1"/>
+          </p:cNvSpPr>
+          <p:nvPr>
+            <p:ph idx="1"/>
+          </p:nvPr>
+        </p:nvSpPr>
+        <p:spPr/>
+        <p:txBody>
+          <a:bodyPr/>
+          <a:lstStyle/>
+          <a:p>
+            <a:endParaRPr lang="fr-FR"/>
+          </a:p>
+        </p:txBody>
+      </p:sp>
       <p:pic>
         <p:nvPicPr>
           <p:cNvPr id="4" name="Image 3"/>
@@ -3304,104 +3531,8 @@
         </p:blipFill>
         <p:spPr>
           <a:xfrm>
-            <a:off x="218255" y="290317"/>
-            <a:ext cx="5877745" cy="2800741"/>
-          </a:xfrm>
-          <a:prstGeom prst="rect">
-            <a:avLst/>
-          </a:prstGeom>
-        </p:spPr>
-      </p:pic>
-      <p:pic>
-        <p:nvPicPr>
-          <p:cNvPr id="5" name="Image 4"/>
-          <p:cNvPicPr>
-            <a:picLocks noChangeAspect="1"/>
-          </p:cNvPicPr>
-          <p:nvPr/>
-        </p:nvPicPr>
-        <p:blipFill>
-          <a:blip r:embed="rId3"/>
-          <a:stretch>
-            <a:fillRect/>
-          </a:stretch>
-        </p:blipFill>
-        <p:spPr>
-          <a:xfrm>
-            <a:off x="481785" y="2979844"/>
-            <a:ext cx="5906324" cy="2781688"/>
-          </a:xfrm>
-          <a:prstGeom prst="rect">
-            <a:avLst/>
-          </a:prstGeom>
-        </p:spPr>
-      </p:pic>
-      <p:pic>
-        <p:nvPicPr>
-          <p:cNvPr id="6" name="Image 5"/>
-          <p:cNvPicPr>
-            <a:picLocks noChangeAspect="1"/>
-          </p:cNvPicPr>
-          <p:nvPr/>
-        </p:nvPicPr>
-        <p:blipFill>
-          <a:blip r:embed="rId4"/>
-          <a:stretch>
-            <a:fillRect/>
-          </a:stretch>
-        </p:blipFill>
-        <p:spPr>
-          <a:xfrm>
-            <a:off x="6283748" y="519376"/>
-            <a:ext cx="5896798" cy="2791215"/>
-          </a:xfrm>
-          <a:prstGeom prst="rect">
-            <a:avLst/>
-          </a:prstGeom>
-        </p:spPr>
-      </p:pic>
-      <p:pic>
-        <p:nvPicPr>
-          <p:cNvPr id="7" name="Image 6"/>
-          <p:cNvPicPr>
-            <a:picLocks noChangeAspect="1"/>
-          </p:cNvPicPr>
-          <p:nvPr/>
-        </p:nvPicPr>
-        <p:blipFill>
-          <a:blip r:embed="rId5"/>
-          <a:stretch>
-            <a:fillRect/>
-          </a:stretch>
-        </p:blipFill>
-        <p:spPr>
-          <a:xfrm>
-            <a:off x="6611864" y="3197612"/>
-            <a:ext cx="5858693" cy="2676899"/>
-          </a:xfrm>
-          <a:prstGeom prst="rect">
-            <a:avLst/>
-          </a:prstGeom>
-        </p:spPr>
-      </p:pic>
-      <p:pic>
-        <p:nvPicPr>
-          <p:cNvPr id="8" name="Image 7"/>
-          <p:cNvPicPr>
-            <a:picLocks noChangeAspect="1"/>
-          </p:cNvPicPr>
-          <p:nvPr/>
-        </p:nvPicPr>
-        <p:blipFill>
-          <a:blip r:embed="rId6"/>
-          <a:stretch>
-            <a:fillRect/>
-          </a:stretch>
-        </p:blipFill>
-        <p:spPr>
-          <a:xfrm>
-            <a:off x="4274464" y="5674133"/>
-            <a:ext cx="5887272" cy="2753109"/>
+            <a:off x="1318546" y="-248163"/>
+            <a:ext cx="9554908" cy="7354326"/>
           </a:xfrm>
           <a:prstGeom prst="rect">
             <a:avLst/>
@@ -3411,7 +3542,7 @@
     </p:spTree>
     <p:extLst>
       <p:ext uri="{BB962C8B-B14F-4D97-AF65-F5344CB8AC3E}">
-        <p14:creationId xmlns:p14="http://schemas.microsoft.com/office/powerpoint/2010/main" val="800606105"/>
+        <p14:creationId xmlns:p14="http://schemas.microsoft.com/office/powerpoint/2010/main" val="1313361834"/>
       </p:ext>
     </p:extLst>
   </p:cSld>
@@ -3473,6 +3604,320 @@
         </p:blipFill>
         <p:spPr>
           <a:xfrm>
+            <a:off x="559458" y="1811269"/>
+            <a:ext cx="5210902" cy="2534004"/>
+          </a:xfrm>
+          <a:prstGeom prst="rect">
+            <a:avLst/>
+          </a:prstGeom>
+        </p:spPr>
+      </p:pic>
+      <p:pic>
+        <p:nvPicPr>
+          <p:cNvPr id="5" name="Image 4"/>
+          <p:cNvPicPr>
+            <a:picLocks noChangeAspect="1"/>
+          </p:cNvPicPr>
+          <p:nvPr/>
+        </p:nvPicPr>
+        <p:blipFill>
+          <a:blip r:embed="rId3"/>
+          <a:stretch>
+            <a:fillRect/>
+          </a:stretch>
+        </p:blipFill>
+        <p:spPr>
+          <a:xfrm>
+            <a:off x="6533477" y="365125"/>
+            <a:ext cx="4820323" cy="3057952"/>
+          </a:xfrm>
+          <a:prstGeom prst="rect">
+            <a:avLst/>
+          </a:prstGeom>
+        </p:spPr>
+      </p:pic>
+      <p:pic>
+        <p:nvPicPr>
+          <p:cNvPr id="6" name="Image 5"/>
+          <p:cNvPicPr>
+            <a:picLocks noChangeAspect="1"/>
+          </p:cNvPicPr>
+          <p:nvPr/>
+        </p:nvPicPr>
+        <p:blipFill>
+          <a:blip r:embed="rId4"/>
+          <a:stretch>
+            <a:fillRect/>
+          </a:stretch>
+        </p:blipFill>
+        <p:spPr>
+          <a:xfrm>
+            <a:off x="6369407" y="2474458"/>
+            <a:ext cx="4839375" cy="3086531"/>
+          </a:xfrm>
+          <a:prstGeom prst="rect">
+            <a:avLst/>
+          </a:prstGeom>
+        </p:spPr>
+      </p:pic>
+      <p:pic>
+        <p:nvPicPr>
+          <p:cNvPr id="7" name="Image 6"/>
+          <p:cNvPicPr>
+            <a:picLocks noChangeAspect="1"/>
+          </p:cNvPicPr>
+          <p:nvPr/>
+        </p:nvPicPr>
+        <p:blipFill>
+          <a:blip r:embed="rId5"/>
+          <a:stretch>
+            <a:fillRect/>
+          </a:stretch>
+        </p:blipFill>
+        <p:spPr>
+          <a:xfrm>
+            <a:off x="6736190" y="4115367"/>
+            <a:ext cx="4782217" cy="3086531"/>
+          </a:xfrm>
+          <a:prstGeom prst="rect">
+            <a:avLst/>
+          </a:prstGeom>
+        </p:spPr>
+      </p:pic>
+    </p:spTree>
+    <p:extLst>
+      <p:ext uri="{BB962C8B-B14F-4D97-AF65-F5344CB8AC3E}">
+        <p14:creationId xmlns:p14="http://schemas.microsoft.com/office/powerpoint/2010/main" val="2784382801"/>
+      </p:ext>
+    </p:extLst>
+  </p:cSld>
+  <p:clrMapOvr>
+    <a:masterClrMapping/>
+  </p:clrMapOvr>
+</p:sld>
+</file>
+
+<file path=ppt/slides/slide14.xml><?xml version="1.0" encoding="utf-8"?>
+<p:sld xmlns:a="http://schemas.openxmlformats.org/drawingml/2006/main" xmlns:r="http://schemas.openxmlformats.org/officeDocument/2006/relationships" xmlns:p="http://schemas.openxmlformats.org/presentationml/2006/main">
+  <p:cSld>
+    <p:spTree>
+      <p:nvGrpSpPr>
+        <p:cNvPr id="1" name=""/>
+        <p:cNvGrpSpPr/>
+        <p:nvPr/>
+      </p:nvGrpSpPr>
+      <p:grpSpPr>
+        <a:xfrm>
+          <a:off x="0" y="0"/>
+          <a:ext cx="0" cy="0"/>
+          <a:chOff x="0" y="0"/>
+          <a:chExt cx="0" cy="0"/>
+        </a:xfrm>
+      </p:grpSpPr>
+      <p:sp>
+        <p:nvSpPr>
+          <p:cNvPr id="2" name="Titre 1"/>
+          <p:cNvSpPr>
+            <a:spLocks noGrp="1"/>
+          </p:cNvSpPr>
+          <p:nvPr>
+            <p:ph type="title"/>
+          </p:nvPr>
+        </p:nvSpPr>
+        <p:spPr/>
+        <p:txBody>
+          <a:bodyPr/>
+          <a:lstStyle/>
+          <a:p>
+            <a:endParaRPr lang="fr-FR"/>
+          </a:p>
+        </p:txBody>
+      </p:sp>
+      <p:pic>
+        <p:nvPicPr>
+          <p:cNvPr id="4" name="Image 3"/>
+          <p:cNvPicPr>
+            <a:picLocks noChangeAspect="1"/>
+          </p:cNvPicPr>
+          <p:nvPr/>
+        </p:nvPicPr>
+        <p:blipFill>
+          <a:blip r:embed="rId2"/>
+          <a:stretch>
+            <a:fillRect/>
+          </a:stretch>
+        </p:blipFill>
+        <p:spPr>
+          <a:xfrm>
+            <a:off x="218255" y="290317"/>
+            <a:ext cx="5877745" cy="2800741"/>
+          </a:xfrm>
+          <a:prstGeom prst="rect">
+            <a:avLst/>
+          </a:prstGeom>
+        </p:spPr>
+      </p:pic>
+      <p:pic>
+        <p:nvPicPr>
+          <p:cNvPr id="5" name="Image 4"/>
+          <p:cNvPicPr>
+            <a:picLocks noChangeAspect="1"/>
+          </p:cNvPicPr>
+          <p:nvPr/>
+        </p:nvPicPr>
+        <p:blipFill>
+          <a:blip r:embed="rId3"/>
+          <a:stretch>
+            <a:fillRect/>
+          </a:stretch>
+        </p:blipFill>
+        <p:spPr>
+          <a:xfrm>
+            <a:off x="481785" y="2979844"/>
+            <a:ext cx="5906324" cy="2781688"/>
+          </a:xfrm>
+          <a:prstGeom prst="rect">
+            <a:avLst/>
+          </a:prstGeom>
+        </p:spPr>
+      </p:pic>
+      <p:pic>
+        <p:nvPicPr>
+          <p:cNvPr id="6" name="Image 5"/>
+          <p:cNvPicPr>
+            <a:picLocks noChangeAspect="1"/>
+          </p:cNvPicPr>
+          <p:nvPr/>
+        </p:nvPicPr>
+        <p:blipFill>
+          <a:blip r:embed="rId4"/>
+          <a:stretch>
+            <a:fillRect/>
+          </a:stretch>
+        </p:blipFill>
+        <p:spPr>
+          <a:xfrm>
+            <a:off x="6283748" y="519376"/>
+            <a:ext cx="5896798" cy="2791215"/>
+          </a:xfrm>
+          <a:prstGeom prst="rect">
+            <a:avLst/>
+          </a:prstGeom>
+        </p:spPr>
+      </p:pic>
+      <p:pic>
+        <p:nvPicPr>
+          <p:cNvPr id="7" name="Image 6"/>
+          <p:cNvPicPr>
+            <a:picLocks noChangeAspect="1"/>
+          </p:cNvPicPr>
+          <p:nvPr/>
+        </p:nvPicPr>
+        <p:blipFill>
+          <a:blip r:embed="rId5"/>
+          <a:stretch>
+            <a:fillRect/>
+          </a:stretch>
+        </p:blipFill>
+        <p:spPr>
+          <a:xfrm>
+            <a:off x="6611864" y="3197612"/>
+            <a:ext cx="5858693" cy="2676899"/>
+          </a:xfrm>
+          <a:prstGeom prst="rect">
+            <a:avLst/>
+          </a:prstGeom>
+        </p:spPr>
+      </p:pic>
+      <p:pic>
+        <p:nvPicPr>
+          <p:cNvPr id="8" name="Image 7"/>
+          <p:cNvPicPr>
+            <a:picLocks noChangeAspect="1"/>
+          </p:cNvPicPr>
+          <p:nvPr/>
+        </p:nvPicPr>
+        <p:blipFill>
+          <a:blip r:embed="rId6"/>
+          <a:stretch>
+            <a:fillRect/>
+          </a:stretch>
+        </p:blipFill>
+        <p:spPr>
+          <a:xfrm>
+            <a:off x="4274464" y="5674133"/>
+            <a:ext cx="5887272" cy="2753109"/>
+          </a:xfrm>
+          <a:prstGeom prst="rect">
+            <a:avLst/>
+          </a:prstGeom>
+        </p:spPr>
+      </p:pic>
+    </p:spTree>
+    <p:extLst>
+      <p:ext uri="{BB962C8B-B14F-4D97-AF65-F5344CB8AC3E}">
+        <p14:creationId xmlns:p14="http://schemas.microsoft.com/office/powerpoint/2010/main" val="800606105"/>
+      </p:ext>
+    </p:extLst>
+  </p:cSld>
+  <p:clrMapOvr>
+    <a:masterClrMapping/>
+  </p:clrMapOvr>
+</p:sld>
+</file>
+
+<file path=ppt/slides/slide15.xml><?xml version="1.0" encoding="utf-8"?>
+<p:sld xmlns:a="http://schemas.openxmlformats.org/drawingml/2006/main" xmlns:r="http://schemas.openxmlformats.org/officeDocument/2006/relationships" xmlns:p="http://schemas.openxmlformats.org/presentationml/2006/main">
+  <p:cSld>
+    <p:spTree>
+      <p:nvGrpSpPr>
+        <p:cNvPr id="1" name=""/>
+        <p:cNvGrpSpPr/>
+        <p:nvPr/>
+      </p:nvGrpSpPr>
+      <p:grpSpPr>
+        <a:xfrm>
+          <a:off x="0" y="0"/>
+          <a:ext cx="0" cy="0"/>
+          <a:chOff x="0" y="0"/>
+          <a:chExt cx="0" cy="0"/>
+        </a:xfrm>
+      </p:grpSpPr>
+      <p:sp>
+        <p:nvSpPr>
+          <p:cNvPr id="2" name="Titre 1"/>
+          <p:cNvSpPr>
+            <a:spLocks noGrp="1"/>
+          </p:cNvSpPr>
+          <p:nvPr>
+            <p:ph type="title"/>
+          </p:nvPr>
+        </p:nvSpPr>
+        <p:spPr/>
+        <p:txBody>
+          <a:bodyPr/>
+          <a:lstStyle/>
+          <a:p>
+            <a:endParaRPr lang="fr-FR"/>
+          </a:p>
+        </p:txBody>
+      </p:sp>
+      <p:pic>
+        <p:nvPicPr>
+          <p:cNvPr id="4" name="Image 3"/>
+          <p:cNvPicPr>
+            <a:picLocks noChangeAspect="1"/>
+          </p:cNvPicPr>
+          <p:nvPr/>
+        </p:nvPicPr>
+        <p:blipFill>
+          <a:blip r:embed="rId2"/>
+          <a:stretch>
+            <a:fillRect/>
+          </a:stretch>
+        </p:blipFill>
+        <p:spPr>
+          <a:xfrm>
             <a:off x="2690337" y="290074"/>
             <a:ext cx="6811326" cy="6277851"/>
           </a:xfrm>
@@ -3494,7 +3939,7 @@
 </p:sld>
 </file>
 
-<file path=ppt/slides/slide14.xml><?xml version="1.0" encoding="utf-8"?>
+<file path=ppt/slides/slide16.xml><?xml version="1.0" encoding="utf-8"?>
 <p:sld xmlns:a="http://schemas.openxmlformats.org/drawingml/2006/main" xmlns:r="http://schemas.openxmlformats.org/officeDocument/2006/relationships" xmlns:p="http://schemas.openxmlformats.org/presentationml/2006/main">
   <p:cSld>
     <p:spTree>
@@ -5834,7 +6279,7 @@
 </p:sld>
 </file>
 
-<file path=ppt/slides/slide15.xml><?xml version="1.0" encoding="utf-8"?>
+<file path=ppt/slides/slide17.xml><?xml version="1.0" encoding="utf-8"?>
 <p:sld xmlns:a="http://schemas.openxmlformats.org/drawingml/2006/main" xmlns:r="http://schemas.openxmlformats.org/officeDocument/2006/relationships" xmlns:p="http://schemas.openxmlformats.org/presentationml/2006/main">
   <p:cSld>
     <p:spTree>
@@ -8678,7 +9123,7 @@
 </p:sld>
 </file>
 
-<file path=ppt/slides/slide16.xml><?xml version="1.0" encoding="utf-8"?>
+<file path=ppt/slides/slide18.xml><?xml version="1.0" encoding="utf-8"?>
 <p:sld xmlns:a="http://schemas.openxmlformats.org/drawingml/2006/main" xmlns:r="http://schemas.openxmlformats.org/officeDocument/2006/relationships" xmlns:p="http://schemas.openxmlformats.org/presentationml/2006/main">
   <p:cSld>
     <p:spTree>
@@ -8770,7 +9215,7 @@
 </p:sld>
 </file>
 
-<file path=ppt/slides/slide17.xml><?xml version="1.0" encoding="utf-8"?>
+<file path=ppt/slides/slide19.xml><?xml version="1.0" encoding="utf-8"?>
 <p:sld xmlns:a="http://schemas.openxmlformats.org/drawingml/2006/main" xmlns:r="http://schemas.openxmlformats.org/officeDocument/2006/relationships" xmlns:p="http://schemas.openxmlformats.org/presentationml/2006/main">
   <p:cSld>
     <p:spTree>
@@ -9037,32 +9482,8 @@
         </p:blipFill>
         <p:spPr>
           <a:xfrm>
-            <a:off x="1499615" y="2818357"/>
-            <a:ext cx="2278402" cy="1747380"/>
-          </a:xfrm>
-          <a:prstGeom prst="rect">
-            <a:avLst/>
-          </a:prstGeom>
-        </p:spPr>
-      </p:pic>
-      <p:pic>
-        <p:nvPicPr>
-          <p:cNvPr id="5" name="Image 4"/>
-          <p:cNvPicPr>
-            <a:picLocks noChangeAspect="1"/>
-          </p:cNvPicPr>
-          <p:nvPr/>
-        </p:nvPicPr>
-        <p:blipFill>
-          <a:blip r:embed="rId3"/>
-          <a:stretch>
-            <a:fillRect/>
-          </a:stretch>
-        </p:blipFill>
-        <p:spPr>
-          <a:xfrm>
-            <a:off x="3995444" y="2619262"/>
-            <a:ext cx="4201111" cy="1619476"/>
+            <a:off x="1328072" y="-219584"/>
+            <a:ext cx="9535856" cy="7297168"/>
           </a:xfrm>
           <a:prstGeom prst="rect">
             <a:avLst/>
@@ -9072,7 +9493,7 @@
     </p:spTree>
     <p:extLst>
       <p:ext uri="{BB962C8B-B14F-4D97-AF65-F5344CB8AC3E}">
-        <p14:creationId xmlns:p14="http://schemas.microsoft.com/office/powerpoint/2010/main" val="2853595170"/>
+        <p14:creationId xmlns:p14="http://schemas.microsoft.com/office/powerpoint/2010/main" val="591815811"/>
       </p:ext>
     </p:extLst>
   </p:cSld>
@@ -9114,17 +9535,19 @@
           <a:bodyPr/>
           <a:lstStyle/>
           <a:p>
-            <a:endParaRPr lang="fr-FR"/>
+            <a:endParaRPr lang="fr-FR" dirty="0"/>
           </a:p>
         </p:txBody>
       </p:sp>
       <p:pic>
         <p:nvPicPr>
-          <p:cNvPr id="4" name="Image 3"/>
+          <p:cNvPr id="4" name="Espace réservé du contenu 3"/>
           <p:cNvPicPr>
-            <a:picLocks noChangeAspect="1"/>
+            <a:picLocks noGrp="1" noChangeAspect="1"/>
           </p:cNvPicPr>
-          <p:nvPr/>
+          <p:nvPr>
+            <p:ph idx="1"/>
+          </p:nvPr>
         </p:nvPicPr>
         <p:blipFill>
           <a:blip r:embed="rId2"/>
@@ -9134,8 +9557,80 @@
         </p:blipFill>
         <p:spPr>
           <a:xfrm>
-            <a:off x="1328072" y="-219584"/>
-            <a:ext cx="9535856" cy="7297168"/>
+            <a:off x="2184110" y="1943607"/>
+            <a:ext cx="4551190" cy="4351338"/>
+          </a:xfrm>
+          <a:prstGeom prst="rect">
+            <a:avLst/>
+          </a:prstGeom>
+        </p:spPr>
+      </p:pic>
+      <p:pic>
+        <p:nvPicPr>
+          <p:cNvPr id="5" name="Image 4"/>
+          <p:cNvPicPr>
+            <a:picLocks noChangeAspect="1"/>
+          </p:cNvPicPr>
+          <p:nvPr/>
+        </p:nvPicPr>
+        <p:blipFill>
+          <a:blip r:embed="rId3"/>
+          <a:stretch>
+            <a:fillRect/>
+          </a:stretch>
+        </p:blipFill>
+        <p:spPr>
+          <a:xfrm>
+            <a:off x="8600691" y="1943607"/>
+            <a:ext cx="2753109" cy="2057687"/>
+          </a:xfrm>
+          <a:prstGeom prst="rect">
+            <a:avLst/>
+          </a:prstGeom>
+        </p:spPr>
+      </p:pic>
+      <p:pic>
+        <p:nvPicPr>
+          <p:cNvPr id="6" name="Image 5"/>
+          <p:cNvPicPr>
+            <a:picLocks noChangeAspect="1"/>
+          </p:cNvPicPr>
+          <p:nvPr/>
+        </p:nvPicPr>
+        <p:blipFill>
+          <a:blip r:embed="rId4"/>
+          <a:stretch>
+            <a:fillRect/>
+          </a:stretch>
+        </p:blipFill>
+        <p:spPr>
+          <a:xfrm>
+            <a:off x="8734059" y="4254213"/>
+            <a:ext cx="2486372" cy="1495634"/>
+          </a:xfrm>
+          <a:prstGeom prst="rect">
+            <a:avLst/>
+          </a:prstGeom>
+        </p:spPr>
+      </p:pic>
+      <p:pic>
+        <p:nvPicPr>
+          <p:cNvPr id="7" name="Image 6"/>
+          <p:cNvPicPr>
+            <a:picLocks noChangeAspect="1"/>
+          </p:cNvPicPr>
+          <p:nvPr/>
+        </p:nvPicPr>
+        <p:blipFill>
+          <a:blip r:embed="rId5"/>
+          <a:stretch>
+            <a:fillRect/>
+          </a:stretch>
+        </p:blipFill>
+        <p:spPr>
+          <a:xfrm>
+            <a:off x="569290" y="2987211"/>
+            <a:ext cx="1505160" cy="1267002"/>
           </a:xfrm>
           <a:prstGeom prst="rect">
             <a:avLst/>
@@ -9145,7 +9640,7 @@
     </p:spTree>
     <p:extLst>
       <p:ext uri="{BB962C8B-B14F-4D97-AF65-F5344CB8AC3E}">
-        <p14:creationId xmlns:p14="http://schemas.microsoft.com/office/powerpoint/2010/main" val="591815811"/>
+        <p14:creationId xmlns:p14="http://schemas.microsoft.com/office/powerpoint/2010/main" val="859190109"/>
       </p:ext>
     </p:extLst>
   </p:cSld>
@@ -9188,20 +9683,144 @@
         </p:blipFill>
         <p:spPr>
           <a:xfrm>
-            <a:off x="2675823" y="2124384"/>
-            <a:ext cx="6185836" cy="4733616"/>
+            <a:off x="403038" y="567476"/>
+            <a:ext cx="4680000" cy="3581295"/>
           </a:xfrm>
           <a:prstGeom prst="rect">
             <a:avLst/>
           </a:prstGeom>
         </p:spPr>
       </p:pic>
+      <p:cxnSp>
+        <p:nvCxnSpPr>
+          <p:cNvPr id="11" name="Connecteur droit 10">
+            <a:extLst>
+              <a:ext uri="{FF2B5EF4-FFF2-40B4-BE49-F238E27FC236}">
+                <a16:creationId xmlns:a16="http://schemas.microsoft.com/office/drawing/2014/main" id="{7C52CF6F-9D5B-9752-B601-E654D261F755}"/>
+              </a:ext>
+            </a:extLst>
+          </p:cNvPr>
+          <p:cNvCxnSpPr>
+            <a:cxnSpLocks/>
+          </p:cNvCxnSpPr>
+          <p:nvPr/>
+        </p:nvCxnSpPr>
+        <p:spPr>
+          <a:xfrm>
+            <a:off x="4235450" y="1149350"/>
+            <a:ext cx="5011798" cy="2999417"/>
+          </a:xfrm>
+          <a:prstGeom prst="line">
+            <a:avLst/>
+          </a:prstGeom>
+          <a:noFill/>
+          <a:ln w="28575">
+            <a:solidFill>
+              <a:srgbClr val="FF0000"/>
+            </a:solidFill>
+          </a:ln>
+        </p:spPr>
+        <p:style>
+          <a:lnRef idx="2">
+            <a:schemeClr val="accent1">
+              <a:shade val="15000"/>
+            </a:schemeClr>
+          </a:lnRef>
+          <a:fillRef idx="1">
+            <a:schemeClr val="accent1"/>
+          </a:fillRef>
+          <a:effectRef idx="0">
+            <a:schemeClr val="accent1"/>
+          </a:effectRef>
+          <a:fontRef idx="minor">
+            <a:schemeClr val="lt1"/>
+          </a:fontRef>
+        </p:style>
+      </p:cxnSp>
+      <p:cxnSp>
+        <p:nvCxnSpPr>
+          <p:cNvPr id="14" name="Connecteur droit 13">
+            <a:extLst>
+              <a:ext uri="{FF2B5EF4-FFF2-40B4-BE49-F238E27FC236}">
+                <a16:creationId xmlns:a16="http://schemas.microsoft.com/office/drawing/2014/main" id="{85031B80-EE42-5EFC-19D8-7B92B1681FEE}"/>
+              </a:ext>
+            </a:extLst>
+          </p:cNvPr>
+          <p:cNvCxnSpPr>
+            <a:cxnSpLocks/>
+          </p:cNvCxnSpPr>
+          <p:nvPr/>
+        </p:nvCxnSpPr>
+        <p:spPr>
+          <a:xfrm flipV="1">
+            <a:off x="4235450" y="567472"/>
+            <a:ext cx="5011798" cy="385465"/>
+          </a:xfrm>
+          <a:prstGeom prst="line">
+            <a:avLst/>
+          </a:prstGeom>
+          <a:noFill/>
+          <a:ln w="28575">
+            <a:solidFill>
+              <a:srgbClr val="FF0000"/>
+            </a:solidFill>
+          </a:ln>
+        </p:spPr>
+        <p:style>
+          <a:lnRef idx="2">
+            <a:schemeClr val="accent1">
+              <a:shade val="15000"/>
+            </a:schemeClr>
+          </a:lnRef>
+          <a:fillRef idx="1">
+            <a:schemeClr val="accent1"/>
+          </a:fillRef>
+          <a:effectRef idx="0">
+            <a:schemeClr val="accent1"/>
+          </a:effectRef>
+          <a:fontRef idx="minor">
+            <a:schemeClr val="lt1"/>
+          </a:fontRef>
+        </p:style>
+      </p:cxnSp>
+      <p:pic>
+        <p:nvPicPr>
+          <p:cNvPr id="3" name="Espace réservé du contenu 3">
+            <a:extLst>
+              <a:ext uri="{FF2B5EF4-FFF2-40B4-BE49-F238E27FC236}">
+                <a16:creationId xmlns:a16="http://schemas.microsoft.com/office/drawing/2014/main" id="{9598DEB6-F0A7-1C14-3588-22BA9B0E1599}"/>
+              </a:ext>
+            </a:extLst>
+          </p:cNvPr>
+          <p:cNvPicPr>
+            <a:picLocks noGrp="1" noChangeAspect="1"/>
+          </p:cNvPicPr>
+          <p:nvPr>
+            <p:ph idx="1"/>
+          </p:nvPr>
+        </p:nvPicPr>
+        <p:blipFill>
+          <a:blip r:embed="rId3"/>
+          <a:stretch>
+            <a:fillRect/>
+          </a:stretch>
+        </p:blipFill>
+        <p:spPr>
+          <a:xfrm>
+            <a:off x="5501468" y="567476"/>
+            <a:ext cx="3745780" cy="3581295"/>
+          </a:xfrm>
+          <a:prstGeom prst="rect">
+            <a:avLst/>
+          </a:prstGeom>
+        </p:spPr>
+      </p:pic>
       <p:sp>
         <p:nvSpPr>
-          <p:cNvPr id="3" name="Rectangle 2">
+          <p:cNvPr id="6" name="Rectangle 5">
             <a:extLst>
               <a:ext uri="{FF2B5EF4-FFF2-40B4-BE49-F238E27FC236}">
-                <a16:creationId xmlns:a16="http://schemas.microsoft.com/office/drawing/2014/main" id="{CAD9E680-DD10-0D53-7EF0-69132C583748}"/>
+                <a16:creationId xmlns:a16="http://schemas.microsoft.com/office/drawing/2014/main" id="{8137F8AF-E3F8-ACE5-4825-1EF0BF4A0E7A}"/>
               </a:ext>
             </a:extLst>
           </p:cNvPr>
@@ -9210,8 +9829,8 @@
         </p:nvSpPr>
         <p:spPr>
           <a:xfrm>
-            <a:off x="3297623" y="2931192"/>
-            <a:ext cx="4566217" cy="264396"/>
+            <a:off x="4031243" y="952937"/>
+            <a:ext cx="204207" cy="196413"/>
           </a:xfrm>
           <a:prstGeom prst="rect">
             <a:avLst/>
@@ -9250,10 +9869,10 @@
       </p:sp>
       <p:sp>
         <p:nvSpPr>
-          <p:cNvPr id="5" name="Ellipse 4">
+          <p:cNvPr id="7" name="Ellipse 6">
             <a:extLst>
               <a:ext uri="{FF2B5EF4-FFF2-40B4-BE49-F238E27FC236}">
-                <a16:creationId xmlns:a16="http://schemas.microsoft.com/office/drawing/2014/main" id="{22EAA47E-34A5-91B5-3435-C430914F8AD6}"/>
+                <a16:creationId xmlns:a16="http://schemas.microsoft.com/office/drawing/2014/main" id="{840D2BF0-56A7-68C1-4BEB-ACD49D9F4C19}"/>
               </a:ext>
             </a:extLst>
           </p:cNvPr>
@@ -9262,7 +9881,7 @@
         </p:nvSpPr>
         <p:spPr>
           <a:xfrm>
-            <a:off x="5021345" y="2532692"/>
+            <a:off x="3953346" y="464962"/>
             <a:ext cx="360000" cy="360000"/>
           </a:xfrm>
           <a:prstGeom prst="ellipse">
@@ -9311,10 +9930,10 @@
       </p:sp>
       <p:sp>
         <p:nvSpPr>
-          <p:cNvPr id="6" name="Ellipse 5">
+          <p:cNvPr id="8" name="Ellipse 7">
             <a:extLst>
               <a:ext uri="{FF2B5EF4-FFF2-40B4-BE49-F238E27FC236}">
-                <a16:creationId xmlns:a16="http://schemas.microsoft.com/office/drawing/2014/main" id="{E10E2E4F-49D6-7F6E-A225-6A566A4CFBAA}"/>
+                <a16:creationId xmlns:a16="http://schemas.microsoft.com/office/drawing/2014/main" id="{87A6ECA1-72F8-E69D-C3FD-739765880811}"/>
               </a:ext>
             </a:extLst>
           </p:cNvPr>
@@ -9323,7 +9942,7 @@
         </p:nvSpPr>
         <p:spPr>
           <a:xfrm>
-            <a:off x="6396196" y="2532692"/>
+            <a:off x="5632292" y="1224494"/>
             <a:ext cx="360000" cy="360000"/>
           </a:xfrm>
           <a:prstGeom prst="ellipse">
@@ -9372,10 +9991,10 @@
       </p:sp>
       <p:sp>
         <p:nvSpPr>
-          <p:cNvPr id="7" name="Ellipse 6">
+          <p:cNvPr id="9" name="Ellipse 8">
             <a:extLst>
               <a:ext uri="{FF2B5EF4-FFF2-40B4-BE49-F238E27FC236}">
-                <a16:creationId xmlns:a16="http://schemas.microsoft.com/office/drawing/2014/main" id="{EAF51C26-F7D4-B1C4-1513-B91DF1CF8E69}"/>
+                <a16:creationId xmlns:a16="http://schemas.microsoft.com/office/drawing/2014/main" id="{1BAAC4E0-E5B9-E691-F4DC-5D4E7E72C5A1}"/>
               </a:ext>
             </a:extLst>
           </p:cNvPr>
@@ -9384,7 +10003,7 @@
         </p:nvSpPr>
         <p:spPr>
           <a:xfrm>
-            <a:off x="7268927" y="2532692"/>
+            <a:off x="6465243" y="3075369"/>
             <a:ext cx="360000" cy="360000"/>
           </a:xfrm>
           <a:prstGeom prst="ellipse">
@@ -9426,7 +10045,653 @@
                   <a:srgbClr val="FF0000"/>
                 </a:solidFill>
               </a:rPr>
-              <a:t>2</a:t>
+              <a:t>5</a:t>
+            </a:r>
+          </a:p>
+        </p:txBody>
+      </p:sp>
+      <p:sp>
+        <p:nvSpPr>
+          <p:cNvPr id="10" name="Rectangle 9">
+            <a:extLst>
+              <a:ext uri="{FF2B5EF4-FFF2-40B4-BE49-F238E27FC236}">
+                <a16:creationId xmlns:a16="http://schemas.microsoft.com/office/drawing/2014/main" id="{A9AC479B-EE44-85B6-A4DE-9DFD9F5DE7C3}"/>
+              </a:ext>
+            </a:extLst>
+          </p:cNvPr>
+          <p:cNvSpPr/>
+          <p:nvPr/>
+        </p:nvSpPr>
+        <p:spPr>
+          <a:xfrm flipV="1">
+            <a:off x="5501468" y="567472"/>
+            <a:ext cx="3745780" cy="3581295"/>
+          </a:xfrm>
+          <a:prstGeom prst="rect">
+            <a:avLst/>
+          </a:prstGeom>
+          <a:noFill/>
+          <a:ln w="28575">
+            <a:solidFill>
+              <a:srgbClr val="FF0000"/>
+            </a:solidFill>
+          </a:ln>
+        </p:spPr>
+        <p:style>
+          <a:lnRef idx="2">
+            <a:schemeClr val="accent1">
+              <a:shade val="15000"/>
+            </a:schemeClr>
+          </a:lnRef>
+          <a:fillRef idx="1">
+            <a:schemeClr val="accent1"/>
+          </a:fillRef>
+          <a:effectRef idx="0">
+            <a:schemeClr val="accent1"/>
+          </a:effectRef>
+          <a:fontRef idx="minor">
+            <a:schemeClr val="lt1"/>
+          </a:fontRef>
+        </p:style>
+        <p:txBody>
+          <a:bodyPr rtlCol="0" anchor="ctr"/>
+          <a:lstStyle/>
+          <a:p>
+            <a:pPr algn="ctr"/>
+            <a:endParaRPr lang="fr-FR"/>
+          </a:p>
+        </p:txBody>
+      </p:sp>
+      <p:cxnSp>
+        <p:nvCxnSpPr>
+          <p:cNvPr id="18" name="Connecteur droit 17">
+            <a:extLst>
+              <a:ext uri="{FF2B5EF4-FFF2-40B4-BE49-F238E27FC236}">
+                <a16:creationId xmlns:a16="http://schemas.microsoft.com/office/drawing/2014/main" id="{EE55D8C0-5B8E-9396-736E-02F1300658E8}"/>
+              </a:ext>
+            </a:extLst>
+          </p:cNvPr>
+          <p:cNvCxnSpPr>
+            <a:cxnSpLocks/>
+          </p:cNvCxnSpPr>
+          <p:nvPr/>
+        </p:nvCxnSpPr>
+        <p:spPr>
+          <a:xfrm>
+            <a:off x="4031243" y="1149350"/>
+            <a:ext cx="1470225" cy="2999417"/>
+          </a:xfrm>
+          <a:prstGeom prst="line">
+            <a:avLst/>
+          </a:prstGeom>
+          <a:noFill/>
+          <a:ln w="28575">
+            <a:solidFill>
+              <a:srgbClr val="FF0000"/>
+            </a:solidFill>
+          </a:ln>
+        </p:spPr>
+        <p:style>
+          <a:lnRef idx="2">
+            <a:schemeClr val="accent1">
+              <a:shade val="15000"/>
+            </a:schemeClr>
+          </a:lnRef>
+          <a:fillRef idx="1">
+            <a:schemeClr val="accent1"/>
+          </a:fillRef>
+          <a:effectRef idx="0">
+            <a:schemeClr val="accent1"/>
+          </a:effectRef>
+          <a:fontRef idx="minor">
+            <a:schemeClr val="lt1"/>
+          </a:fontRef>
+        </p:style>
+      </p:cxnSp>
+      <p:cxnSp>
+        <p:nvCxnSpPr>
+          <p:cNvPr id="21" name="Connecteur droit 20">
+            <a:extLst>
+              <a:ext uri="{FF2B5EF4-FFF2-40B4-BE49-F238E27FC236}">
+                <a16:creationId xmlns:a16="http://schemas.microsoft.com/office/drawing/2014/main" id="{108C2C09-2779-F44F-3384-E62686AD5BDB}"/>
+              </a:ext>
+            </a:extLst>
+          </p:cNvPr>
+          <p:cNvCxnSpPr>
+            <a:cxnSpLocks/>
+          </p:cNvCxnSpPr>
+          <p:nvPr/>
+        </p:nvCxnSpPr>
+        <p:spPr>
+          <a:xfrm flipV="1">
+            <a:off x="4031243" y="567472"/>
+            <a:ext cx="1470225" cy="385465"/>
+          </a:xfrm>
+          <a:prstGeom prst="line">
+            <a:avLst/>
+          </a:prstGeom>
+          <a:noFill/>
+          <a:ln w="28575">
+            <a:solidFill>
+              <a:srgbClr val="FF0000"/>
+            </a:solidFill>
+          </a:ln>
+        </p:spPr>
+        <p:style>
+          <a:lnRef idx="2">
+            <a:schemeClr val="accent1">
+              <a:shade val="15000"/>
+            </a:schemeClr>
+          </a:lnRef>
+          <a:fillRef idx="1">
+            <a:schemeClr val="accent1"/>
+          </a:fillRef>
+          <a:effectRef idx="0">
+            <a:schemeClr val="accent1"/>
+          </a:effectRef>
+          <a:fontRef idx="minor">
+            <a:schemeClr val="lt1"/>
+          </a:fontRef>
+        </p:style>
+      </p:cxnSp>
+      <p:sp>
+        <p:nvSpPr>
+          <p:cNvPr id="24" name="Rectangle 23">
+            <a:extLst>
+              <a:ext uri="{FF2B5EF4-FFF2-40B4-BE49-F238E27FC236}">
+                <a16:creationId xmlns:a16="http://schemas.microsoft.com/office/drawing/2014/main" id="{063D5E34-7A62-140F-B0DB-8F2A36D33E18}"/>
+              </a:ext>
+            </a:extLst>
+          </p:cNvPr>
+          <p:cNvSpPr/>
+          <p:nvPr/>
+        </p:nvSpPr>
+        <p:spPr>
+          <a:xfrm flipV="1">
+            <a:off x="6000750" y="1644646"/>
+            <a:ext cx="1028700" cy="150286"/>
+          </a:xfrm>
+          <a:prstGeom prst="rect">
+            <a:avLst/>
+          </a:prstGeom>
+          <a:noFill/>
+          <a:ln w="28575">
+            <a:solidFill>
+              <a:srgbClr val="00B050"/>
+            </a:solidFill>
+          </a:ln>
+        </p:spPr>
+        <p:style>
+          <a:lnRef idx="2">
+            <a:schemeClr val="accent1">
+              <a:shade val="15000"/>
+            </a:schemeClr>
+          </a:lnRef>
+          <a:fillRef idx="1">
+            <a:schemeClr val="accent1"/>
+          </a:fillRef>
+          <a:effectRef idx="0">
+            <a:schemeClr val="accent1"/>
+          </a:effectRef>
+          <a:fontRef idx="minor">
+            <a:schemeClr val="lt1"/>
+          </a:fontRef>
+        </p:style>
+        <p:txBody>
+          <a:bodyPr rtlCol="0" anchor="ctr"/>
+          <a:lstStyle/>
+          <a:p>
+            <a:pPr algn="ctr"/>
+            <a:endParaRPr lang="fr-FR"/>
+          </a:p>
+        </p:txBody>
+      </p:sp>
+      <p:cxnSp>
+        <p:nvCxnSpPr>
+          <p:cNvPr id="26" name="Connecteur droit 25">
+            <a:extLst>
+              <a:ext uri="{FF2B5EF4-FFF2-40B4-BE49-F238E27FC236}">
+                <a16:creationId xmlns:a16="http://schemas.microsoft.com/office/drawing/2014/main" id="{DA424447-D511-1EB8-955D-672753BE0EEC}"/>
+              </a:ext>
+            </a:extLst>
+          </p:cNvPr>
+          <p:cNvCxnSpPr>
+            <a:cxnSpLocks/>
+          </p:cNvCxnSpPr>
+          <p:nvPr/>
+        </p:nvCxnSpPr>
+        <p:spPr>
+          <a:xfrm>
+            <a:off x="7029450" y="1644642"/>
+            <a:ext cx="3559447" cy="538007"/>
+          </a:xfrm>
+          <a:prstGeom prst="line">
+            <a:avLst/>
+          </a:prstGeom>
+          <a:noFill/>
+          <a:ln w="28575">
+            <a:solidFill>
+              <a:srgbClr val="00B050"/>
+            </a:solidFill>
+          </a:ln>
+        </p:spPr>
+        <p:style>
+          <a:lnRef idx="2">
+            <a:schemeClr val="accent1">
+              <a:shade val="15000"/>
+            </a:schemeClr>
+          </a:lnRef>
+          <a:fillRef idx="1">
+            <a:schemeClr val="accent1"/>
+          </a:fillRef>
+          <a:effectRef idx="0">
+            <a:schemeClr val="accent1"/>
+          </a:effectRef>
+          <a:fontRef idx="minor">
+            <a:schemeClr val="lt1"/>
+          </a:fontRef>
+        </p:style>
+      </p:cxnSp>
+      <p:cxnSp>
+        <p:nvCxnSpPr>
+          <p:cNvPr id="30" name="Connecteur droit 29">
+            <a:extLst>
+              <a:ext uri="{FF2B5EF4-FFF2-40B4-BE49-F238E27FC236}">
+                <a16:creationId xmlns:a16="http://schemas.microsoft.com/office/drawing/2014/main" id="{5E650A66-63AB-0F56-5F2E-FC3F2C6E42A7}"/>
+              </a:ext>
+            </a:extLst>
+          </p:cNvPr>
+          <p:cNvCxnSpPr>
+            <a:cxnSpLocks/>
+          </p:cNvCxnSpPr>
+          <p:nvPr/>
+        </p:nvCxnSpPr>
+        <p:spPr>
+          <a:xfrm>
+            <a:off x="7029450" y="1794932"/>
+            <a:ext cx="3559447" cy="1345190"/>
+          </a:xfrm>
+          <a:prstGeom prst="line">
+            <a:avLst/>
+          </a:prstGeom>
+          <a:noFill/>
+          <a:ln w="28575">
+            <a:solidFill>
+              <a:srgbClr val="00B050"/>
+            </a:solidFill>
+          </a:ln>
+        </p:spPr>
+        <p:style>
+          <a:lnRef idx="2">
+            <a:schemeClr val="accent1">
+              <a:shade val="15000"/>
+            </a:schemeClr>
+          </a:lnRef>
+          <a:fillRef idx="1">
+            <a:schemeClr val="accent1"/>
+          </a:fillRef>
+          <a:effectRef idx="0">
+            <a:schemeClr val="accent1"/>
+          </a:effectRef>
+          <a:fontRef idx="minor">
+            <a:schemeClr val="lt1"/>
+          </a:fontRef>
+        </p:style>
+      </p:cxnSp>
+      <p:cxnSp>
+        <p:nvCxnSpPr>
+          <p:cNvPr id="33" name="Connecteur droit 32">
+            <a:extLst>
+              <a:ext uri="{FF2B5EF4-FFF2-40B4-BE49-F238E27FC236}">
+                <a16:creationId xmlns:a16="http://schemas.microsoft.com/office/drawing/2014/main" id="{7D8CB0B4-6AE9-0936-DB66-9F6516EE51E8}"/>
+              </a:ext>
+            </a:extLst>
+          </p:cNvPr>
+          <p:cNvCxnSpPr>
+            <a:cxnSpLocks/>
+          </p:cNvCxnSpPr>
+          <p:nvPr/>
+        </p:nvCxnSpPr>
+        <p:spPr>
+          <a:xfrm>
+            <a:off x="6000750" y="1794932"/>
+            <a:ext cx="3450703" cy="1345190"/>
+          </a:xfrm>
+          <a:prstGeom prst="line">
+            <a:avLst/>
+          </a:prstGeom>
+          <a:noFill/>
+          <a:ln w="28575">
+            <a:solidFill>
+              <a:srgbClr val="00B050"/>
+            </a:solidFill>
+          </a:ln>
+        </p:spPr>
+        <p:style>
+          <a:lnRef idx="2">
+            <a:schemeClr val="accent1">
+              <a:shade val="15000"/>
+            </a:schemeClr>
+          </a:lnRef>
+          <a:fillRef idx="1">
+            <a:schemeClr val="accent1"/>
+          </a:fillRef>
+          <a:effectRef idx="0">
+            <a:schemeClr val="accent1"/>
+          </a:effectRef>
+          <a:fontRef idx="minor">
+            <a:schemeClr val="lt1"/>
+          </a:fontRef>
+        </p:style>
+      </p:cxnSp>
+      <p:pic>
+        <p:nvPicPr>
+          <p:cNvPr id="5" name="Image 4">
+            <a:extLst>
+              <a:ext uri="{FF2B5EF4-FFF2-40B4-BE49-F238E27FC236}">
+                <a16:creationId xmlns:a16="http://schemas.microsoft.com/office/drawing/2014/main" id="{D25C357A-3FEC-7103-707D-9A96B706BFF6}"/>
+              </a:ext>
+            </a:extLst>
+          </p:cNvPr>
+          <p:cNvPicPr>
+            <a:picLocks noChangeAspect="1"/>
+          </p:cNvPicPr>
+          <p:nvPr/>
+        </p:nvPicPr>
+        <p:blipFill>
+          <a:blip r:embed="rId4"/>
+          <a:stretch>
+            <a:fillRect/>
+          </a:stretch>
+        </p:blipFill>
+        <p:spPr>
+          <a:xfrm>
+            <a:off x="9451455" y="2182657"/>
+            <a:ext cx="1137443" cy="957468"/>
+          </a:xfrm>
+          <a:prstGeom prst="rect">
+            <a:avLst/>
+          </a:prstGeom>
+        </p:spPr>
+      </p:pic>
+      <p:sp>
+        <p:nvSpPr>
+          <p:cNvPr id="25" name="Rectangle 24">
+            <a:extLst>
+              <a:ext uri="{FF2B5EF4-FFF2-40B4-BE49-F238E27FC236}">
+                <a16:creationId xmlns:a16="http://schemas.microsoft.com/office/drawing/2014/main" id="{20CAEBDA-7267-C90A-CD9F-425AC4AED609}"/>
+              </a:ext>
+            </a:extLst>
+          </p:cNvPr>
+          <p:cNvSpPr/>
+          <p:nvPr/>
+        </p:nvSpPr>
+        <p:spPr>
+          <a:xfrm flipV="1">
+            <a:off x="9451454" y="2182653"/>
+            <a:ext cx="1137443" cy="957469"/>
+          </a:xfrm>
+          <a:prstGeom prst="rect">
+            <a:avLst/>
+          </a:prstGeom>
+          <a:noFill/>
+          <a:ln w="28575">
+            <a:solidFill>
+              <a:srgbClr val="00B050"/>
+            </a:solidFill>
+          </a:ln>
+        </p:spPr>
+        <p:style>
+          <a:lnRef idx="2">
+            <a:schemeClr val="accent1">
+              <a:shade val="15000"/>
+            </a:schemeClr>
+          </a:lnRef>
+          <a:fillRef idx="1">
+            <a:schemeClr val="accent1"/>
+          </a:fillRef>
+          <a:effectRef idx="0">
+            <a:schemeClr val="accent1"/>
+          </a:effectRef>
+          <a:fontRef idx="minor">
+            <a:schemeClr val="lt1"/>
+          </a:fontRef>
+        </p:style>
+        <p:txBody>
+          <a:bodyPr rtlCol="0" anchor="ctr"/>
+          <a:lstStyle/>
+          <a:p>
+            <a:pPr algn="ctr"/>
+            <a:endParaRPr lang="fr-FR"/>
+          </a:p>
+        </p:txBody>
+      </p:sp>
+      <p:cxnSp>
+        <p:nvCxnSpPr>
+          <p:cNvPr id="35" name="Connecteur droit 34">
+            <a:extLst>
+              <a:ext uri="{FF2B5EF4-FFF2-40B4-BE49-F238E27FC236}">
+                <a16:creationId xmlns:a16="http://schemas.microsoft.com/office/drawing/2014/main" id="{CCF655D3-5F0B-9C24-1F2A-32F1B9F97868}"/>
+              </a:ext>
+            </a:extLst>
+          </p:cNvPr>
+          <p:cNvCxnSpPr>
+            <a:cxnSpLocks/>
+            <a:stCxn id="24" idx="3"/>
+          </p:cNvCxnSpPr>
+          <p:nvPr/>
+        </p:nvCxnSpPr>
+        <p:spPr>
+          <a:xfrm>
+            <a:off x="7029450" y="1719789"/>
+            <a:ext cx="2422003" cy="462860"/>
+          </a:xfrm>
+          <a:prstGeom prst="line">
+            <a:avLst/>
+          </a:prstGeom>
+          <a:noFill/>
+          <a:ln w="28575">
+            <a:solidFill>
+              <a:srgbClr val="00B050"/>
+            </a:solidFill>
+          </a:ln>
+        </p:spPr>
+        <p:style>
+          <a:lnRef idx="2">
+            <a:schemeClr val="accent1">
+              <a:shade val="15000"/>
+            </a:schemeClr>
+          </a:lnRef>
+          <a:fillRef idx="1">
+            <a:schemeClr val="accent1"/>
+          </a:fillRef>
+          <a:effectRef idx="0">
+            <a:schemeClr val="accent1"/>
+          </a:effectRef>
+          <a:fontRef idx="minor">
+            <a:schemeClr val="lt1"/>
+          </a:fontRef>
+        </p:style>
+      </p:cxnSp>
+      <p:sp>
+        <p:nvSpPr>
+          <p:cNvPr id="40" name="Ellipse 39">
+            <a:extLst>
+              <a:ext uri="{FF2B5EF4-FFF2-40B4-BE49-F238E27FC236}">
+                <a16:creationId xmlns:a16="http://schemas.microsoft.com/office/drawing/2014/main" id="{E33419EF-9A58-0DB1-0BE8-98C4B3D760F0}"/>
+              </a:ext>
+            </a:extLst>
+          </p:cNvPr>
+          <p:cNvSpPr/>
+          <p:nvPr/>
+        </p:nvSpPr>
+        <p:spPr>
+          <a:xfrm>
+            <a:off x="5617732" y="2619998"/>
+            <a:ext cx="360000" cy="360000"/>
+          </a:xfrm>
+          <a:prstGeom prst="ellipse">
+            <a:avLst/>
+          </a:prstGeom>
+          <a:solidFill>
+            <a:schemeClr val="bg1"/>
+          </a:solidFill>
+          <a:ln w="28575">
+            <a:solidFill>
+              <a:srgbClr val="FF0000"/>
+            </a:solidFill>
+          </a:ln>
+        </p:spPr>
+        <p:style>
+          <a:lnRef idx="2">
+            <a:schemeClr val="accent1">
+              <a:shade val="15000"/>
+            </a:schemeClr>
+          </a:lnRef>
+          <a:fillRef idx="1">
+            <a:schemeClr val="accent1"/>
+          </a:fillRef>
+          <a:effectRef idx="0">
+            <a:schemeClr val="accent1"/>
+          </a:effectRef>
+          <a:fontRef idx="minor">
+            <a:schemeClr val="lt1"/>
+          </a:fontRef>
+        </p:style>
+        <p:txBody>
+          <a:bodyPr rtlCol="0" anchor="ctr"/>
+          <a:lstStyle/>
+          <a:p>
+            <a:pPr algn="ctr"/>
+            <a:r>
+              <a:rPr lang="fr-FR" b="1" dirty="0">
+                <a:solidFill>
+                  <a:srgbClr val="FF0000"/>
+                </a:solidFill>
+              </a:rPr>
+              <a:t>3</a:t>
+            </a:r>
+          </a:p>
+        </p:txBody>
+      </p:sp>
+      <p:sp>
+        <p:nvSpPr>
+          <p:cNvPr id="41" name="Ellipse 40">
+            <a:extLst>
+              <a:ext uri="{FF2B5EF4-FFF2-40B4-BE49-F238E27FC236}">
+                <a16:creationId xmlns:a16="http://schemas.microsoft.com/office/drawing/2014/main" id="{DD923E4E-9CDF-34A2-A9B2-15A71D4E22FD}"/>
+              </a:ext>
+            </a:extLst>
+          </p:cNvPr>
+          <p:cNvSpPr/>
+          <p:nvPr/>
+        </p:nvSpPr>
+        <p:spPr>
+          <a:xfrm>
+            <a:off x="6913977" y="828619"/>
+            <a:ext cx="360000" cy="360000"/>
+          </a:xfrm>
+          <a:prstGeom prst="ellipse">
+            <a:avLst/>
+          </a:prstGeom>
+          <a:solidFill>
+            <a:schemeClr val="bg1"/>
+          </a:solidFill>
+          <a:ln w="28575">
+            <a:solidFill>
+              <a:srgbClr val="FF0000"/>
+            </a:solidFill>
+          </a:ln>
+        </p:spPr>
+        <p:style>
+          <a:lnRef idx="2">
+            <a:schemeClr val="accent1">
+              <a:shade val="15000"/>
+            </a:schemeClr>
+          </a:lnRef>
+          <a:fillRef idx="1">
+            <a:schemeClr val="accent1"/>
+          </a:fillRef>
+          <a:effectRef idx="0">
+            <a:schemeClr val="accent1"/>
+          </a:effectRef>
+          <a:fontRef idx="minor">
+            <a:schemeClr val="lt1"/>
+          </a:fontRef>
+        </p:style>
+        <p:txBody>
+          <a:bodyPr rtlCol="0" anchor="ctr"/>
+          <a:lstStyle/>
+          <a:p>
+            <a:pPr algn="ctr"/>
+            <a:r>
+              <a:rPr lang="fr-FR" b="1" dirty="0">
+                <a:solidFill>
+                  <a:srgbClr val="FF0000"/>
+                </a:solidFill>
+              </a:rPr>
+              <a:t>4</a:t>
+            </a:r>
+          </a:p>
+        </p:txBody>
+      </p:sp>
+      <p:sp>
+        <p:nvSpPr>
+          <p:cNvPr id="42" name="Ellipse 41">
+            <a:extLst>
+              <a:ext uri="{FF2B5EF4-FFF2-40B4-BE49-F238E27FC236}">
+                <a16:creationId xmlns:a16="http://schemas.microsoft.com/office/drawing/2014/main" id="{227F6D31-7BDE-2682-145C-DCC5064A163A}"/>
+              </a:ext>
+            </a:extLst>
+          </p:cNvPr>
+          <p:cNvSpPr/>
+          <p:nvPr/>
+        </p:nvSpPr>
+        <p:spPr>
+          <a:xfrm>
+            <a:off x="7880451" y="3075369"/>
+            <a:ext cx="360000" cy="360000"/>
+          </a:xfrm>
+          <a:prstGeom prst="ellipse">
+            <a:avLst/>
+          </a:prstGeom>
+          <a:solidFill>
+            <a:schemeClr val="bg1"/>
+          </a:solidFill>
+          <a:ln w="28575">
+            <a:solidFill>
+              <a:srgbClr val="FF0000"/>
+            </a:solidFill>
+          </a:ln>
+        </p:spPr>
+        <p:style>
+          <a:lnRef idx="2">
+            <a:schemeClr val="accent1">
+              <a:shade val="15000"/>
+            </a:schemeClr>
+          </a:lnRef>
+          <a:fillRef idx="1">
+            <a:schemeClr val="accent1"/>
+          </a:fillRef>
+          <a:effectRef idx="0">
+            <a:schemeClr val="accent1"/>
+          </a:effectRef>
+          <a:fontRef idx="minor">
+            <a:schemeClr val="lt1"/>
+          </a:fontRef>
+        </p:style>
+        <p:txBody>
+          <a:bodyPr rtlCol="0" anchor="ctr"/>
+          <a:lstStyle/>
+          <a:p>
+            <a:pPr algn="ctr"/>
+            <a:r>
+              <a:rPr lang="fr-FR" b="1" dirty="0">
+                <a:solidFill>
+                  <a:srgbClr val="FF0000"/>
+                </a:solidFill>
+              </a:rPr>
+              <a:t>5</a:t>
             </a:r>
           </a:p>
         </p:txBody>
@@ -9434,7 +10699,7 @@
     </p:spTree>
     <p:extLst>
       <p:ext uri="{BB962C8B-B14F-4D97-AF65-F5344CB8AC3E}">
-        <p14:creationId xmlns:p14="http://schemas.microsoft.com/office/powerpoint/2010/main" val="1512510481"/>
+        <p14:creationId xmlns:p14="http://schemas.microsoft.com/office/powerpoint/2010/main" val="4133464422"/>
       </p:ext>
     </p:extLst>
   </p:cSld>
@@ -9496,8 +10761,32 @@
         </p:blipFill>
         <p:spPr>
           <a:xfrm>
-            <a:off x="1161361" y="-33821"/>
-            <a:ext cx="9869277" cy="6925642"/>
+            <a:off x="1499615" y="2818357"/>
+            <a:ext cx="2278402" cy="1747380"/>
+          </a:xfrm>
+          <a:prstGeom prst="rect">
+            <a:avLst/>
+          </a:prstGeom>
+        </p:spPr>
+      </p:pic>
+      <p:pic>
+        <p:nvPicPr>
+          <p:cNvPr id="5" name="Image 4"/>
+          <p:cNvPicPr>
+            <a:picLocks noChangeAspect="1"/>
+          </p:cNvPicPr>
+          <p:nvPr/>
+        </p:nvPicPr>
+        <p:blipFill>
+          <a:blip r:embed="rId3"/>
+          <a:stretch>
+            <a:fillRect/>
+          </a:stretch>
+        </p:blipFill>
+        <p:spPr>
+          <a:xfrm>
+            <a:off x="3995444" y="2619262"/>
+            <a:ext cx="4201111" cy="1619476"/>
           </a:xfrm>
           <a:prstGeom prst="rect">
             <a:avLst/>
@@ -9507,7 +10796,7 @@
     </p:spTree>
     <p:extLst>
       <p:ext uri="{BB962C8B-B14F-4D97-AF65-F5344CB8AC3E}">
-        <p14:creationId xmlns:p14="http://schemas.microsoft.com/office/powerpoint/2010/main" val="1252715471"/>
+        <p14:creationId xmlns:p14="http://schemas.microsoft.com/office/powerpoint/2010/main" val="2853595170"/>
       </p:ext>
     </p:extLst>
   </p:cSld>
@@ -9518,6 +10807,295 @@
 </file>
 
 <file path=ppt/slides/slide7.xml><?xml version="1.0" encoding="utf-8"?>
+<p:sld xmlns:a="http://schemas.openxmlformats.org/drawingml/2006/main" xmlns:r="http://schemas.openxmlformats.org/officeDocument/2006/relationships" xmlns:p="http://schemas.openxmlformats.org/presentationml/2006/main">
+  <p:cSld>
+    <p:spTree>
+      <p:nvGrpSpPr>
+        <p:cNvPr id="1" name=""/>
+        <p:cNvGrpSpPr/>
+        <p:nvPr/>
+      </p:nvGrpSpPr>
+      <p:grpSpPr>
+        <a:xfrm>
+          <a:off x="0" y="0"/>
+          <a:ext cx="0" cy="0"/>
+          <a:chOff x="0" y="0"/>
+          <a:chExt cx="0" cy="0"/>
+        </a:xfrm>
+      </p:grpSpPr>
+      <p:pic>
+        <p:nvPicPr>
+          <p:cNvPr id="4" name="Image 3"/>
+          <p:cNvPicPr>
+            <a:picLocks noChangeAspect="1"/>
+          </p:cNvPicPr>
+          <p:nvPr/>
+        </p:nvPicPr>
+        <p:blipFill>
+          <a:blip r:embed="rId2"/>
+          <a:stretch>
+            <a:fillRect/>
+          </a:stretch>
+        </p:blipFill>
+        <p:spPr>
+          <a:xfrm>
+            <a:off x="2675823" y="2124384"/>
+            <a:ext cx="6185836" cy="4733616"/>
+          </a:xfrm>
+          <a:prstGeom prst="rect">
+            <a:avLst/>
+          </a:prstGeom>
+        </p:spPr>
+      </p:pic>
+      <p:sp>
+        <p:nvSpPr>
+          <p:cNvPr id="3" name="Rectangle 2">
+            <a:extLst>
+              <a:ext uri="{FF2B5EF4-FFF2-40B4-BE49-F238E27FC236}">
+                <a16:creationId xmlns:a16="http://schemas.microsoft.com/office/drawing/2014/main" id="{CAD9E680-DD10-0D53-7EF0-69132C583748}"/>
+              </a:ext>
+            </a:extLst>
+          </p:cNvPr>
+          <p:cNvSpPr/>
+          <p:nvPr/>
+        </p:nvSpPr>
+        <p:spPr>
+          <a:xfrm>
+            <a:off x="3297623" y="2931192"/>
+            <a:ext cx="4566217" cy="264396"/>
+          </a:xfrm>
+          <a:prstGeom prst="rect">
+            <a:avLst/>
+          </a:prstGeom>
+          <a:noFill/>
+          <a:ln w="28575">
+            <a:solidFill>
+              <a:srgbClr val="FF0000"/>
+            </a:solidFill>
+          </a:ln>
+        </p:spPr>
+        <p:style>
+          <a:lnRef idx="2">
+            <a:schemeClr val="accent1">
+              <a:shade val="15000"/>
+            </a:schemeClr>
+          </a:lnRef>
+          <a:fillRef idx="1">
+            <a:schemeClr val="accent1"/>
+          </a:fillRef>
+          <a:effectRef idx="0">
+            <a:schemeClr val="accent1"/>
+          </a:effectRef>
+          <a:fontRef idx="minor">
+            <a:schemeClr val="lt1"/>
+          </a:fontRef>
+        </p:style>
+        <p:txBody>
+          <a:bodyPr rtlCol="0" anchor="ctr"/>
+          <a:lstStyle/>
+          <a:p>
+            <a:pPr algn="ctr"/>
+            <a:endParaRPr lang="fr-FR"/>
+          </a:p>
+        </p:txBody>
+      </p:sp>
+      <p:sp>
+        <p:nvSpPr>
+          <p:cNvPr id="5" name="Ellipse 4">
+            <a:extLst>
+              <a:ext uri="{FF2B5EF4-FFF2-40B4-BE49-F238E27FC236}">
+                <a16:creationId xmlns:a16="http://schemas.microsoft.com/office/drawing/2014/main" id="{22EAA47E-34A5-91B5-3435-C430914F8AD6}"/>
+              </a:ext>
+            </a:extLst>
+          </p:cNvPr>
+          <p:cNvSpPr/>
+          <p:nvPr/>
+        </p:nvSpPr>
+        <p:spPr>
+          <a:xfrm>
+            <a:off x="5021345" y="2532692"/>
+            <a:ext cx="360000" cy="360000"/>
+          </a:xfrm>
+          <a:prstGeom prst="ellipse">
+            <a:avLst/>
+          </a:prstGeom>
+          <a:solidFill>
+            <a:schemeClr val="bg1"/>
+          </a:solidFill>
+          <a:ln w="28575">
+            <a:solidFill>
+              <a:srgbClr val="FF0000"/>
+            </a:solidFill>
+          </a:ln>
+        </p:spPr>
+        <p:style>
+          <a:lnRef idx="2">
+            <a:schemeClr val="accent1">
+              <a:shade val="15000"/>
+            </a:schemeClr>
+          </a:lnRef>
+          <a:fillRef idx="1">
+            <a:schemeClr val="accent1"/>
+          </a:fillRef>
+          <a:effectRef idx="0">
+            <a:schemeClr val="accent1"/>
+          </a:effectRef>
+          <a:fontRef idx="minor">
+            <a:schemeClr val="lt1"/>
+          </a:fontRef>
+        </p:style>
+        <p:txBody>
+          <a:bodyPr rtlCol="0" anchor="ctr"/>
+          <a:lstStyle/>
+          <a:p>
+            <a:pPr algn="ctr"/>
+            <a:r>
+              <a:rPr lang="fr-FR" b="1" dirty="0">
+                <a:solidFill>
+                  <a:srgbClr val="FF0000"/>
+                </a:solidFill>
+              </a:rPr>
+              <a:t>1</a:t>
+            </a:r>
+          </a:p>
+        </p:txBody>
+      </p:sp>
+      <p:sp>
+        <p:nvSpPr>
+          <p:cNvPr id="6" name="Ellipse 5">
+            <a:extLst>
+              <a:ext uri="{FF2B5EF4-FFF2-40B4-BE49-F238E27FC236}">
+                <a16:creationId xmlns:a16="http://schemas.microsoft.com/office/drawing/2014/main" id="{E10E2E4F-49D6-7F6E-A225-6A566A4CFBAA}"/>
+              </a:ext>
+            </a:extLst>
+          </p:cNvPr>
+          <p:cNvSpPr/>
+          <p:nvPr/>
+        </p:nvSpPr>
+        <p:spPr>
+          <a:xfrm>
+            <a:off x="6396196" y="2532692"/>
+            <a:ext cx="360000" cy="360000"/>
+          </a:xfrm>
+          <a:prstGeom prst="ellipse">
+            <a:avLst/>
+          </a:prstGeom>
+          <a:solidFill>
+            <a:schemeClr val="bg1"/>
+          </a:solidFill>
+          <a:ln w="28575">
+            <a:solidFill>
+              <a:srgbClr val="FF0000"/>
+            </a:solidFill>
+          </a:ln>
+        </p:spPr>
+        <p:style>
+          <a:lnRef idx="2">
+            <a:schemeClr val="accent1">
+              <a:shade val="15000"/>
+            </a:schemeClr>
+          </a:lnRef>
+          <a:fillRef idx="1">
+            <a:schemeClr val="accent1"/>
+          </a:fillRef>
+          <a:effectRef idx="0">
+            <a:schemeClr val="accent1"/>
+          </a:effectRef>
+          <a:fontRef idx="minor">
+            <a:schemeClr val="lt1"/>
+          </a:fontRef>
+        </p:style>
+        <p:txBody>
+          <a:bodyPr rtlCol="0" anchor="ctr"/>
+          <a:lstStyle/>
+          <a:p>
+            <a:pPr algn="ctr"/>
+            <a:r>
+              <a:rPr lang="fr-FR" b="1" dirty="0">
+                <a:solidFill>
+                  <a:srgbClr val="FF0000"/>
+                </a:solidFill>
+              </a:rPr>
+              <a:t>2</a:t>
+            </a:r>
+          </a:p>
+        </p:txBody>
+      </p:sp>
+      <p:sp>
+        <p:nvSpPr>
+          <p:cNvPr id="7" name="Ellipse 6">
+            <a:extLst>
+              <a:ext uri="{FF2B5EF4-FFF2-40B4-BE49-F238E27FC236}">
+                <a16:creationId xmlns:a16="http://schemas.microsoft.com/office/drawing/2014/main" id="{EAF51C26-F7D4-B1C4-1513-B91DF1CF8E69}"/>
+              </a:ext>
+            </a:extLst>
+          </p:cNvPr>
+          <p:cNvSpPr/>
+          <p:nvPr/>
+        </p:nvSpPr>
+        <p:spPr>
+          <a:xfrm>
+            <a:off x="7268927" y="2532692"/>
+            <a:ext cx="360000" cy="360000"/>
+          </a:xfrm>
+          <a:prstGeom prst="ellipse">
+            <a:avLst/>
+          </a:prstGeom>
+          <a:solidFill>
+            <a:schemeClr val="bg1"/>
+          </a:solidFill>
+          <a:ln w="28575">
+            <a:solidFill>
+              <a:srgbClr val="FF0000"/>
+            </a:solidFill>
+          </a:ln>
+        </p:spPr>
+        <p:style>
+          <a:lnRef idx="2">
+            <a:schemeClr val="accent1">
+              <a:shade val="15000"/>
+            </a:schemeClr>
+          </a:lnRef>
+          <a:fillRef idx="1">
+            <a:schemeClr val="accent1"/>
+          </a:fillRef>
+          <a:effectRef idx="0">
+            <a:schemeClr val="accent1"/>
+          </a:effectRef>
+          <a:fontRef idx="minor">
+            <a:schemeClr val="lt1"/>
+          </a:fontRef>
+        </p:style>
+        <p:txBody>
+          <a:bodyPr rtlCol="0" anchor="ctr"/>
+          <a:lstStyle/>
+          <a:p>
+            <a:pPr algn="ctr"/>
+            <a:r>
+              <a:rPr lang="fr-FR" b="1" dirty="0">
+                <a:solidFill>
+                  <a:srgbClr val="FF0000"/>
+                </a:solidFill>
+              </a:rPr>
+              <a:t>2</a:t>
+            </a:r>
+          </a:p>
+        </p:txBody>
+      </p:sp>
+    </p:spTree>
+    <p:extLst>
+      <p:ext uri="{BB962C8B-B14F-4D97-AF65-F5344CB8AC3E}">
+        <p14:creationId xmlns:p14="http://schemas.microsoft.com/office/powerpoint/2010/main" val="1512510481"/>
+      </p:ext>
+    </p:extLst>
+  </p:cSld>
+  <p:clrMapOvr>
+    <a:masterClrMapping/>
+  </p:clrMapOvr>
+</p:sld>
+</file>
+
+<file path=ppt/slides/slide8.xml><?xml version="1.0" encoding="utf-8"?>
 <p:sld xmlns:a="http://schemas.openxmlformats.org/drawingml/2006/main" xmlns:r="http://schemas.openxmlformats.org/officeDocument/2006/relationships" xmlns:p="http://schemas.openxmlformats.org/presentationml/2006/main">
   <p:cSld>
     <p:spTree>
@@ -9555,62 +11133,6 @@
       </p:sp>
       <p:pic>
         <p:nvPicPr>
-          <p:cNvPr id="4" name="Espace réservé du contenu 3"/>
-          <p:cNvPicPr>
-            <a:picLocks noGrp="1" noChangeAspect="1"/>
-          </p:cNvPicPr>
-          <p:nvPr>
-            <p:ph idx="1"/>
-          </p:nvPr>
-        </p:nvPicPr>
-        <p:blipFill>
-          <a:blip r:embed="rId2"/>
-          <a:stretch>
-            <a:fillRect/>
-          </a:stretch>
-        </p:blipFill>
-        <p:spPr>
-          <a:xfrm>
-            <a:off x="2951409" y="1825625"/>
-            <a:ext cx="6289181" cy="4351338"/>
-          </a:xfrm>
-          <a:prstGeom prst="rect">
-            <a:avLst/>
-          </a:prstGeom>
-        </p:spPr>
-      </p:pic>
-    </p:spTree>
-    <p:extLst>
-      <p:ext uri="{BB962C8B-B14F-4D97-AF65-F5344CB8AC3E}">
-        <p14:creationId xmlns:p14="http://schemas.microsoft.com/office/powerpoint/2010/main" val="815895587"/>
-      </p:ext>
-    </p:extLst>
-  </p:cSld>
-  <p:clrMapOvr>
-    <a:masterClrMapping/>
-  </p:clrMapOvr>
-</p:sld>
-</file>
-
-<file path=ppt/slides/slide8.xml><?xml version="1.0" encoding="utf-8"?>
-<p:sld xmlns:a="http://schemas.openxmlformats.org/drawingml/2006/main" xmlns:r="http://schemas.openxmlformats.org/officeDocument/2006/relationships" xmlns:p="http://schemas.openxmlformats.org/presentationml/2006/main">
-  <p:cSld>
-    <p:spTree>
-      <p:nvGrpSpPr>
-        <p:cNvPr id="1" name=""/>
-        <p:cNvGrpSpPr/>
-        <p:nvPr/>
-      </p:nvGrpSpPr>
-      <p:grpSpPr>
-        <a:xfrm>
-          <a:off x="0" y="0"/>
-          <a:ext cx="0" cy="0"/>
-          <a:chOff x="0" y="0"/>
-          <a:chExt cx="0" cy="0"/>
-        </a:xfrm>
-      </p:grpSpPr>
-      <p:pic>
-        <p:nvPicPr>
           <p:cNvPr id="4" name="Image 3"/>
           <p:cNvPicPr>
             <a:picLocks noChangeAspect="1"/>
@@ -9625,260 +11147,18 @@
         </p:blipFill>
         <p:spPr>
           <a:xfrm>
-            <a:off x="1354609" y="1095153"/>
-            <a:ext cx="6750116" cy="5167424"/>
+            <a:off x="1161361" y="-33821"/>
+            <a:ext cx="9869277" cy="6925642"/>
           </a:xfrm>
           <a:prstGeom prst="rect">
             <a:avLst/>
           </a:prstGeom>
         </p:spPr>
       </p:pic>
-      <p:sp>
-        <p:nvSpPr>
-          <p:cNvPr id="3" name="Rectangle 2">
-            <a:extLst>
-              <a:ext uri="{FF2B5EF4-FFF2-40B4-BE49-F238E27FC236}">
-                <a16:creationId xmlns:a16="http://schemas.microsoft.com/office/drawing/2014/main" id="{92F4D1D6-B606-2CA2-EBE2-487111FC8E8A}"/>
-              </a:ext>
-            </a:extLst>
-          </p:cNvPr>
-          <p:cNvSpPr/>
-          <p:nvPr/>
-        </p:nvSpPr>
-        <p:spPr>
-          <a:xfrm>
-            <a:off x="6273209" y="1616149"/>
-            <a:ext cx="318977" cy="329609"/>
-          </a:xfrm>
-          <a:prstGeom prst="rect">
-            <a:avLst/>
-          </a:prstGeom>
-          <a:noFill/>
-          <a:ln w="28575">
-            <a:solidFill>
-              <a:srgbClr val="FF0000"/>
-            </a:solidFill>
-          </a:ln>
-        </p:spPr>
-        <p:style>
-          <a:lnRef idx="2">
-            <a:schemeClr val="accent1">
-              <a:shade val="15000"/>
-            </a:schemeClr>
-          </a:lnRef>
-          <a:fillRef idx="1">
-            <a:schemeClr val="accent1"/>
-          </a:fillRef>
-          <a:effectRef idx="0">
-            <a:schemeClr val="accent1"/>
-          </a:effectRef>
-          <a:fontRef idx="minor">
-            <a:schemeClr val="lt1"/>
-          </a:fontRef>
-        </p:style>
-        <p:txBody>
-          <a:bodyPr rtlCol="0" anchor="ctr"/>
-          <a:lstStyle/>
-          <a:p>
-            <a:pPr algn="ctr"/>
-            <a:endParaRPr lang="fr-FR"/>
-          </a:p>
-        </p:txBody>
-      </p:sp>
-      <p:sp>
-        <p:nvSpPr>
-          <p:cNvPr id="5" name="Rectangle 4">
-            <a:extLst>
-              <a:ext uri="{FF2B5EF4-FFF2-40B4-BE49-F238E27FC236}">
-                <a16:creationId xmlns:a16="http://schemas.microsoft.com/office/drawing/2014/main" id="{59560365-ED9D-C595-2D8F-C0D753E53F99}"/>
-              </a:ext>
-            </a:extLst>
-          </p:cNvPr>
-          <p:cNvSpPr/>
-          <p:nvPr/>
-        </p:nvSpPr>
-        <p:spPr>
-          <a:xfrm>
-            <a:off x="1449572" y="2661684"/>
-            <a:ext cx="4015563" cy="1729563"/>
-          </a:xfrm>
-          <a:prstGeom prst="rect">
-            <a:avLst/>
-          </a:prstGeom>
-          <a:noFill/>
-          <a:ln w="28575">
-            <a:solidFill>
-              <a:srgbClr val="FF0000"/>
-            </a:solidFill>
-          </a:ln>
-        </p:spPr>
-        <p:style>
-          <a:lnRef idx="2">
-            <a:schemeClr val="accent1">
-              <a:shade val="15000"/>
-            </a:schemeClr>
-          </a:lnRef>
-          <a:fillRef idx="1">
-            <a:schemeClr val="accent1"/>
-          </a:fillRef>
-          <a:effectRef idx="0">
-            <a:schemeClr val="accent1"/>
-          </a:effectRef>
-          <a:fontRef idx="minor">
-            <a:schemeClr val="lt1"/>
-          </a:fontRef>
-        </p:style>
-        <p:txBody>
-          <a:bodyPr rtlCol="0" anchor="ctr"/>
-          <a:lstStyle/>
-          <a:p>
-            <a:pPr algn="ctr"/>
-            <a:endParaRPr lang="fr-FR"/>
-          </a:p>
-        </p:txBody>
-      </p:sp>
-      <p:cxnSp>
-        <p:nvCxnSpPr>
-          <p:cNvPr id="7" name="Connecteur droit 6">
-            <a:extLst>
-              <a:ext uri="{FF2B5EF4-FFF2-40B4-BE49-F238E27FC236}">
-                <a16:creationId xmlns:a16="http://schemas.microsoft.com/office/drawing/2014/main" id="{3E781E12-CCB4-0120-9E56-39B7C6D57496}"/>
-              </a:ext>
-            </a:extLst>
-          </p:cNvPr>
-          <p:cNvCxnSpPr>
-            <a:cxnSpLocks/>
-          </p:cNvCxnSpPr>
-          <p:nvPr/>
-        </p:nvCxnSpPr>
-        <p:spPr>
-          <a:xfrm flipV="1">
-            <a:off x="1449572" y="1616149"/>
-            <a:ext cx="4823637" cy="1041991"/>
-          </a:xfrm>
-          <a:prstGeom prst="line">
-            <a:avLst/>
-          </a:prstGeom>
-          <a:noFill/>
-          <a:ln w="28575">
-            <a:solidFill>
-              <a:srgbClr val="FF0000"/>
-            </a:solidFill>
-          </a:ln>
-        </p:spPr>
-        <p:style>
-          <a:lnRef idx="2">
-            <a:schemeClr val="accent1">
-              <a:shade val="15000"/>
-            </a:schemeClr>
-          </a:lnRef>
-          <a:fillRef idx="1">
-            <a:schemeClr val="accent1"/>
-          </a:fillRef>
-          <a:effectRef idx="0">
-            <a:schemeClr val="accent1"/>
-          </a:effectRef>
-          <a:fontRef idx="minor">
-            <a:schemeClr val="lt1"/>
-          </a:fontRef>
-        </p:style>
-      </p:cxnSp>
-      <p:cxnSp>
-        <p:nvCxnSpPr>
-          <p:cNvPr id="8" name="Connecteur droit 7">
-            <a:extLst>
-              <a:ext uri="{FF2B5EF4-FFF2-40B4-BE49-F238E27FC236}">
-                <a16:creationId xmlns:a16="http://schemas.microsoft.com/office/drawing/2014/main" id="{ACC7AEC0-DADB-37CB-976B-490FB53ED659}"/>
-              </a:ext>
-            </a:extLst>
-          </p:cNvPr>
-          <p:cNvCxnSpPr>
-            <a:cxnSpLocks/>
-          </p:cNvCxnSpPr>
-          <p:nvPr/>
-        </p:nvCxnSpPr>
-        <p:spPr>
-          <a:xfrm flipV="1">
-            <a:off x="4880344" y="1945758"/>
-            <a:ext cx="1392865" cy="712382"/>
-          </a:xfrm>
-          <a:prstGeom prst="line">
-            <a:avLst/>
-          </a:prstGeom>
-          <a:noFill/>
-          <a:ln w="28575">
-            <a:solidFill>
-              <a:srgbClr val="FF0000"/>
-            </a:solidFill>
-          </a:ln>
-        </p:spPr>
-        <p:style>
-          <a:lnRef idx="2">
-            <a:schemeClr val="accent1">
-              <a:shade val="15000"/>
-            </a:schemeClr>
-          </a:lnRef>
-          <a:fillRef idx="1">
-            <a:schemeClr val="accent1"/>
-          </a:fillRef>
-          <a:effectRef idx="0">
-            <a:schemeClr val="accent1"/>
-          </a:effectRef>
-          <a:fontRef idx="minor">
-            <a:schemeClr val="lt1"/>
-          </a:fontRef>
-        </p:style>
-      </p:cxnSp>
-      <p:cxnSp>
-        <p:nvCxnSpPr>
-          <p:cNvPr id="12" name="Connecteur droit 11">
-            <a:extLst>
-              <a:ext uri="{FF2B5EF4-FFF2-40B4-BE49-F238E27FC236}">
-                <a16:creationId xmlns:a16="http://schemas.microsoft.com/office/drawing/2014/main" id="{ECF5EADC-B572-A9F8-6D66-B76B8C74B875}"/>
-              </a:ext>
-            </a:extLst>
-          </p:cNvPr>
-          <p:cNvCxnSpPr>
-            <a:cxnSpLocks/>
-          </p:cNvCxnSpPr>
-          <p:nvPr/>
-        </p:nvCxnSpPr>
-        <p:spPr>
-          <a:xfrm flipV="1">
-            <a:off x="5465135" y="1942214"/>
-            <a:ext cx="1127051" cy="2449033"/>
-          </a:xfrm>
-          <a:prstGeom prst="line">
-            <a:avLst/>
-          </a:prstGeom>
-          <a:noFill/>
-          <a:ln w="28575">
-            <a:solidFill>
-              <a:srgbClr val="FF0000"/>
-            </a:solidFill>
-          </a:ln>
-        </p:spPr>
-        <p:style>
-          <a:lnRef idx="2">
-            <a:schemeClr val="accent1">
-              <a:shade val="15000"/>
-            </a:schemeClr>
-          </a:lnRef>
-          <a:fillRef idx="1">
-            <a:schemeClr val="accent1"/>
-          </a:fillRef>
-          <a:effectRef idx="0">
-            <a:schemeClr val="accent1"/>
-          </a:effectRef>
-          <a:fontRef idx="minor">
-            <a:schemeClr val="lt1"/>
-          </a:fontRef>
-        </p:style>
-      </p:cxnSp>
     </p:spTree>
     <p:extLst>
       <p:ext uri="{BB962C8B-B14F-4D97-AF65-F5344CB8AC3E}">
-        <p14:creationId xmlns:p14="http://schemas.microsoft.com/office/powerpoint/2010/main" val="2183214917"/>
+        <p14:creationId xmlns:p14="http://schemas.microsoft.com/office/powerpoint/2010/main" val="1252715471"/>
       </p:ext>
     </p:extLst>
   </p:cSld>
@@ -9942,80 +11222,8 @@
         </p:blipFill>
         <p:spPr>
           <a:xfrm>
-            <a:off x="2184110" y="1943607"/>
-            <a:ext cx="4551190" cy="4351338"/>
-          </a:xfrm>
-          <a:prstGeom prst="rect">
-            <a:avLst/>
-          </a:prstGeom>
-        </p:spPr>
-      </p:pic>
-      <p:pic>
-        <p:nvPicPr>
-          <p:cNvPr id="5" name="Image 4"/>
-          <p:cNvPicPr>
-            <a:picLocks noChangeAspect="1"/>
-          </p:cNvPicPr>
-          <p:nvPr/>
-        </p:nvPicPr>
-        <p:blipFill>
-          <a:blip r:embed="rId3"/>
-          <a:stretch>
-            <a:fillRect/>
-          </a:stretch>
-        </p:blipFill>
-        <p:spPr>
-          <a:xfrm>
-            <a:off x="8600691" y="1943607"/>
-            <a:ext cx="2753109" cy="2057687"/>
-          </a:xfrm>
-          <a:prstGeom prst="rect">
-            <a:avLst/>
-          </a:prstGeom>
-        </p:spPr>
-      </p:pic>
-      <p:pic>
-        <p:nvPicPr>
-          <p:cNvPr id="6" name="Image 5"/>
-          <p:cNvPicPr>
-            <a:picLocks noChangeAspect="1"/>
-          </p:cNvPicPr>
-          <p:nvPr/>
-        </p:nvPicPr>
-        <p:blipFill>
-          <a:blip r:embed="rId4"/>
-          <a:stretch>
-            <a:fillRect/>
-          </a:stretch>
-        </p:blipFill>
-        <p:spPr>
-          <a:xfrm>
-            <a:off x="8734059" y="4254213"/>
-            <a:ext cx="2486372" cy="1495634"/>
-          </a:xfrm>
-          <a:prstGeom prst="rect">
-            <a:avLst/>
-          </a:prstGeom>
-        </p:spPr>
-      </p:pic>
-      <p:pic>
-        <p:nvPicPr>
-          <p:cNvPr id="7" name="Image 6"/>
-          <p:cNvPicPr>
-            <a:picLocks noChangeAspect="1"/>
-          </p:cNvPicPr>
-          <p:nvPr/>
-        </p:nvPicPr>
-        <p:blipFill>
-          <a:blip r:embed="rId5"/>
-          <a:stretch>
-            <a:fillRect/>
-          </a:stretch>
-        </p:blipFill>
-        <p:spPr>
-          <a:xfrm>
-            <a:off x="569290" y="2987211"/>
-            <a:ext cx="1505160" cy="1267002"/>
+            <a:off x="2951409" y="1825625"/>
+            <a:ext cx="6289181" cy="4351338"/>
           </a:xfrm>
           <a:prstGeom prst="rect">
             <a:avLst/>
@@ -10025,7 +11233,7 @@
     </p:spTree>
     <p:extLst>
       <p:ext uri="{BB962C8B-B14F-4D97-AF65-F5344CB8AC3E}">
-        <p14:creationId xmlns:p14="http://schemas.microsoft.com/office/powerpoint/2010/main" val="859190109"/>
+        <p14:creationId xmlns:p14="http://schemas.microsoft.com/office/powerpoint/2010/main" val="815895587"/>
       </p:ext>
     </p:extLst>
   </p:cSld>

--- a/11_MaxpidE/MaxPIDE.pptx
+++ b/11_MaxpidE/MaxPIDE.pptx
@@ -3477,44 +3477,6 @@
           <a:chExt cx="0" cy="0"/>
         </a:xfrm>
       </p:grpSpPr>
-      <p:sp>
-        <p:nvSpPr>
-          <p:cNvPr id="2" name="Titre 1"/>
-          <p:cNvSpPr>
-            <a:spLocks noGrp="1"/>
-          </p:cNvSpPr>
-          <p:nvPr>
-            <p:ph type="title"/>
-          </p:nvPr>
-        </p:nvSpPr>
-        <p:spPr/>
-        <p:txBody>
-          <a:bodyPr/>
-          <a:lstStyle/>
-          <a:p>
-            <a:endParaRPr lang="fr-FR"/>
-          </a:p>
-        </p:txBody>
-      </p:sp>
-      <p:sp>
-        <p:nvSpPr>
-          <p:cNvPr id="3" name="Espace réservé du contenu 2"/>
-          <p:cNvSpPr>
-            <a:spLocks noGrp="1"/>
-          </p:cNvSpPr>
-          <p:nvPr>
-            <p:ph idx="1"/>
-          </p:nvPr>
-        </p:nvSpPr>
-        <p:spPr/>
-        <p:txBody>
-          <a:bodyPr/>
-          <a:lstStyle/>
-          <a:p>
-            <a:endParaRPr lang="fr-FR"/>
-          </a:p>
-        </p:txBody>
-      </p:sp>
       <p:pic>
         <p:nvPicPr>
           <p:cNvPr id="4" name="Image 3"/>
@@ -3531,14 +3493,290 @@
         </p:blipFill>
         <p:spPr>
           <a:xfrm>
-            <a:off x="1318546" y="-248163"/>
-            <a:ext cx="9554908" cy="7354326"/>
+            <a:off x="1572133" y="426876"/>
+            <a:ext cx="3276000" cy="2521507"/>
           </a:xfrm>
           <a:prstGeom prst="rect">
             <a:avLst/>
           </a:prstGeom>
         </p:spPr>
       </p:pic>
+      <p:pic>
+        <p:nvPicPr>
+          <p:cNvPr id="5" name="Image 4">
+            <a:extLst>
+              <a:ext uri="{FF2B5EF4-FFF2-40B4-BE49-F238E27FC236}">
+                <a16:creationId xmlns:a16="http://schemas.microsoft.com/office/drawing/2014/main" id="{6D83658F-C6DB-D0BB-96F9-0A8BAB63046E}"/>
+              </a:ext>
+            </a:extLst>
+          </p:cNvPr>
+          <p:cNvPicPr>
+            <a:picLocks noChangeAspect="1"/>
+          </p:cNvPicPr>
+          <p:nvPr/>
+        </p:nvPicPr>
+        <p:blipFill>
+          <a:blip r:embed="rId3"/>
+          <a:stretch>
+            <a:fillRect/>
+          </a:stretch>
+        </p:blipFill>
+        <p:spPr>
+          <a:xfrm>
+            <a:off x="829212" y="3280203"/>
+            <a:ext cx="4761842" cy="2315631"/>
+          </a:xfrm>
+          <a:prstGeom prst="rect">
+            <a:avLst/>
+          </a:prstGeom>
+        </p:spPr>
+      </p:pic>
+      <p:pic>
+        <p:nvPicPr>
+          <p:cNvPr id="6" name="Image 5">
+            <a:extLst>
+              <a:ext uri="{FF2B5EF4-FFF2-40B4-BE49-F238E27FC236}">
+                <a16:creationId xmlns:a16="http://schemas.microsoft.com/office/drawing/2014/main" id="{C22CD328-38C9-83A5-0635-786280247617}"/>
+              </a:ext>
+            </a:extLst>
+          </p:cNvPr>
+          <p:cNvPicPr>
+            <a:picLocks noChangeAspect="1"/>
+          </p:cNvPicPr>
+          <p:nvPr/>
+        </p:nvPicPr>
+        <p:blipFill>
+          <a:blip r:embed="rId4"/>
+          <a:stretch>
+            <a:fillRect/>
+          </a:stretch>
+        </p:blipFill>
+        <p:spPr>
+          <a:xfrm>
+            <a:off x="6369407" y="81355"/>
+            <a:ext cx="2880000" cy="1827036"/>
+          </a:xfrm>
+          <a:prstGeom prst="rect">
+            <a:avLst/>
+          </a:prstGeom>
+        </p:spPr>
+      </p:pic>
+      <p:pic>
+        <p:nvPicPr>
+          <p:cNvPr id="7" name="Image 6">
+            <a:extLst>
+              <a:ext uri="{FF2B5EF4-FFF2-40B4-BE49-F238E27FC236}">
+                <a16:creationId xmlns:a16="http://schemas.microsoft.com/office/drawing/2014/main" id="{E3197104-4EAF-5344-CEF4-5B262BAEAD70}"/>
+              </a:ext>
+            </a:extLst>
+          </p:cNvPr>
+          <p:cNvPicPr>
+            <a:picLocks noChangeAspect="1"/>
+          </p:cNvPicPr>
+          <p:nvPr/>
+        </p:nvPicPr>
+        <p:blipFill>
+          <a:blip r:embed="rId5"/>
+          <a:stretch>
+            <a:fillRect/>
+          </a:stretch>
+        </p:blipFill>
+        <p:spPr>
+          <a:xfrm>
+            <a:off x="6369407" y="2029958"/>
+            <a:ext cx="2880000" cy="1836851"/>
+          </a:xfrm>
+          <a:prstGeom prst="rect">
+            <a:avLst/>
+          </a:prstGeom>
+        </p:spPr>
+      </p:pic>
+      <p:pic>
+        <p:nvPicPr>
+          <p:cNvPr id="8" name="Image 7">
+            <a:extLst>
+              <a:ext uri="{FF2B5EF4-FFF2-40B4-BE49-F238E27FC236}">
+                <a16:creationId xmlns:a16="http://schemas.microsoft.com/office/drawing/2014/main" id="{5134AF57-789F-0172-C4B3-9BB1B3D74E1C}"/>
+              </a:ext>
+            </a:extLst>
+          </p:cNvPr>
+          <p:cNvPicPr>
+            <a:picLocks noChangeAspect="1"/>
+          </p:cNvPicPr>
+          <p:nvPr/>
+        </p:nvPicPr>
+        <p:blipFill>
+          <a:blip r:embed="rId6"/>
+          <a:stretch>
+            <a:fillRect/>
+          </a:stretch>
+        </p:blipFill>
+        <p:spPr>
+          <a:xfrm>
+            <a:off x="6369407" y="3988376"/>
+            <a:ext cx="2880000" cy="1858805"/>
+          </a:xfrm>
+          <a:prstGeom prst="rect">
+            <a:avLst/>
+          </a:prstGeom>
+        </p:spPr>
+      </p:pic>
+      <p:sp>
+        <p:nvSpPr>
+          <p:cNvPr id="9" name="Rectangle 8">
+            <a:extLst>
+              <a:ext uri="{FF2B5EF4-FFF2-40B4-BE49-F238E27FC236}">
+                <a16:creationId xmlns:a16="http://schemas.microsoft.com/office/drawing/2014/main" id="{A93EA80D-884E-624B-6565-70B8DF566AF2}"/>
+              </a:ext>
+            </a:extLst>
+          </p:cNvPr>
+          <p:cNvSpPr/>
+          <p:nvPr/>
+        </p:nvSpPr>
+        <p:spPr>
+          <a:xfrm>
+            <a:off x="6369408" y="81355"/>
+            <a:ext cx="2880000" cy="1836850"/>
+          </a:xfrm>
+          <a:prstGeom prst="rect">
+            <a:avLst/>
+          </a:prstGeom>
+          <a:noFill/>
+          <a:ln w="28575">
+            <a:solidFill>
+              <a:srgbClr val="FF0000"/>
+            </a:solidFill>
+          </a:ln>
+        </p:spPr>
+        <p:style>
+          <a:lnRef idx="2">
+            <a:schemeClr val="accent1">
+              <a:shade val="15000"/>
+            </a:schemeClr>
+          </a:lnRef>
+          <a:fillRef idx="1">
+            <a:schemeClr val="accent1"/>
+          </a:fillRef>
+          <a:effectRef idx="0">
+            <a:schemeClr val="accent1"/>
+          </a:effectRef>
+          <a:fontRef idx="minor">
+            <a:schemeClr val="lt1"/>
+          </a:fontRef>
+        </p:style>
+        <p:txBody>
+          <a:bodyPr rtlCol="0" anchor="ctr"/>
+          <a:lstStyle/>
+          <a:p>
+            <a:pPr algn="ctr"/>
+            <a:endParaRPr lang="fr-FR"/>
+          </a:p>
+        </p:txBody>
+      </p:sp>
+      <p:sp>
+        <p:nvSpPr>
+          <p:cNvPr id="10" name="Rectangle 9">
+            <a:extLst>
+              <a:ext uri="{FF2B5EF4-FFF2-40B4-BE49-F238E27FC236}">
+                <a16:creationId xmlns:a16="http://schemas.microsoft.com/office/drawing/2014/main" id="{D9390CE5-928A-E6A3-495F-BEF224D0C941}"/>
+              </a:ext>
+            </a:extLst>
+          </p:cNvPr>
+          <p:cNvSpPr/>
+          <p:nvPr/>
+        </p:nvSpPr>
+        <p:spPr>
+          <a:xfrm>
+            <a:off x="6369407" y="2020144"/>
+            <a:ext cx="2880000" cy="1836850"/>
+          </a:xfrm>
+          <a:prstGeom prst="rect">
+            <a:avLst/>
+          </a:prstGeom>
+          <a:noFill/>
+          <a:ln w="28575">
+            <a:solidFill>
+              <a:srgbClr val="FF0000"/>
+            </a:solidFill>
+          </a:ln>
+        </p:spPr>
+        <p:style>
+          <a:lnRef idx="2">
+            <a:schemeClr val="accent1">
+              <a:shade val="15000"/>
+            </a:schemeClr>
+          </a:lnRef>
+          <a:fillRef idx="1">
+            <a:schemeClr val="accent1"/>
+          </a:fillRef>
+          <a:effectRef idx="0">
+            <a:schemeClr val="accent1"/>
+          </a:effectRef>
+          <a:fontRef idx="minor">
+            <a:schemeClr val="lt1"/>
+          </a:fontRef>
+        </p:style>
+        <p:txBody>
+          <a:bodyPr rtlCol="0" anchor="ctr"/>
+          <a:lstStyle/>
+          <a:p>
+            <a:pPr algn="ctr"/>
+            <a:endParaRPr lang="fr-FR"/>
+          </a:p>
+        </p:txBody>
+      </p:sp>
+      <p:sp>
+        <p:nvSpPr>
+          <p:cNvPr id="11" name="Rectangle 10">
+            <a:extLst>
+              <a:ext uri="{FF2B5EF4-FFF2-40B4-BE49-F238E27FC236}">
+                <a16:creationId xmlns:a16="http://schemas.microsoft.com/office/drawing/2014/main" id="{67941BEA-C462-5C26-3933-DC3E699F0A8F}"/>
+              </a:ext>
+            </a:extLst>
+          </p:cNvPr>
+          <p:cNvSpPr/>
+          <p:nvPr/>
+        </p:nvSpPr>
+        <p:spPr>
+          <a:xfrm>
+            <a:off x="6369407" y="3968747"/>
+            <a:ext cx="2880000" cy="1878434"/>
+          </a:xfrm>
+          <a:prstGeom prst="rect">
+            <a:avLst/>
+          </a:prstGeom>
+          <a:noFill/>
+          <a:ln w="28575">
+            <a:solidFill>
+              <a:srgbClr val="FF0000"/>
+            </a:solidFill>
+          </a:ln>
+        </p:spPr>
+        <p:style>
+          <a:lnRef idx="2">
+            <a:schemeClr val="accent1">
+              <a:shade val="15000"/>
+            </a:schemeClr>
+          </a:lnRef>
+          <a:fillRef idx="1">
+            <a:schemeClr val="accent1"/>
+          </a:fillRef>
+          <a:effectRef idx="0">
+            <a:schemeClr val="accent1"/>
+          </a:effectRef>
+          <a:fontRef idx="minor">
+            <a:schemeClr val="lt1"/>
+          </a:fontRef>
+        </p:style>
+        <p:txBody>
+          <a:bodyPr rtlCol="0" anchor="ctr"/>
+          <a:lstStyle/>
+          <a:p>
+            <a:pPr algn="ctr"/>
+            <a:endParaRPr lang="fr-FR"/>
+          </a:p>
+        </p:txBody>
+      </p:sp>
     </p:spTree>
     <p:extLst>
       <p:ext uri="{BB962C8B-B14F-4D97-AF65-F5344CB8AC3E}">
@@ -3569,25 +3807,6 @@
           <a:chExt cx="0" cy="0"/>
         </a:xfrm>
       </p:grpSpPr>
-      <p:sp>
-        <p:nvSpPr>
-          <p:cNvPr id="2" name="Titre 1"/>
-          <p:cNvSpPr>
-            <a:spLocks noGrp="1"/>
-          </p:cNvSpPr>
-          <p:nvPr>
-            <p:ph type="title"/>
-          </p:nvPr>
-        </p:nvSpPr>
-        <p:spPr/>
-        <p:txBody>
-          <a:bodyPr/>
-          <a:lstStyle/>
-          <a:p>
-            <a:endParaRPr lang="fr-FR"/>
-          </a:p>
-        </p:txBody>
-      </p:sp>
       <p:pic>
         <p:nvPicPr>
           <p:cNvPr id="4" name="Image 3"/>
@@ -3676,7 +3895,7 @@
         </p:blipFill>
         <p:spPr>
           <a:xfrm>
-            <a:off x="6736190" y="4115367"/>
+            <a:off x="6571583" y="4949609"/>
             <a:ext cx="4782217" cy="3086531"/>
           </a:xfrm>
           <a:prstGeom prst="rect">
@@ -3714,145 +3933,168 @@
           <a:chExt cx="0" cy="0"/>
         </a:xfrm>
       </p:grpSpPr>
-      <p:sp>
-        <p:nvSpPr>
-          <p:cNvPr id="2" name="Titre 1"/>
-          <p:cNvSpPr>
-            <a:spLocks noGrp="1"/>
-          </p:cNvSpPr>
-          <p:nvPr>
-            <p:ph type="title"/>
-          </p:nvPr>
-        </p:nvSpPr>
-        <p:spPr/>
-        <p:txBody>
-          <a:bodyPr/>
-          <a:lstStyle/>
-          <a:p>
-            <a:endParaRPr lang="fr-FR"/>
-          </a:p>
-        </p:txBody>
-      </p:sp>
-      <p:pic>
-        <p:nvPicPr>
-          <p:cNvPr id="4" name="Image 3"/>
-          <p:cNvPicPr>
-            <a:picLocks noChangeAspect="1"/>
-          </p:cNvPicPr>
+      <p:grpSp>
+        <p:nvGrpSpPr>
+          <p:cNvPr id="9" name="Groupe 8">
+            <a:extLst>
+              <a:ext uri="{FF2B5EF4-FFF2-40B4-BE49-F238E27FC236}">
+                <a16:creationId xmlns:a16="http://schemas.microsoft.com/office/drawing/2014/main" id="{CE634CF4-A706-0548-6E63-D9DABF1D423E}"/>
+              </a:ext>
+            </a:extLst>
+          </p:cNvPr>
+          <p:cNvGrpSpPr/>
           <p:nvPr/>
-        </p:nvPicPr>
-        <p:blipFill>
-          <a:blip r:embed="rId2"/>
-          <a:stretch>
-            <a:fillRect/>
-          </a:stretch>
-        </p:blipFill>
-        <p:spPr>
+        </p:nvGrpSpPr>
+        <p:grpSpPr>
           <a:xfrm>
-            <a:off x="218255" y="290317"/>
-            <a:ext cx="5877745" cy="2800741"/>
-          </a:xfrm>
-          <a:prstGeom prst="rect">
-            <a:avLst/>
-          </a:prstGeom>
-        </p:spPr>
-      </p:pic>
-      <p:pic>
-        <p:nvPicPr>
-          <p:cNvPr id="5" name="Image 4"/>
-          <p:cNvPicPr>
-            <a:picLocks noChangeAspect="1"/>
-          </p:cNvPicPr>
+            <a:off x="122971" y="2103436"/>
+            <a:ext cx="9275376" cy="1440000"/>
+            <a:chOff x="122971" y="2103436"/>
+            <a:chExt cx="9275376" cy="1440000"/>
+          </a:xfrm>
+        </p:grpSpPr>
+        <p:pic>
+          <p:nvPicPr>
+            <p:cNvPr id="4" name="Image 3"/>
+            <p:cNvPicPr>
+              <a:picLocks noChangeAspect="1"/>
+            </p:cNvPicPr>
+            <p:nvPr/>
+          </p:nvPicPr>
+          <p:blipFill>
+            <a:blip r:embed="rId2"/>
+            <a:stretch>
+              <a:fillRect/>
+            </a:stretch>
+          </p:blipFill>
+          <p:spPr>
+            <a:xfrm>
+              <a:off x="122971" y="2103436"/>
+              <a:ext cx="3022040" cy="1440000"/>
+            </a:xfrm>
+            <a:prstGeom prst="rect">
+              <a:avLst/>
+            </a:prstGeom>
+          </p:spPr>
+        </p:pic>
+        <p:pic>
+          <p:nvPicPr>
+            <p:cNvPr id="5" name="Image 4"/>
+            <p:cNvPicPr>
+              <a:picLocks noChangeAspect="1"/>
+            </p:cNvPicPr>
+            <p:nvPr/>
+          </p:nvPicPr>
+          <p:blipFill>
+            <a:blip r:embed="rId3"/>
+            <a:stretch>
+              <a:fillRect/>
+            </a:stretch>
+          </p:blipFill>
+          <p:spPr>
+            <a:xfrm>
+              <a:off x="3217430" y="2103436"/>
+              <a:ext cx="3057540" cy="1440000"/>
+            </a:xfrm>
+            <a:prstGeom prst="rect">
+              <a:avLst/>
+            </a:prstGeom>
+          </p:spPr>
+        </p:pic>
+        <p:pic>
+          <p:nvPicPr>
+            <p:cNvPr id="6" name="Image 5"/>
+            <p:cNvPicPr>
+              <a:picLocks noChangeAspect="1"/>
+            </p:cNvPicPr>
+            <p:nvPr/>
+          </p:nvPicPr>
+          <p:blipFill>
+            <a:blip r:embed="rId4"/>
+            <a:stretch>
+              <a:fillRect/>
+            </a:stretch>
+          </p:blipFill>
+          <p:spPr>
+            <a:xfrm>
+              <a:off x="6356167" y="2103436"/>
+              <a:ext cx="3042180" cy="1440000"/>
+            </a:xfrm>
+            <a:prstGeom prst="rect">
+              <a:avLst/>
+            </a:prstGeom>
+          </p:spPr>
+        </p:pic>
+      </p:grpSp>
+      <p:grpSp>
+        <p:nvGrpSpPr>
+          <p:cNvPr id="3" name="Groupe 2">
+            <a:extLst>
+              <a:ext uri="{FF2B5EF4-FFF2-40B4-BE49-F238E27FC236}">
+                <a16:creationId xmlns:a16="http://schemas.microsoft.com/office/drawing/2014/main" id="{4F97C384-5EC1-C5BA-5B99-F2EE1DA92C3F}"/>
+              </a:ext>
+            </a:extLst>
+          </p:cNvPr>
+          <p:cNvGrpSpPr/>
           <p:nvPr/>
-        </p:nvPicPr>
-        <p:blipFill>
-          <a:blip r:embed="rId3"/>
-          <a:stretch>
-            <a:fillRect/>
-          </a:stretch>
-        </p:blipFill>
-        <p:spPr>
+        </p:nvGrpSpPr>
+        <p:grpSpPr>
           <a:xfrm>
-            <a:off x="481785" y="2979844"/>
-            <a:ext cx="5906324" cy="2781688"/>
-          </a:xfrm>
-          <a:prstGeom prst="rect">
-            <a:avLst/>
-          </a:prstGeom>
-        </p:spPr>
-      </p:pic>
-      <p:pic>
-        <p:nvPicPr>
-          <p:cNvPr id="6" name="Image 5"/>
-          <p:cNvPicPr>
-            <a:picLocks noChangeAspect="1"/>
-          </p:cNvPicPr>
-          <p:nvPr/>
-        </p:nvPicPr>
-        <p:blipFill>
-          <a:blip r:embed="rId4"/>
-          <a:stretch>
-            <a:fillRect/>
-          </a:stretch>
-        </p:blipFill>
-        <p:spPr>
-          <a:xfrm>
-            <a:off x="6283748" y="519376"/>
-            <a:ext cx="5896798" cy="2791215"/>
-          </a:xfrm>
-          <a:prstGeom prst="rect">
-            <a:avLst/>
-          </a:prstGeom>
-        </p:spPr>
-      </p:pic>
-      <p:pic>
-        <p:nvPicPr>
-          <p:cNvPr id="7" name="Image 6"/>
-          <p:cNvPicPr>
-            <a:picLocks noChangeAspect="1"/>
-          </p:cNvPicPr>
-          <p:nvPr/>
-        </p:nvPicPr>
-        <p:blipFill>
-          <a:blip r:embed="rId5"/>
-          <a:stretch>
-            <a:fillRect/>
-          </a:stretch>
-        </p:blipFill>
-        <p:spPr>
-          <a:xfrm>
-            <a:off x="6611864" y="3197612"/>
-            <a:ext cx="5858693" cy="2676899"/>
-          </a:xfrm>
-          <a:prstGeom prst="rect">
-            <a:avLst/>
-          </a:prstGeom>
-        </p:spPr>
-      </p:pic>
-      <p:pic>
-        <p:nvPicPr>
-          <p:cNvPr id="8" name="Image 7"/>
-          <p:cNvPicPr>
-            <a:picLocks noChangeAspect="1"/>
-          </p:cNvPicPr>
-          <p:nvPr/>
-        </p:nvPicPr>
-        <p:blipFill>
-          <a:blip r:embed="rId6"/>
-          <a:stretch>
-            <a:fillRect/>
-          </a:stretch>
-        </p:blipFill>
-        <p:spPr>
-          <a:xfrm>
-            <a:off x="4274464" y="5674133"/>
-            <a:ext cx="5887272" cy="2753109"/>
-          </a:xfrm>
-          <a:prstGeom prst="rect">
-            <a:avLst/>
-          </a:prstGeom>
-        </p:spPr>
-      </p:pic>
+            <a:off x="1579387" y="3734685"/>
+            <a:ext cx="6362545" cy="1440000"/>
+            <a:chOff x="1452075" y="3696183"/>
+            <a:chExt cx="6362545" cy="1440000"/>
+          </a:xfrm>
+        </p:grpSpPr>
+        <p:pic>
+          <p:nvPicPr>
+            <p:cNvPr id="7" name="Image 6"/>
+            <p:cNvPicPr>
+              <a:picLocks noChangeAspect="1"/>
+            </p:cNvPicPr>
+            <p:nvPr/>
+          </p:nvPicPr>
+          <p:blipFill>
+            <a:blip r:embed="rId5"/>
+            <a:stretch>
+              <a:fillRect/>
+            </a:stretch>
+          </p:blipFill>
+          <p:spPr>
+            <a:xfrm>
+              <a:off x="1452075" y="3696183"/>
+              <a:ext cx="3151602" cy="1440000"/>
+            </a:xfrm>
+            <a:prstGeom prst="rect">
+              <a:avLst/>
+            </a:prstGeom>
+          </p:spPr>
+        </p:pic>
+        <p:pic>
+          <p:nvPicPr>
+            <p:cNvPr id="8" name="Image 7"/>
+            <p:cNvPicPr>
+              <a:picLocks noChangeAspect="1"/>
+            </p:cNvPicPr>
+            <p:nvPr/>
+          </p:nvPicPr>
+          <p:blipFill>
+            <a:blip r:embed="rId6"/>
+            <a:stretch>
+              <a:fillRect/>
+            </a:stretch>
+          </p:blipFill>
+          <p:spPr>
+            <a:xfrm>
+              <a:off x="4735320" y="3696183"/>
+              <a:ext cx="3079300" cy="1440000"/>
+            </a:xfrm>
+            <a:prstGeom prst="rect">
+              <a:avLst/>
+            </a:prstGeom>
+          </p:spPr>
+        </p:pic>
+      </p:grpSp>
     </p:spTree>
     <p:extLst>
       <p:ext uri="{BB962C8B-B14F-4D97-AF65-F5344CB8AC3E}">
@@ -9881,7 +10123,7 @@
         </p:nvSpPr>
         <p:spPr>
           <a:xfrm>
-            <a:off x="3953346" y="464962"/>
+            <a:off x="3569140" y="871143"/>
             <a:ext cx="360000" cy="360000"/>
           </a:xfrm>
           <a:prstGeom prst="ellipse">

--- a/11_MaxpidE/MaxPIDE.pptx
+++ b/11_MaxpidE/MaxPIDE.pptx
@@ -259,7 +259,7 @@
           <a:p>
             <a:fld id="{446B8E21-113E-4F0A-8830-E88648DF3139}" type="datetimeFigureOut">
               <a:rPr lang="fr-FR" smtClean="0"/>
-              <a:t>09/05/2024</a:t>
+              <a:t>10/05/2024</a:t>
             </a:fld>
             <a:endParaRPr lang="fr-FR"/>
           </a:p>
@@ -427,7 +427,7 @@
           <a:p>
             <a:fld id="{446B8E21-113E-4F0A-8830-E88648DF3139}" type="datetimeFigureOut">
               <a:rPr lang="fr-FR" smtClean="0"/>
-              <a:t>09/05/2024</a:t>
+              <a:t>10/05/2024</a:t>
             </a:fld>
             <a:endParaRPr lang="fr-FR"/>
           </a:p>
@@ -605,7 +605,7 @@
           <a:p>
             <a:fld id="{446B8E21-113E-4F0A-8830-E88648DF3139}" type="datetimeFigureOut">
               <a:rPr lang="fr-FR" smtClean="0"/>
-              <a:t>09/05/2024</a:t>
+              <a:t>10/05/2024</a:t>
             </a:fld>
             <a:endParaRPr lang="fr-FR"/>
           </a:p>
@@ -773,7 +773,7 @@
           <a:p>
             <a:fld id="{446B8E21-113E-4F0A-8830-E88648DF3139}" type="datetimeFigureOut">
               <a:rPr lang="fr-FR" smtClean="0"/>
-              <a:t>09/05/2024</a:t>
+              <a:t>10/05/2024</a:t>
             </a:fld>
             <a:endParaRPr lang="fr-FR"/>
           </a:p>
@@ -1018,7 +1018,7 @@
           <a:p>
             <a:fld id="{446B8E21-113E-4F0A-8830-E88648DF3139}" type="datetimeFigureOut">
               <a:rPr lang="fr-FR" smtClean="0"/>
-              <a:t>09/05/2024</a:t>
+              <a:t>10/05/2024</a:t>
             </a:fld>
             <a:endParaRPr lang="fr-FR"/>
           </a:p>
@@ -1247,7 +1247,7 @@
           <a:p>
             <a:fld id="{446B8E21-113E-4F0A-8830-E88648DF3139}" type="datetimeFigureOut">
               <a:rPr lang="fr-FR" smtClean="0"/>
-              <a:t>09/05/2024</a:t>
+              <a:t>10/05/2024</a:t>
             </a:fld>
             <a:endParaRPr lang="fr-FR"/>
           </a:p>
@@ -1611,7 +1611,7 @@
           <a:p>
             <a:fld id="{446B8E21-113E-4F0A-8830-E88648DF3139}" type="datetimeFigureOut">
               <a:rPr lang="fr-FR" smtClean="0"/>
-              <a:t>09/05/2024</a:t>
+              <a:t>10/05/2024</a:t>
             </a:fld>
             <a:endParaRPr lang="fr-FR"/>
           </a:p>
@@ -1728,7 +1728,7 @@
           <a:p>
             <a:fld id="{446B8E21-113E-4F0A-8830-E88648DF3139}" type="datetimeFigureOut">
               <a:rPr lang="fr-FR" smtClean="0"/>
-              <a:t>09/05/2024</a:t>
+              <a:t>10/05/2024</a:t>
             </a:fld>
             <a:endParaRPr lang="fr-FR"/>
           </a:p>
@@ -1823,7 +1823,7 @@
           <a:p>
             <a:fld id="{446B8E21-113E-4F0A-8830-E88648DF3139}" type="datetimeFigureOut">
               <a:rPr lang="fr-FR" smtClean="0"/>
-              <a:t>09/05/2024</a:t>
+              <a:t>10/05/2024</a:t>
             </a:fld>
             <a:endParaRPr lang="fr-FR"/>
           </a:p>
@@ -2098,7 +2098,7 @@
           <a:p>
             <a:fld id="{446B8E21-113E-4F0A-8830-E88648DF3139}" type="datetimeFigureOut">
               <a:rPr lang="fr-FR" smtClean="0"/>
-              <a:t>09/05/2024</a:t>
+              <a:t>10/05/2024</a:t>
             </a:fld>
             <a:endParaRPr lang="fr-FR"/>
           </a:p>
@@ -2350,7 +2350,7 @@
           <a:p>
             <a:fld id="{446B8E21-113E-4F0A-8830-E88648DF3139}" type="datetimeFigureOut">
               <a:rPr lang="fr-FR" smtClean="0"/>
-              <a:t>09/05/2024</a:t>
+              <a:t>10/05/2024</a:t>
             </a:fld>
             <a:endParaRPr lang="fr-FR"/>
           </a:p>
@@ -2561,7 +2561,7 @@
           <a:p>
             <a:fld id="{446B8E21-113E-4F0A-8830-E88648DF3139}" type="datetimeFigureOut">
               <a:rPr lang="fr-FR" smtClean="0"/>
-              <a:t>09/05/2024</a:t>
+              <a:t>10/05/2024</a:t>
             </a:fld>
             <a:endParaRPr lang="fr-FR"/>
           </a:p>
@@ -3477,306 +3477,171 @@
           <a:chExt cx="0" cy="0"/>
         </a:xfrm>
       </p:grpSpPr>
-      <p:pic>
-        <p:nvPicPr>
-          <p:cNvPr id="4" name="Image 3"/>
-          <p:cNvPicPr>
-            <a:picLocks noChangeAspect="1"/>
-          </p:cNvPicPr>
-          <p:nvPr/>
-        </p:nvPicPr>
-        <p:blipFill>
-          <a:blip r:embed="rId2"/>
-          <a:stretch>
-            <a:fillRect/>
-          </a:stretch>
-        </p:blipFill>
-        <p:spPr>
-          <a:xfrm>
-            <a:off x="1572133" y="426876"/>
-            <a:ext cx="3276000" cy="2521507"/>
-          </a:xfrm>
-          <a:prstGeom prst="rect">
-            <a:avLst/>
-          </a:prstGeom>
-        </p:spPr>
-      </p:pic>
-      <p:pic>
-        <p:nvPicPr>
-          <p:cNvPr id="5" name="Image 4">
+      <p:grpSp>
+        <p:nvGrpSpPr>
+          <p:cNvPr id="2" name="Groupe 1">
             <a:extLst>
               <a:ext uri="{FF2B5EF4-FFF2-40B4-BE49-F238E27FC236}">
-                <a16:creationId xmlns:a16="http://schemas.microsoft.com/office/drawing/2014/main" id="{6D83658F-C6DB-D0BB-96F9-0A8BAB63046E}"/>
+                <a16:creationId xmlns:a16="http://schemas.microsoft.com/office/drawing/2014/main" id="{6F781E70-9115-E735-C935-B117723E3B0C}"/>
               </a:ext>
             </a:extLst>
           </p:cNvPr>
-          <p:cNvPicPr>
-            <a:picLocks noChangeAspect="1"/>
-          </p:cNvPicPr>
+          <p:cNvGrpSpPr/>
           <p:nvPr/>
-        </p:nvPicPr>
-        <p:blipFill>
-          <a:blip r:embed="rId3"/>
-          <a:stretch>
-            <a:fillRect/>
-          </a:stretch>
-        </p:blipFill>
-        <p:spPr>
+        </p:nvGrpSpPr>
+        <p:grpSpPr>
           <a:xfrm>
-            <a:off x="829212" y="3280203"/>
-            <a:ext cx="4761842" cy="2315631"/>
-          </a:xfrm>
-          <a:prstGeom prst="rect">
-            <a:avLst/>
-          </a:prstGeom>
-        </p:spPr>
-      </p:pic>
-      <p:pic>
-        <p:nvPicPr>
-          <p:cNvPr id="6" name="Image 5">
-            <a:extLst>
-              <a:ext uri="{FF2B5EF4-FFF2-40B4-BE49-F238E27FC236}">
-                <a16:creationId xmlns:a16="http://schemas.microsoft.com/office/drawing/2014/main" id="{C22CD328-38C9-83A5-0635-786280247617}"/>
-              </a:ext>
-            </a:extLst>
-          </p:cNvPr>
-          <p:cNvPicPr>
-            <a:picLocks noChangeAspect="1"/>
-          </p:cNvPicPr>
-          <p:nvPr/>
-        </p:nvPicPr>
-        <p:blipFill>
-          <a:blip r:embed="rId4"/>
-          <a:stretch>
-            <a:fillRect/>
-          </a:stretch>
-        </p:blipFill>
-        <p:spPr>
-          <a:xfrm>
-            <a:off x="6369407" y="81355"/>
-            <a:ext cx="2880000" cy="1827036"/>
-          </a:xfrm>
-          <a:prstGeom prst="rect">
-            <a:avLst/>
-          </a:prstGeom>
-        </p:spPr>
-      </p:pic>
-      <p:pic>
-        <p:nvPicPr>
-          <p:cNvPr id="7" name="Image 6">
-            <a:extLst>
-              <a:ext uri="{FF2B5EF4-FFF2-40B4-BE49-F238E27FC236}">
-                <a16:creationId xmlns:a16="http://schemas.microsoft.com/office/drawing/2014/main" id="{E3197104-4EAF-5344-CEF4-5B262BAEAD70}"/>
-              </a:ext>
-            </a:extLst>
-          </p:cNvPr>
-          <p:cNvPicPr>
-            <a:picLocks noChangeAspect="1"/>
-          </p:cNvPicPr>
-          <p:nvPr/>
-        </p:nvPicPr>
-        <p:blipFill>
-          <a:blip r:embed="rId5"/>
-          <a:stretch>
-            <a:fillRect/>
-          </a:stretch>
-        </p:blipFill>
-        <p:spPr>
-          <a:xfrm>
-            <a:off x="6369407" y="2029958"/>
-            <a:ext cx="2880000" cy="1836851"/>
-          </a:xfrm>
-          <a:prstGeom prst="rect">
-            <a:avLst/>
-          </a:prstGeom>
-        </p:spPr>
-      </p:pic>
-      <p:pic>
-        <p:nvPicPr>
-          <p:cNvPr id="8" name="Image 7">
-            <a:extLst>
-              <a:ext uri="{FF2B5EF4-FFF2-40B4-BE49-F238E27FC236}">
-                <a16:creationId xmlns:a16="http://schemas.microsoft.com/office/drawing/2014/main" id="{5134AF57-789F-0172-C4B3-9BB1B3D74E1C}"/>
-              </a:ext>
-            </a:extLst>
-          </p:cNvPr>
-          <p:cNvPicPr>
-            <a:picLocks noChangeAspect="1"/>
-          </p:cNvPicPr>
-          <p:nvPr/>
-        </p:nvPicPr>
-        <p:blipFill>
-          <a:blip r:embed="rId6"/>
-          <a:stretch>
-            <a:fillRect/>
-          </a:stretch>
-        </p:blipFill>
-        <p:spPr>
-          <a:xfrm>
-            <a:off x="6369407" y="3988376"/>
-            <a:ext cx="2880000" cy="1858805"/>
-          </a:xfrm>
-          <a:prstGeom prst="rect">
-            <a:avLst/>
-          </a:prstGeom>
-        </p:spPr>
-      </p:pic>
-      <p:sp>
-        <p:nvSpPr>
-          <p:cNvPr id="9" name="Rectangle 8">
-            <a:extLst>
-              <a:ext uri="{FF2B5EF4-FFF2-40B4-BE49-F238E27FC236}">
-                <a16:creationId xmlns:a16="http://schemas.microsoft.com/office/drawing/2014/main" id="{A93EA80D-884E-624B-6565-70B8DF566AF2}"/>
-              </a:ext>
-            </a:extLst>
-          </p:cNvPr>
-          <p:cNvSpPr/>
-          <p:nvPr/>
-        </p:nvSpPr>
-        <p:spPr>
-          <a:xfrm>
-            <a:off x="6369408" y="81355"/>
-            <a:ext cx="2880000" cy="1836850"/>
-          </a:xfrm>
-          <a:prstGeom prst="rect">
-            <a:avLst/>
-          </a:prstGeom>
-          <a:noFill/>
-          <a:ln w="28575">
-            <a:solidFill>
-              <a:srgbClr val="FF0000"/>
-            </a:solidFill>
-          </a:ln>
-        </p:spPr>
-        <p:style>
-          <a:lnRef idx="2">
-            <a:schemeClr val="accent1">
-              <a:shade val="15000"/>
-            </a:schemeClr>
-          </a:lnRef>
-          <a:fillRef idx="1">
-            <a:schemeClr val="accent1"/>
-          </a:fillRef>
-          <a:effectRef idx="0">
-            <a:schemeClr val="accent1"/>
-          </a:effectRef>
-          <a:fontRef idx="minor">
-            <a:schemeClr val="lt1"/>
-          </a:fontRef>
-        </p:style>
-        <p:txBody>
-          <a:bodyPr rtlCol="0" anchor="ctr"/>
-          <a:lstStyle/>
-          <a:p>
-            <a:pPr algn="ctr"/>
-            <a:endParaRPr lang="fr-FR"/>
-          </a:p>
-        </p:txBody>
-      </p:sp>
-      <p:sp>
-        <p:nvSpPr>
-          <p:cNvPr id="10" name="Rectangle 9">
-            <a:extLst>
-              <a:ext uri="{FF2B5EF4-FFF2-40B4-BE49-F238E27FC236}">
-                <a16:creationId xmlns:a16="http://schemas.microsoft.com/office/drawing/2014/main" id="{D9390CE5-928A-E6A3-495F-BEF224D0C941}"/>
-              </a:ext>
-            </a:extLst>
-          </p:cNvPr>
-          <p:cNvSpPr/>
-          <p:nvPr/>
-        </p:nvSpPr>
-        <p:spPr>
-          <a:xfrm>
-            <a:off x="6369407" y="2020144"/>
-            <a:ext cx="2880000" cy="1836850"/>
-          </a:xfrm>
-          <a:prstGeom prst="rect">
-            <a:avLst/>
-          </a:prstGeom>
-          <a:noFill/>
-          <a:ln w="28575">
-            <a:solidFill>
-              <a:srgbClr val="FF0000"/>
-            </a:solidFill>
-          </a:ln>
-        </p:spPr>
-        <p:style>
-          <a:lnRef idx="2">
-            <a:schemeClr val="accent1">
-              <a:shade val="15000"/>
-            </a:schemeClr>
-          </a:lnRef>
-          <a:fillRef idx="1">
-            <a:schemeClr val="accent1"/>
-          </a:fillRef>
-          <a:effectRef idx="0">
-            <a:schemeClr val="accent1"/>
-          </a:effectRef>
-          <a:fontRef idx="minor">
-            <a:schemeClr val="lt1"/>
-          </a:fontRef>
-        </p:style>
-        <p:txBody>
-          <a:bodyPr rtlCol="0" anchor="ctr"/>
-          <a:lstStyle/>
-          <a:p>
-            <a:pPr algn="ctr"/>
-            <a:endParaRPr lang="fr-FR"/>
-          </a:p>
-        </p:txBody>
-      </p:sp>
-      <p:sp>
-        <p:nvSpPr>
-          <p:cNvPr id="11" name="Rectangle 10">
-            <a:extLst>
-              <a:ext uri="{FF2B5EF4-FFF2-40B4-BE49-F238E27FC236}">
-                <a16:creationId xmlns:a16="http://schemas.microsoft.com/office/drawing/2014/main" id="{67941BEA-C462-5C26-3933-DC3E699F0A8F}"/>
-              </a:ext>
-            </a:extLst>
-          </p:cNvPr>
-          <p:cNvSpPr/>
-          <p:nvPr/>
-        </p:nvSpPr>
-        <p:spPr>
-          <a:xfrm>
-            <a:off x="6369407" y="3968747"/>
-            <a:ext cx="2880000" cy="1878434"/>
-          </a:xfrm>
-          <a:prstGeom prst="rect">
-            <a:avLst/>
-          </a:prstGeom>
-          <a:noFill/>
-          <a:ln w="28575">
-            <a:solidFill>
-              <a:srgbClr val="FF0000"/>
-            </a:solidFill>
-          </a:ln>
-        </p:spPr>
-        <p:style>
-          <a:lnRef idx="2">
-            <a:schemeClr val="accent1">
-              <a:shade val="15000"/>
-            </a:schemeClr>
-          </a:lnRef>
-          <a:fillRef idx="1">
-            <a:schemeClr val="accent1"/>
-          </a:fillRef>
-          <a:effectRef idx="0">
-            <a:schemeClr val="accent1"/>
-          </a:effectRef>
-          <a:fontRef idx="minor">
-            <a:schemeClr val="lt1"/>
-          </a:fontRef>
-        </p:style>
-        <p:txBody>
-          <a:bodyPr rtlCol="0" anchor="ctr"/>
-          <a:lstStyle/>
-          <a:p>
-            <a:pPr algn="ctr"/>
-            <a:endParaRPr lang="fr-FR"/>
-          </a:p>
-        </p:txBody>
-      </p:sp>
+            <a:off x="829212" y="81355"/>
+            <a:ext cx="8154380" cy="5765826"/>
+            <a:chOff x="829212" y="81355"/>
+            <a:chExt cx="8154380" cy="5765826"/>
+          </a:xfrm>
+        </p:grpSpPr>
+        <p:pic>
+          <p:nvPicPr>
+            <p:cNvPr id="4" name="Image 3"/>
+            <p:cNvPicPr>
+              <a:picLocks noChangeAspect="1"/>
+            </p:cNvPicPr>
+            <p:nvPr/>
+          </p:nvPicPr>
+          <p:blipFill>
+            <a:blip r:embed="rId2"/>
+            <a:stretch>
+              <a:fillRect/>
+            </a:stretch>
+          </p:blipFill>
+          <p:spPr>
+            <a:xfrm>
+              <a:off x="1572133" y="426876"/>
+              <a:ext cx="3276000" cy="2521507"/>
+            </a:xfrm>
+            <a:prstGeom prst="rect">
+              <a:avLst/>
+            </a:prstGeom>
+          </p:spPr>
+        </p:pic>
+        <p:pic>
+          <p:nvPicPr>
+            <p:cNvPr id="5" name="Image 4">
+              <a:extLst>
+                <a:ext uri="{FF2B5EF4-FFF2-40B4-BE49-F238E27FC236}">
+                  <a16:creationId xmlns:a16="http://schemas.microsoft.com/office/drawing/2014/main" id="{6D83658F-C6DB-D0BB-96F9-0A8BAB63046E}"/>
+                </a:ext>
+              </a:extLst>
+            </p:cNvPr>
+            <p:cNvPicPr>
+              <a:picLocks noChangeAspect="1"/>
+            </p:cNvPicPr>
+            <p:nvPr/>
+          </p:nvPicPr>
+          <p:blipFill>
+            <a:blip r:embed="rId3"/>
+            <a:stretch>
+              <a:fillRect/>
+            </a:stretch>
+          </p:blipFill>
+          <p:spPr>
+            <a:xfrm>
+              <a:off x="829212" y="3280203"/>
+              <a:ext cx="4761842" cy="2315631"/>
+            </a:xfrm>
+            <a:prstGeom prst="rect">
+              <a:avLst/>
+            </a:prstGeom>
+          </p:spPr>
+        </p:pic>
+        <p:pic>
+          <p:nvPicPr>
+            <p:cNvPr id="6" name="Image 5">
+              <a:extLst>
+                <a:ext uri="{FF2B5EF4-FFF2-40B4-BE49-F238E27FC236}">
+                  <a16:creationId xmlns:a16="http://schemas.microsoft.com/office/drawing/2014/main" id="{C22CD328-38C9-83A5-0635-786280247617}"/>
+                </a:ext>
+              </a:extLst>
+            </p:cNvPr>
+            <p:cNvPicPr>
+              <a:picLocks noChangeAspect="1"/>
+            </p:cNvPicPr>
+            <p:nvPr/>
+          </p:nvPicPr>
+          <p:blipFill>
+            <a:blip r:embed="rId4"/>
+            <a:stretch>
+              <a:fillRect/>
+            </a:stretch>
+          </p:blipFill>
+          <p:spPr>
+            <a:xfrm>
+              <a:off x="6103592" y="81355"/>
+              <a:ext cx="2880000" cy="1827036"/>
+            </a:xfrm>
+            <a:prstGeom prst="rect">
+              <a:avLst/>
+            </a:prstGeom>
+          </p:spPr>
+        </p:pic>
+        <p:pic>
+          <p:nvPicPr>
+            <p:cNvPr id="7" name="Image 6">
+              <a:extLst>
+                <a:ext uri="{FF2B5EF4-FFF2-40B4-BE49-F238E27FC236}">
+                  <a16:creationId xmlns:a16="http://schemas.microsoft.com/office/drawing/2014/main" id="{E3197104-4EAF-5344-CEF4-5B262BAEAD70}"/>
+                </a:ext>
+              </a:extLst>
+            </p:cNvPr>
+            <p:cNvPicPr>
+              <a:picLocks noChangeAspect="1"/>
+            </p:cNvPicPr>
+            <p:nvPr/>
+          </p:nvPicPr>
+          <p:blipFill>
+            <a:blip r:embed="rId5"/>
+            <a:stretch>
+              <a:fillRect/>
+            </a:stretch>
+          </p:blipFill>
+          <p:spPr>
+            <a:xfrm>
+              <a:off x="6103592" y="2029958"/>
+              <a:ext cx="2880000" cy="1836851"/>
+            </a:xfrm>
+            <a:prstGeom prst="rect">
+              <a:avLst/>
+            </a:prstGeom>
+          </p:spPr>
+        </p:pic>
+        <p:pic>
+          <p:nvPicPr>
+            <p:cNvPr id="8" name="Image 7">
+              <a:extLst>
+                <a:ext uri="{FF2B5EF4-FFF2-40B4-BE49-F238E27FC236}">
+                  <a16:creationId xmlns:a16="http://schemas.microsoft.com/office/drawing/2014/main" id="{5134AF57-789F-0172-C4B3-9BB1B3D74E1C}"/>
+                </a:ext>
+              </a:extLst>
+            </p:cNvPr>
+            <p:cNvPicPr>
+              <a:picLocks noChangeAspect="1"/>
+            </p:cNvPicPr>
+            <p:nvPr/>
+          </p:nvPicPr>
+          <p:blipFill>
+            <a:blip r:embed="rId6"/>
+            <a:stretch>
+              <a:fillRect/>
+            </a:stretch>
+          </p:blipFill>
+          <p:spPr>
+            <a:xfrm>
+              <a:off x="6103592" y="3988376"/>
+              <a:ext cx="2880000" cy="1858805"/>
+            </a:xfrm>
+            <a:prstGeom prst="rect">
+              <a:avLst/>
+            </a:prstGeom>
+          </p:spPr>
+        </p:pic>
+      </p:grpSp>
     </p:spTree>
     <p:extLst>
       <p:ext uri="{BB962C8B-B14F-4D97-AF65-F5344CB8AC3E}">

--- a/11_MaxpidE/MaxPIDE.pptx
+++ b/11_MaxpidE/MaxPIDE.pptx
@@ -259,7 +259,7 @@
           <a:p>
             <a:fld id="{446B8E21-113E-4F0A-8830-E88648DF3139}" type="datetimeFigureOut">
               <a:rPr lang="fr-FR" smtClean="0"/>
-              <a:t>10/05/2024</a:t>
+              <a:t>13/05/2024</a:t>
             </a:fld>
             <a:endParaRPr lang="fr-FR"/>
           </a:p>
@@ -427,7 +427,7 @@
           <a:p>
             <a:fld id="{446B8E21-113E-4F0A-8830-E88648DF3139}" type="datetimeFigureOut">
               <a:rPr lang="fr-FR" smtClean="0"/>
-              <a:t>10/05/2024</a:t>
+              <a:t>13/05/2024</a:t>
             </a:fld>
             <a:endParaRPr lang="fr-FR"/>
           </a:p>
@@ -605,7 +605,7 @@
           <a:p>
             <a:fld id="{446B8E21-113E-4F0A-8830-E88648DF3139}" type="datetimeFigureOut">
               <a:rPr lang="fr-FR" smtClean="0"/>
-              <a:t>10/05/2024</a:t>
+              <a:t>13/05/2024</a:t>
             </a:fld>
             <a:endParaRPr lang="fr-FR"/>
           </a:p>
@@ -773,7 +773,7 @@
           <a:p>
             <a:fld id="{446B8E21-113E-4F0A-8830-E88648DF3139}" type="datetimeFigureOut">
               <a:rPr lang="fr-FR" smtClean="0"/>
-              <a:t>10/05/2024</a:t>
+              <a:t>13/05/2024</a:t>
             </a:fld>
             <a:endParaRPr lang="fr-FR"/>
           </a:p>
@@ -1018,7 +1018,7 @@
           <a:p>
             <a:fld id="{446B8E21-113E-4F0A-8830-E88648DF3139}" type="datetimeFigureOut">
               <a:rPr lang="fr-FR" smtClean="0"/>
-              <a:t>10/05/2024</a:t>
+              <a:t>13/05/2024</a:t>
             </a:fld>
             <a:endParaRPr lang="fr-FR"/>
           </a:p>
@@ -1247,7 +1247,7 @@
           <a:p>
             <a:fld id="{446B8E21-113E-4F0A-8830-E88648DF3139}" type="datetimeFigureOut">
               <a:rPr lang="fr-FR" smtClean="0"/>
-              <a:t>10/05/2024</a:t>
+              <a:t>13/05/2024</a:t>
             </a:fld>
             <a:endParaRPr lang="fr-FR"/>
           </a:p>
@@ -1611,7 +1611,7 @@
           <a:p>
             <a:fld id="{446B8E21-113E-4F0A-8830-E88648DF3139}" type="datetimeFigureOut">
               <a:rPr lang="fr-FR" smtClean="0"/>
-              <a:t>10/05/2024</a:t>
+              <a:t>13/05/2024</a:t>
             </a:fld>
             <a:endParaRPr lang="fr-FR"/>
           </a:p>
@@ -1728,7 +1728,7 @@
           <a:p>
             <a:fld id="{446B8E21-113E-4F0A-8830-E88648DF3139}" type="datetimeFigureOut">
               <a:rPr lang="fr-FR" smtClean="0"/>
-              <a:t>10/05/2024</a:t>
+              <a:t>13/05/2024</a:t>
             </a:fld>
             <a:endParaRPr lang="fr-FR"/>
           </a:p>
@@ -1823,7 +1823,7 @@
           <a:p>
             <a:fld id="{446B8E21-113E-4F0A-8830-E88648DF3139}" type="datetimeFigureOut">
               <a:rPr lang="fr-FR" smtClean="0"/>
-              <a:t>10/05/2024</a:t>
+              <a:t>13/05/2024</a:t>
             </a:fld>
             <a:endParaRPr lang="fr-FR"/>
           </a:p>
@@ -2098,7 +2098,7 @@
           <a:p>
             <a:fld id="{446B8E21-113E-4F0A-8830-E88648DF3139}" type="datetimeFigureOut">
               <a:rPr lang="fr-FR" smtClean="0"/>
-              <a:t>10/05/2024</a:t>
+              <a:t>13/05/2024</a:t>
             </a:fld>
             <a:endParaRPr lang="fr-FR"/>
           </a:p>
@@ -2350,7 +2350,7 @@
           <a:p>
             <a:fld id="{446B8E21-113E-4F0A-8830-E88648DF3139}" type="datetimeFigureOut">
               <a:rPr lang="fr-FR" smtClean="0"/>
-              <a:t>10/05/2024</a:t>
+              <a:t>13/05/2024</a:t>
             </a:fld>
             <a:endParaRPr lang="fr-FR"/>
           </a:p>
@@ -2561,7 +2561,7 @@
           <a:p>
             <a:fld id="{446B8E21-113E-4F0A-8830-E88648DF3139}" type="datetimeFigureOut">
               <a:rPr lang="fr-FR" smtClean="0"/>
-              <a:t>10/05/2024</a:t>
+              <a:t>13/05/2024</a:t>
             </a:fld>
             <a:endParaRPr lang="fr-FR"/>
           </a:p>
@@ -3004,6 +3004,28 @@
           </a:p>
         </p:txBody>
       </p:sp>
+      <p:pic>
+        <p:nvPicPr>
+          <p:cNvPr id="4" name="Image 3"/>
+          <p:cNvPicPr/>
+          <p:nvPr/>
+        </p:nvPicPr>
+        <p:blipFill>
+          <a:blip r:embed="rId2"/>
+          <a:stretch>
+            <a:fillRect/>
+          </a:stretch>
+        </p:blipFill>
+        <p:spPr>
+          <a:xfrm>
+            <a:off x="487160" y="652730"/>
+            <a:ext cx="4454296" cy="3483594"/>
+          </a:xfrm>
+          <a:prstGeom prst="rect">
+            <a:avLst/>
+          </a:prstGeom>
+        </p:spPr>
+      </p:pic>
     </p:spTree>
     <p:extLst>
       <p:ext uri="{BB962C8B-B14F-4D97-AF65-F5344CB8AC3E}">
@@ -3491,10 +3513,10 @@
         </p:nvGrpSpPr>
         <p:grpSpPr>
           <a:xfrm>
-            <a:off x="829212" y="81355"/>
-            <a:ext cx="8154380" cy="5765826"/>
-            <a:chOff x="829212" y="81355"/>
-            <a:chExt cx="8154380" cy="5765826"/>
+            <a:off x="829212" y="185107"/>
+            <a:ext cx="7840343" cy="5662074"/>
+            <a:chOff x="829212" y="185107"/>
+            <a:chExt cx="7840343" cy="5662074"/>
           </a:xfrm>
         </p:grpSpPr>
         <p:pic>
@@ -3513,7 +3535,7 @@
           </p:blipFill>
           <p:spPr>
             <a:xfrm>
-              <a:off x="1572133" y="426876"/>
+              <a:off x="1572133" y="769204"/>
               <a:ext cx="3276000" cy="2521507"/>
             </a:xfrm>
             <a:prstGeom prst="rect">
@@ -3543,7 +3565,7 @@
           </p:blipFill>
           <p:spPr>
             <a:xfrm>
-              <a:off x="829212" y="3280203"/>
+              <a:off x="829212" y="3531550"/>
               <a:ext cx="4761842" cy="2315631"/>
             </a:xfrm>
             <a:prstGeom prst="rect">
@@ -3573,7 +3595,7 @@
           </p:blipFill>
           <p:spPr>
             <a:xfrm>
-              <a:off x="6103592" y="81355"/>
+              <a:off x="5789555" y="185107"/>
               <a:ext cx="2880000" cy="1827036"/>
             </a:xfrm>
             <a:prstGeom prst="rect">
@@ -3603,7 +3625,7 @@
           </p:blipFill>
           <p:spPr>
             <a:xfrm>
-              <a:off x="6103592" y="2029958"/>
+              <a:off x="5789555" y="2070161"/>
               <a:ext cx="2880000" cy="1836851"/>
             </a:xfrm>
             <a:prstGeom prst="rect">
@@ -3633,7 +3655,7 @@
           </p:blipFill>
           <p:spPr>
             <a:xfrm>
-              <a:off x="6103592" y="3988376"/>
+              <a:off x="5789555" y="3988376"/>
               <a:ext cx="2880000" cy="1858805"/>
             </a:xfrm>
             <a:prstGeom prst="rect">
@@ -3642,6 +3664,466 @@
           </p:spPr>
         </p:pic>
       </p:grpSp>
+      <p:sp>
+        <p:nvSpPr>
+          <p:cNvPr id="9" name="Rectangle 8">
+            <a:extLst>
+              <a:ext uri="{FF2B5EF4-FFF2-40B4-BE49-F238E27FC236}">
+                <a16:creationId xmlns:a16="http://schemas.microsoft.com/office/drawing/2014/main" id="{92F4D1D6-B606-2CA2-EBE2-487111FC8E8A}"/>
+              </a:ext>
+            </a:extLst>
+          </p:cNvPr>
+          <p:cNvSpPr/>
+          <p:nvPr/>
+        </p:nvSpPr>
+        <p:spPr>
+          <a:xfrm>
+            <a:off x="3422060" y="882725"/>
+            <a:ext cx="144000" cy="144000"/>
+          </a:xfrm>
+          <a:prstGeom prst="rect">
+            <a:avLst/>
+          </a:prstGeom>
+          <a:noFill/>
+          <a:ln w="28575">
+            <a:solidFill>
+              <a:srgbClr val="FF0000"/>
+            </a:solidFill>
+          </a:ln>
+        </p:spPr>
+        <p:style>
+          <a:lnRef idx="2">
+            <a:schemeClr val="accent1">
+              <a:shade val="15000"/>
+            </a:schemeClr>
+          </a:lnRef>
+          <a:fillRef idx="1">
+            <a:schemeClr val="accent1"/>
+          </a:fillRef>
+          <a:effectRef idx="0">
+            <a:schemeClr val="accent1"/>
+          </a:effectRef>
+          <a:fontRef idx="minor">
+            <a:schemeClr val="lt1"/>
+          </a:fontRef>
+        </p:style>
+        <p:txBody>
+          <a:bodyPr rtlCol="0" anchor="ctr"/>
+          <a:lstStyle/>
+          <a:p>
+            <a:pPr algn="ctr"/>
+            <a:endParaRPr lang="fr-FR"/>
+          </a:p>
+        </p:txBody>
+      </p:sp>
+      <p:sp>
+        <p:nvSpPr>
+          <p:cNvPr id="10" name="Rectangle 9">
+            <a:extLst>
+              <a:ext uri="{FF2B5EF4-FFF2-40B4-BE49-F238E27FC236}">
+                <a16:creationId xmlns:a16="http://schemas.microsoft.com/office/drawing/2014/main" id="{92F4D1D6-B606-2CA2-EBE2-487111FC8E8A}"/>
+              </a:ext>
+            </a:extLst>
+          </p:cNvPr>
+          <p:cNvSpPr/>
+          <p:nvPr/>
+        </p:nvSpPr>
+        <p:spPr>
+          <a:xfrm>
+            <a:off x="3837985" y="882725"/>
+            <a:ext cx="144000" cy="144000"/>
+          </a:xfrm>
+          <a:prstGeom prst="rect">
+            <a:avLst/>
+          </a:prstGeom>
+          <a:noFill/>
+          <a:ln w="28575">
+            <a:solidFill>
+              <a:srgbClr val="00B050"/>
+            </a:solidFill>
+          </a:ln>
+        </p:spPr>
+        <p:style>
+          <a:lnRef idx="2">
+            <a:schemeClr val="accent1">
+              <a:shade val="15000"/>
+            </a:schemeClr>
+          </a:lnRef>
+          <a:fillRef idx="1">
+            <a:schemeClr val="accent1"/>
+          </a:fillRef>
+          <a:effectRef idx="0">
+            <a:schemeClr val="accent1"/>
+          </a:effectRef>
+          <a:fontRef idx="minor">
+            <a:schemeClr val="lt1"/>
+          </a:fontRef>
+        </p:style>
+        <p:txBody>
+          <a:bodyPr rtlCol="0" anchor="ctr"/>
+          <a:lstStyle/>
+          <a:p>
+            <a:pPr algn="ctr"/>
+            <a:endParaRPr lang="fr-FR">
+              <a:solidFill>
+                <a:srgbClr val="00B050"/>
+              </a:solidFill>
+            </a:endParaRPr>
+          </a:p>
+        </p:txBody>
+      </p:sp>
+      <p:sp>
+        <p:nvSpPr>
+          <p:cNvPr id="11" name="Rectangle 10">
+            <a:extLst>
+              <a:ext uri="{FF2B5EF4-FFF2-40B4-BE49-F238E27FC236}">
+                <a16:creationId xmlns:a16="http://schemas.microsoft.com/office/drawing/2014/main" id="{92F4D1D6-B606-2CA2-EBE2-487111FC8E8A}"/>
+              </a:ext>
+            </a:extLst>
+          </p:cNvPr>
+          <p:cNvSpPr/>
+          <p:nvPr/>
+        </p:nvSpPr>
+        <p:spPr>
+          <a:xfrm>
+            <a:off x="3981985" y="882725"/>
+            <a:ext cx="144000" cy="144000"/>
+          </a:xfrm>
+          <a:prstGeom prst="rect">
+            <a:avLst/>
+          </a:prstGeom>
+          <a:noFill/>
+          <a:ln w="28575">
+            <a:solidFill>
+              <a:schemeClr val="accent4"/>
+            </a:solidFill>
+          </a:ln>
+        </p:spPr>
+        <p:style>
+          <a:lnRef idx="2">
+            <a:schemeClr val="accent1">
+              <a:shade val="15000"/>
+            </a:schemeClr>
+          </a:lnRef>
+          <a:fillRef idx="1">
+            <a:schemeClr val="accent1"/>
+          </a:fillRef>
+          <a:effectRef idx="0">
+            <a:schemeClr val="accent1"/>
+          </a:effectRef>
+          <a:fontRef idx="minor">
+            <a:schemeClr val="lt1"/>
+          </a:fontRef>
+        </p:style>
+        <p:txBody>
+          <a:bodyPr rtlCol="0" anchor="ctr"/>
+          <a:lstStyle/>
+          <a:p>
+            <a:pPr algn="ctr"/>
+            <a:endParaRPr lang="fr-FR">
+              <a:solidFill>
+                <a:schemeClr val="accent4"/>
+              </a:solidFill>
+            </a:endParaRPr>
+          </a:p>
+        </p:txBody>
+      </p:sp>
+      <p:sp>
+        <p:nvSpPr>
+          <p:cNvPr id="12" name="Ellipse 11">
+            <a:extLst>
+              <a:ext uri="{FF2B5EF4-FFF2-40B4-BE49-F238E27FC236}">
+                <a16:creationId xmlns:a16="http://schemas.microsoft.com/office/drawing/2014/main" id="{840D2BF0-56A7-68C1-4BEB-ACD49D9F4C19}"/>
+              </a:ext>
+            </a:extLst>
+          </p:cNvPr>
+          <p:cNvSpPr/>
+          <p:nvPr/>
+        </p:nvSpPr>
+        <p:spPr>
+          <a:xfrm>
+            <a:off x="3315140" y="448868"/>
+            <a:ext cx="360000" cy="360000"/>
+          </a:xfrm>
+          <a:prstGeom prst="ellipse">
+            <a:avLst/>
+          </a:prstGeom>
+          <a:solidFill>
+            <a:schemeClr val="bg1"/>
+          </a:solidFill>
+          <a:ln w="28575">
+            <a:solidFill>
+              <a:srgbClr val="FF0000"/>
+            </a:solidFill>
+          </a:ln>
+        </p:spPr>
+        <p:style>
+          <a:lnRef idx="2">
+            <a:schemeClr val="accent1">
+              <a:shade val="15000"/>
+            </a:schemeClr>
+          </a:lnRef>
+          <a:fillRef idx="1">
+            <a:schemeClr val="accent1"/>
+          </a:fillRef>
+          <a:effectRef idx="0">
+            <a:schemeClr val="accent1"/>
+          </a:effectRef>
+          <a:fontRef idx="minor">
+            <a:schemeClr val="lt1"/>
+          </a:fontRef>
+        </p:style>
+        <p:txBody>
+          <a:bodyPr rtlCol="0" anchor="ctr"/>
+          <a:lstStyle/>
+          <a:p>
+            <a:pPr algn="ctr"/>
+            <a:r>
+              <a:rPr lang="fr-FR" b="1" dirty="0">
+                <a:solidFill>
+                  <a:srgbClr val="FF0000"/>
+                </a:solidFill>
+              </a:rPr>
+              <a:t>1</a:t>
+            </a:r>
+          </a:p>
+        </p:txBody>
+      </p:sp>
+      <p:sp>
+        <p:nvSpPr>
+          <p:cNvPr id="13" name="Ellipse 12">
+            <a:extLst>
+              <a:ext uri="{FF2B5EF4-FFF2-40B4-BE49-F238E27FC236}">
+                <a16:creationId xmlns:a16="http://schemas.microsoft.com/office/drawing/2014/main" id="{87A6ECA1-72F8-E69D-C3FD-739765880811}"/>
+              </a:ext>
+            </a:extLst>
+          </p:cNvPr>
+          <p:cNvSpPr/>
+          <p:nvPr/>
+        </p:nvSpPr>
+        <p:spPr>
+          <a:xfrm>
+            <a:off x="3729985" y="448255"/>
+            <a:ext cx="360000" cy="360000"/>
+          </a:xfrm>
+          <a:prstGeom prst="ellipse">
+            <a:avLst/>
+          </a:prstGeom>
+          <a:solidFill>
+            <a:schemeClr val="bg1"/>
+          </a:solidFill>
+          <a:ln w="28575">
+            <a:solidFill>
+              <a:srgbClr val="00B050"/>
+            </a:solidFill>
+          </a:ln>
+        </p:spPr>
+        <p:style>
+          <a:lnRef idx="2">
+            <a:schemeClr val="accent1">
+              <a:shade val="15000"/>
+            </a:schemeClr>
+          </a:lnRef>
+          <a:fillRef idx="1">
+            <a:schemeClr val="accent1"/>
+          </a:fillRef>
+          <a:effectRef idx="0">
+            <a:schemeClr val="accent1"/>
+          </a:effectRef>
+          <a:fontRef idx="minor">
+            <a:schemeClr val="lt1"/>
+          </a:fontRef>
+        </p:style>
+        <p:txBody>
+          <a:bodyPr rtlCol="0" anchor="ctr"/>
+          <a:lstStyle/>
+          <a:p>
+            <a:pPr algn="ctr"/>
+            <a:r>
+              <a:rPr lang="fr-FR" b="1" dirty="0">
+                <a:solidFill>
+                  <a:srgbClr val="00B050"/>
+                </a:solidFill>
+              </a:rPr>
+              <a:t>2</a:t>
+            </a:r>
+          </a:p>
+        </p:txBody>
+      </p:sp>
+      <p:sp>
+        <p:nvSpPr>
+          <p:cNvPr id="14" name="Ellipse 13">
+            <a:extLst>
+              <a:ext uri="{FF2B5EF4-FFF2-40B4-BE49-F238E27FC236}">
+                <a16:creationId xmlns:a16="http://schemas.microsoft.com/office/drawing/2014/main" id="{87A6ECA1-72F8-E69D-C3FD-739765880811}"/>
+              </a:ext>
+            </a:extLst>
+          </p:cNvPr>
+          <p:cNvSpPr/>
+          <p:nvPr/>
+        </p:nvSpPr>
+        <p:spPr>
+          <a:xfrm>
+            <a:off x="4141943" y="449810"/>
+            <a:ext cx="360000" cy="360000"/>
+          </a:xfrm>
+          <a:prstGeom prst="ellipse">
+            <a:avLst/>
+          </a:prstGeom>
+          <a:solidFill>
+            <a:schemeClr val="bg1"/>
+          </a:solidFill>
+          <a:ln w="28575">
+            <a:solidFill>
+              <a:schemeClr val="accent4"/>
+            </a:solidFill>
+          </a:ln>
+        </p:spPr>
+        <p:style>
+          <a:lnRef idx="2">
+            <a:schemeClr val="accent1">
+              <a:shade val="15000"/>
+            </a:schemeClr>
+          </a:lnRef>
+          <a:fillRef idx="1">
+            <a:schemeClr val="accent1"/>
+          </a:fillRef>
+          <a:effectRef idx="0">
+            <a:schemeClr val="accent1"/>
+          </a:effectRef>
+          <a:fontRef idx="minor">
+            <a:schemeClr val="lt1"/>
+          </a:fontRef>
+        </p:style>
+        <p:txBody>
+          <a:bodyPr rtlCol="0" anchor="ctr"/>
+          <a:lstStyle/>
+          <a:p>
+            <a:pPr algn="ctr"/>
+            <a:r>
+              <a:rPr lang="fr-FR" b="1" dirty="0" smtClean="0">
+                <a:solidFill>
+                  <a:schemeClr val="accent4"/>
+                </a:solidFill>
+              </a:rPr>
+              <a:t>3</a:t>
+            </a:r>
+            <a:endParaRPr lang="fr-FR" b="1" dirty="0">
+              <a:solidFill>
+                <a:schemeClr val="accent4"/>
+              </a:solidFill>
+            </a:endParaRPr>
+          </a:p>
+        </p:txBody>
+      </p:sp>
+      <p:sp>
+        <p:nvSpPr>
+          <p:cNvPr id="15" name="Rectangle 14">
+            <a:extLst>
+              <a:ext uri="{FF2B5EF4-FFF2-40B4-BE49-F238E27FC236}">
+                <a16:creationId xmlns:a16="http://schemas.microsoft.com/office/drawing/2014/main" id="{92F4D1D6-B606-2CA2-EBE2-487111FC8E8A}"/>
+              </a:ext>
+            </a:extLst>
+          </p:cNvPr>
+          <p:cNvSpPr/>
+          <p:nvPr/>
+        </p:nvSpPr>
+        <p:spPr>
+          <a:xfrm>
+            <a:off x="829212" y="3531549"/>
+            <a:ext cx="4761842" cy="2315631"/>
+          </a:xfrm>
+          <a:prstGeom prst="rect">
+            <a:avLst/>
+          </a:prstGeom>
+          <a:noFill/>
+          <a:ln w="28575">
+            <a:solidFill>
+              <a:srgbClr val="FF0000"/>
+            </a:solidFill>
+          </a:ln>
+        </p:spPr>
+        <p:style>
+          <a:lnRef idx="2">
+            <a:schemeClr val="accent1">
+              <a:shade val="15000"/>
+            </a:schemeClr>
+          </a:lnRef>
+          <a:fillRef idx="1">
+            <a:schemeClr val="accent1"/>
+          </a:fillRef>
+          <a:effectRef idx="0">
+            <a:schemeClr val="accent1"/>
+          </a:effectRef>
+          <a:fontRef idx="minor">
+            <a:schemeClr val="lt1"/>
+          </a:fontRef>
+        </p:style>
+        <p:txBody>
+          <a:bodyPr rtlCol="0" anchor="ctr"/>
+          <a:lstStyle/>
+          <a:p>
+            <a:pPr algn="ctr"/>
+            <a:endParaRPr lang="fr-FR"/>
+          </a:p>
+        </p:txBody>
+      </p:sp>
+      <p:sp>
+        <p:nvSpPr>
+          <p:cNvPr id="16" name="Rectangle 15">
+            <a:extLst>
+              <a:ext uri="{FF2B5EF4-FFF2-40B4-BE49-F238E27FC236}">
+                <a16:creationId xmlns:a16="http://schemas.microsoft.com/office/drawing/2014/main" id="{92F4D1D6-B606-2CA2-EBE2-487111FC8E8A}"/>
+              </a:ext>
+            </a:extLst>
+          </p:cNvPr>
+          <p:cNvSpPr/>
+          <p:nvPr/>
+        </p:nvSpPr>
+        <p:spPr>
+          <a:xfrm>
+            <a:off x="5789555" y="185108"/>
+            <a:ext cx="2879999" cy="5662072"/>
+          </a:xfrm>
+          <a:prstGeom prst="rect">
+            <a:avLst/>
+          </a:prstGeom>
+          <a:noFill/>
+          <a:ln w="28575">
+            <a:solidFill>
+              <a:srgbClr val="00B050"/>
+            </a:solidFill>
+          </a:ln>
+        </p:spPr>
+        <p:style>
+          <a:lnRef idx="2">
+            <a:schemeClr val="accent1">
+              <a:shade val="15000"/>
+            </a:schemeClr>
+          </a:lnRef>
+          <a:fillRef idx="1">
+            <a:schemeClr val="accent1"/>
+          </a:fillRef>
+          <a:effectRef idx="0">
+            <a:schemeClr val="accent1"/>
+          </a:effectRef>
+          <a:fontRef idx="minor">
+            <a:schemeClr val="lt1"/>
+          </a:fontRef>
+        </p:style>
+        <p:txBody>
+          <a:bodyPr rtlCol="0" anchor="ctr"/>
+          <a:lstStyle/>
+          <a:p>
+            <a:pPr algn="ctr"/>
+            <a:endParaRPr lang="fr-FR">
+              <a:solidFill>
+                <a:srgbClr val="00B050"/>
+              </a:solidFill>
+            </a:endParaRPr>
+          </a:p>
+        </p:txBody>
+      </p:sp>
     </p:spTree>
     <p:extLst>
       <p:ext uri="{BB962C8B-B14F-4D97-AF65-F5344CB8AC3E}">
